--- a/TODO/2-Monday/Presentation1.pptx
+++ b/TODO/2-Monday/Presentation1.pptx
@@ -3139,6 +3139,60 @@
           </a:p>
         </p:txBody>
       </p:sp>
+      <p:sp>
+        <p:nvSpPr>
+          <p:cNvPr id="2" name="TextBox 1"/>
+          <p:cNvSpPr txBox="1"/>
+          <p:nvPr/>
+        </p:nvSpPr>
+        <p:spPr>
+          <a:xfrm>
+            <a:off x="2362200" y="3048000"/>
+            <a:ext cx="4544257" cy="923330"/>
+          </a:xfrm>
+          <a:prstGeom prst="rect">
+            <a:avLst/>
+          </a:prstGeom>
+          <a:noFill/>
+        </p:spPr>
+        <p:txBody>
+          <a:bodyPr wrap="none" rtlCol="0">
+            <a:spAutoFit/>
+          </a:bodyPr>
+          <a:lstStyle/>
+          <a:p>
+            <a:pPr marL="285750" indent="-285750">
+              <a:buFont typeface="Arial" panose="020B0604020202020204" pitchFamily="34" charset="0"/>
+              <a:buChar char="•"/>
+            </a:pPr>
+            <a:r>
+              <a:rPr lang="en-US" dirty="0" smtClean="0"/>
+              <a:t>Currency Exchange</a:t>
+            </a:r>
+          </a:p>
+          <a:p>
+            <a:pPr marL="285750" indent="-285750">
+              <a:buFont typeface="Arial" panose="020B0604020202020204" pitchFamily="34" charset="0"/>
+              <a:buChar char="•"/>
+            </a:pPr>
+            <a:r>
+              <a:rPr lang="en-US" dirty="0" smtClean="0"/>
+              <a:t>Wake of financial melt 2007 bitcoin created</a:t>
+            </a:r>
+          </a:p>
+          <a:p>
+            <a:pPr marL="285750" indent="-285750">
+              <a:buFont typeface="Arial" panose="020B0604020202020204" pitchFamily="34" charset="0"/>
+              <a:buChar char="•"/>
+            </a:pPr>
+            <a:r>
+              <a:rPr lang="en-US" dirty="0" smtClean="0"/>
+              <a:t>Users and transaction growing </a:t>
+            </a:r>
+            <a:endParaRPr lang="en-US" dirty="0"/>
+          </a:p>
+        </p:txBody>
+      </p:sp>
     </p:spTree>
     <p:extLst>
       <p:ext uri="{BB962C8B-B14F-4D97-AF65-F5344CB8AC3E}">
@@ -3199,6 +3253,156 @@
           </a:p>
         </p:txBody>
       </p:sp>
+      <p:sp>
+        <p:nvSpPr>
+          <p:cNvPr id="2" name="TextBox 1"/>
+          <p:cNvSpPr txBox="1"/>
+          <p:nvPr/>
+        </p:nvSpPr>
+        <p:spPr>
+          <a:xfrm>
+            <a:off x="1219200" y="2514600"/>
+            <a:ext cx="4757969" cy="369332"/>
+          </a:xfrm>
+          <a:prstGeom prst="rect">
+            <a:avLst/>
+          </a:prstGeom>
+          <a:noFill/>
+        </p:spPr>
+        <p:txBody>
+          <a:bodyPr wrap="none" rtlCol="0">
+            <a:spAutoFit/>
+          </a:bodyPr>
+          <a:lstStyle/>
+          <a:p>
+            <a:r>
+              <a:rPr lang="en-US" dirty="0" smtClean="0"/>
+              <a:t>Social Media: Facebook, Twitter, Reddit, LinkedIn</a:t>
+            </a:r>
+            <a:endParaRPr lang="en-US" dirty="0"/>
+          </a:p>
+        </p:txBody>
+      </p:sp>
+      <p:sp>
+        <p:nvSpPr>
+          <p:cNvPr id="5" name="TextBox 4"/>
+          <p:cNvSpPr txBox="1"/>
+          <p:nvPr/>
+        </p:nvSpPr>
+        <p:spPr>
+          <a:xfrm>
+            <a:off x="1227306" y="3388309"/>
+            <a:ext cx="2017732" cy="369332"/>
+          </a:xfrm>
+          <a:prstGeom prst="rect">
+            <a:avLst/>
+          </a:prstGeom>
+          <a:noFill/>
+        </p:spPr>
+        <p:txBody>
+          <a:bodyPr wrap="none" rtlCol="0">
+            <a:spAutoFit/>
+          </a:bodyPr>
+          <a:lstStyle/>
+          <a:p>
+            <a:r>
+              <a:rPr lang="en-US" dirty="0" smtClean="0"/>
+              <a:t>Bitcoin conferences</a:t>
+            </a:r>
+            <a:endParaRPr lang="en-US" dirty="0"/>
+          </a:p>
+        </p:txBody>
+      </p:sp>
+      <p:sp>
+        <p:nvSpPr>
+          <p:cNvPr id="6" name="TextBox 5"/>
+          <p:cNvSpPr txBox="1"/>
+          <p:nvPr/>
+        </p:nvSpPr>
+        <p:spPr>
+          <a:xfrm>
+            <a:off x="1410510" y="4114800"/>
+            <a:ext cx="1682640" cy="369332"/>
+          </a:xfrm>
+          <a:prstGeom prst="rect">
+            <a:avLst/>
+          </a:prstGeom>
+          <a:noFill/>
+        </p:spPr>
+        <p:txBody>
+          <a:bodyPr wrap="none" rtlCol="0">
+            <a:spAutoFit/>
+          </a:bodyPr>
+          <a:lstStyle/>
+          <a:p>
+            <a:r>
+              <a:rPr lang="en-US" dirty="0" smtClean="0"/>
+              <a:t>Print campaigns</a:t>
+            </a:r>
+            <a:endParaRPr lang="en-US" dirty="0"/>
+          </a:p>
+        </p:txBody>
+      </p:sp>
+      <p:sp>
+        <p:nvSpPr>
+          <p:cNvPr id="3" name="TextBox 2"/>
+          <p:cNvSpPr txBox="1"/>
+          <p:nvPr/>
+        </p:nvSpPr>
+        <p:spPr>
+          <a:xfrm>
+            <a:off x="762000" y="4876800"/>
+            <a:ext cx="5154360" cy="369332"/>
+          </a:xfrm>
+          <a:prstGeom prst="rect">
+            <a:avLst/>
+          </a:prstGeom>
+          <a:noFill/>
+        </p:spPr>
+        <p:txBody>
+          <a:bodyPr wrap="none" rtlCol="0">
+            <a:spAutoFit/>
+          </a:bodyPr>
+          <a:lstStyle/>
+          <a:p>
+            <a:r>
+              <a:rPr lang="en-US" dirty="0" smtClean="0"/>
+              <a:t>Chart of customer growth rates and revenue projects</a:t>
+            </a:r>
+            <a:endParaRPr lang="en-US" dirty="0"/>
+          </a:p>
+        </p:txBody>
+      </p:sp>
+      <p:sp>
+        <p:nvSpPr>
+          <p:cNvPr id="7" name="TextBox 6"/>
+          <p:cNvSpPr txBox="1"/>
+          <p:nvPr/>
+        </p:nvSpPr>
+        <p:spPr>
+          <a:xfrm>
+            <a:off x="883596" y="5715000"/>
+            <a:ext cx="5269456" cy="369332"/>
+          </a:xfrm>
+          <a:prstGeom prst="rect">
+            <a:avLst/>
+          </a:prstGeom>
+          <a:noFill/>
+        </p:spPr>
+        <p:txBody>
+          <a:bodyPr wrap="none" rtlCol="0">
+            <a:spAutoFit/>
+          </a:bodyPr>
+          <a:lstStyle/>
+          <a:p>
+            <a:r>
+              <a:rPr lang="en-US" dirty="0" smtClean="0"/>
+              <a:t>Two key industry trends, price and transaction volume</a:t>
+            </a:r>
+            <a:endParaRPr lang="en-US" dirty="0"/>
+          </a:p>
+        </p:txBody>
+      </p:sp>
     </p:spTree>
     <p:extLst>
       <p:ext uri="{BB962C8B-B14F-4D97-AF65-F5344CB8AC3E}">
@@ -3259,6 +3463,121 @@
           </a:p>
         </p:txBody>
       </p:sp>
+      <p:pic>
+        <p:nvPicPr>
+          <p:cNvPr id="3074" name="Picture 2"/>
+          <p:cNvPicPr>
+            <a:picLocks noChangeAspect="1" noChangeArrowheads="1"/>
+          </p:cNvPicPr>
+          <p:nvPr/>
+        </p:nvPicPr>
+        <p:blipFill>
+          <a:blip r:embed="rId2">
+            <a:extLst>
+              <a:ext uri="{28A0092B-C50C-407E-A947-70E740481C1C}">
+                <a14:useLocalDpi xmlns:a14="http://schemas.microsoft.com/office/drawing/2010/main" val="0"/>
+              </a:ext>
+            </a:extLst>
+          </a:blip>
+          <a:srcRect/>
+          <a:stretch>
+            <a:fillRect/>
+          </a:stretch>
+        </p:blipFill>
+        <p:spPr bwMode="auto">
+          <a:xfrm>
+            <a:off x="914400" y="2362200"/>
+            <a:ext cx="2762250" cy="2352675"/>
+          </a:xfrm>
+          <a:prstGeom prst="rect">
+            <a:avLst/>
+          </a:prstGeom>
+          <a:noFill/>
+          <a:ln>
+            <a:noFill/>
+          </a:ln>
+          <a:effectLst/>
+          <a:extLst>
+            <a:ext uri="{909E8E84-426E-40DD-AFC4-6F175D3DCCD1}">
+              <a14:hiddenFill xmlns:a14="http://schemas.microsoft.com/office/drawing/2010/main">
+                <a:solidFill>
+                  <a:schemeClr val="accent1"/>
+                </a:solidFill>
+              </a14:hiddenFill>
+            </a:ext>
+            <a:ext uri="{91240B29-F687-4F45-9708-019B960494DF}">
+              <a14:hiddenLine xmlns:a14="http://schemas.microsoft.com/office/drawing/2010/main" w="9525">
+                <a:solidFill>
+                  <a:schemeClr val="tx1"/>
+                </a:solidFill>
+                <a:miter lim="800000"/>
+                <a:headEnd/>
+                <a:tailEnd/>
+              </a14:hiddenLine>
+            </a:ext>
+            <a:ext uri="{AF507438-7753-43E0-B8FC-AC1667EBCBE1}">
+              <a14:hiddenEffects xmlns:a14="http://schemas.microsoft.com/office/drawing/2010/main">
+                <a:effectLst>
+                  <a:outerShdw dist="35921" dir="2700000" algn="ctr" rotWithShape="0">
+                    <a:schemeClr val="bg2"/>
+                  </a:outerShdw>
+                </a:effectLst>
+              </a14:hiddenEffects>
+            </a:ext>
+          </a:extLst>
+        </p:spPr>
+      </p:pic>
+      <p:sp>
+        <p:nvSpPr>
+          <p:cNvPr id="2" name="TextBox 1"/>
+          <p:cNvSpPr txBox="1"/>
+          <p:nvPr/>
+        </p:nvSpPr>
+        <p:spPr>
+          <a:xfrm>
+            <a:off x="5257800" y="2667000"/>
+            <a:ext cx="2882392" cy="1477328"/>
+          </a:xfrm>
+          <a:prstGeom prst="rect">
+            <a:avLst/>
+          </a:prstGeom>
+          <a:noFill/>
+        </p:spPr>
+        <p:txBody>
+          <a:bodyPr wrap="none" rtlCol="0">
+            <a:spAutoFit/>
+          </a:bodyPr>
+          <a:lstStyle/>
+          <a:p>
+            <a:r>
+              <a:rPr lang="en-US" dirty="0"/>
+              <a:t>Minimum trade value $1</a:t>
+            </a:r>
+          </a:p>
+          <a:p>
+            <a:r>
+              <a:rPr lang="en-US" dirty="0"/>
+              <a:t>No withdraw fees</a:t>
+            </a:r>
+          </a:p>
+          <a:p>
+            <a:r>
+              <a:rPr lang="en-US" dirty="0"/>
+              <a:t>Minimum withdraw value $1</a:t>
+            </a:r>
+          </a:p>
+          <a:p>
+            <a:r>
+              <a:rPr lang="nl-NL" dirty="0"/>
+              <a:t>No maker fees</a:t>
+            </a:r>
+            <a:endParaRPr lang="en-US" dirty="0"/>
+          </a:p>
+          <a:p>
+            <a:endParaRPr lang="en-US" dirty="0"/>
+          </a:p>
+        </p:txBody>
+      </p:sp>
     </p:spTree>
     <p:extLst>
       <p:ext uri="{BB962C8B-B14F-4D97-AF65-F5344CB8AC3E}">
@@ -3321,6 +3640,111 @@
           </a:p>
         </p:txBody>
       </p:sp>
+      <p:sp>
+        <p:nvSpPr>
+          <p:cNvPr id="2" name="TextBox 1"/>
+          <p:cNvSpPr txBox="1"/>
+          <p:nvPr/>
+        </p:nvSpPr>
+        <p:spPr>
+          <a:xfrm>
+            <a:off x="1066800" y="2514600"/>
+            <a:ext cx="2169184" cy="2308324"/>
+          </a:xfrm>
+          <a:prstGeom prst="rect">
+            <a:avLst/>
+          </a:prstGeom>
+          <a:noFill/>
+        </p:spPr>
+        <p:txBody>
+          <a:bodyPr wrap="none" rtlCol="0">
+            <a:spAutoFit/>
+          </a:bodyPr>
+          <a:lstStyle/>
+          <a:p>
+            <a:pPr marL="285750" indent="-285750">
+              <a:buFont typeface="Arial" panose="020B0604020202020204" pitchFamily="34" charset="0"/>
+              <a:buChar char="•"/>
+            </a:pPr>
+            <a:r>
+              <a:rPr lang="en-US" dirty="0" smtClean="0"/>
+              <a:t>New Hire</a:t>
+            </a:r>
+          </a:p>
+          <a:p>
+            <a:pPr marL="285750" indent="-285750">
+              <a:buFont typeface="Arial" panose="020B0604020202020204" pitchFamily="34" charset="0"/>
+              <a:buChar char="•"/>
+            </a:pPr>
+            <a:r>
+              <a:rPr lang="en-US" dirty="0" err="1" smtClean="0"/>
+              <a:t>Payrole</a:t>
+            </a:r>
+            <a:endParaRPr lang="en-US" dirty="0" smtClean="0"/>
+          </a:p>
+          <a:p>
+            <a:pPr marL="285750" indent="-285750">
+              <a:buFont typeface="Arial" panose="020B0604020202020204" pitchFamily="34" charset="0"/>
+              <a:buChar char="•"/>
+            </a:pPr>
+            <a:r>
+              <a:rPr lang="en-US" dirty="0" smtClean="0"/>
+              <a:t>Add Customer</a:t>
+            </a:r>
+          </a:p>
+          <a:p>
+            <a:pPr marL="285750" indent="-285750">
+              <a:buFont typeface="Arial" panose="020B0604020202020204" pitchFamily="34" charset="0"/>
+              <a:buChar char="•"/>
+            </a:pPr>
+            <a:r>
+              <a:rPr lang="en-US" dirty="0" smtClean="0"/>
+              <a:t>Deposit funds</a:t>
+            </a:r>
+          </a:p>
+          <a:p>
+            <a:pPr marL="285750" indent="-285750">
+              <a:buFont typeface="Arial" panose="020B0604020202020204" pitchFamily="34" charset="0"/>
+              <a:buChar char="•"/>
+            </a:pPr>
+            <a:r>
+              <a:rPr lang="en-US" dirty="0" smtClean="0"/>
+              <a:t>Withdraw funds</a:t>
+            </a:r>
+          </a:p>
+          <a:p>
+            <a:pPr marL="285750" indent="-285750">
+              <a:buFont typeface="Arial" panose="020B0604020202020204" pitchFamily="34" charset="0"/>
+              <a:buChar char="•"/>
+            </a:pPr>
+            <a:r>
+              <a:rPr lang="en-US" dirty="0" smtClean="0"/>
+              <a:t>Post trade</a:t>
+            </a:r>
+          </a:p>
+          <a:p>
+            <a:pPr marL="285750" indent="-285750">
+              <a:buFont typeface="Arial" panose="020B0604020202020204" pitchFamily="34" charset="0"/>
+              <a:buChar char="•"/>
+            </a:pPr>
+            <a:r>
+              <a:rPr lang="en-US" dirty="0" smtClean="0"/>
+              <a:t>Customer support</a:t>
+            </a:r>
+          </a:p>
+          <a:p>
+            <a:pPr marL="285750" indent="-285750">
+              <a:buFont typeface="Arial" panose="020B0604020202020204" pitchFamily="34" charset="0"/>
+              <a:buChar char="•"/>
+            </a:pPr>
+            <a:r>
+              <a:rPr lang="en-US" dirty="0" smtClean="0"/>
+              <a:t>Marketing</a:t>
+            </a:r>
+            <a:endParaRPr lang="en-US" dirty="0"/>
+          </a:p>
+        </p:txBody>
+      </p:sp>
     </p:spTree>
     <p:extLst>
       <p:ext uri="{BB962C8B-B14F-4D97-AF65-F5344CB8AC3E}">
@@ -3389,6 +3813,36 @@
           </a:p>
         </p:txBody>
       </p:sp>
+      <p:sp>
+        <p:nvSpPr>
+          <p:cNvPr id="3" name="TextBox 2"/>
+          <p:cNvSpPr txBox="1"/>
+          <p:nvPr/>
+        </p:nvSpPr>
+        <p:spPr>
+          <a:xfrm>
+            <a:off x="762000" y="2514600"/>
+            <a:ext cx="663964" cy="369332"/>
+          </a:xfrm>
+          <a:prstGeom prst="rect">
+            <a:avLst/>
+          </a:prstGeom>
+          <a:noFill/>
+        </p:spPr>
+        <p:txBody>
+          <a:bodyPr wrap="none" rtlCol="0">
+            <a:spAutoFit/>
+          </a:bodyPr>
+          <a:lstStyle/>
+          <a:p>
+            <a:r>
+              <a:rPr lang="en-US" dirty="0" smtClean="0"/>
+              <a:t>P &amp; L</a:t>
+            </a:r>
+            <a:endParaRPr lang="en-US" dirty="0"/>
+          </a:p>
+        </p:txBody>
+      </p:sp>
     </p:spTree>
     <p:extLst>
       <p:ext uri="{BB962C8B-B14F-4D97-AF65-F5344CB8AC3E}">
@@ -3449,6 +3903,78 @@
           </a:p>
         </p:txBody>
       </p:sp>
+      <p:sp>
+        <p:nvSpPr>
+          <p:cNvPr id="2" name="TextBox 1"/>
+          <p:cNvSpPr txBox="1"/>
+          <p:nvPr/>
+        </p:nvSpPr>
+        <p:spPr>
+          <a:xfrm>
+            <a:off x="609600" y="2667000"/>
+            <a:ext cx="7845738" cy="369332"/>
+          </a:xfrm>
+          <a:prstGeom prst="rect">
+            <a:avLst/>
+          </a:prstGeom>
+          <a:noFill/>
+        </p:spPr>
+        <p:txBody>
+          <a:bodyPr wrap="none" rtlCol="0">
+            <a:spAutoFit/>
+          </a:bodyPr>
+          <a:lstStyle/>
+          <a:p>
+            <a:r>
+              <a:rPr lang="en-US" dirty="0" smtClean="0"/>
+              <a:t>Need startup money to build exchange software, setup office and </a:t>
+            </a:r>
+            <a:r>
+              <a:rPr lang="en-US" dirty="0" err="1" smtClean="0"/>
+              <a:t>aquire</a:t>
+            </a:r>
+            <a:r>
+              <a:rPr lang="en-US" dirty="0" smtClean="0"/>
+              <a:t> </a:t>
+            </a:r>
+            <a:r>
+              <a:rPr lang="en-US" dirty="0" err="1" smtClean="0"/>
+              <a:t>licencing</a:t>
+            </a:r>
+            <a:endParaRPr lang="en-US" dirty="0"/>
+          </a:p>
+        </p:txBody>
+      </p:sp>
+      <p:sp>
+        <p:nvSpPr>
+          <p:cNvPr id="3" name="TextBox 2"/>
+          <p:cNvSpPr txBox="1"/>
+          <p:nvPr/>
+        </p:nvSpPr>
+        <p:spPr>
+          <a:xfrm>
+            <a:off x="838200" y="4267200"/>
+            <a:ext cx="3352456" cy="369332"/>
+          </a:xfrm>
+          <a:prstGeom prst="rect">
+            <a:avLst/>
+          </a:prstGeom>
+          <a:noFill/>
+        </p:spPr>
+        <p:txBody>
+          <a:bodyPr wrap="none" rtlCol="0">
+            <a:spAutoFit/>
+          </a:bodyPr>
+          <a:lstStyle/>
+          <a:p>
+            <a:r>
+              <a:rPr lang="en-US" dirty="0" smtClean="0"/>
+              <a:t>Will give owner ship of company</a:t>
+            </a:r>
+            <a:endParaRPr lang="en-US" dirty="0"/>
+          </a:p>
+        </p:txBody>
+      </p:sp>
     </p:spTree>
     <p:extLst>
       <p:ext uri="{BB962C8B-B14F-4D97-AF65-F5344CB8AC3E}">
@@ -3509,6 +4035,97 @@
           </a:p>
         </p:txBody>
       </p:sp>
+      <p:sp>
+        <p:nvSpPr>
+          <p:cNvPr id="2" name="TextBox 1"/>
+          <p:cNvSpPr txBox="1"/>
+          <p:nvPr/>
+        </p:nvSpPr>
+        <p:spPr>
+          <a:xfrm>
+            <a:off x="2438400" y="4191000"/>
+            <a:ext cx="5107809" cy="2031325"/>
+          </a:xfrm>
+          <a:prstGeom prst="rect">
+            <a:avLst/>
+          </a:prstGeom>
+          <a:noFill/>
+        </p:spPr>
+        <p:txBody>
+          <a:bodyPr wrap="none" rtlCol="0">
+            <a:spAutoFit/>
+          </a:bodyPr>
+          <a:lstStyle/>
+          <a:p>
+            <a:r>
+              <a:rPr lang="en-US" dirty="0" smtClean="0"/>
+              <a:t>Sell of three key assets;</a:t>
+            </a:r>
+          </a:p>
+          <a:p>
+            <a:endParaRPr lang="en-US" dirty="0"/>
+          </a:p>
+          <a:p>
+            <a:r>
+              <a:rPr lang="en-US" dirty="0" smtClean="0"/>
+              <a:t>Customers</a:t>
+            </a:r>
+          </a:p>
+          <a:p>
+            <a:endParaRPr lang="en-US" dirty="0"/>
+          </a:p>
+          <a:p>
+            <a:r>
+              <a:rPr lang="en-US" dirty="0" smtClean="0"/>
+              <a:t>Exchange software</a:t>
+            </a:r>
+          </a:p>
+          <a:p>
+            <a:endParaRPr lang="en-US" dirty="0"/>
+          </a:p>
+          <a:p>
+            <a:r>
+              <a:rPr lang="en-US" dirty="0" err="1" smtClean="0"/>
+              <a:t>Licences</a:t>
+            </a:r>
+            <a:r>
+              <a:rPr lang="en-US" dirty="0" smtClean="0"/>
+              <a:t> (as much as 100,000 in legal / account fees)</a:t>
+            </a:r>
+            <a:endParaRPr lang="en-US" dirty="0"/>
+          </a:p>
+        </p:txBody>
+      </p:sp>
+      <p:sp>
+        <p:nvSpPr>
+          <p:cNvPr id="3" name="TextBox 2"/>
+          <p:cNvSpPr txBox="1"/>
+          <p:nvPr/>
+        </p:nvSpPr>
+        <p:spPr>
+          <a:xfrm>
+            <a:off x="838201" y="2514600"/>
+            <a:ext cx="6477000" cy="646331"/>
+          </a:xfrm>
+          <a:prstGeom prst="rect">
+            <a:avLst/>
+          </a:prstGeom>
+          <a:noFill/>
+        </p:spPr>
+        <p:txBody>
+          <a:bodyPr wrap="square" rtlCol="0">
+            <a:spAutoFit/>
+          </a:bodyPr>
+          <a:lstStyle/>
+          <a:p>
+            <a:r>
+              <a:rPr lang="en-US" dirty="0" smtClean="0"/>
+              <a:t>No plan to leave exchange, maintain ownership, slowly lessen daily activities involving exchange</a:t>
+            </a:r>
+            <a:endParaRPr lang="en-US" dirty="0"/>
+          </a:p>
+        </p:txBody>
+      </p:sp>
     </p:spTree>
     <p:extLst>
       <p:ext uri="{BB962C8B-B14F-4D97-AF65-F5344CB8AC3E}">
@@ -3569,6 +4186,38 @@
           </a:p>
         </p:txBody>
       </p:sp>
+      <p:sp>
+        <p:nvSpPr>
+          <p:cNvPr id="2" name="TextBox 1"/>
+          <p:cNvSpPr txBox="1"/>
+          <p:nvPr/>
+        </p:nvSpPr>
+        <p:spPr>
+          <a:xfrm>
+            <a:off x="685800" y="2438400"/>
+            <a:ext cx="8259697" cy="646331"/>
+          </a:xfrm>
+          <a:prstGeom prst="rect">
+            <a:avLst/>
+          </a:prstGeom>
+          <a:noFill/>
+        </p:spPr>
+        <p:txBody>
+          <a:bodyPr wrap="none" rtlCol="0">
+            <a:spAutoFit/>
+          </a:bodyPr>
+          <a:lstStyle/>
+          <a:p>
+            <a:r>
+              <a:rPr lang="en-US" dirty="0"/>
+              <a:t>Our mission is to provide a safe and reliable place for customers to exchange currency.</a:t>
+            </a:r>
+          </a:p>
+          <a:p>
+            <a:endParaRPr lang="en-US" dirty="0"/>
+          </a:p>
+        </p:txBody>
+      </p:sp>
     </p:spTree>
     <p:extLst>
       <p:ext uri="{BB962C8B-B14F-4D97-AF65-F5344CB8AC3E}">
@@ -3629,6 +4278,48 @@
           </a:p>
         </p:txBody>
       </p:sp>
+      <p:sp>
+        <p:nvSpPr>
+          <p:cNvPr id="2" name="TextBox 1"/>
+          <p:cNvSpPr txBox="1"/>
+          <p:nvPr/>
+        </p:nvSpPr>
+        <p:spPr>
+          <a:xfrm>
+            <a:off x="1905000" y="3124200"/>
+            <a:ext cx="5496441" cy="923330"/>
+          </a:xfrm>
+          <a:prstGeom prst="rect">
+            <a:avLst/>
+          </a:prstGeom>
+          <a:noFill/>
+        </p:spPr>
+        <p:txBody>
+          <a:bodyPr wrap="none" rtlCol="0">
+            <a:spAutoFit/>
+          </a:bodyPr>
+          <a:lstStyle/>
+          <a:p>
+            <a:r>
+              <a:rPr lang="en-US" dirty="0" smtClean="0"/>
+              <a:t>Successful running an exchange. </a:t>
+            </a:r>
+          </a:p>
+          <a:p>
+            <a:r>
+              <a:rPr lang="en-US" dirty="0" smtClean="0"/>
+              <a:t>Hoping to acquire 5-10% of total trading volume.</a:t>
+            </a:r>
+          </a:p>
+          <a:p>
+            <a:r>
+              <a:rPr lang="en-US" dirty="0" smtClean="0"/>
+              <a:t>Expand into foreign markets especially China and Europe</a:t>
+            </a:r>
+            <a:endParaRPr lang="en-US" dirty="0"/>
+          </a:p>
+        </p:txBody>
+      </p:sp>
     </p:spTree>
     <p:extLst>
       <p:ext uri="{BB962C8B-B14F-4D97-AF65-F5344CB8AC3E}">
@@ -3667,7 +4358,7 @@
         </p:nvSpPr>
         <p:spPr>
           <a:xfrm>
-            <a:off x="1524000" y="990600"/>
+            <a:off x="609600" y="304800"/>
             <a:ext cx="5704190" cy="369332"/>
           </a:xfrm>
           <a:prstGeom prst="rect">
@@ -3684,6 +4375,206 @@
             <a:r>
               <a:rPr lang="en-US" dirty="0" smtClean="0"/>
               <a:t>Brief summary of Industry (STEP Analysis, Porter’s 5 forces)</a:t>
+            </a:r>
+            <a:endParaRPr lang="en-US" dirty="0"/>
+          </a:p>
+        </p:txBody>
+      </p:sp>
+      <p:sp>
+        <p:nvSpPr>
+          <p:cNvPr id="2" name="TextBox 1"/>
+          <p:cNvSpPr txBox="1"/>
+          <p:nvPr/>
+        </p:nvSpPr>
+        <p:spPr>
+          <a:xfrm>
+            <a:off x="609600" y="914400"/>
+            <a:ext cx="6662465" cy="923330"/>
+          </a:xfrm>
+          <a:prstGeom prst="rect">
+            <a:avLst/>
+          </a:prstGeom>
+          <a:noFill/>
+        </p:spPr>
+        <p:txBody>
+          <a:bodyPr wrap="none" rtlCol="0">
+            <a:spAutoFit/>
+          </a:bodyPr>
+          <a:lstStyle/>
+          <a:p>
+            <a:r>
+              <a:rPr lang="en-US" dirty="0" smtClean="0"/>
+              <a:t>Social</a:t>
+            </a:r>
+          </a:p>
+          <a:p>
+            <a:r>
+              <a:rPr lang="en-US" dirty="0"/>
+              <a:t>O</a:t>
+            </a:r>
+            <a:r>
+              <a:rPr lang="en-US" dirty="0" smtClean="0"/>
+              <a:t>pportunity: Distrust of banking industry creating need to alternative</a:t>
+            </a:r>
+          </a:p>
+          <a:p>
+            <a:r>
+              <a:rPr lang="en-US" dirty="0" smtClean="0"/>
+              <a:t>Threat: Mistrust and connection to blank market tarnish image</a:t>
+            </a:r>
+            <a:endParaRPr lang="en-US" dirty="0"/>
+          </a:p>
+        </p:txBody>
+      </p:sp>
+      <p:sp>
+        <p:nvSpPr>
+          <p:cNvPr id="5" name="TextBox 4"/>
+          <p:cNvSpPr txBox="1"/>
+          <p:nvPr/>
+        </p:nvSpPr>
+        <p:spPr>
+          <a:xfrm>
+            <a:off x="457200" y="2133600"/>
+            <a:ext cx="7315200" cy="1477328"/>
+          </a:xfrm>
+          <a:prstGeom prst="rect">
+            <a:avLst/>
+          </a:prstGeom>
+          <a:noFill/>
+        </p:spPr>
+        <p:txBody>
+          <a:bodyPr wrap="square" rtlCol="0">
+            <a:spAutoFit/>
+          </a:bodyPr>
+          <a:lstStyle/>
+          <a:p>
+            <a:r>
+              <a:rPr lang="en-US" dirty="0" smtClean="0"/>
+              <a:t>Technology</a:t>
+            </a:r>
+          </a:p>
+          <a:p>
+            <a:r>
+              <a:rPr lang="en-US" dirty="0"/>
+              <a:t>O</a:t>
+            </a:r>
+            <a:r>
+              <a:rPr lang="en-US" dirty="0" smtClean="0"/>
+              <a:t>pportunity: Block chain technology make </a:t>
+            </a:r>
+            <a:r>
+              <a:rPr lang="en-US" dirty="0" err="1" smtClean="0"/>
+              <a:t>transfering</a:t>
+            </a:r>
+            <a:r>
+              <a:rPr lang="en-US" dirty="0" smtClean="0"/>
+              <a:t> money </a:t>
+            </a:r>
+            <a:r>
+              <a:rPr lang="en-US" dirty="0" err="1" smtClean="0"/>
+              <a:t>quicker,safer</a:t>
+            </a:r>
+            <a:r>
+              <a:rPr lang="en-US" dirty="0" smtClean="0"/>
+              <a:t> and less expensive</a:t>
+            </a:r>
+          </a:p>
+          <a:p>
+            <a:r>
+              <a:rPr lang="en-US" dirty="0" smtClean="0"/>
+              <a:t>Threat: Vulnerable to hacking and theft. relies on the unbreakable nature of current encryption systems</a:t>
+            </a:r>
+            <a:endParaRPr lang="en-US" dirty="0"/>
+          </a:p>
+        </p:txBody>
+      </p:sp>
+      <p:sp>
+        <p:nvSpPr>
+          <p:cNvPr id="3" name="TextBox 2"/>
+          <p:cNvSpPr txBox="1"/>
+          <p:nvPr/>
+        </p:nvSpPr>
+        <p:spPr>
+          <a:xfrm>
+            <a:off x="609600" y="4114800"/>
+            <a:ext cx="7859652" cy="923330"/>
+          </a:xfrm>
+          <a:prstGeom prst="rect">
+            <a:avLst/>
+          </a:prstGeom>
+          <a:noFill/>
+        </p:spPr>
+        <p:txBody>
+          <a:bodyPr wrap="none" rtlCol="0">
+            <a:spAutoFit/>
+          </a:bodyPr>
+          <a:lstStyle/>
+          <a:p>
+            <a:r>
+              <a:rPr lang="en-US" dirty="0" smtClean="0"/>
+              <a:t>Economic trends</a:t>
+            </a:r>
+          </a:p>
+          <a:p>
+            <a:r>
+              <a:rPr lang="en-US" dirty="0" smtClean="0"/>
+              <a:t>Opportunity:  Online sales grow, crypto currency very good for online transactions</a:t>
+            </a:r>
+          </a:p>
+          <a:p>
+            <a:r>
+              <a:rPr lang="en-US" dirty="0" smtClean="0"/>
+              <a:t>Threat:  Poor economy could limit online sales</a:t>
+            </a:r>
+            <a:endParaRPr lang="en-US" dirty="0"/>
+          </a:p>
+        </p:txBody>
+      </p:sp>
+      <p:sp>
+        <p:nvSpPr>
+          <p:cNvPr id="6" name="TextBox 5"/>
+          <p:cNvSpPr txBox="1"/>
+          <p:nvPr/>
+        </p:nvSpPr>
+        <p:spPr>
+          <a:xfrm>
+            <a:off x="604736" y="5410200"/>
+            <a:ext cx="7864516" cy="1200329"/>
+          </a:xfrm>
+          <a:prstGeom prst="rect">
+            <a:avLst/>
+          </a:prstGeom>
+          <a:noFill/>
+        </p:spPr>
+        <p:txBody>
+          <a:bodyPr wrap="square" rtlCol="0">
+            <a:spAutoFit/>
+          </a:bodyPr>
+          <a:lstStyle/>
+          <a:p>
+            <a:r>
+              <a:rPr lang="en-US" dirty="0" smtClean="0"/>
+              <a:t>Political and Regulatory Factors</a:t>
+            </a:r>
+          </a:p>
+          <a:p>
+            <a:r>
+              <a:rPr lang="en-US" dirty="0" smtClean="0"/>
+              <a:t>Opportunity:  New </a:t>
+            </a:r>
+            <a:r>
+              <a:rPr lang="en-US" dirty="0"/>
+              <a:t>Y</a:t>
+            </a:r>
+            <a:r>
+              <a:rPr lang="en-US" dirty="0" smtClean="0"/>
+              <a:t>ork state established the BitLicense, first of its kind</a:t>
+            </a:r>
+          </a:p>
+          <a:p>
+            <a:r>
+              <a:rPr lang="en-US" dirty="0" smtClean="0"/>
+              <a:t>Threat:  Governments through out the world still developing regulatory systems for crypto currencies</a:t>
             </a:r>
             <a:endParaRPr lang="en-US" dirty="0"/>
           </a:p>
@@ -3727,7 +4618,7 @@
         </p:nvSpPr>
         <p:spPr>
           <a:xfrm>
-            <a:off x="1524001" y="990600"/>
+            <a:off x="838200" y="344269"/>
             <a:ext cx="6019800" cy="646331"/>
           </a:xfrm>
           <a:prstGeom prst="rect">
@@ -3749,6 +4640,113 @@
           </a:p>
         </p:txBody>
       </p:sp>
+      <p:sp>
+        <p:nvSpPr>
+          <p:cNvPr id="2" name="TextBox 1"/>
+          <p:cNvSpPr txBox="1"/>
+          <p:nvPr/>
+        </p:nvSpPr>
+        <p:spPr>
+          <a:xfrm>
+            <a:off x="533400" y="4800600"/>
+            <a:ext cx="8001000" cy="369332"/>
+          </a:xfrm>
+          <a:prstGeom prst="rect">
+            <a:avLst/>
+          </a:prstGeom>
+          <a:noFill/>
+        </p:spPr>
+        <p:txBody>
+          <a:bodyPr wrap="square" rtlCol="0">
+            <a:spAutoFit/>
+          </a:bodyPr>
+          <a:lstStyle/>
+          <a:p>
+            <a:r>
+              <a:rPr lang="en-US" dirty="0" smtClean="0"/>
+              <a:t>Critical </a:t>
+            </a:r>
+            <a:r>
+              <a:rPr lang="en-US" dirty="0" err="1" smtClean="0"/>
+              <a:t>suscess</a:t>
+            </a:r>
+            <a:r>
+              <a:rPr lang="en-US" dirty="0" smtClean="0"/>
+              <a:t>:  Price, Customer service, Available products, Security</a:t>
+            </a:r>
+          </a:p>
+        </p:txBody>
+      </p:sp>
+      <p:sp>
+        <p:nvSpPr>
+          <p:cNvPr id="3" name="TextBox 2"/>
+          <p:cNvSpPr txBox="1"/>
+          <p:nvPr/>
+        </p:nvSpPr>
+        <p:spPr>
+          <a:xfrm>
+            <a:off x="1429142" y="3991104"/>
+            <a:ext cx="5428858" cy="369332"/>
+          </a:xfrm>
+          <a:prstGeom prst="rect">
+            <a:avLst/>
+          </a:prstGeom>
+          <a:noFill/>
+        </p:spPr>
+        <p:txBody>
+          <a:bodyPr wrap="none" rtlCol="0">
+            <a:spAutoFit/>
+          </a:bodyPr>
+          <a:lstStyle/>
+          <a:p>
+            <a:r>
+              <a:rPr lang="en-US" dirty="0"/>
+              <a:t>http://coinmarketcap.com/currencies/volume/24-hour/</a:t>
+            </a:r>
+          </a:p>
+        </p:txBody>
+      </p:sp>
+      <p:pic>
+        <p:nvPicPr>
+          <p:cNvPr id="1026" name="Picture 2" descr="H:\apps\xp\desktop\HOME\SCHOOL\Business\TODO\2-Monday\marketshare.PNG"/>
+          <p:cNvPicPr>
+            <a:picLocks noChangeAspect="1" noChangeArrowheads="1"/>
+          </p:cNvPicPr>
+          <p:nvPr/>
+        </p:nvPicPr>
+        <p:blipFill>
+          <a:blip r:embed="rId2">
+            <a:extLst>
+              <a:ext uri="{28A0092B-C50C-407E-A947-70E740481C1C}">
+                <a14:useLocalDpi xmlns:a14="http://schemas.microsoft.com/office/drawing/2010/main" val="0"/>
+              </a:ext>
+            </a:extLst>
+          </a:blip>
+          <a:srcRect/>
+          <a:stretch>
+            <a:fillRect/>
+          </a:stretch>
+        </p:blipFill>
+        <p:spPr bwMode="auto">
+          <a:xfrm>
+            <a:off x="1143000" y="1371600"/>
+            <a:ext cx="4892675" cy="2307078"/>
+          </a:xfrm>
+          <a:prstGeom prst="rect">
+            <a:avLst/>
+          </a:prstGeom>
+          <a:noFill/>
+          <a:extLst>
+            <a:ext uri="{909E8E84-426E-40DD-AFC4-6F175D3DCCD1}">
+              <a14:hiddenFill xmlns:a14="http://schemas.microsoft.com/office/drawing/2010/main">
+                <a:solidFill>
+                  <a:srgbClr val="FFFFFF"/>
+                </a:solidFill>
+              </a14:hiddenFill>
+            </a:ext>
+          </a:extLst>
+        </p:spPr>
+      </p:pic>
     </p:spTree>
     <p:extLst>
       <p:ext uri="{BB962C8B-B14F-4D97-AF65-F5344CB8AC3E}">
@@ -3787,7 +4785,7 @@
         </p:nvSpPr>
         <p:spPr>
           <a:xfrm>
-            <a:off x="1524001" y="990600"/>
+            <a:off x="838200" y="457200"/>
             <a:ext cx="6096000" cy="646331"/>
           </a:xfrm>
           <a:prstGeom prst="rect">
@@ -3809,6 +4807,112 @@
           </a:p>
         </p:txBody>
       </p:sp>
+      <p:sp>
+        <p:nvSpPr>
+          <p:cNvPr id="2" name="TextBox 1"/>
+          <p:cNvSpPr txBox="1"/>
+          <p:nvPr/>
+        </p:nvSpPr>
+        <p:spPr>
+          <a:xfrm>
+            <a:off x="1695594" y="1447800"/>
+            <a:ext cx="4750147" cy="923330"/>
+          </a:xfrm>
+          <a:prstGeom prst="rect">
+            <a:avLst/>
+          </a:prstGeom>
+          <a:noFill/>
+        </p:spPr>
+        <p:txBody>
+          <a:bodyPr wrap="none" rtlCol="0">
+            <a:spAutoFit/>
+          </a:bodyPr>
+          <a:lstStyle/>
+          <a:p>
+            <a:r>
+              <a:rPr lang="en-US" dirty="0" smtClean="0"/>
+              <a:t>Been in the computer industry for 30 plus years. </a:t>
+            </a:r>
+          </a:p>
+          <a:p>
+            <a:r>
+              <a:rPr lang="en-US" dirty="0" smtClean="0"/>
+              <a:t>Watching crypto currency for years</a:t>
+            </a:r>
+          </a:p>
+          <a:p>
+            <a:r>
+              <a:rPr lang="en-US" dirty="0" smtClean="0"/>
+              <a:t>Active day trader on several exchanges</a:t>
+            </a:r>
+            <a:endParaRPr lang="en-US" dirty="0"/>
+          </a:p>
+        </p:txBody>
+      </p:sp>
+      <p:pic>
+        <p:nvPicPr>
+          <p:cNvPr id="2050" name="Picture 2"/>
+          <p:cNvPicPr>
+            <a:picLocks noChangeAspect="1" noChangeArrowheads="1"/>
+          </p:cNvPicPr>
+          <p:nvPr/>
+        </p:nvPicPr>
+        <p:blipFill>
+          <a:blip r:embed="rId2">
+            <a:extLst>
+              <a:ext uri="{28A0092B-C50C-407E-A947-70E740481C1C}">
+                <a14:useLocalDpi xmlns:a14="http://schemas.microsoft.com/office/drawing/2010/main" val="0"/>
+              </a:ext>
+            </a:extLst>
+          </a:blip>
+          <a:srcRect/>
+          <a:stretch>
+            <a:fillRect/>
+          </a:stretch>
+        </p:blipFill>
+        <p:spPr bwMode="auto">
+          <a:xfrm>
+            <a:off x="1666411" y="3124200"/>
+            <a:ext cx="5330825" cy="3002063"/>
+          </a:xfrm>
+          <a:prstGeom prst="rect">
+            <a:avLst/>
+          </a:prstGeom>
+          <a:noFill/>
+          <a:ln>
+            <a:noFill/>
+          </a:ln>
+          <a:effectLst/>
+          <a:extLst>
+            <a:ext uri="{909E8E84-426E-40DD-AFC4-6F175D3DCCD1}">
+              <a14:hiddenFill xmlns:a14="http://schemas.microsoft.com/office/drawing/2010/main">
+                <a:solidFill>
+                  <a:schemeClr val="accent1"/>
+                </a:solidFill>
+              </a14:hiddenFill>
+            </a:ext>
+            <a:ext uri="{91240B29-F687-4F45-9708-019B960494DF}">
+              <a14:hiddenLine xmlns:a14="http://schemas.microsoft.com/office/drawing/2010/main" w="9525">
+                <a:solidFill>
+                  <a:schemeClr val="tx1"/>
+                </a:solidFill>
+                <a:miter lim="800000"/>
+                <a:headEnd/>
+                <a:tailEnd/>
+              </a14:hiddenLine>
+            </a:ext>
+            <a:ext uri="{AF507438-7753-43E0-B8FC-AC1667EBCBE1}">
+              <a14:hiddenEffects xmlns:a14="http://schemas.microsoft.com/office/drawing/2010/main">
+                <a:effectLst>
+                  <a:outerShdw dist="35921" dir="2700000" algn="ctr" rotWithShape="0">
+                    <a:schemeClr val="bg2"/>
+                  </a:outerShdw>
+                </a:effectLst>
+              </a14:hiddenEffects>
+            </a:ext>
+          </a:extLst>
+        </p:spPr>
+      </p:pic>
     </p:spTree>
     <p:extLst>
       <p:ext uri="{BB962C8B-B14F-4D97-AF65-F5344CB8AC3E}">
@@ -3869,6 +4973,134 @@
           </a:p>
         </p:txBody>
       </p:sp>
+      <p:sp>
+        <p:nvSpPr>
+          <p:cNvPr id="2" name="TextBox 1"/>
+          <p:cNvSpPr txBox="1"/>
+          <p:nvPr/>
+        </p:nvSpPr>
+        <p:spPr>
+          <a:xfrm>
+            <a:off x="762000" y="2667000"/>
+            <a:ext cx="2905347" cy="369332"/>
+          </a:xfrm>
+          <a:prstGeom prst="rect">
+            <a:avLst/>
+          </a:prstGeom>
+          <a:noFill/>
+        </p:spPr>
+        <p:txBody>
+          <a:bodyPr wrap="none" rtlCol="0">
+            <a:spAutoFit/>
+          </a:bodyPr>
+          <a:lstStyle/>
+          <a:p>
+            <a:r>
+              <a:rPr lang="en-US" dirty="0" smtClean="0"/>
+              <a:t>People who want buy bitcoin</a:t>
+            </a:r>
+            <a:endParaRPr lang="en-US" dirty="0"/>
+          </a:p>
+        </p:txBody>
+      </p:sp>
+      <p:sp>
+        <p:nvSpPr>
+          <p:cNvPr id="5" name="TextBox 4"/>
+          <p:cNvSpPr txBox="1"/>
+          <p:nvPr/>
+        </p:nvSpPr>
+        <p:spPr>
+          <a:xfrm>
+            <a:off x="914400" y="3657600"/>
+            <a:ext cx="3117905" cy="369332"/>
+          </a:xfrm>
+          <a:prstGeom prst="rect">
+            <a:avLst/>
+          </a:prstGeom>
+          <a:noFill/>
+        </p:spPr>
+        <p:txBody>
+          <a:bodyPr wrap="none" rtlCol="0">
+            <a:spAutoFit/>
+          </a:bodyPr>
+          <a:lstStyle/>
+          <a:p>
+            <a:r>
+              <a:rPr lang="en-US" dirty="0" smtClean="0"/>
+              <a:t>People who want to sell bitcoin</a:t>
+            </a:r>
+            <a:endParaRPr lang="en-US" dirty="0"/>
+          </a:p>
+        </p:txBody>
+      </p:sp>
+      <p:sp>
+        <p:nvSpPr>
+          <p:cNvPr id="6" name="TextBox 5"/>
+          <p:cNvSpPr txBox="1"/>
+          <p:nvPr/>
+        </p:nvSpPr>
+        <p:spPr>
+          <a:xfrm>
+            <a:off x="1524001" y="4800600"/>
+            <a:ext cx="2888163" cy="369332"/>
+          </a:xfrm>
+          <a:prstGeom prst="rect">
+            <a:avLst/>
+          </a:prstGeom>
+          <a:noFill/>
+        </p:spPr>
+        <p:txBody>
+          <a:bodyPr wrap="none" rtlCol="0">
+            <a:spAutoFit/>
+          </a:bodyPr>
+          <a:lstStyle/>
+          <a:p>
+            <a:r>
+              <a:rPr lang="en-US" dirty="0" smtClean="0"/>
+              <a:t>Day traders looking for profit</a:t>
+            </a:r>
+            <a:endParaRPr lang="en-US" dirty="0"/>
+          </a:p>
+        </p:txBody>
+      </p:sp>
+      <p:sp>
+        <p:nvSpPr>
+          <p:cNvPr id="7" name="TextBox 6"/>
+          <p:cNvSpPr txBox="1"/>
+          <p:nvPr/>
+        </p:nvSpPr>
+        <p:spPr>
+          <a:xfrm>
+            <a:off x="1295400" y="5943600"/>
+            <a:ext cx="4265014" cy="369332"/>
+          </a:xfrm>
+          <a:prstGeom prst="rect">
+            <a:avLst/>
+          </a:prstGeom>
+          <a:noFill/>
+        </p:spPr>
+        <p:txBody>
+          <a:bodyPr wrap="none" rtlCol="0">
+            <a:spAutoFit/>
+          </a:bodyPr>
+          <a:lstStyle/>
+          <a:p>
+            <a:r>
+              <a:rPr lang="en-US" dirty="0" smtClean="0"/>
+              <a:t>Challenge:  </a:t>
+            </a:r>
+            <a:r>
+              <a:rPr lang="en-US" dirty="0" err="1" smtClean="0"/>
+              <a:t>Atract</a:t>
+            </a:r>
+            <a:r>
+              <a:rPr lang="en-US" dirty="0" smtClean="0"/>
+              <a:t> users and trading volume</a:t>
+            </a:r>
+            <a:endParaRPr lang="en-US" dirty="0"/>
+          </a:p>
+        </p:txBody>
+      </p:sp>
     </p:spTree>
     <p:extLst>
       <p:ext uri="{BB962C8B-B14F-4D97-AF65-F5344CB8AC3E}">
@@ -3929,6 +5161,102 @@
           </a:p>
         </p:txBody>
       </p:sp>
+      <p:sp>
+        <p:nvSpPr>
+          <p:cNvPr id="2" name="TextBox 1"/>
+          <p:cNvSpPr txBox="1"/>
+          <p:nvPr/>
+        </p:nvSpPr>
+        <p:spPr>
+          <a:xfrm>
+            <a:off x="838200" y="2209800"/>
+            <a:ext cx="8124340" cy="3139321"/>
+          </a:xfrm>
+          <a:prstGeom prst="rect">
+            <a:avLst/>
+          </a:prstGeom>
+          <a:noFill/>
+        </p:spPr>
+        <p:txBody>
+          <a:bodyPr wrap="none" rtlCol="0">
+            <a:spAutoFit/>
+          </a:bodyPr>
+          <a:lstStyle/>
+          <a:p>
+            <a:pPr lvl="0"/>
+            <a:r>
+              <a:rPr lang="en-US" dirty="0"/>
+              <a:t>Deposit and withdraw USD</a:t>
+            </a:r>
+          </a:p>
+          <a:p>
+            <a:pPr lvl="0"/>
+            <a:r>
+              <a:rPr lang="en-US" dirty="0"/>
+              <a:t>Deposit and withdraw BTC, LTC</a:t>
+            </a:r>
+          </a:p>
+          <a:p>
+            <a:pPr lvl="0"/>
+            <a:r>
+              <a:rPr lang="en-US" dirty="0"/>
+              <a:t>Trading pair BTC/USD, LTC/USD</a:t>
+            </a:r>
+          </a:p>
+          <a:p>
+            <a:pPr lvl="0"/>
+            <a:r>
+              <a:rPr lang="en-US" dirty="0"/>
+              <a:t>Full API</a:t>
+            </a:r>
+          </a:p>
+          <a:p>
+            <a:pPr lvl="0"/>
+            <a:r>
+              <a:rPr lang="en-US" dirty="0"/>
+              <a:t>Secure cold wallet storage to hold crypto-currencies</a:t>
+            </a:r>
+          </a:p>
+          <a:p>
+            <a:pPr lvl="0"/>
+            <a:r>
+              <a:rPr lang="en-US" dirty="0"/>
+              <a:t>Two-factor authentication</a:t>
+            </a:r>
+          </a:p>
+          <a:p>
+            <a:pPr lvl="0"/>
+            <a:r>
+              <a:rPr lang="en-US" dirty="0"/>
+              <a:t>Smart phone wallet app</a:t>
+            </a:r>
+          </a:p>
+          <a:p>
+            <a:pPr lvl="0"/>
+            <a:r>
+              <a:rPr lang="en-US" dirty="0"/>
+              <a:t>Encrypted hot wallet protection</a:t>
+            </a:r>
+          </a:p>
+          <a:p>
+            <a:pPr lvl="0"/>
+            <a:r>
+              <a:rPr lang="en-US" dirty="0"/>
+              <a:t>Multiple deposit / withdraw options; Cash, Linked debit/credit account, wire transfer</a:t>
+            </a:r>
+          </a:p>
+          <a:p>
+            <a:pPr lvl="0"/>
+            <a:r>
+              <a:rPr lang="en-US" dirty="0"/>
+              <a:t>Merchant wallet / payment application</a:t>
+            </a:r>
+          </a:p>
+          <a:p>
+            <a:endParaRPr lang="en-US" dirty="0"/>
+          </a:p>
+        </p:txBody>
+      </p:sp>
     </p:spTree>
     <p:extLst>
       <p:ext uri="{BB962C8B-B14F-4D97-AF65-F5344CB8AC3E}">
@@ -3984,6 +5312,115 @@
             <a:r>
               <a:rPr lang="en-US" dirty="0" smtClean="0"/>
               <a:t>Place</a:t>
+            </a:r>
+            <a:endParaRPr lang="en-US" dirty="0"/>
+          </a:p>
+        </p:txBody>
+      </p:sp>
+      <p:sp>
+        <p:nvSpPr>
+          <p:cNvPr id="2" name="TextBox 1"/>
+          <p:cNvSpPr txBox="1"/>
+          <p:nvPr/>
+        </p:nvSpPr>
+        <p:spPr>
+          <a:xfrm>
+            <a:off x="1219200" y="2133600"/>
+            <a:ext cx="2587953" cy="369332"/>
+          </a:xfrm>
+          <a:prstGeom prst="rect">
+            <a:avLst/>
+          </a:prstGeom>
+          <a:noFill/>
+        </p:spPr>
+        <p:txBody>
+          <a:bodyPr wrap="none" rtlCol="0">
+            <a:spAutoFit/>
+          </a:bodyPr>
+          <a:lstStyle/>
+          <a:p>
+            <a:r>
+              <a:rPr lang="en-US" dirty="0" smtClean="0"/>
+              <a:t>Operate in </a:t>
+            </a:r>
+            <a:r>
+              <a:rPr lang="en-US" dirty="0" err="1" smtClean="0"/>
+              <a:t>Manhatten</a:t>
+            </a:r>
+            <a:r>
+              <a:rPr lang="en-US" dirty="0" smtClean="0"/>
+              <a:t> NY</a:t>
+            </a:r>
+          </a:p>
+        </p:txBody>
+      </p:sp>
+      <p:sp>
+        <p:nvSpPr>
+          <p:cNvPr id="3" name="TextBox 2"/>
+          <p:cNvSpPr txBox="1"/>
+          <p:nvPr/>
+        </p:nvSpPr>
+        <p:spPr>
+          <a:xfrm>
+            <a:off x="1219200" y="3657600"/>
+            <a:ext cx="6325001" cy="369332"/>
+          </a:xfrm>
+          <a:prstGeom prst="rect">
+            <a:avLst/>
+          </a:prstGeom>
+          <a:noFill/>
+        </p:spPr>
+        <p:txBody>
+          <a:bodyPr wrap="none" rtlCol="0">
+            <a:spAutoFit/>
+          </a:bodyPr>
+          <a:lstStyle/>
+          <a:p>
+            <a:r>
+              <a:rPr lang="en-US" dirty="0" smtClean="0"/>
+              <a:t>Direct channel system, Web portal, </a:t>
+            </a:r>
+            <a:r>
+              <a:rPr lang="en-US" dirty="0" err="1" smtClean="0"/>
+              <a:t>mobil</a:t>
+            </a:r>
+            <a:r>
+              <a:rPr lang="en-US" dirty="0" smtClean="0"/>
+              <a:t> apps, in person, web </a:t>
+            </a:r>
+            <a:r>
+              <a:rPr lang="en-US" dirty="0" err="1" smtClean="0"/>
+              <a:t>api</a:t>
+            </a:r>
+            <a:endParaRPr lang="en-US" dirty="0"/>
+          </a:p>
+        </p:txBody>
+      </p:sp>
+      <p:sp>
+        <p:nvSpPr>
+          <p:cNvPr id="5" name="TextBox 4"/>
+          <p:cNvSpPr txBox="1"/>
+          <p:nvPr/>
+        </p:nvSpPr>
+        <p:spPr>
+          <a:xfrm>
+            <a:off x="1447800" y="5181600"/>
+            <a:ext cx="2386872" cy="369332"/>
+          </a:xfrm>
+          <a:prstGeom prst="rect">
+            <a:avLst/>
+          </a:prstGeom>
+          <a:noFill/>
+        </p:spPr>
+        <p:txBody>
+          <a:bodyPr wrap="none" rtlCol="0">
+            <a:spAutoFit/>
+          </a:bodyPr>
+          <a:lstStyle/>
+          <a:p>
+            <a:r>
+              <a:rPr lang="en-US" dirty="0" smtClean="0"/>
+              <a:t>Customer service is Key</a:t>
             </a:r>
             <a:endParaRPr lang="en-US" dirty="0"/>
           </a:p>

--- a/TODO/2-Monday/Presentation1.pptx
+++ b/TODO/2-Monday/Presentation1.pptx
@@ -2586,9 +2586,32 @@
 <p:sldMaster xmlns:a="http://schemas.openxmlformats.org/drawingml/2006/main" xmlns:r="http://schemas.openxmlformats.org/officeDocument/2006/relationships" xmlns:p="http://schemas.openxmlformats.org/presentationml/2006/main">
   <p:cSld>
     <p:bg>
-      <p:bgRef idx="1001">
-        <a:schemeClr val="bg1"/>
-      </p:bgRef>
+      <p:bgPr>
+        <a:gradFill flip="none" rotWithShape="1">
+          <a:gsLst>
+            <a:gs pos="0">
+              <a:srgbClr val="5E9EFF">
+                <a:alpha val="60000"/>
+              </a:srgbClr>
+            </a:gs>
+            <a:gs pos="47000">
+              <a:srgbClr val="85C2FF">
+                <a:alpha val="60000"/>
+              </a:srgbClr>
+            </a:gs>
+            <a:gs pos="100000">
+              <a:schemeClr val="tx2">
+                <a:lumMod val="20000"/>
+                <a:lumOff val="80000"/>
+                <a:alpha val="60000"/>
+              </a:schemeClr>
+            </a:gs>
+          </a:gsLst>
+          <a:lin ang="5400000" scaled="0"/>
+          <a:tileRect/>
+        </a:gradFill>
+        <a:effectLst/>
+      </p:bgPr>
     </p:bg>
     <p:spTree>
       <p:nvGrpSpPr>
@@ -3118,7 +3141,7 @@
         <p:spPr>
           <a:xfrm>
             <a:off x="1524000" y="990600"/>
-            <a:ext cx="4691797" cy="369332"/>
+            <a:ext cx="1393330" cy="369332"/>
           </a:xfrm>
           <a:prstGeom prst="rect">
             <a:avLst/>
@@ -3133,7 +3156,11 @@
           <a:p>
             <a:r>
               <a:rPr lang="en-US" dirty="0" smtClean="0"/>
-              <a:t>What is your business? Modified elevator pitch?</a:t>
+              <a:t>The</a:t>
+            </a:r>
+            <a:r>
+              <a:rPr lang="en-US" dirty="0" smtClean="0"/>
+              <a:t> Business</a:t>
             </a:r>
             <a:endParaRPr lang="en-US" dirty="0"/>
           </a:p>
@@ -3147,8 +3174,8 @@
         </p:nvSpPr>
         <p:spPr>
           <a:xfrm>
-            <a:off x="2362200" y="3048000"/>
-            <a:ext cx="4544257" cy="923330"/>
+            <a:off x="1524000" y="2133600"/>
+            <a:ext cx="4544257" cy="2230739"/>
           </a:xfrm>
           <a:prstGeom prst="rect">
             <a:avLst/>
@@ -3162,34 +3189,95 @@
           <a:lstStyle/>
           <a:p>
             <a:pPr marL="285750" indent="-285750">
+              <a:lnSpc>
+                <a:spcPct val="200000"/>
+              </a:lnSpc>
               <a:buFont typeface="Arial" panose="020B0604020202020204" pitchFamily="34" charset="0"/>
               <a:buChar char="•"/>
             </a:pPr>
             <a:r>
               <a:rPr lang="en-US" dirty="0" smtClean="0"/>
-              <a:t>Currency Exchange</a:t>
+              <a:t>Currency </a:t>
+            </a:r>
+            <a:r>
+              <a:rPr lang="en-US" dirty="0" smtClean="0"/>
+              <a:t>Exchange</a:t>
             </a:r>
           </a:p>
           <a:p>
             <a:pPr marL="285750" indent="-285750">
+              <a:lnSpc>
+                <a:spcPct val="200000"/>
+              </a:lnSpc>
               <a:buFont typeface="Arial" panose="020B0604020202020204" pitchFamily="34" charset="0"/>
               <a:buChar char="•"/>
             </a:pPr>
             <a:r>
               <a:rPr lang="en-US" dirty="0" smtClean="0"/>
-              <a:t>Wake of financial melt 2007 bitcoin created</a:t>
-            </a:r>
+              <a:t>Exchange US Dollars for Bitcoin</a:t>
+            </a:r>
+            <a:endParaRPr lang="en-US" dirty="0" smtClean="0"/>
           </a:p>
           <a:p>
             <a:pPr marL="285750" indent="-285750">
+              <a:lnSpc>
+                <a:spcPct val="200000"/>
+              </a:lnSpc>
               <a:buFont typeface="Arial" panose="020B0604020202020204" pitchFamily="34" charset="0"/>
               <a:buChar char="•"/>
             </a:pPr>
             <a:r>
               <a:rPr lang="en-US" dirty="0" smtClean="0"/>
+              <a:t>Wake of financial melt 2007 bitcoin created</a:t>
+            </a:r>
+          </a:p>
+          <a:p>
+            <a:pPr marL="285750" indent="-285750">
+              <a:lnSpc>
+                <a:spcPct val="200000"/>
+              </a:lnSpc>
+              <a:buFont typeface="Arial" panose="020B0604020202020204" pitchFamily="34" charset="0"/>
+              <a:buChar char="•"/>
+            </a:pPr>
+            <a:r>
+              <a:rPr lang="en-US" dirty="0" smtClean="0"/>
               <a:t>Users and transaction growing </a:t>
             </a:r>
             <a:endParaRPr lang="en-US" dirty="0"/>
+          </a:p>
+        </p:txBody>
+      </p:sp>
+      <p:sp>
+        <p:nvSpPr>
+          <p:cNvPr id="5" name="TextBox 4"/>
+          <p:cNvSpPr txBox="1"/>
+          <p:nvPr/>
+        </p:nvSpPr>
+        <p:spPr>
+          <a:xfrm>
+            <a:off x="685800" y="5029200"/>
+            <a:ext cx="8083452" cy="954107"/>
+          </a:xfrm>
+          <a:prstGeom prst="rect">
+            <a:avLst/>
+          </a:prstGeom>
+          <a:noFill/>
+        </p:spPr>
+        <p:txBody>
+          <a:bodyPr wrap="square" rtlCol="0">
+            <a:spAutoFit/>
+          </a:bodyPr>
+          <a:lstStyle/>
+          <a:p>
+            <a:r>
+              <a:rPr lang="en-US" sz="2800" dirty="0"/>
+              <a:t>Our mission is to provide a safe and reliable place for customers to exchange </a:t>
+            </a:r>
+            <a:r>
+              <a:rPr lang="en-US" sz="2800" dirty="0" smtClean="0"/>
+              <a:t>currency</a:t>
+            </a:r>
+            <a:endParaRPr lang="en-US" sz="2800" dirty="0"/>
           </a:p>
         </p:txBody>
       </p:sp>
@@ -4158,14 +4246,14 @@
       </p:grpSpPr>
       <p:sp>
         <p:nvSpPr>
-          <p:cNvPr id="4" name="TextBox 3"/>
+          <p:cNvPr id="5" name="TextBox 4"/>
           <p:cNvSpPr txBox="1"/>
           <p:nvPr/>
         </p:nvSpPr>
         <p:spPr>
           <a:xfrm>
-            <a:off x="1524000" y="990600"/>
-            <a:ext cx="2786404" cy="369332"/>
+            <a:off x="691719" y="381000"/>
+            <a:ext cx="1213281" cy="369332"/>
           </a:xfrm>
           <a:prstGeom prst="rect">
             <a:avLst/>
@@ -4180,7 +4268,7 @@
           <a:p>
             <a:r>
               <a:rPr lang="en-US" dirty="0" smtClean="0"/>
-              <a:t>Mission Statement - Explain</a:t>
+              <a:t>5 Year Plan</a:t>
             </a:r>
             <a:endParaRPr lang="en-US" dirty="0"/>
           </a:p>
@@ -4188,14 +4276,14 @@
       </p:sp>
       <p:sp>
         <p:nvSpPr>
-          <p:cNvPr id="2" name="TextBox 1"/>
+          <p:cNvPr id="6" name="TextBox 5"/>
           <p:cNvSpPr txBox="1"/>
           <p:nvPr/>
         </p:nvSpPr>
         <p:spPr>
           <a:xfrm>
-            <a:off x="685800" y="2438400"/>
-            <a:ext cx="8259697" cy="646331"/>
+            <a:off x="1483090" y="1797648"/>
+            <a:ext cx="6689139" cy="2308324"/>
           </a:xfrm>
           <a:prstGeom prst="rect">
             <a:avLst/>
@@ -4209,12 +4297,50 @@
           <a:lstStyle/>
           <a:p>
             <a:r>
-              <a:rPr lang="en-US" dirty="0"/>
-              <a:t>Our mission is to provide a safe and reliable place for customers to exchange currency.</a:t>
-            </a:r>
-          </a:p>
-          <a:p>
+              <a:rPr lang="en-US" dirty="0" smtClean="0"/>
+              <a:t>By the end of 5 years we will have;</a:t>
+            </a:r>
+          </a:p>
+          <a:p>
+            <a:endParaRPr lang="en-US" dirty="0" smtClean="0"/>
+          </a:p>
+          <a:p>
+            <a:r>
+              <a:rPr lang="en-US" dirty="0" smtClean="0"/>
+              <a:t>Designed the software to operate the exchange</a:t>
+            </a:r>
+          </a:p>
+          <a:p>
+            <a:r>
+              <a:rPr lang="en-US" dirty="0" smtClean="0"/>
+              <a:t>Obtained 1 million users</a:t>
+            </a:r>
+          </a:p>
+          <a:p>
+            <a:r>
+              <a:rPr lang="en-US" dirty="0" smtClean="0"/>
+              <a:t>Created web portal customers can use to interact with the exchanged</a:t>
+            </a:r>
+          </a:p>
+          <a:p>
+            <a:r>
+              <a:rPr lang="en-US" dirty="0" smtClean="0"/>
+              <a:t>Launched the exchange and account for over 5% total trading volume</a:t>
+            </a:r>
             <a:endParaRPr lang="en-US" dirty="0"/>
+          </a:p>
+          <a:p>
+            <a:r>
+              <a:rPr lang="en-US" dirty="0" smtClean="0"/>
+              <a:t>Developed and released a smart phone wallet app</a:t>
+            </a:r>
+          </a:p>
+          <a:p>
+            <a:r>
+              <a:rPr lang="en-US" dirty="0" smtClean="0"/>
+              <a:t>Release a software merchants can use to except Bitcoin payments</a:t>
+            </a:r>
+            <a:endParaRPr lang="en-US" dirty="0" smtClean="0"/>
           </a:p>
         </p:txBody>
       </p:sp>
@@ -4250,14 +4376,14 @@
       </p:grpSpPr>
       <p:sp>
         <p:nvSpPr>
-          <p:cNvPr id="4" name="TextBox 3"/>
+          <p:cNvPr id="3" name="TextBox 2"/>
           <p:cNvSpPr txBox="1"/>
           <p:nvPr/>
         </p:nvSpPr>
         <p:spPr>
           <a:xfrm>
-            <a:off x="1524000" y="990600"/>
-            <a:ext cx="6036653" cy="369332"/>
+            <a:off x="381000" y="304800"/>
+            <a:ext cx="1886799" cy="369332"/>
           </a:xfrm>
           <a:prstGeom prst="rect">
             <a:avLst/>
@@ -4272,54 +4398,94 @@
           <a:p>
             <a:r>
               <a:rPr lang="en-US" dirty="0" smtClean="0"/>
-              <a:t>Where do you think you’ll be in 5 years (Couple of sentences)?</a:t>
+              <a:t>Industry summary</a:t>
             </a:r>
             <a:endParaRPr lang="en-US" dirty="0"/>
           </a:p>
         </p:txBody>
       </p:sp>
-      <p:sp>
-        <p:nvSpPr>
-          <p:cNvPr id="2" name="TextBox 1"/>
-          <p:cNvSpPr txBox="1"/>
+      <p:pic>
+        <p:nvPicPr>
+          <p:cNvPr id="1026" name="Picture 2" descr="H:\apps\xp\desktop\HOME\SCHOOL\Business\TODO\bitcoin price.PNG"/>
+          <p:cNvPicPr>
+            <a:picLocks noChangeAspect="1" noChangeArrowheads="1"/>
+          </p:cNvPicPr>
           <p:nvPr/>
-        </p:nvSpPr>
-        <p:spPr>
-          <a:xfrm>
-            <a:off x="1905000" y="3124200"/>
-            <a:ext cx="5496441" cy="923330"/>
+        </p:nvPicPr>
+        <p:blipFill>
+          <a:blip r:embed="rId2">
+            <a:extLst>
+              <a:ext uri="{28A0092B-C50C-407E-A947-70E740481C1C}">
+                <a14:useLocalDpi xmlns:a14="http://schemas.microsoft.com/office/drawing/2010/main" val="0"/>
+              </a:ext>
+            </a:extLst>
+          </a:blip>
+          <a:srcRect/>
+          <a:stretch>
+            <a:fillRect/>
+          </a:stretch>
+        </p:blipFill>
+        <p:spPr bwMode="auto">
+          <a:xfrm>
+            <a:off x="3250474" y="403585"/>
+            <a:ext cx="5586413" cy="2628900"/>
           </a:xfrm>
           <a:prstGeom prst="rect">
             <a:avLst/>
           </a:prstGeom>
           <a:noFill/>
-        </p:spPr>
-        <p:txBody>
-          <a:bodyPr wrap="none" rtlCol="0">
-            <a:spAutoFit/>
-          </a:bodyPr>
-          <a:lstStyle/>
-          <a:p>
-            <a:r>
-              <a:rPr lang="en-US" dirty="0" smtClean="0"/>
-              <a:t>Successful running an exchange. </a:t>
-            </a:r>
-          </a:p>
-          <a:p>
-            <a:r>
-              <a:rPr lang="en-US" dirty="0" smtClean="0"/>
-              <a:t>Hoping to acquire 5-10% of total trading volume.</a:t>
-            </a:r>
-          </a:p>
-          <a:p>
-            <a:r>
-              <a:rPr lang="en-US" dirty="0" smtClean="0"/>
-              <a:t>Expand into foreign markets especially China and Europe</a:t>
-            </a:r>
-            <a:endParaRPr lang="en-US" dirty="0"/>
-          </a:p>
-        </p:txBody>
-      </p:sp>
+          <a:extLst>
+            <a:ext uri="{909E8E84-426E-40DD-AFC4-6F175D3DCCD1}">
+              <a14:hiddenFill xmlns:a14="http://schemas.microsoft.com/office/drawing/2010/main">
+                <a:solidFill>
+                  <a:srgbClr val="FFFFFF"/>
+                </a:solidFill>
+              </a14:hiddenFill>
+            </a:ext>
+          </a:extLst>
+        </p:spPr>
+      </p:pic>
+      <p:pic>
+        <p:nvPicPr>
+          <p:cNvPr id="1027" name="Picture 3" descr="H:\apps\xp\desktop\HOME\SCHOOL\Business\TODO\transaction_Growth.PNG"/>
+          <p:cNvPicPr>
+            <a:picLocks noChangeAspect="1" noChangeArrowheads="1"/>
+          </p:cNvPicPr>
+          <p:nvPr/>
+        </p:nvPicPr>
+        <p:blipFill>
+          <a:blip r:embed="rId3">
+            <a:extLst>
+              <a:ext uri="{28A0092B-C50C-407E-A947-70E740481C1C}">
+                <a14:useLocalDpi xmlns:a14="http://schemas.microsoft.com/office/drawing/2010/main" val="0"/>
+              </a:ext>
+            </a:extLst>
+          </a:blip>
+          <a:srcRect/>
+          <a:stretch>
+            <a:fillRect/>
+          </a:stretch>
+        </p:blipFill>
+        <p:spPr bwMode="auto">
+          <a:xfrm>
+            <a:off x="383381" y="3705854"/>
+            <a:ext cx="5484019" cy="2696988"/>
+          </a:xfrm>
+          <a:prstGeom prst="rect">
+            <a:avLst/>
+          </a:prstGeom>
+          <a:noFill/>
+          <a:extLst>
+            <a:ext uri="{909E8E84-426E-40DD-AFC4-6F175D3DCCD1}">
+              <a14:hiddenFill xmlns:a14="http://schemas.microsoft.com/office/drawing/2010/main">
+                <a:solidFill>
+                  <a:srgbClr val="FFFFFF"/>
+                </a:solidFill>
+              </a14:hiddenFill>
+            </a:ext>
+          </a:extLst>
+        </p:spPr>
+      </p:pic>
     </p:spTree>
     <p:extLst>
       <p:ext uri="{BB962C8B-B14F-4D97-AF65-F5344CB8AC3E}">
@@ -4359,7 +4525,7 @@
         <p:spPr>
           <a:xfrm>
             <a:off x="609600" y="304800"/>
-            <a:ext cx="5704190" cy="369332"/>
+            <a:ext cx="631904" cy="369332"/>
           </a:xfrm>
           <a:prstGeom prst="rect">
             <a:avLst/>
@@ -4374,7 +4540,7 @@
           <a:p>
             <a:r>
               <a:rPr lang="en-US" dirty="0" smtClean="0"/>
-              <a:t>Brief summary of Industry (STEP Analysis, Porter’s 5 forces)</a:t>
+              <a:t>STEP</a:t>
             </a:r>
             <a:endParaRPr lang="en-US" dirty="0"/>
           </a:p>

--- a/TODO/2-Monday/Presentation1.pptx
+++ b/TODO/2-Monday/Presentation1.pptx
@@ -302,7 +302,7 @@
           <a:p>
             <a:fld id="{E45C0E48-ADC3-442F-80D2-9ED6B14A236C}" type="datetimeFigureOut">
               <a:rPr lang="en-US" smtClean="0"/>
-              <a:t>12/7/2015</a:t>
+              <a:t>12/8/2015</a:t>
             </a:fld>
             <a:endParaRPr lang="en-US"/>
           </a:p>
@@ -472,7 +472,7 @@
           <a:p>
             <a:fld id="{E45C0E48-ADC3-442F-80D2-9ED6B14A236C}" type="datetimeFigureOut">
               <a:rPr lang="en-US" smtClean="0"/>
-              <a:t>12/7/2015</a:t>
+              <a:t>12/8/2015</a:t>
             </a:fld>
             <a:endParaRPr lang="en-US"/>
           </a:p>
@@ -652,7 +652,7 @@
           <a:p>
             <a:fld id="{E45C0E48-ADC3-442F-80D2-9ED6B14A236C}" type="datetimeFigureOut">
               <a:rPr lang="en-US" smtClean="0"/>
-              <a:t>12/7/2015</a:t>
+              <a:t>12/8/2015</a:t>
             </a:fld>
             <a:endParaRPr lang="en-US"/>
           </a:p>
@@ -822,7 +822,7 @@
           <a:p>
             <a:fld id="{E45C0E48-ADC3-442F-80D2-9ED6B14A236C}" type="datetimeFigureOut">
               <a:rPr lang="en-US" smtClean="0"/>
-              <a:t>12/7/2015</a:t>
+              <a:t>12/8/2015</a:t>
             </a:fld>
             <a:endParaRPr lang="en-US"/>
           </a:p>
@@ -1068,7 +1068,7 @@
           <a:p>
             <a:fld id="{E45C0E48-ADC3-442F-80D2-9ED6B14A236C}" type="datetimeFigureOut">
               <a:rPr lang="en-US" smtClean="0"/>
-              <a:t>12/7/2015</a:t>
+              <a:t>12/8/2015</a:t>
             </a:fld>
             <a:endParaRPr lang="en-US"/>
           </a:p>
@@ -1356,7 +1356,7 @@
           <a:p>
             <a:fld id="{E45C0E48-ADC3-442F-80D2-9ED6B14A236C}" type="datetimeFigureOut">
               <a:rPr lang="en-US" smtClean="0"/>
-              <a:t>12/7/2015</a:t>
+              <a:t>12/8/2015</a:t>
             </a:fld>
             <a:endParaRPr lang="en-US"/>
           </a:p>
@@ -1778,7 +1778,7 @@
           <a:p>
             <a:fld id="{E45C0E48-ADC3-442F-80D2-9ED6B14A236C}" type="datetimeFigureOut">
               <a:rPr lang="en-US" smtClean="0"/>
-              <a:t>12/7/2015</a:t>
+              <a:t>12/8/2015</a:t>
             </a:fld>
             <a:endParaRPr lang="en-US"/>
           </a:p>
@@ -1896,7 +1896,7 @@
           <a:p>
             <a:fld id="{E45C0E48-ADC3-442F-80D2-9ED6B14A236C}" type="datetimeFigureOut">
               <a:rPr lang="en-US" smtClean="0"/>
-              <a:t>12/7/2015</a:t>
+              <a:t>12/8/2015</a:t>
             </a:fld>
             <a:endParaRPr lang="en-US"/>
           </a:p>
@@ -1991,7 +1991,7 @@
           <a:p>
             <a:fld id="{E45C0E48-ADC3-442F-80D2-9ED6B14A236C}" type="datetimeFigureOut">
               <a:rPr lang="en-US" smtClean="0"/>
-              <a:t>12/7/2015</a:t>
+              <a:t>12/8/2015</a:t>
             </a:fld>
             <a:endParaRPr lang="en-US"/>
           </a:p>
@@ -2268,7 +2268,7 @@
           <a:p>
             <a:fld id="{E45C0E48-ADC3-442F-80D2-9ED6B14A236C}" type="datetimeFigureOut">
               <a:rPr lang="en-US" smtClean="0"/>
-              <a:t>12/7/2015</a:t>
+              <a:t>12/8/2015</a:t>
             </a:fld>
             <a:endParaRPr lang="en-US"/>
           </a:p>
@@ -2521,7 +2521,7 @@
           <a:p>
             <a:fld id="{E45C0E48-ADC3-442F-80D2-9ED6B14A236C}" type="datetimeFigureOut">
               <a:rPr lang="en-US" smtClean="0"/>
-              <a:t>12/7/2015</a:t>
+              <a:t>12/8/2015</a:t>
             </a:fld>
             <a:endParaRPr lang="en-US"/>
           </a:p>
@@ -2757,7 +2757,7 @@
           <a:p>
             <a:fld id="{E45C0E48-ADC3-442F-80D2-9ED6B14A236C}" type="datetimeFigureOut">
               <a:rPr lang="en-US" smtClean="0"/>
-              <a:t>12/7/2015</a:t>
+              <a:t>12/8/2015</a:t>
             </a:fld>
             <a:endParaRPr lang="en-US"/>
           </a:p>
@@ -3140,8 +3140,8 @@
         </p:nvSpPr>
         <p:spPr>
           <a:xfrm>
-            <a:off x="1524000" y="990600"/>
-            <a:ext cx="1393330" cy="369332"/>
+            <a:off x="0" y="457200"/>
+            <a:ext cx="9144000" cy="707886"/>
           </a:xfrm>
           <a:prstGeom prst="rect">
             <a:avLst/>
@@ -3149,20 +3149,17 @@
           <a:noFill/>
         </p:spPr>
         <p:txBody>
-          <a:bodyPr wrap="none" rtlCol="0">
+          <a:bodyPr wrap="square" rtlCol="0">
             <a:spAutoFit/>
           </a:bodyPr>
           <a:lstStyle/>
           <a:p>
-            <a:r>
-              <a:rPr lang="en-US" dirty="0" smtClean="0"/>
-              <a:t>The</a:t>
-            </a:r>
-            <a:r>
-              <a:rPr lang="en-US" dirty="0" smtClean="0"/>
-              <a:t> Business</a:t>
-            </a:r>
-            <a:endParaRPr lang="en-US" dirty="0"/>
+            <a:pPr algn="ctr"/>
+            <a:r>
+              <a:rPr lang="en-US" sz="4000" dirty="0" smtClean="0"/>
+              <a:t>The Business</a:t>
+            </a:r>
+            <a:endParaRPr lang="en-US" sz="4000" dirty="0"/>
           </a:p>
         </p:txBody>
       </p:sp>
@@ -3174,8 +3171,8 @@
         </p:nvSpPr>
         <p:spPr>
           <a:xfrm>
-            <a:off x="1524000" y="2133600"/>
-            <a:ext cx="4544257" cy="2230739"/>
+            <a:off x="1299713" y="1676400"/>
+            <a:ext cx="5468869" cy="2554545"/>
           </a:xfrm>
           <a:prstGeom prst="rect">
             <a:avLst/>
@@ -3196,12 +3193,12 @@
               <a:buChar char="•"/>
             </a:pPr>
             <a:r>
-              <a:rPr lang="en-US" dirty="0" smtClean="0"/>
-              <a:t>Currency </a:t>
-            </a:r>
-            <a:r>
-              <a:rPr lang="en-US" dirty="0" smtClean="0"/>
-              <a:t>Exchange</a:t>
+              <a:rPr lang="en-US" sz="2000" dirty="0"/>
+              <a:t>Wake of financial </a:t>
+            </a:r>
+            <a:r>
+              <a:rPr lang="en-US" sz="2000" dirty="0" smtClean="0"/>
+              <a:t>meltdown Bitcoin was created</a:t>
             </a:r>
           </a:p>
           <a:p>
@@ -3213,10 +3210,10 @@
               <a:buChar char="•"/>
             </a:pPr>
             <a:r>
-              <a:rPr lang="en-US" dirty="0" smtClean="0"/>
-              <a:t>Exchange US Dollars for Bitcoin</a:t>
-            </a:r>
-            <a:endParaRPr lang="en-US" dirty="0" smtClean="0"/>
+              <a:rPr lang="en-US" sz="2000" dirty="0" smtClean="0"/>
+              <a:t>Use of Bitcoin is growing</a:t>
+            </a:r>
+            <a:endParaRPr lang="en-US" sz="2000" dirty="0" smtClean="0"/>
           </a:p>
           <a:p>
             <a:pPr marL="285750" indent="-285750">
@@ -3227,9 +3224,18 @@
               <a:buChar char="•"/>
             </a:pPr>
             <a:r>
-              <a:rPr lang="en-US" dirty="0" smtClean="0"/>
-              <a:t>Wake of financial melt 2007 bitcoin created</a:t>
-            </a:r>
+              <a:rPr lang="en-US" sz="2000" dirty="0" smtClean="0"/>
+              <a:t>Our business is to operate a currency </a:t>
+            </a:r>
+            <a:r>
+              <a:rPr lang="en-US" sz="2000" dirty="0"/>
+              <a:t>e</a:t>
+            </a:r>
+            <a:r>
+              <a:rPr lang="en-US" sz="2000" dirty="0" smtClean="0"/>
+              <a:t>xchange</a:t>
+            </a:r>
+            <a:endParaRPr lang="en-US" sz="2000" dirty="0" smtClean="0"/>
           </a:p>
           <a:p>
             <a:pPr marL="285750" indent="-285750">
@@ -3240,10 +3246,14 @@
               <a:buChar char="•"/>
             </a:pPr>
             <a:r>
-              <a:rPr lang="en-US" dirty="0" smtClean="0"/>
-              <a:t>Users and transaction growing </a:t>
-            </a:r>
-            <a:endParaRPr lang="en-US" dirty="0"/>
+              <a:rPr lang="en-US" sz="2000" dirty="0" smtClean="0"/>
+              <a:t>Exchange US Dollars for </a:t>
+            </a:r>
+            <a:r>
+              <a:rPr lang="en-US" sz="2000" dirty="0" smtClean="0"/>
+              <a:t>Bitcoin</a:t>
+            </a:r>
+            <a:endParaRPr lang="en-US" sz="2000" dirty="0" smtClean="0"/>
           </a:p>
         </p:txBody>
       </p:sp>
@@ -3256,7 +3266,7 @@
         <p:spPr>
           <a:xfrm>
             <a:off x="685800" y="5029200"/>
-            <a:ext cx="8083452" cy="954107"/>
+            <a:ext cx="8083452" cy="830997"/>
           </a:xfrm>
           <a:prstGeom prst="rect">
             <a:avLst/>
@@ -3270,14 +3280,14 @@
           <a:lstStyle/>
           <a:p>
             <a:r>
-              <a:rPr lang="en-US" sz="2800" dirty="0"/>
+              <a:rPr lang="en-US" sz="2400" dirty="0"/>
               <a:t>Our mission is to provide a safe and reliable place for customers to exchange </a:t>
             </a:r>
             <a:r>
-              <a:rPr lang="en-US" sz="2800" dirty="0" smtClean="0"/>
+              <a:rPr lang="en-US" sz="2400" dirty="0" smtClean="0"/>
               <a:t>currency</a:t>
             </a:r>
-            <a:endParaRPr lang="en-US" sz="2800" dirty="0"/>
+            <a:endParaRPr lang="en-US" sz="2400" dirty="0"/>
           </a:p>
         </p:txBody>
       </p:sp>
@@ -3319,8 +3329,8 @@
         </p:nvSpPr>
         <p:spPr>
           <a:xfrm>
-            <a:off x="1524000" y="990600"/>
-            <a:ext cx="5001369" cy="369332"/>
+            <a:off x="0" y="381000"/>
+            <a:ext cx="9144000" cy="707886"/>
           </a:xfrm>
           <a:prstGeom prst="rect">
             <a:avLst/>
@@ -3328,16 +3338,17 @@
           <a:noFill/>
         </p:spPr>
         <p:txBody>
-          <a:bodyPr wrap="none" rtlCol="0">
+          <a:bodyPr wrap="square" rtlCol="0">
             <a:spAutoFit/>
           </a:bodyPr>
           <a:lstStyle/>
           <a:p>
-            <a:r>
-              <a:rPr lang="en-US" dirty="0" smtClean="0"/>
-              <a:t>Promotion - Metrics projection (Lifetime Value e.g.)</a:t>
-            </a:r>
-            <a:endParaRPr lang="en-US" dirty="0"/>
+            <a:pPr algn="ctr"/>
+            <a:r>
+              <a:rPr lang="en-US" sz="4000" dirty="0" smtClean="0"/>
+              <a:t>Promotion</a:t>
+            </a:r>
+            <a:endParaRPr lang="en-US" sz="4000" dirty="0"/>
           </a:p>
         </p:txBody>
       </p:sp>
@@ -3349,8 +3360,8 @@
         </p:nvSpPr>
         <p:spPr>
           <a:xfrm>
-            <a:off x="1219200" y="2514600"/>
-            <a:ext cx="4757969" cy="369332"/>
+            <a:off x="929883" y="1600200"/>
+            <a:ext cx="1813317" cy="2862322"/>
           </a:xfrm>
           <a:prstGeom prst="rect">
             <a:avLst/>
@@ -3363,11 +3374,72 @@
           </a:bodyPr>
           <a:lstStyle/>
           <a:p>
-            <a:r>
-              <a:rPr lang="en-US" dirty="0" smtClean="0"/>
-              <a:t>Social Media: Facebook, Twitter, Reddit, LinkedIn</a:t>
-            </a:r>
-            <a:endParaRPr lang="en-US" dirty="0"/>
+            <a:pPr>
+              <a:lnSpc>
+                <a:spcPct val="150000"/>
+              </a:lnSpc>
+            </a:pPr>
+            <a:r>
+              <a:rPr lang="en-US" sz="2400" b="1" dirty="0" smtClean="0"/>
+              <a:t>Social </a:t>
+            </a:r>
+            <a:r>
+              <a:rPr lang="en-US" sz="2400" b="1" dirty="0" smtClean="0"/>
+              <a:t>Media</a:t>
+            </a:r>
+          </a:p>
+          <a:p>
+            <a:pPr marL="285750" indent="-285750">
+              <a:lnSpc>
+                <a:spcPct val="150000"/>
+              </a:lnSpc>
+              <a:buFont typeface="Arial" panose="020B0604020202020204" pitchFamily="34" charset="0"/>
+              <a:buChar char="•"/>
+            </a:pPr>
+            <a:r>
+              <a:rPr lang="en-US" sz="2400" dirty="0" smtClean="0"/>
+              <a:t>Facebook</a:t>
+            </a:r>
+          </a:p>
+          <a:p>
+            <a:pPr marL="285750" indent="-285750">
+              <a:lnSpc>
+                <a:spcPct val="150000"/>
+              </a:lnSpc>
+              <a:buFont typeface="Arial" panose="020B0604020202020204" pitchFamily="34" charset="0"/>
+              <a:buChar char="•"/>
+            </a:pPr>
+            <a:r>
+              <a:rPr lang="en-US" sz="2400" dirty="0" smtClean="0"/>
+              <a:t>Twitter</a:t>
+            </a:r>
+          </a:p>
+          <a:p>
+            <a:pPr marL="285750" indent="-285750">
+              <a:lnSpc>
+                <a:spcPct val="150000"/>
+              </a:lnSpc>
+              <a:buFont typeface="Arial" panose="020B0604020202020204" pitchFamily="34" charset="0"/>
+              <a:buChar char="•"/>
+            </a:pPr>
+            <a:r>
+              <a:rPr lang="en-US" sz="2400" dirty="0" smtClean="0"/>
+              <a:t>Reddit</a:t>
+            </a:r>
+          </a:p>
+          <a:p>
+            <a:pPr marL="285750" indent="-285750">
+              <a:lnSpc>
+                <a:spcPct val="150000"/>
+              </a:lnSpc>
+              <a:buFont typeface="Arial" panose="020B0604020202020204" pitchFamily="34" charset="0"/>
+              <a:buChar char="•"/>
+            </a:pPr>
+            <a:r>
+              <a:rPr lang="en-US" sz="2400" dirty="0" smtClean="0"/>
+              <a:t>LinkedIn</a:t>
+            </a:r>
+            <a:endParaRPr lang="en-US" sz="2400" dirty="0"/>
           </a:p>
         </p:txBody>
       </p:sp>
@@ -3379,8 +3451,8 @@
         </p:nvSpPr>
         <p:spPr>
           <a:xfrm>
-            <a:off x="1227306" y="3388309"/>
-            <a:ext cx="2017732" cy="369332"/>
+            <a:off x="5610726" y="1985664"/>
+            <a:ext cx="2674258" cy="461665"/>
           </a:xfrm>
           <a:prstGeom prst="rect">
             <a:avLst/>
@@ -3394,10 +3466,10 @@
           <a:lstStyle/>
           <a:p>
             <a:r>
-              <a:rPr lang="en-US" dirty="0" smtClean="0"/>
+              <a:rPr lang="en-US" sz="2400" b="1" dirty="0" smtClean="0"/>
               <a:t>Bitcoin conferences</a:t>
             </a:r>
-            <a:endParaRPr lang="en-US" dirty="0"/>
+            <a:endParaRPr lang="en-US" sz="2400" b="1" dirty="0"/>
           </a:p>
         </p:txBody>
       </p:sp>
@@ -3409,8 +3481,8 @@
         </p:nvSpPr>
         <p:spPr>
           <a:xfrm>
-            <a:off x="1410510" y="4114800"/>
-            <a:ext cx="1682640" cy="369332"/>
+            <a:off x="5638800" y="3657600"/>
+            <a:ext cx="2227020" cy="1754326"/>
           </a:xfrm>
           <a:prstGeom prst="rect">
             <a:avLst/>
@@ -3423,71 +3495,46 @@
           </a:bodyPr>
           <a:lstStyle/>
           <a:p>
-            <a:r>
-              <a:rPr lang="en-US" dirty="0" smtClean="0"/>
-              <a:t>Print campaigns</a:t>
-            </a:r>
-            <a:endParaRPr lang="en-US" dirty="0"/>
-          </a:p>
-        </p:txBody>
-      </p:sp>
-      <p:sp>
-        <p:nvSpPr>
-          <p:cNvPr id="3" name="TextBox 2"/>
-          <p:cNvSpPr txBox="1"/>
-          <p:nvPr/>
-        </p:nvSpPr>
-        <p:spPr>
-          <a:xfrm>
-            <a:off x="762000" y="4876800"/>
-            <a:ext cx="5154360" cy="369332"/>
-          </a:xfrm>
-          <a:prstGeom prst="rect">
-            <a:avLst/>
-          </a:prstGeom>
-          <a:noFill/>
-        </p:spPr>
-        <p:txBody>
-          <a:bodyPr wrap="none" rtlCol="0">
-            <a:spAutoFit/>
-          </a:bodyPr>
-          <a:lstStyle/>
-          <a:p>
-            <a:r>
-              <a:rPr lang="en-US" dirty="0" smtClean="0"/>
-              <a:t>Chart of customer growth rates and revenue projects</a:t>
-            </a:r>
-            <a:endParaRPr lang="en-US" dirty="0"/>
-          </a:p>
-        </p:txBody>
-      </p:sp>
-      <p:sp>
-        <p:nvSpPr>
-          <p:cNvPr id="7" name="TextBox 6"/>
-          <p:cNvSpPr txBox="1"/>
-          <p:nvPr/>
-        </p:nvSpPr>
-        <p:spPr>
-          <a:xfrm>
-            <a:off x="883596" y="5715000"/>
-            <a:ext cx="5269456" cy="369332"/>
-          </a:xfrm>
-          <a:prstGeom prst="rect">
-            <a:avLst/>
-          </a:prstGeom>
-          <a:noFill/>
-        </p:spPr>
-        <p:txBody>
-          <a:bodyPr wrap="none" rtlCol="0">
-            <a:spAutoFit/>
-          </a:bodyPr>
-          <a:lstStyle/>
-          <a:p>
-            <a:r>
-              <a:rPr lang="en-US" dirty="0" smtClean="0"/>
-              <a:t>Two key industry trends, price and transaction volume</a:t>
-            </a:r>
-            <a:endParaRPr lang="en-US" dirty="0"/>
+            <a:pPr>
+              <a:lnSpc>
+                <a:spcPct val="150000"/>
+              </a:lnSpc>
+            </a:pPr>
+            <a:r>
+              <a:rPr lang="en-US" sz="2400" b="1" dirty="0" smtClean="0"/>
+              <a:t>Print </a:t>
+            </a:r>
+            <a:r>
+              <a:rPr lang="en-US" sz="2400" b="1" dirty="0" smtClean="0"/>
+              <a:t>campaigns</a:t>
+            </a:r>
+          </a:p>
+          <a:p>
+            <a:pPr marL="342900" indent="-342900">
+              <a:lnSpc>
+                <a:spcPct val="150000"/>
+              </a:lnSpc>
+              <a:buFont typeface="Arial" panose="020B0604020202020204" pitchFamily="34" charset="0"/>
+              <a:buChar char="•"/>
+            </a:pPr>
+            <a:r>
+              <a:rPr lang="en-US" sz="2400" dirty="0" smtClean="0"/>
+              <a:t>Magazine</a:t>
+            </a:r>
+          </a:p>
+          <a:p>
+            <a:pPr marL="342900" indent="-342900">
+              <a:lnSpc>
+                <a:spcPct val="150000"/>
+              </a:lnSpc>
+              <a:buFont typeface="Arial" panose="020B0604020202020204" pitchFamily="34" charset="0"/>
+              <a:buChar char="•"/>
+            </a:pPr>
+            <a:r>
+              <a:rPr lang="en-US" sz="2400" dirty="0" smtClean="0"/>
+              <a:t>Newspaper</a:t>
+            </a:r>
+            <a:endParaRPr lang="en-US" sz="2400" dirty="0"/>
           </a:p>
         </p:txBody>
       </p:sp>
@@ -3529,8 +3576,8 @@
         </p:nvSpPr>
         <p:spPr>
           <a:xfrm>
-            <a:off x="1524000" y="990600"/>
-            <a:ext cx="7188891" cy="369332"/>
+            <a:off x="1" y="381000"/>
+            <a:ext cx="9144000" cy="707886"/>
           </a:xfrm>
           <a:prstGeom prst="rect">
             <a:avLst/>
@@ -3538,22 +3585,98 @@
           <a:noFill/>
         </p:spPr>
         <p:txBody>
+          <a:bodyPr wrap="square" rtlCol="0">
+            <a:spAutoFit/>
+          </a:bodyPr>
+          <a:lstStyle/>
+          <a:p>
+            <a:pPr algn="ctr"/>
+            <a:r>
+              <a:rPr lang="en-US" sz="4000" dirty="0" smtClean="0"/>
+              <a:t>Price</a:t>
+            </a:r>
+            <a:endParaRPr lang="en-US" sz="4000" dirty="0"/>
+          </a:p>
+        </p:txBody>
+      </p:sp>
+      <p:sp>
+        <p:nvSpPr>
+          <p:cNvPr id="2" name="TextBox 1"/>
+          <p:cNvSpPr txBox="1"/>
+          <p:nvPr/>
+        </p:nvSpPr>
+        <p:spPr>
+          <a:xfrm>
+            <a:off x="5486400" y="3046274"/>
+            <a:ext cx="3322961" cy="1754326"/>
+          </a:xfrm>
+          <a:prstGeom prst="rect">
+            <a:avLst/>
+          </a:prstGeom>
+          <a:noFill/>
+        </p:spPr>
+        <p:txBody>
           <a:bodyPr wrap="none" rtlCol="0">
             <a:spAutoFit/>
           </a:bodyPr>
           <a:lstStyle/>
           <a:p>
-            <a:r>
-              <a:rPr lang="en-US" dirty="0" smtClean="0"/>
-              <a:t>Price - (Break even analysis) (How promotion gets you to break even point)</a:t>
-            </a:r>
-            <a:endParaRPr lang="en-US" dirty="0"/>
+            <a:pPr marL="285750" indent="-285750">
+              <a:lnSpc>
+                <a:spcPct val="150000"/>
+              </a:lnSpc>
+              <a:buFont typeface="Arial" panose="020B0604020202020204" pitchFamily="34" charset="0"/>
+              <a:buChar char="•"/>
+            </a:pPr>
+            <a:r>
+              <a:rPr lang="en-US" sz="2400" dirty="0" smtClean="0"/>
+              <a:t>Taker only fees</a:t>
+            </a:r>
+          </a:p>
+          <a:p>
+            <a:pPr marL="285750" indent="-285750">
+              <a:lnSpc>
+                <a:spcPct val="150000"/>
+              </a:lnSpc>
+              <a:buFont typeface="Arial" panose="020B0604020202020204" pitchFamily="34" charset="0"/>
+              <a:buChar char="•"/>
+            </a:pPr>
+            <a:r>
+              <a:rPr lang="en-US" sz="2400" dirty="0" smtClean="0"/>
+              <a:t>Minimum </a:t>
+            </a:r>
+            <a:r>
+              <a:rPr lang="en-US" sz="2400" dirty="0"/>
+              <a:t>trade </a:t>
+            </a:r>
+            <a:r>
+              <a:rPr lang="en-US" sz="2400" dirty="0" smtClean="0"/>
+              <a:t>$</a:t>
+            </a:r>
+            <a:r>
+              <a:rPr lang="en-US" sz="2400" dirty="0"/>
+              <a:t>1</a:t>
+            </a:r>
+          </a:p>
+          <a:p>
+            <a:pPr marL="285750" indent="-285750">
+              <a:lnSpc>
+                <a:spcPct val="150000"/>
+              </a:lnSpc>
+              <a:buFont typeface="Arial" panose="020B0604020202020204" pitchFamily="34" charset="0"/>
+              <a:buChar char="•"/>
+            </a:pPr>
+            <a:r>
+              <a:rPr lang="en-US" sz="2400" dirty="0" smtClean="0"/>
+              <a:t>Minimum withdraw $1</a:t>
+            </a:r>
+            <a:endParaRPr lang="en-US" sz="2400" dirty="0"/>
           </a:p>
         </p:txBody>
       </p:sp>
       <p:pic>
         <p:nvPicPr>
-          <p:cNvPr id="3074" name="Picture 2"/>
+          <p:cNvPr id="2050" name="Picture 2"/>
           <p:cNvPicPr>
             <a:picLocks noChangeAspect="1" noChangeArrowheads="1"/>
           </p:cNvPicPr>
@@ -3574,8 +3697,1822 @@
         </p:blipFill>
         <p:spPr bwMode="auto">
           <a:xfrm>
-            <a:off x="914400" y="2362200"/>
-            <a:ext cx="2762250" cy="2352675"/>
+            <a:off x="685800" y="2057400"/>
+            <a:ext cx="3810000" cy="3429000"/>
+          </a:xfrm>
+          <a:prstGeom prst="rect">
+            <a:avLst/>
+          </a:prstGeom>
+          <a:noFill/>
+          <a:ln>
+            <a:noFill/>
+          </a:ln>
+          <a:effectLst>
+            <a:outerShdw blurRad="50800" dist="38100" dir="2700000" algn="tl" rotWithShape="0">
+              <a:prstClr val="black">
+                <a:alpha val="40000"/>
+              </a:prstClr>
+            </a:outerShdw>
+          </a:effectLst>
+          <a:extLst>
+            <a:ext uri="{909E8E84-426E-40DD-AFC4-6F175D3DCCD1}">
+              <a14:hiddenFill xmlns:a14="http://schemas.microsoft.com/office/drawing/2010/main">
+                <a:solidFill>
+                  <a:schemeClr val="accent1"/>
+                </a:solidFill>
+              </a14:hiddenFill>
+            </a:ext>
+            <a:ext uri="{91240B29-F687-4F45-9708-019B960494DF}">
+              <a14:hiddenLine xmlns:a14="http://schemas.microsoft.com/office/drawing/2010/main" w="9525">
+                <a:solidFill>
+                  <a:schemeClr val="tx1"/>
+                </a:solidFill>
+                <a:miter lim="800000"/>
+                <a:headEnd/>
+                <a:tailEnd/>
+              </a14:hiddenLine>
+            </a:ext>
+          </a:extLst>
+        </p:spPr>
+      </p:pic>
+    </p:spTree>
+    <p:extLst>
+      <p:ext uri="{BB962C8B-B14F-4D97-AF65-F5344CB8AC3E}">
+        <p14:creationId xmlns:p14="http://schemas.microsoft.com/office/powerpoint/2010/main" val="2218907284"/>
+      </p:ext>
+    </p:extLst>
+  </p:cSld>
+  <p:clrMapOvr>
+    <a:masterClrMapping/>
+  </p:clrMapOvr>
+</p:sld>
+</file>
+
+<file path=ppt/slides/slide12.xml><?xml version="1.0" encoding="utf-8"?>
+<p:sld xmlns:a="http://schemas.openxmlformats.org/drawingml/2006/main" xmlns:r="http://schemas.openxmlformats.org/officeDocument/2006/relationships" xmlns:p="http://schemas.openxmlformats.org/presentationml/2006/main">
+  <p:cSld>
+    <p:spTree>
+      <p:nvGrpSpPr>
+        <p:cNvPr id="1" name=""/>
+        <p:cNvGrpSpPr/>
+        <p:nvPr/>
+      </p:nvGrpSpPr>
+      <p:grpSpPr>
+        <a:xfrm>
+          <a:off x="0" y="0"/>
+          <a:ext cx="0" cy="0"/>
+          <a:chOff x="0" y="0"/>
+          <a:chExt cx="0" cy="0"/>
+        </a:xfrm>
+      </p:grpSpPr>
+      <p:sp>
+        <p:nvSpPr>
+          <p:cNvPr id="4" name="TextBox 3"/>
+          <p:cNvSpPr txBox="1"/>
+          <p:nvPr/>
+        </p:nvSpPr>
+        <p:spPr>
+          <a:xfrm>
+            <a:off x="0" y="435114"/>
+            <a:ext cx="9144000" cy="707886"/>
+          </a:xfrm>
+          <a:prstGeom prst="rect">
+            <a:avLst/>
+          </a:prstGeom>
+          <a:noFill/>
+        </p:spPr>
+        <p:txBody>
+          <a:bodyPr wrap="square" rtlCol="0">
+            <a:spAutoFit/>
+          </a:bodyPr>
+          <a:lstStyle/>
+          <a:p>
+            <a:pPr algn="ctr"/>
+            <a:r>
+              <a:rPr lang="en-US" sz="4000" dirty="0" smtClean="0"/>
+              <a:t>Operations</a:t>
+            </a:r>
+            <a:endParaRPr lang="en-US" sz="4000" dirty="0"/>
+          </a:p>
+        </p:txBody>
+      </p:sp>
+      <p:sp>
+        <p:nvSpPr>
+          <p:cNvPr id="3" name="TextBox 2"/>
+          <p:cNvSpPr txBox="1"/>
+          <p:nvPr/>
+        </p:nvSpPr>
+        <p:spPr>
+          <a:xfrm>
+            <a:off x="533400" y="1600200"/>
+            <a:ext cx="2346283" cy="1754326"/>
+          </a:xfrm>
+          <a:prstGeom prst="rect">
+            <a:avLst/>
+          </a:prstGeom>
+          <a:noFill/>
+        </p:spPr>
+        <p:txBody>
+          <a:bodyPr wrap="none" rtlCol="0">
+            <a:spAutoFit/>
+          </a:bodyPr>
+          <a:lstStyle/>
+          <a:p>
+            <a:pPr>
+              <a:lnSpc>
+                <a:spcPct val="150000"/>
+              </a:lnSpc>
+            </a:pPr>
+            <a:r>
+              <a:rPr lang="en-US" sz="2400" b="1" dirty="0" smtClean="0"/>
+              <a:t>Human Resource</a:t>
+            </a:r>
+          </a:p>
+          <a:p>
+            <a:pPr marL="285750" indent="-285750">
+              <a:lnSpc>
+                <a:spcPct val="150000"/>
+              </a:lnSpc>
+              <a:buFont typeface="Arial" panose="020B0604020202020204" pitchFamily="34" charset="0"/>
+              <a:buChar char="•"/>
+            </a:pPr>
+            <a:r>
+              <a:rPr lang="en-US" sz="2400" dirty="0" smtClean="0"/>
+              <a:t>Hire employee</a:t>
+            </a:r>
+          </a:p>
+          <a:p>
+            <a:pPr marL="285750" indent="-285750">
+              <a:lnSpc>
+                <a:spcPct val="150000"/>
+              </a:lnSpc>
+              <a:buFont typeface="Arial" panose="020B0604020202020204" pitchFamily="34" charset="0"/>
+              <a:buChar char="•"/>
+            </a:pPr>
+            <a:r>
+              <a:rPr lang="en-US" sz="2400" dirty="0" smtClean="0"/>
+              <a:t>Process payroll</a:t>
+            </a:r>
+          </a:p>
+        </p:txBody>
+      </p:sp>
+      <p:sp>
+        <p:nvSpPr>
+          <p:cNvPr id="5" name="TextBox 4"/>
+          <p:cNvSpPr txBox="1"/>
+          <p:nvPr/>
+        </p:nvSpPr>
+        <p:spPr>
+          <a:xfrm>
+            <a:off x="3048000" y="3429000"/>
+            <a:ext cx="2479781" cy="2862322"/>
+          </a:xfrm>
+          <a:prstGeom prst="rect">
+            <a:avLst/>
+          </a:prstGeom>
+          <a:noFill/>
+        </p:spPr>
+        <p:txBody>
+          <a:bodyPr wrap="none" rtlCol="0">
+            <a:spAutoFit/>
+          </a:bodyPr>
+          <a:lstStyle/>
+          <a:p>
+            <a:pPr>
+              <a:lnSpc>
+                <a:spcPct val="150000"/>
+              </a:lnSpc>
+            </a:pPr>
+            <a:r>
+              <a:rPr lang="en-US" sz="2400" b="1" dirty="0" smtClean="0"/>
+              <a:t>Exchange</a:t>
+            </a:r>
+          </a:p>
+          <a:p>
+            <a:pPr marL="285750" indent="-285750">
+              <a:lnSpc>
+                <a:spcPct val="150000"/>
+              </a:lnSpc>
+              <a:buFont typeface="Arial" panose="020B0604020202020204" pitchFamily="34" charset="0"/>
+              <a:buChar char="•"/>
+            </a:pPr>
+            <a:r>
+              <a:rPr lang="en-US" sz="2400" dirty="0" smtClean="0"/>
+              <a:t>Deposit funds</a:t>
+            </a:r>
+          </a:p>
+          <a:p>
+            <a:pPr marL="285750" indent="-285750">
+              <a:lnSpc>
+                <a:spcPct val="150000"/>
+              </a:lnSpc>
+              <a:buFont typeface="Arial" panose="020B0604020202020204" pitchFamily="34" charset="0"/>
+              <a:buChar char="•"/>
+            </a:pPr>
+            <a:r>
+              <a:rPr lang="en-US" sz="2400" dirty="0" smtClean="0"/>
+              <a:t>Withdraw funds</a:t>
+            </a:r>
+          </a:p>
+          <a:p>
+            <a:pPr marL="285750" indent="-285750">
+              <a:lnSpc>
+                <a:spcPct val="150000"/>
+              </a:lnSpc>
+              <a:buFont typeface="Arial" panose="020B0604020202020204" pitchFamily="34" charset="0"/>
+              <a:buChar char="•"/>
+            </a:pPr>
+            <a:r>
+              <a:rPr lang="en-US" sz="2400" dirty="0" smtClean="0"/>
+              <a:t>Post bid / ask</a:t>
+            </a:r>
+          </a:p>
+          <a:p>
+            <a:pPr marL="285750" indent="-285750">
+              <a:lnSpc>
+                <a:spcPct val="150000"/>
+              </a:lnSpc>
+              <a:buFont typeface="Arial" panose="020B0604020202020204" pitchFamily="34" charset="0"/>
+              <a:buChar char="•"/>
+            </a:pPr>
+            <a:r>
+              <a:rPr lang="en-US" sz="2400" dirty="0" smtClean="0"/>
+              <a:t>Fill order</a:t>
+            </a:r>
+            <a:endParaRPr lang="en-US" sz="2400" dirty="0"/>
+          </a:p>
+        </p:txBody>
+      </p:sp>
+      <p:sp>
+        <p:nvSpPr>
+          <p:cNvPr id="6" name="TextBox 5"/>
+          <p:cNvSpPr txBox="1"/>
+          <p:nvPr/>
+        </p:nvSpPr>
+        <p:spPr>
+          <a:xfrm>
+            <a:off x="5943600" y="1524000"/>
+            <a:ext cx="2730171" cy="2308324"/>
+          </a:xfrm>
+          <a:prstGeom prst="rect">
+            <a:avLst/>
+          </a:prstGeom>
+          <a:noFill/>
+        </p:spPr>
+        <p:txBody>
+          <a:bodyPr wrap="none" rtlCol="0">
+            <a:spAutoFit/>
+          </a:bodyPr>
+          <a:lstStyle/>
+          <a:p>
+            <a:pPr>
+              <a:lnSpc>
+                <a:spcPct val="150000"/>
+              </a:lnSpc>
+            </a:pPr>
+            <a:r>
+              <a:rPr lang="en-US" sz="2400" b="1" dirty="0" smtClean="0"/>
+              <a:t>Users</a:t>
+            </a:r>
+          </a:p>
+          <a:p>
+            <a:pPr marL="285750" indent="-285750">
+              <a:lnSpc>
+                <a:spcPct val="150000"/>
+              </a:lnSpc>
+              <a:buFont typeface="Arial" panose="020B0604020202020204" pitchFamily="34" charset="0"/>
+              <a:buChar char="•"/>
+            </a:pPr>
+            <a:r>
+              <a:rPr lang="en-US" sz="2400" dirty="0" smtClean="0"/>
+              <a:t>Marketing</a:t>
+            </a:r>
+          </a:p>
+          <a:p>
+            <a:pPr marL="285750" indent="-285750">
+              <a:lnSpc>
+                <a:spcPct val="150000"/>
+              </a:lnSpc>
+              <a:buFont typeface="Arial" panose="020B0604020202020204" pitchFamily="34" charset="0"/>
+              <a:buChar char="•"/>
+            </a:pPr>
+            <a:r>
+              <a:rPr lang="en-US" sz="2400" dirty="0" smtClean="0"/>
+              <a:t>Add customer</a:t>
+            </a:r>
+          </a:p>
+          <a:p>
+            <a:pPr marL="285750" indent="-285750">
+              <a:lnSpc>
+                <a:spcPct val="150000"/>
+              </a:lnSpc>
+              <a:buFont typeface="Arial" panose="020B0604020202020204" pitchFamily="34" charset="0"/>
+              <a:buChar char="•"/>
+            </a:pPr>
+            <a:r>
+              <a:rPr lang="en-US" sz="2400" dirty="0" smtClean="0"/>
+              <a:t>Customer support</a:t>
+            </a:r>
+            <a:endParaRPr lang="en-US" sz="2400" dirty="0"/>
+          </a:p>
+        </p:txBody>
+      </p:sp>
+    </p:spTree>
+    <p:extLst>
+      <p:ext uri="{BB962C8B-B14F-4D97-AF65-F5344CB8AC3E}">
+        <p14:creationId xmlns:p14="http://schemas.microsoft.com/office/powerpoint/2010/main" val="2218907284"/>
+      </p:ext>
+    </p:extLst>
+  </p:cSld>
+  <p:clrMapOvr>
+    <a:masterClrMapping/>
+  </p:clrMapOvr>
+</p:sld>
+</file>
+
+<file path=ppt/slides/slide13.xml><?xml version="1.0" encoding="utf-8"?>
+<p:sld xmlns:a="http://schemas.openxmlformats.org/drawingml/2006/main" xmlns:r="http://schemas.openxmlformats.org/officeDocument/2006/relationships" xmlns:p="http://schemas.openxmlformats.org/presentationml/2006/main">
+  <p:cSld>
+    <p:spTree>
+      <p:nvGrpSpPr>
+        <p:cNvPr id="1" name=""/>
+        <p:cNvGrpSpPr/>
+        <p:nvPr/>
+      </p:nvGrpSpPr>
+      <p:grpSpPr>
+        <a:xfrm>
+          <a:off x="0" y="0"/>
+          <a:ext cx="0" cy="0"/>
+          <a:chOff x="0" y="0"/>
+          <a:chExt cx="0" cy="0"/>
+        </a:xfrm>
+      </p:grpSpPr>
+      <p:sp>
+        <p:nvSpPr>
+          <p:cNvPr id="4" name="TextBox 3"/>
+          <p:cNvSpPr txBox="1"/>
+          <p:nvPr/>
+        </p:nvSpPr>
+        <p:spPr>
+          <a:xfrm>
+            <a:off x="0" y="457200"/>
+            <a:ext cx="9143999" cy="707886"/>
+          </a:xfrm>
+          <a:prstGeom prst="rect">
+            <a:avLst/>
+          </a:prstGeom>
+          <a:noFill/>
+        </p:spPr>
+        <p:txBody>
+          <a:bodyPr wrap="square" rtlCol="0">
+            <a:spAutoFit/>
+          </a:bodyPr>
+          <a:lstStyle/>
+          <a:p>
+            <a:pPr algn="ctr"/>
+            <a:r>
+              <a:rPr lang="en-US" sz="4000" dirty="0" smtClean="0"/>
+              <a:t>Financials</a:t>
+            </a:r>
+            <a:endParaRPr lang="en-US" sz="4000" dirty="0"/>
+          </a:p>
+        </p:txBody>
+      </p:sp>
+      <p:sp>
+        <p:nvSpPr>
+          <p:cNvPr id="3" name="TextBox 2"/>
+          <p:cNvSpPr txBox="1"/>
+          <p:nvPr/>
+        </p:nvSpPr>
+        <p:spPr>
+          <a:xfrm>
+            <a:off x="762000" y="2514600"/>
+            <a:ext cx="663964" cy="369332"/>
+          </a:xfrm>
+          <a:prstGeom prst="rect">
+            <a:avLst/>
+          </a:prstGeom>
+          <a:noFill/>
+        </p:spPr>
+        <p:txBody>
+          <a:bodyPr wrap="none" rtlCol="0">
+            <a:spAutoFit/>
+          </a:bodyPr>
+          <a:lstStyle/>
+          <a:p>
+            <a:r>
+              <a:rPr lang="en-US" dirty="0" smtClean="0"/>
+              <a:t>P &amp; L</a:t>
+            </a:r>
+            <a:endParaRPr lang="en-US" dirty="0"/>
+          </a:p>
+        </p:txBody>
+      </p:sp>
+    </p:spTree>
+    <p:extLst>
+      <p:ext uri="{BB962C8B-B14F-4D97-AF65-F5344CB8AC3E}">
+        <p14:creationId xmlns:p14="http://schemas.microsoft.com/office/powerpoint/2010/main" val="2218907284"/>
+      </p:ext>
+    </p:extLst>
+  </p:cSld>
+  <p:clrMapOvr>
+    <a:masterClrMapping/>
+  </p:clrMapOvr>
+</p:sld>
+</file>
+
+<file path=ppt/slides/slide14.xml><?xml version="1.0" encoding="utf-8"?>
+<p:sld xmlns:a="http://schemas.openxmlformats.org/drawingml/2006/main" xmlns:r="http://schemas.openxmlformats.org/officeDocument/2006/relationships" xmlns:p="http://schemas.openxmlformats.org/presentationml/2006/main">
+  <p:cSld>
+    <p:spTree>
+      <p:nvGrpSpPr>
+        <p:cNvPr id="1" name=""/>
+        <p:cNvGrpSpPr/>
+        <p:nvPr/>
+      </p:nvGrpSpPr>
+      <p:grpSpPr>
+        <a:xfrm>
+          <a:off x="0" y="0"/>
+          <a:ext cx="0" cy="0"/>
+          <a:chOff x="0" y="0"/>
+          <a:chExt cx="0" cy="0"/>
+        </a:xfrm>
+      </p:grpSpPr>
+      <p:sp>
+        <p:nvSpPr>
+          <p:cNvPr id="4" name="TextBox 3"/>
+          <p:cNvSpPr txBox="1"/>
+          <p:nvPr/>
+        </p:nvSpPr>
+        <p:spPr>
+          <a:xfrm>
+            <a:off x="928548" y="762000"/>
+            <a:ext cx="5791200" cy="1143070"/>
+          </a:xfrm>
+          <a:prstGeom prst="rect">
+            <a:avLst/>
+          </a:prstGeom>
+          <a:noFill/>
+        </p:spPr>
+        <p:txBody>
+          <a:bodyPr wrap="square" rtlCol="0">
+            <a:spAutoFit/>
+          </a:bodyPr>
+          <a:lstStyle/>
+          <a:p>
+            <a:pPr>
+              <a:lnSpc>
+                <a:spcPct val="150000"/>
+              </a:lnSpc>
+            </a:pPr>
+            <a:r>
+              <a:rPr lang="en-US" sz="2400" dirty="0"/>
+              <a:t>W</a:t>
+            </a:r>
+            <a:r>
+              <a:rPr lang="en-US" sz="2400" dirty="0" smtClean="0"/>
+              <a:t>hat </a:t>
+            </a:r>
+            <a:r>
+              <a:rPr lang="en-US" sz="2400" dirty="0" smtClean="0"/>
+              <a:t>we </a:t>
+            </a:r>
+            <a:r>
+              <a:rPr lang="en-US" sz="2400" dirty="0" smtClean="0"/>
+              <a:t>need</a:t>
+            </a:r>
+          </a:p>
+          <a:p>
+            <a:pPr marL="285750" indent="-285750">
+              <a:lnSpc>
+                <a:spcPct val="150000"/>
+              </a:lnSpc>
+              <a:buFont typeface="Arial" panose="020B0604020202020204" pitchFamily="34" charset="0"/>
+              <a:buChar char="•"/>
+            </a:pPr>
+            <a:r>
+              <a:rPr lang="en-US" sz="2400" dirty="0" smtClean="0"/>
+              <a:t>Money</a:t>
+            </a:r>
+            <a:endParaRPr lang="en-US" sz="2400" dirty="0"/>
+          </a:p>
+        </p:txBody>
+      </p:sp>
+      <p:sp>
+        <p:nvSpPr>
+          <p:cNvPr id="3" name="TextBox 2"/>
+          <p:cNvSpPr txBox="1"/>
+          <p:nvPr/>
+        </p:nvSpPr>
+        <p:spPr>
+          <a:xfrm>
+            <a:off x="904485" y="4876800"/>
+            <a:ext cx="3362715" cy="1143070"/>
+          </a:xfrm>
+          <a:prstGeom prst="rect">
+            <a:avLst/>
+          </a:prstGeom>
+          <a:noFill/>
+        </p:spPr>
+        <p:txBody>
+          <a:bodyPr wrap="none" rtlCol="0">
+            <a:spAutoFit/>
+          </a:bodyPr>
+          <a:lstStyle/>
+          <a:p>
+            <a:pPr>
+              <a:lnSpc>
+                <a:spcPct val="150000"/>
+              </a:lnSpc>
+            </a:pPr>
+            <a:r>
+              <a:rPr lang="en-US" sz="2400" dirty="0" smtClean="0"/>
+              <a:t>Will </a:t>
+            </a:r>
+            <a:r>
+              <a:rPr lang="en-US" sz="2400" dirty="0" smtClean="0"/>
+              <a:t>we offer</a:t>
+            </a:r>
+          </a:p>
+          <a:p>
+            <a:pPr marL="285750" indent="-285750">
+              <a:lnSpc>
+                <a:spcPct val="150000"/>
+              </a:lnSpc>
+              <a:buFont typeface="Arial" panose="020B0604020202020204" pitchFamily="34" charset="0"/>
+              <a:buChar char="•"/>
+            </a:pPr>
+            <a:r>
+              <a:rPr lang="en-US" sz="2400" dirty="0" smtClean="0"/>
+              <a:t>O</a:t>
+            </a:r>
+            <a:r>
+              <a:rPr lang="en-US" sz="2400" dirty="0" smtClean="0"/>
+              <a:t>wnership </a:t>
+            </a:r>
+            <a:r>
+              <a:rPr lang="en-US" sz="2400" dirty="0" smtClean="0"/>
+              <a:t>of company</a:t>
+            </a:r>
+            <a:endParaRPr lang="en-US" sz="2400" dirty="0"/>
+          </a:p>
+        </p:txBody>
+      </p:sp>
+      <p:sp>
+        <p:nvSpPr>
+          <p:cNvPr id="5" name="TextBox 4"/>
+          <p:cNvSpPr txBox="1"/>
+          <p:nvPr/>
+        </p:nvSpPr>
+        <p:spPr>
+          <a:xfrm>
+            <a:off x="4876800" y="1828870"/>
+            <a:ext cx="3510063" cy="2308324"/>
+          </a:xfrm>
+          <a:prstGeom prst="rect">
+            <a:avLst/>
+          </a:prstGeom>
+          <a:noFill/>
+        </p:spPr>
+        <p:txBody>
+          <a:bodyPr wrap="none" rtlCol="0">
+            <a:spAutoFit/>
+          </a:bodyPr>
+          <a:lstStyle/>
+          <a:p>
+            <a:pPr>
+              <a:lnSpc>
+                <a:spcPct val="150000"/>
+              </a:lnSpc>
+            </a:pPr>
+            <a:r>
+              <a:rPr lang="en-US" sz="2400" dirty="0" smtClean="0"/>
+              <a:t>Why we need it</a:t>
+            </a:r>
+          </a:p>
+          <a:p>
+            <a:pPr marL="285750" indent="-285750">
+              <a:lnSpc>
+                <a:spcPct val="150000"/>
+              </a:lnSpc>
+              <a:buFont typeface="Arial" panose="020B0604020202020204" pitchFamily="34" charset="0"/>
+              <a:buChar char="•"/>
+            </a:pPr>
+            <a:r>
+              <a:rPr lang="en-US" sz="2400" dirty="0"/>
+              <a:t>build exchange </a:t>
+            </a:r>
+            <a:r>
+              <a:rPr lang="en-US" sz="2400" dirty="0" smtClean="0"/>
+              <a:t>software</a:t>
+            </a:r>
+          </a:p>
+          <a:p>
+            <a:pPr marL="285750" indent="-285750">
+              <a:lnSpc>
+                <a:spcPct val="150000"/>
+              </a:lnSpc>
+              <a:buFont typeface="Arial" panose="020B0604020202020204" pitchFamily="34" charset="0"/>
+              <a:buChar char="•"/>
+            </a:pPr>
+            <a:r>
+              <a:rPr lang="en-US" sz="2400" dirty="0"/>
+              <a:t>setup </a:t>
+            </a:r>
+            <a:r>
+              <a:rPr lang="en-US" sz="2400" dirty="0" smtClean="0"/>
+              <a:t>office</a:t>
+            </a:r>
+          </a:p>
+          <a:p>
+            <a:pPr marL="285750" indent="-285750">
+              <a:lnSpc>
+                <a:spcPct val="150000"/>
+              </a:lnSpc>
+              <a:buFont typeface="Arial" panose="020B0604020202020204" pitchFamily="34" charset="0"/>
+              <a:buChar char="•"/>
+            </a:pPr>
+            <a:r>
+              <a:rPr lang="en-US" sz="2400" dirty="0" smtClean="0"/>
+              <a:t>acquire BitLincense</a:t>
+            </a:r>
+          </a:p>
+        </p:txBody>
+      </p:sp>
+    </p:spTree>
+    <p:extLst>
+      <p:ext uri="{BB962C8B-B14F-4D97-AF65-F5344CB8AC3E}">
+        <p14:creationId xmlns:p14="http://schemas.microsoft.com/office/powerpoint/2010/main" val="2218907284"/>
+      </p:ext>
+    </p:extLst>
+  </p:cSld>
+  <p:clrMapOvr>
+    <a:masterClrMapping/>
+  </p:clrMapOvr>
+</p:sld>
+</file>
+
+<file path=ppt/slides/slide15.xml><?xml version="1.0" encoding="utf-8"?>
+<p:sld xmlns:a="http://schemas.openxmlformats.org/drawingml/2006/main" xmlns:r="http://schemas.openxmlformats.org/officeDocument/2006/relationships" xmlns:p="http://schemas.openxmlformats.org/presentationml/2006/main">
+  <p:cSld>
+    <p:spTree>
+      <p:nvGrpSpPr>
+        <p:cNvPr id="1" name=""/>
+        <p:cNvGrpSpPr/>
+        <p:nvPr/>
+      </p:nvGrpSpPr>
+      <p:grpSpPr>
+        <a:xfrm>
+          <a:off x="0" y="0"/>
+          <a:ext cx="0" cy="0"/>
+          <a:chOff x="0" y="0"/>
+          <a:chExt cx="0" cy="0"/>
+        </a:xfrm>
+      </p:grpSpPr>
+      <p:sp>
+        <p:nvSpPr>
+          <p:cNvPr id="4" name="TextBox 3"/>
+          <p:cNvSpPr txBox="1"/>
+          <p:nvPr/>
+        </p:nvSpPr>
+        <p:spPr>
+          <a:xfrm>
+            <a:off x="0" y="609600"/>
+            <a:ext cx="9144000" cy="707886"/>
+          </a:xfrm>
+          <a:prstGeom prst="rect">
+            <a:avLst/>
+          </a:prstGeom>
+          <a:noFill/>
+        </p:spPr>
+        <p:txBody>
+          <a:bodyPr wrap="square" rtlCol="0">
+            <a:spAutoFit/>
+          </a:bodyPr>
+          <a:lstStyle/>
+          <a:p>
+            <a:pPr algn="ctr"/>
+            <a:r>
+              <a:rPr lang="en-US" sz="4000" dirty="0" smtClean="0"/>
+              <a:t>Exit </a:t>
+            </a:r>
+            <a:r>
+              <a:rPr lang="en-US" sz="4000" dirty="0" smtClean="0"/>
+              <a:t>Plan</a:t>
+            </a:r>
+            <a:endParaRPr lang="en-US" sz="4000" dirty="0"/>
+          </a:p>
+        </p:txBody>
+      </p:sp>
+      <p:sp>
+        <p:nvSpPr>
+          <p:cNvPr id="2" name="TextBox 1"/>
+          <p:cNvSpPr txBox="1"/>
+          <p:nvPr/>
+        </p:nvSpPr>
+        <p:spPr>
+          <a:xfrm>
+            <a:off x="2438400" y="4191000"/>
+            <a:ext cx="5107809" cy="2031325"/>
+          </a:xfrm>
+          <a:prstGeom prst="rect">
+            <a:avLst/>
+          </a:prstGeom>
+          <a:noFill/>
+        </p:spPr>
+        <p:txBody>
+          <a:bodyPr wrap="none" rtlCol="0">
+            <a:spAutoFit/>
+          </a:bodyPr>
+          <a:lstStyle/>
+          <a:p>
+            <a:r>
+              <a:rPr lang="en-US" dirty="0" smtClean="0"/>
+              <a:t>Sell of three key assets;</a:t>
+            </a:r>
+          </a:p>
+          <a:p>
+            <a:endParaRPr lang="en-US" dirty="0"/>
+          </a:p>
+          <a:p>
+            <a:r>
+              <a:rPr lang="en-US" dirty="0" smtClean="0"/>
+              <a:t>Customers</a:t>
+            </a:r>
+          </a:p>
+          <a:p>
+            <a:endParaRPr lang="en-US" dirty="0"/>
+          </a:p>
+          <a:p>
+            <a:r>
+              <a:rPr lang="en-US" dirty="0" smtClean="0"/>
+              <a:t>Exchange software</a:t>
+            </a:r>
+          </a:p>
+          <a:p>
+            <a:endParaRPr lang="en-US" dirty="0"/>
+          </a:p>
+          <a:p>
+            <a:r>
+              <a:rPr lang="en-US" dirty="0" err="1" smtClean="0"/>
+              <a:t>Licences</a:t>
+            </a:r>
+            <a:r>
+              <a:rPr lang="en-US" dirty="0" smtClean="0"/>
+              <a:t> (as much as 100,000 in legal / account fees)</a:t>
+            </a:r>
+            <a:endParaRPr lang="en-US" dirty="0"/>
+          </a:p>
+        </p:txBody>
+      </p:sp>
+      <p:sp>
+        <p:nvSpPr>
+          <p:cNvPr id="3" name="TextBox 2"/>
+          <p:cNvSpPr txBox="1"/>
+          <p:nvPr/>
+        </p:nvSpPr>
+        <p:spPr>
+          <a:xfrm>
+            <a:off x="838201" y="2514600"/>
+            <a:ext cx="6477000" cy="646331"/>
+          </a:xfrm>
+          <a:prstGeom prst="rect">
+            <a:avLst/>
+          </a:prstGeom>
+          <a:noFill/>
+        </p:spPr>
+        <p:txBody>
+          <a:bodyPr wrap="square" rtlCol="0">
+            <a:spAutoFit/>
+          </a:bodyPr>
+          <a:lstStyle/>
+          <a:p>
+            <a:r>
+              <a:rPr lang="en-US" dirty="0" smtClean="0"/>
+              <a:t>No plan to leave exchange, maintain ownership, slowly lessen daily activities involving exchange</a:t>
+            </a:r>
+            <a:endParaRPr lang="en-US" dirty="0"/>
+          </a:p>
+        </p:txBody>
+      </p:sp>
+    </p:spTree>
+    <p:extLst>
+      <p:ext uri="{BB962C8B-B14F-4D97-AF65-F5344CB8AC3E}">
+        <p14:creationId xmlns:p14="http://schemas.microsoft.com/office/powerpoint/2010/main" val="3243935372"/>
+      </p:ext>
+    </p:extLst>
+  </p:cSld>
+  <p:clrMapOvr>
+    <a:masterClrMapping/>
+  </p:clrMapOvr>
+</p:sld>
+</file>
+
+<file path=ppt/slides/slide2.xml><?xml version="1.0" encoding="utf-8"?>
+<p:sld xmlns:a="http://schemas.openxmlformats.org/drawingml/2006/main" xmlns:r="http://schemas.openxmlformats.org/officeDocument/2006/relationships" xmlns:p="http://schemas.openxmlformats.org/presentationml/2006/main">
+  <p:cSld>
+    <p:spTree>
+      <p:nvGrpSpPr>
+        <p:cNvPr id="1" name=""/>
+        <p:cNvGrpSpPr/>
+        <p:nvPr/>
+      </p:nvGrpSpPr>
+      <p:grpSpPr>
+        <a:xfrm>
+          <a:off x="0" y="0"/>
+          <a:ext cx="0" cy="0"/>
+          <a:chOff x="0" y="0"/>
+          <a:chExt cx="0" cy="0"/>
+        </a:xfrm>
+      </p:grpSpPr>
+      <p:sp>
+        <p:nvSpPr>
+          <p:cNvPr id="5" name="TextBox 4"/>
+          <p:cNvSpPr txBox="1"/>
+          <p:nvPr/>
+        </p:nvSpPr>
+        <p:spPr>
+          <a:xfrm>
+            <a:off x="1" y="381000"/>
+            <a:ext cx="9144000" cy="707886"/>
+          </a:xfrm>
+          <a:prstGeom prst="rect">
+            <a:avLst/>
+          </a:prstGeom>
+          <a:noFill/>
+        </p:spPr>
+        <p:txBody>
+          <a:bodyPr wrap="square" rtlCol="0">
+            <a:spAutoFit/>
+          </a:bodyPr>
+          <a:lstStyle/>
+          <a:p>
+            <a:pPr algn="ctr"/>
+            <a:r>
+              <a:rPr lang="en-US" sz="4000" dirty="0" smtClean="0"/>
+              <a:t>5 Year Plan</a:t>
+            </a:r>
+            <a:endParaRPr lang="en-US" sz="4000" dirty="0"/>
+          </a:p>
+        </p:txBody>
+      </p:sp>
+      <p:sp>
+        <p:nvSpPr>
+          <p:cNvPr id="6" name="TextBox 5"/>
+          <p:cNvSpPr txBox="1"/>
+          <p:nvPr/>
+        </p:nvSpPr>
+        <p:spPr>
+          <a:xfrm>
+            <a:off x="838200" y="1905000"/>
+            <a:ext cx="7696200" cy="3891835"/>
+          </a:xfrm>
+          <a:prstGeom prst="rect">
+            <a:avLst/>
+          </a:prstGeom>
+          <a:noFill/>
+        </p:spPr>
+        <p:txBody>
+          <a:bodyPr wrap="square" rtlCol="0">
+            <a:spAutoFit/>
+          </a:bodyPr>
+          <a:lstStyle/>
+          <a:p>
+            <a:r>
+              <a:rPr lang="en-US" sz="2000" dirty="0" smtClean="0"/>
+              <a:t>By the end of 5 years we will </a:t>
+            </a:r>
+            <a:r>
+              <a:rPr lang="en-US" sz="2000" dirty="0" smtClean="0"/>
+              <a:t>have</a:t>
+            </a:r>
+            <a:endParaRPr lang="en-US" sz="2000" dirty="0" smtClean="0"/>
+          </a:p>
+          <a:p>
+            <a:endParaRPr lang="en-US" sz="2000" dirty="0" smtClean="0"/>
+          </a:p>
+          <a:p>
+            <a:pPr marL="342900" indent="-342900">
+              <a:lnSpc>
+                <a:spcPct val="150000"/>
+              </a:lnSpc>
+              <a:buFont typeface="Arial" panose="020B0604020202020204" pitchFamily="34" charset="0"/>
+              <a:buChar char="•"/>
+            </a:pPr>
+            <a:r>
+              <a:rPr lang="en-US" sz="2000" dirty="0" smtClean="0"/>
+              <a:t>Designed the software to operate the exchange</a:t>
+            </a:r>
+          </a:p>
+          <a:p>
+            <a:pPr marL="342900" indent="-342900">
+              <a:lnSpc>
+                <a:spcPct val="150000"/>
+              </a:lnSpc>
+              <a:buFont typeface="Arial" panose="020B0604020202020204" pitchFamily="34" charset="0"/>
+              <a:buChar char="•"/>
+            </a:pPr>
+            <a:r>
+              <a:rPr lang="en-US" sz="2000" dirty="0" smtClean="0"/>
+              <a:t>Obtained 1 million users</a:t>
+            </a:r>
+          </a:p>
+          <a:p>
+            <a:pPr marL="342900" indent="-342900">
+              <a:lnSpc>
+                <a:spcPct val="150000"/>
+              </a:lnSpc>
+              <a:buFont typeface="Arial" panose="020B0604020202020204" pitchFamily="34" charset="0"/>
+              <a:buChar char="•"/>
+            </a:pPr>
+            <a:r>
+              <a:rPr lang="en-US" sz="2000" dirty="0" smtClean="0"/>
+              <a:t>Created web portal customers can use to interact with the exchanged</a:t>
+            </a:r>
+          </a:p>
+          <a:p>
+            <a:pPr marL="342900" indent="-342900">
+              <a:lnSpc>
+                <a:spcPct val="150000"/>
+              </a:lnSpc>
+              <a:buFont typeface="Arial" panose="020B0604020202020204" pitchFamily="34" charset="0"/>
+              <a:buChar char="•"/>
+            </a:pPr>
+            <a:r>
+              <a:rPr lang="en-US" sz="2000" dirty="0" smtClean="0"/>
+              <a:t>Open </a:t>
+            </a:r>
+            <a:r>
+              <a:rPr lang="en-US" sz="2000" dirty="0" smtClean="0"/>
+              <a:t>the exchange </a:t>
+            </a:r>
+            <a:endParaRPr lang="en-US" sz="2000" dirty="0" smtClean="0"/>
+          </a:p>
+          <a:p>
+            <a:pPr marL="342900" indent="-342900">
+              <a:lnSpc>
+                <a:spcPct val="150000"/>
+              </a:lnSpc>
+              <a:buFont typeface="Arial" panose="020B0604020202020204" pitchFamily="34" charset="0"/>
+              <a:buChar char="•"/>
+            </a:pPr>
+            <a:r>
+              <a:rPr lang="en-US" sz="2000" dirty="0" smtClean="0"/>
+              <a:t>Maintain  at least </a:t>
+            </a:r>
+            <a:r>
+              <a:rPr lang="en-US" sz="2000" dirty="0" smtClean="0"/>
+              <a:t>5</a:t>
+            </a:r>
+            <a:r>
+              <a:rPr lang="en-US" sz="2000" dirty="0" smtClean="0"/>
+              <a:t>% total trading volume</a:t>
+            </a:r>
+            <a:endParaRPr lang="en-US" sz="2000" dirty="0"/>
+          </a:p>
+          <a:p>
+            <a:pPr marL="342900" indent="-342900">
+              <a:lnSpc>
+                <a:spcPct val="150000"/>
+              </a:lnSpc>
+              <a:buFont typeface="Arial" panose="020B0604020202020204" pitchFamily="34" charset="0"/>
+              <a:buChar char="•"/>
+            </a:pPr>
+            <a:r>
+              <a:rPr lang="en-US" sz="2000" dirty="0" smtClean="0"/>
+              <a:t>Developed and released a smart phone wallet app</a:t>
+            </a:r>
+          </a:p>
+          <a:p>
+            <a:pPr marL="342900" indent="-342900">
+              <a:lnSpc>
+                <a:spcPct val="150000"/>
+              </a:lnSpc>
+              <a:buFont typeface="Arial" panose="020B0604020202020204" pitchFamily="34" charset="0"/>
+              <a:buChar char="•"/>
+            </a:pPr>
+            <a:r>
+              <a:rPr lang="en-US" sz="2000" dirty="0" smtClean="0"/>
+              <a:t>Release a software merchants can use to except Bitcoin payments</a:t>
+            </a:r>
+          </a:p>
+        </p:txBody>
+      </p:sp>
+    </p:spTree>
+    <p:extLst>
+      <p:ext uri="{BB962C8B-B14F-4D97-AF65-F5344CB8AC3E}">
+        <p14:creationId xmlns:p14="http://schemas.microsoft.com/office/powerpoint/2010/main" val="2218907284"/>
+      </p:ext>
+    </p:extLst>
+  </p:cSld>
+  <p:clrMapOvr>
+    <a:masterClrMapping/>
+  </p:clrMapOvr>
+</p:sld>
+</file>
+
+<file path=ppt/slides/slide3.xml><?xml version="1.0" encoding="utf-8"?>
+<p:sld xmlns:a="http://schemas.openxmlformats.org/drawingml/2006/main" xmlns:r="http://schemas.openxmlformats.org/officeDocument/2006/relationships" xmlns:p="http://schemas.openxmlformats.org/presentationml/2006/main">
+  <p:cSld>
+    <p:spTree>
+      <p:nvGrpSpPr>
+        <p:cNvPr id="1" name=""/>
+        <p:cNvGrpSpPr/>
+        <p:nvPr/>
+      </p:nvGrpSpPr>
+      <p:grpSpPr>
+        <a:xfrm>
+          <a:off x="0" y="0"/>
+          <a:ext cx="0" cy="0"/>
+          <a:chOff x="0" y="0"/>
+          <a:chExt cx="0" cy="0"/>
+        </a:xfrm>
+      </p:grpSpPr>
+      <p:sp>
+        <p:nvSpPr>
+          <p:cNvPr id="3" name="TextBox 2"/>
+          <p:cNvSpPr txBox="1"/>
+          <p:nvPr/>
+        </p:nvSpPr>
+        <p:spPr>
+          <a:xfrm>
+            <a:off x="399196" y="381000"/>
+            <a:ext cx="2170081" cy="1323439"/>
+          </a:xfrm>
+          <a:prstGeom prst="rect">
+            <a:avLst/>
+          </a:prstGeom>
+          <a:noFill/>
+        </p:spPr>
+        <p:txBody>
+          <a:bodyPr wrap="none" rtlCol="0">
+            <a:spAutoFit/>
+          </a:bodyPr>
+          <a:lstStyle/>
+          <a:p>
+            <a:pPr algn="ctr"/>
+            <a:r>
+              <a:rPr lang="en-US" sz="4000" dirty="0" smtClean="0"/>
+              <a:t>Industry</a:t>
+            </a:r>
+          </a:p>
+          <a:p>
+            <a:pPr algn="ctr"/>
+            <a:r>
+              <a:rPr lang="en-US" sz="4000" dirty="0" smtClean="0"/>
+              <a:t>Summary</a:t>
+            </a:r>
+            <a:endParaRPr lang="en-US" sz="4000" dirty="0"/>
+          </a:p>
+        </p:txBody>
+      </p:sp>
+      <p:pic>
+        <p:nvPicPr>
+          <p:cNvPr id="1026" name="Picture 2" descr="H:\apps\xp\desktop\HOME\SCHOOL\Business\TODO\bitcoin price.PNG"/>
+          <p:cNvPicPr>
+            <a:picLocks noChangeAspect="1" noChangeArrowheads="1"/>
+          </p:cNvPicPr>
+          <p:nvPr/>
+        </p:nvPicPr>
+        <p:blipFill>
+          <a:blip r:embed="rId2">
+            <a:extLst>
+              <a:ext uri="{28A0092B-C50C-407E-A947-70E740481C1C}">
+                <a14:useLocalDpi xmlns:a14="http://schemas.microsoft.com/office/drawing/2010/main" val="0"/>
+              </a:ext>
+            </a:extLst>
+          </a:blip>
+          <a:srcRect/>
+          <a:stretch>
+            <a:fillRect/>
+          </a:stretch>
+        </p:blipFill>
+        <p:spPr bwMode="auto">
+          <a:xfrm>
+            <a:off x="3429000" y="914400"/>
+            <a:ext cx="5586413" cy="2628900"/>
+          </a:xfrm>
+          <a:prstGeom prst="rect">
+            <a:avLst/>
+          </a:prstGeom>
+          <a:noFill/>
+          <a:extLst>
+            <a:ext uri="{909E8E84-426E-40DD-AFC4-6F175D3DCCD1}">
+              <a14:hiddenFill xmlns:a14="http://schemas.microsoft.com/office/drawing/2010/main">
+                <a:solidFill>
+                  <a:srgbClr val="FFFFFF"/>
+                </a:solidFill>
+              </a14:hiddenFill>
+            </a:ext>
+          </a:extLst>
+        </p:spPr>
+      </p:pic>
+      <p:pic>
+        <p:nvPicPr>
+          <p:cNvPr id="1027" name="Picture 3" descr="H:\apps\xp\desktop\HOME\SCHOOL\Business\TODO\transaction_Growth.PNG"/>
+          <p:cNvPicPr>
+            <a:picLocks noChangeAspect="1" noChangeArrowheads="1"/>
+          </p:cNvPicPr>
+          <p:nvPr/>
+        </p:nvPicPr>
+        <p:blipFill>
+          <a:blip r:embed="rId3">
+            <a:extLst>
+              <a:ext uri="{28A0092B-C50C-407E-A947-70E740481C1C}">
+                <a14:useLocalDpi xmlns:a14="http://schemas.microsoft.com/office/drawing/2010/main" val="0"/>
+              </a:ext>
+            </a:extLst>
+          </a:blip>
+          <a:srcRect/>
+          <a:stretch>
+            <a:fillRect/>
+          </a:stretch>
+        </p:blipFill>
+        <p:spPr bwMode="auto">
+          <a:xfrm>
+            <a:off x="399196" y="3886200"/>
+            <a:ext cx="5484019" cy="2696988"/>
+          </a:xfrm>
+          <a:prstGeom prst="rect">
+            <a:avLst/>
+          </a:prstGeom>
+          <a:noFill/>
+          <a:extLst>
+            <a:ext uri="{909E8E84-426E-40DD-AFC4-6F175D3DCCD1}">
+              <a14:hiddenFill xmlns:a14="http://schemas.microsoft.com/office/drawing/2010/main">
+                <a:solidFill>
+                  <a:srgbClr val="FFFFFF"/>
+                </a:solidFill>
+              </a14:hiddenFill>
+            </a:ext>
+          </a:extLst>
+        </p:spPr>
+      </p:pic>
+    </p:spTree>
+    <p:extLst>
+      <p:ext uri="{BB962C8B-B14F-4D97-AF65-F5344CB8AC3E}">
+        <p14:creationId xmlns:p14="http://schemas.microsoft.com/office/powerpoint/2010/main" val="2218907284"/>
+      </p:ext>
+    </p:extLst>
+  </p:cSld>
+  <p:clrMapOvr>
+    <a:masterClrMapping/>
+  </p:clrMapOvr>
+</p:sld>
+</file>
+
+<file path=ppt/slides/slide4.xml><?xml version="1.0" encoding="utf-8"?>
+<p:sld xmlns:a="http://schemas.openxmlformats.org/drawingml/2006/main" xmlns:r="http://schemas.openxmlformats.org/officeDocument/2006/relationships" xmlns:p="http://schemas.openxmlformats.org/presentationml/2006/main">
+  <p:cSld>
+    <p:spTree>
+      <p:nvGrpSpPr>
+        <p:cNvPr id="1" name=""/>
+        <p:cNvGrpSpPr/>
+        <p:nvPr/>
+      </p:nvGrpSpPr>
+      <p:grpSpPr>
+        <a:xfrm>
+          <a:off x="0" y="0"/>
+          <a:ext cx="0" cy="0"/>
+          <a:chOff x="0" y="0"/>
+          <a:chExt cx="0" cy="0"/>
+        </a:xfrm>
+      </p:grpSpPr>
+      <p:sp>
+        <p:nvSpPr>
+          <p:cNvPr id="4" name="TextBox 3"/>
+          <p:cNvSpPr txBox="1"/>
+          <p:nvPr/>
+        </p:nvSpPr>
+        <p:spPr>
+          <a:xfrm>
+            <a:off x="0" y="304800"/>
+            <a:ext cx="9144000" cy="707886"/>
+          </a:xfrm>
+          <a:prstGeom prst="rect">
+            <a:avLst/>
+          </a:prstGeom>
+          <a:noFill/>
+        </p:spPr>
+        <p:txBody>
+          <a:bodyPr wrap="square" rtlCol="0">
+            <a:spAutoFit/>
+          </a:bodyPr>
+          <a:lstStyle/>
+          <a:p>
+            <a:pPr algn="ctr"/>
+            <a:r>
+              <a:rPr lang="en-US" sz="4000" dirty="0" smtClean="0"/>
+              <a:t>STEP</a:t>
+            </a:r>
+            <a:endParaRPr lang="en-US" sz="4000" dirty="0"/>
+          </a:p>
+        </p:txBody>
+      </p:sp>
+      <p:sp>
+        <p:nvSpPr>
+          <p:cNvPr id="2" name="TextBox 1"/>
+          <p:cNvSpPr txBox="1"/>
+          <p:nvPr/>
+        </p:nvSpPr>
+        <p:spPr>
+          <a:xfrm>
+            <a:off x="685800" y="1828821"/>
+            <a:ext cx="2912849" cy="1338828"/>
+          </a:xfrm>
+          <a:prstGeom prst="rect">
+            <a:avLst/>
+          </a:prstGeom>
+          <a:noFill/>
+        </p:spPr>
+        <p:txBody>
+          <a:bodyPr wrap="none" rtlCol="0">
+            <a:spAutoFit/>
+          </a:bodyPr>
+          <a:lstStyle/>
+          <a:p>
+            <a:pPr>
+              <a:lnSpc>
+                <a:spcPct val="150000"/>
+              </a:lnSpc>
+            </a:pPr>
+            <a:r>
+              <a:rPr lang="en-US" b="1" dirty="0" smtClean="0"/>
+              <a:t>Social</a:t>
+            </a:r>
+          </a:p>
+          <a:p>
+            <a:pPr marL="285750" indent="-285750">
+              <a:lnSpc>
+                <a:spcPct val="150000"/>
+              </a:lnSpc>
+              <a:buFont typeface="Arial" panose="020B0604020202020204" pitchFamily="34" charset="0"/>
+              <a:buChar char="•"/>
+            </a:pPr>
+            <a:r>
+              <a:rPr lang="en-US" dirty="0"/>
+              <a:t>O</a:t>
+            </a:r>
+            <a:r>
+              <a:rPr lang="en-US" dirty="0" smtClean="0"/>
+              <a:t>pportunity: </a:t>
+            </a:r>
+            <a:r>
+              <a:rPr lang="en-US" dirty="0" smtClean="0"/>
+              <a:t>To Big to Fail</a:t>
+            </a:r>
+            <a:endParaRPr lang="en-US" dirty="0" smtClean="0"/>
+          </a:p>
+          <a:p>
+            <a:pPr marL="285750" indent="-285750">
+              <a:lnSpc>
+                <a:spcPct val="150000"/>
+              </a:lnSpc>
+              <a:buFont typeface="Arial" panose="020B0604020202020204" pitchFamily="34" charset="0"/>
+              <a:buChar char="•"/>
+            </a:pPr>
+            <a:r>
+              <a:rPr lang="en-US" dirty="0" smtClean="0"/>
+              <a:t>Threat: </a:t>
+            </a:r>
+            <a:r>
+              <a:rPr lang="en-US" dirty="0" smtClean="0"/>
+              <a:t>Silk Road</a:t>
+            </a:r>
+            <a:endParaRPr lang="en-US" dirty="0"/>
+          </a:p>
+        </p:txBody>
+      </p:sp>
+      <p:sp>
+        <p:nvSpPr>
+          <p:cNvPr id="5" name="TextBox 4"/>
+          <p:cNvSpPr txBox="1"/>
+          <p:nvPr/>
+        </p:nvSpPr>
+        <p:spPr>
+          <a:xfrm>
+            <a:off x="596660" y="4321920"/>
+            <a:ext cx="3581400" cy="1338828"/>
+          </a:xfrm>
+          <a:prstGeom prst="rect">
+            <a:avLst/>
+          </a:prstGeom>
+          <a:noFill/>
+        </p:spPr>
+        <p:txBody>
+          <a:bodyPr wrap="square" rtlCol="0">
+            <a:spAutoFit/>
+          </a:bodyPr>
+          <a:lstStyle/>
+          <a:p>
+            <a:pPr>
+              <a:lnSpc>
+                <a:spcPct val="150000"/>
+              </a:lnSpc>
+            </a:pPr>
+            <a:r>
+              <a:rPr lang="en-US" b="1" dirty="0" smtClean="0"/>
+              <a:t>Technology</a:t>
+            </a:r>
+          </a:p>
+          <a:p>
+            <a:pPr marL="285750" indent="-285750">
+              <a:lnSpc>
+                <a:spcPct val="150000"/>
+              </a:lnSpc>
+              <a:buFont typeface="Arial" panose="020B0604020202020204" pitchFamily="34" charset="0"/>
+              <a:buChar char="•"/>
+            </a:pPr>
+            <a:r>
+              <a:rPr lang="en-US" i="1" dirty="0"/>
+              <a:t>O</a:t>
+            </a:r>
+            <a:r>
+              <a:rPr lang="en-US" i="1" dirty="0" smtClean="0"/>
+              <a:t>pportunity</a:t>
+            </a:r>
+            <a:r>
+              <a:rPr lang="en-US" dirty="0" smtClean="0"/>
+              <a:t>: Block </a:t>
+            </a:r>
+            <a:r>
+              <a:rPr lang="en-US" dirty="0" smtClean="0"/>
+              <a:t>chain</a:t>
+            </a:r>
+          </a:p>
+          <a:p>
+            <a:pPr marL="285750" indent="-285750">
+              <a:lnSpc>
+                <a:spcPct val="150000"/>
+              </a:lnSpc>
+              <a:buFont typeface="Arial" panose="020B0604020202020204" pitchFamily="34" charset="0"/>
+              <a:buChar char="•"/>
+            </a:pPr>
+            <a:r>
+              <a:rPr lang="en-US" i="1" dirty="0" smtClean="0"/>
+              <a:t>Threat</a:t>
+            </a:r>
+            <a:r>
+              <a:rPr lang="en-US" dirty="0" smtClean="0"/>
+              <a:t>: </a:t>
+            </a:r>
+            <a:r>
+              <a:rPr lang="en-US" dirty="0" smtClean="0"/>
+              <a:t>Hackers</a:t>
+            </a:r>
+            <a:endParaRPr lang="en-US" dirty="0"/>
+          </a:p>
+        </p:txBody>
+      </p:sp>
+      <p:sp>
+        <p:nvSpPr>
+          <p:cNvPr id="3" name="TextBox 2"/>
+          <p:cNvSpPr txBox="1"/>
+          <p:nvPr/>
+        </p:nvSpPr>
+        <p:spPr>
+          <a:xfrm>
+            <a:off x="4600755" y="1850091"/>
+            <a:ext cx="3877023" cy="1338828"/>
+          </a:xfrm>
+          <a:prstGeom prst="rect">
+            <a:avLst/>
+          </a:prstGeom>
+          <a:noFill/>
+        </p:spPr>
+        <p:txBody>
+          <a:bodyPr wrap="none" rtlCol="0">
+            <a:spAutoFit/>
+          </a:bodyPr>
+          <a:lstStyle/>
+          <a:p>
+            <a:pPr>
+              <a:lnSpc>
+                <a:spcPct val="150000"/>
+              </a:lnSpc>
+            </a:pPr>
+            <a:r>
+              <a:rPr lang="en-US" b="1" dirty="0" smtClean="0"/>
+              <a:t>Economic trends</a:t>
+            </a:r>
+          </a:p>
+          <a:p>
+            <a:pPr marL="285750" indent="-285750">
+              <a:lnSpc>
+                <a:spcPct val="150000"/>
+              </a:lnSpc>
+              <a:buFont typeface="Arial" panose="020B0604020202020204" pitchFamily="34" charset="0"/>
+              <a:buChar char="•"/>
+            </a:pPr>
+            <a:r>
+              <a:rPr lang="en-US" i="1" dirty="0" smtClean="0"/>
+              <a:t>Opportunity</a:t>
+            </a:r>
+            <a:r>
+              <a:rPr lang="en-US" dirty="0" smtClean="0"/>
+              <a:t>:  </a:t>
+            </a:r>
+            <a:r>
+              <a:rPr lang="en-US" dirty="0" smtClean="0"/>
+              <a:t>Growth of online sales</a:t>
+            </a:r>
+            <a:endParaRPr lang="en-US" dirty="0" smtClean="0"/>
+          </a:p>
+          <a:p>
+            <a:pPr marL="285750" indent="-285750">
+              <a:lnSpc>
+                <a:spcPct val="150000"/>
+              </a:lnSpc>
+              <a:buFont typeface="Arial" panose="020B0604020202020204" pitchFamily="34" charset="0"/>
+              <a:buChar char="•"/>
+            </a:pPr>
+            <a:r>
+              <a:rPr lang="en-US" i="1" dirty="0" smtClean="0"/>
+              <a:t>Threat</a:t>
+            </a:r>
+            <a:r>
+              <a:rPr lang="en-US" dirty="0" smtClean="0"/>
+              <a:t>:  Poor </a:t>
+            </a:r>
+            <a:r>
+              <a:rPr lang="en-US" dirty="0" smtClean="0"/>
+              <a:t>economy</a:t>
+            </a:r>
+            <a:endParaRPr lang="en-US" dirty="0"/>
+          </a:p>
+        </p:txBody>
+      </p:sp>
+      <p:sp>
+        <p:nvSpPr>
+          <p:cNvPr id="6" name="TextBox 5"/>
+          <p:cNvSpPr txBox="1"/>
+          <p:nvPr/>
+        </p:nvSpPr>
+        <p:spPr>
+          <a:xfrm>
+            <a:off x="4724400" y="4343400"/>
+            <a:ext cx="4653064" cy="1295868"/>
+          </a:xfrm>
+          <a:prstGeom prst="rect">
+            <a:avLst/>
+          </a:prstGeom>
+          <a:noFill/>
+        </p:spPr>
+        <p:txBody>
+          <a:bodyPr wrap="square" rtlCol="0">
+            <a:spAutoFit/>
+          </a:bodyPr>
+          <a:lstStyle/>
+          <a:p>
+            <a:pPr>
+              <a:lnSpc>
+                <a:spcPct val="150000"/>
+              </a:lnSpc>
+            </a:pPr>
+            <a:r>
+              <a:rPr lang="en-US" b="1" dirty="0" smtClean="0"/>
+              <a:t>Political and Regulatory Factors</a:t>
+            </a:r>
+          </a:p>
+          <a:p>
+            <a:pPr marL="285750" indent="-285750">
+              <a:lnSpc>
+                <a:spcPct val="150000"/>
+              </a:lnSpc>
+              <a:buFont typeface="Arial" panose="020B0604020202020204" pitchFamily="34" charset="0"/>
+              <a:buChar char="•"/>
+            </a:pPr>
+            <a:r>
+              <a:rPr lang="en-US" i="1" dirty="0" smtClean="0"/>
+              <a:t>Opportunity</a:t>
+            </a:r>
+            <a:r>
+              <a:rPr lang="en-US" dirty="0" smtClean="0"/>
+              <a:t>:  </a:t>
+            </a:r>
+            <a:r>
+              <a:rPr lang="en-US" dirty="0" smtClean="0"/>
+              <a:t>NYS BitLicense</a:t>
+            </a:r>
+          </a:p>
+          <a:p>
+            <a:pPr marL="285750" indent="-285750">
+              <a:lnSpc>
+                <a:spcPct val="150000"/>
+              </a:lnSpc>
+              <a:buFont typeface="Arial" panose="020B0604020202020204" pitchFamily="34" charset="0"/>
+              <a:buChar char="•"/>
+            </a:pPr>
+            <a:r>
+              <a:rPr lang="en-US" i="1" dirty="0" smtClean="0"/>
+              <a:t>Threat</a:t>
+            </a:r>
+            <a:r>
+              <a:rPr lang="en-US" dirty="0" smtClean="0"/>
+              <a:t>:  </a:t>
+            </a:r>
+            <a:r>
+              <a:rPr lang="en-US" dirty="0" smtClean="0"/>
+              <a:t>Governments regulation</a:t>
+            </a:r>
+            <a:endParaRPr lang="en-US" dirty="0"/>
+          </a:p>
+        </p:txBody>
+      </p:sp>
+    </p:spTree>
+    <p:extLst>
+      <p:ext uri="{BB962C8B-B14F-4D97-AF65-F5344CB8AC3E}">
+        <p14:creationId xmlns:p14="http://schemas.microsoft.com/office/powerpoint/2010/main" val="2218907284"/>
+      </p:ext>
+    </p:extLst>
+  </p:cSld>
+  <p:clrMapOvr>
+    <a:masterClrMapping/>
+  </p:clrMapOvr>
+</p:sld>
+</file>
+
+<file path=ppt/slides/slide5.xml><?xml version="1.0" encoding="utf-8"?>
+<p:sld xmlns:a="http://schemas.openxmlformats.org/drawingml/2006/main" xmlns:r="http://schemas.openxmlformats.org/officeDocument/2006/relationships" xmlns:p="http://schemas.openxmlformats.org/presentationml/2006/main">
+  <p:cSld>
+    <p:spTree>
+      <p:nvGrpSpPr>
+        <p:cNvPr id="1" name=""/>
+        <p:cNvGrpSpPr/>
+        <p:nvPr/>
+      </p:nvGrpSpPr>
+      <p:grpSpPr>
+        <a:xfrm>
+          <a:off x="0" y="0"/>
+          <a:ext cx="0" cy="0"/>
+          <a:chOff x="0" y="0"/>
+          <a:chExt cx="0" cy="0"/>
+        </a:xfrm>
+      </p:grpSpPr>
+      <p:sp>
+        <p:nvSpPr>
+          <p:cNvPr id="4" name="TextBox 3"/>
+          <p:cNvSpPr txBox="1"/>
+          <p:nvPr/>
+        </p:nvSpPr>
+        <p:spPr>
+          <a:xfrm>
+            <a:off x="0" y="344269"/>
+            <a:ext cx="9144000" cy="707886"/>
+          </a:xfrm>
+          <a:prstGeom prst="rect">
+            <a:avLst/>
+          </a:prstGeom>
+          <a:noFill/>
+        </p:spPr>
+        <p:txBody>
+          <a:bodyPr wrap="square" rtlCol="0">
+            <a:spAutoFit/>
+          </a:bodyPr>
+          <a:lstStyle/>
+          <a:p>
+            <a:pPr algn="ctr"/>
+            <a:r>
+              <a:rPr lang="en-US" sz="4000" dirty="0" smtClean="0"/>
+              <a:t>The Competition</a:t>
+            </a:r>
+            <a:endParaRPr lang="en-US" sz="4000" dirty="0"/>
+          </a:p>
+        </p:txBody>
+      </p:sp>
+      <p:sp>
+        <p:nvSpPr>
+          <p:cNvPr id="2" name="TextBox 1"/>
+          <p:cNvSpPr txBox="1"/>
+          <p:nvPr/>
+        </p:nvSpPr>
+        <p:spPr>
+          <a:xfrm>
+            <a:off x="457200" y="5868491"/>
+            <a:ext cx="8001000" cy="369332"/>
+          </a:xfrm>
+          <a:prstGeom prst="rect">
+            <a:avLst/>
+          </a:prstGeom>
+          <a:noFill/>
+        </p:spPr>
+        <p:txBody>
+          <a:bodyPr wrap="square" rtlCol="0">
+            <a:spAutoFit/>
+          </a:bodyPr>
+          <a:lstStyle/>
+          <a:p>
+            <a:r>
+              <a:rPr lang="en-US" i="1" dirty="0" smtClean="0"/>
+              <a:t>Critical </a:t>
+            </a:r>
+            <a:r>
+              <a:rPr lang="en-US" i="1" dirty="0"/>
+              <a:t>S</a:t>
+            </a:r>
+            <a:r>
+              <a:rPr lang="en-US" i="1" dirty="0" smtClean="0"/>
+              <a:t>uccess Factors:  </a:t>
+            </a:r>
+            <a:r>
+              <a:rPr lang="en-US" dirty="0" smtClean="0"/>
+              <a:t>Price, Customer service, Available products, Security</a:t>
+            </a:r>
+          </a:p>
+        </p:txBody>
+      </p:sp>
+      <p:sp>
+        <p:nvSpPr>
+          <p:cNvPr id="3" name="TextBox 2"/>
+          <p:cNvSpPr txBox="1"/>
+          <p:nvPr/>
+        </p:nvSpPr>
+        <p:spPr>
+          <a:xfrm>
+            <a:off x="2819400" y="5057001"/>
+            <a:ext cx="3751348" cy="276999"/>
+          </a:xfrm>
+          <a:prstGeom prst="rect">
+            <a:avLst/>
+          </a:prstGeom>
+          <a:noFill/>
+        </p:spPr>
+        <p:txBody>
+          <a:bodyPr wrap="none" rtlCol="0">
+            <a:spAutoFit/>
+          </a:bodyPr>
+          <a:lstStyle/>
+          <a:p>
+            <a:r>
+              <a:rPr lang="en-US" sz="1200" dirty="0" smtClean="0">
+                <a:solidFill>
+                  <a:schemeClr val="bg1">
+                    <a:lumMod val="50000"/>
+                  </a:schemeClr>
+                </a:solidFill>
+              </a:rPr>
+              <a:t>*http</a:t>
+            </a:r>
+            <a:r>
+              <a:rPr lang="en-US" sz="1200" dirty="0">
+                <a:solidFill>
+                  <a:schemeClr val="bg1">
+                    <a:lumMod val="50000"/>
+                  </a:schemeClr>
+                </a:solidFill>
+              </a:rPr>
+              <a:t>://coinmarketcap.com/currencies/volume/24-hour/</a:t>
+            </a:r>
+          </a:p>
+        </p:txBody>
+      </p:sp>
+      <p:pic>
+        <p:nvPicPr>
+          <p:cNvPr id="1027" name="Picture 3"/>
+          <p:cNvPicPr>
+            <a:picLocks noChangeAspect="1" noChangeArrowheads="1"/>
+          </p:cNvPicPr>
+          <p:nvPr/>
+        </p:nvPicPr>
+        <p:blipFill>
+          <a:blip r:embed="rId2">
+            <a:extLst>
+              <a:ext uri="{28A0092B-C50C-407E-A947-70E740481C1C}">
+                <a14:useLocalDpi xmlns:a14="http://schemas.microsoft.com/office/drawing/2010/main" val="0"/>
+              </a:ext>
+            </a:extLst>
+          </a:blip>
+          <a:srcRect/>
+          <a:stretch>
+            <a:fillRect/>
+          </a:stretch>
+        </p:blipFill>
+        <p:spPr bwMode="auto">
+          <a:xfrm>
+            <a:off x="2165179" y="1600200"/>
+            <a:ext cx="4585041" cy="3276600"/>
+          </a:xfrm>
+          <a:prstGeom prst="rect">
+            <a:avLst/>
+          </a:prstGeom>
+          <a:noFill/>
+          <a:ln>
+            <a:noFill/>
+          </a:ln>
+          <a:effectLst>
+            <a:outerShdw blurRad="50800" dist="38100" dir="2700000" algn="tl" rotWithShape="0">
+              <a:prstClr val="black">
+                <a:alpha val="40000"/>
+              </a:prstClr>
+            </a:outerShdw>
+          </a:effectLst>
+          <a:extLst>
+            <a:ext uri="{909E8E84-426E-40DD-AFC4-6F175D3DCCD1}">
+              <a14:hiddenFill xmlns:a14="http://schemas.microsoft.com/office/drawing/2010/main">
+                <a:solidFill>
+                  <a:schemeClr val="accent1"/>
+                </a:solidFill>
+              </a14:hiddenFill>
+            </a:ext>
+            <a:ext uri="{91240B29-F687-4F45-9708-019B960494DF}">
+              <a14:hiddenLine xmlns:a14="http://schemas.microsoft.com/office/drawing/2010/main" w="9525">
+                <a:solidFill>
+                  <a:schemeClr val="tx1"/>
+                </a:solidFill>
+                <a:miter lim="800000"/>
+                <a:headEnd/>
+                <a:tailEnd/>
+              </a14:hiddenLine>
+            </a:ext>
+          </a:extLst>
+        </p:spPr>
+      </p:pic>
+    </p:spTree>
+    <p:extLst>
+      <p:ext uri="{BB962C8B-B14F-4D97-AF65-F5344CB8AC3E}">
+        <p14:creationId xmlns:p14="http://schemas.microsoft.com/office/powerpoint/2010/main" val="2218907284"/>
+      </p:ext>
+    </p:extLst>
+  </p:cSld>
+  <p:clrMapOvr>
+    <a:masterClrMapping/>
+  </p:clrMapOvr>
+</p:sld>
+</file>
+
+<file path=ppt/slides/slide6.xml><?xml version="1.0" encoding="utf-8"?>
+<p:sld xmlns:a="http://schemas.openxmlformats.org/drawingml/2006/main" xmlns:r="http://schemas.openxmlformats.org/officeDocument/2006/relationships" xmlns:p="http://schemas.openxmlformats.org/presentationml/2006/main">
+  <p:cSld>
+    <p:spTree>
+      <p:nvGrpSpPr>
+        <p:cNvPr id="1" name=""/>
+        <p:cNvGrpSpPr/>
+        <p:nvPr/>
+      </p:nvGrpSpPr>
+      <p:grpSpPr>
+        <a:xfrm>
+          <a:off x="0" y="0"/>
+          <a:ext cx="0" cy="0"/>
+          <a:chOff x="0" y="0"/>
+          <a:chExt cx="0" cy="0"/>
+        </a:xfrm>
+      </p:grpSpPr>
+      <p:sp>
+        <p:nvSpPr>
+          <p:cNvPr id="4" name="TextBox 3"/>
+          <p:cNvSpPr txBox="1"/>
+          <p:nvPr/>
+        </p:nvSpPr>
+        <p:spPr>
+          <a:xfrm>
+            <a:off x="0" y="304800"/>
+            <a:ext cx="9144000" cy="707886"/>
+          </a:xfrm>
+          <a:prstGeom prst="rect">
+            <a:avLst/>
+          </a:prstGeom>
+          <a:noFill/>
+        </p:spPr>
+        <p:txBody>
+          <a:bodyPr wrap="square" rtlCol="0">
+            <a:spAutoFit/>
+          </a:bodyPr>
+          <a:lstStyle/>
+          <a:p>
+            <a:pPr algn="ctr"/>
+            <a:r>
+              <a:rPr lang="en-US" sz="4000" dirty="0" smtClean="0"/>
+              <a:t>The Team</a:t>
+            </a:r>
+            <a:endParaRPr lang="en-US" sz="4000" dirty="0"/>
+          </a:p>
+        </p:txBody>
+      </p:sp>
+      <p:pic>
+        <p:nvPicPr>
+          <p:cNvPr id="2050" name="Picture 2"/>
+          <p:cNvPicPr>
+            <a:picLocks noChangeAspect="1" noChangeArrowheads="1"/>
+          </p:cNvPicPr>
+          <p:nvPr/>
+        </p:nvPicPr>
+        <p:blipFill>
+          <a:blip r:embed="rId2">
+            <a:extLst>
+              <a:ext uri="{28A0092B-C50C-407E-A947-70E740481C1C}">
+                <a14:useLocalDpi xmlns:a14="http://schemas.microsoft.com/office/drawing/2010/main" val="0"/>
+              </a:ext>
+            </a:extLst>
+          </a:blip>
+          <a:srcRect/>
+          <a:stretch>
+            <a:fillRect/>
+          </a:stretch>
+        </p:blipFill>
+        <p:spPr bwMode="auto">
+          <a:xfrm>
+            <a:off x="838200" y="1281008"/>
+            <a:ext cx="7467600" cy="4205392"/>
           </a:xfrm>
           <a:prstGeom prst="rect">
             <a:avLst/>
@@ -3617,14 +5554,14 @@
       </p:pic>
       <p:sp>
         <p:nvSpPr>
-          <p:cNvPr id="2" name="TextBox 1"/>
+          <p:cNvPr id="3" name="TextBox 2"/>
           <p:cNvSpPr txBox="1"/>
           <p:nvPr/>
         </p:nvSpPr>
         <p:spPr>
           <a:xfrm>
-            <a:off x="5257800" y="2667000"/>
-            <a:ext cx="2882392" cy="1477328"/>
+            <a:off x="1676400" y="4923472"/>
+            <a:ext cx="3914470" cy="1477328"/>
           </a:xfrm>
           <a:prstGeom prst="rect">
             <a:avLst/>
@@ -3637,1448 +5574,45 @@
           </a:bodyPr>
           <a:lstStyle/>
           <a:p>
-            <a:r>
-              <a:rPr lang="en-US" dirty="0"/>
-              <a:t>Minimum trade value $1</a:t>
-            </a:r>
-          </a:p>
-          <a:p>
-            <a:r>
-              <a:rPr lang="en-US" dirty="0"/>
-              <a:t>No withdraw fees</a:t>
-            </a:r>
-          </a:p>
-          <a:p>
-            <a:r>
-              <a:rPr lang="en-US" dirty="0"/>
-              <a:t>Minimum withdraw value $1</a:t>
-            </a:r>
-          </a:p>
-          <a:p>
-            <a:r>
-              <a:rPr lang="nl-NL" dirty="0"/>
-              <a:t>No maker fees</a:t>
-            </a:r>
-            <a:endParaRPr lang="en-US" dirty="0"/>
-          </a:p>
-          <a:p>
-            <a:endParaRPr lang="en-US" dirty="0"/>
-          </a:p>
-        </p:txBody>
-      </p:sp>
-    </p:spTree>
-    <p:extLst>
-      <p:ext uri="{BB962C8B-B14F-4D97-AF65-F5344CB8AC3E}">
-        <p14:creationId xmlns:p14="http://schemas.microsoft.com/office/powerpoint/2010/main" val="2218907284"/>
-      </p:ext>
-    </p:extLst>
-  </p:cSld>
-  <p:clrMapOvr>
-    <a:masterClrMapping/>
-  </p:clrMapOvr>
-</p:sld>
-</file>
-
-<file path=ppt/slides/slide12.xml><?xml version="1.0" encoding="utf-8"?>
-<p:sld xmlns:a="http://schemas.openxmlformats.org/drawingml/2006/main" xmlns:r="http://schemas.openxmlformats.org/officeDocument/2006/relationships" xmlns:p="http://schemas.openxmlformats.org/presentationml/2006/main">
-  <p:cSld>
-    <p:spTree>
-      <p:nvGrpSpPr>
-        <p:cNvPr id="1" name=""/>
-        <p:cNvGrpSpPr/>
-        <p:nvPr/>
-      </p:nvGrpSpPr>
-      <p:grpSpPr>
-        <a:xfrm>
-          <a:off x="0" y="0"/>
-          <a:ext cx="0" cy="0"/>
-          <a:chOff x="0" y="0"/>
-          <a:chExt cx="0" cy="0"/>
-        </a:xfrm>
-      </p:grpSpPr>
-      <p:sp>
-        <p:nvSpPr>
-          <p:cNvPr id="4" name="TextBox 3"/>
-          <p:cNvSpPr txBox="1"/>
-          <p:nvPr/>
-        </p:nvSpPr>
-        <p:spPr>
-          <a:xfrm>
-            <a:off x="1524000" y="990600"/>
-            <a:ext cx="5540812" cy="646331"/>
-          </a:xfrm>
-          <a:prstGeom prst="rect">
-            <a:avLst/>
-          </a:prstGeom>
-          <a:noFill/>
-        </p:spPr>
-        <p:txBody>
-          <a:bodyPr wrap="none" rtlCol="0">
-            <a:spAutoFit/>
-          </a:bodyPr>
-          <a:lstStyle/>
-          <a:p>
-            <a:r>
-              <a:rPr lang="en-US" dirty="0" smtClean="0"/>
-              <a:t>Operations - Key Processes, Org Charts, Role Descriptions</a:t>
-            </a:r>
-          </a:p>
-          <a:p>
-            <a:endParaRPr lang="en-US" dirty="0"/>
-          </a:p>
-        </p:txBody>
-      </p:sp>
-      <p:sp>
-        <p:nvSpPr>
-          <p:cNvPr id="2" name="TextBox 1"/>
-          <p:cNvSpPr txBox="1"/>
-          <p:nvPr/>
-        </p:nvSpPr>
-        <p:spPr>
-          <a:xfrm>
-            <a:off x="1066800" y="2514600"/>
-            <a:ext cx="2169184" cy="2308324"/>
-          </a:xfrm>
-          <a:prstGeom prst="rect">
-            <a:avLst/>
-          </a:prstGeom>
-          <a:noFill/>
-        </p:spPr>
-        <p:txBody>
-          <a:bodyPr wrap="none" rtlCol="0">
-            <a:spAutoFit/>
-          </a:bodyPr>
-          <a:lstStyle/>
+            <a:pPr>
+              <a:lnSpc>
+                <a:spcPct val="150000"/>
+              </a:lnSpc>
+            </a:pPr>
+            <a:r>
+              <a:rPr lang="en-US" sz="2000" dirty="0" smtClean="0"/>
+              <a:t>President and CEO</a:t>
+            </a:r>
+          </a:p>
           <a:p>
             <a:pPr marL="285750" indent="-285750">
+              <a:lnSpc>
+                <a:spcPct val="150000"/>
+              </a:lnSpc>
               <a:buFont typeface="Arial" panose="020B0604020202020204" pitchFamily="34" charset="0"/>
               <a:buChar char="•"/>
             </a:pPr>
             <a:r>
-              <a:rPr lang="en-US" dirty="0" smtClean="0"/>
-              <a:t>New Hire</a:t>
+              <a:rPr lang="en-US" sz="2000" dirty="0" smtClean="0"/>
+              <a:t>25 year programming experience</a:t>
             </a:r>
           </a:p>
           <a:p>
             <a:pPr marL="285750" indent="-285750">
+              <a:lnSpc>
+                <a:spcPct val="150000"/>
+              </a:lnSpc>
               <a:buFont typeface="Arial" panose="020B0604020202020204" pitchFamily="34" charset="0"/>
               <a:buChar char="•"/>
             </a:pPr>
             <a:r>
-              <a:rPr lang="en-US" dirty="0" err="1" smtClean="0"/>
-              <a:t>Payrole</a:t>
-            </a:r>
-            <a:endParaRPr lang="en-US" dirty="0" smtClean="0"/>
-          </a:p>
-          <a:p>
-            <a:pPr marL="285750" indent="-285750">
-              <a:buFont typeface="Arial" panose="020B0604020202020204" pitchFamily="34" charset="0"/>
-              <a:buChar char="•"/>
-            </a:pPr>
-            <a:r>
-              <a:rPr lang="en-US" dirty="0" smtClean="0"/>
-              <a:t>Add Customer</a:t>
-            </a:r>
-          </a:p>
-          <a:p>
-            <a:pPr marL="285750" indent="-285750">
-              <a:buFont typeface="Arial" panose="020B0604020202020204" pitchFamily="34" charset="0"/>
-              <a:buChar char="•"/>
-            </a:pPr>
-            <a:r>
-              <a:rPr lang="en-US" dirty="0" smtClean="0"/>
-              <a:t>Deposit funds</a:t>
-            </a:r>
-          </a:p>
-          <a:p>
-            <a:pPr marL="285750" indent="-285750">
-              <a:buFont typeface="Arial" panose="020B0604020202020204" pitchFamily="34" charset="0"/>
-              <a:buChar char="•"/>
-            </a:pPr>
-            <a:r>
-              <a:rPr lang="en-US" dirty="0" smtClean="0"/>
-              <a:t>Withdraw funds</a:t>
-            </a:r>
-          </a:p>
-          <a:p>
-            <a:pPr marL="285750" indent="-285750">
-              <a:buFont typeface="Arial" panose="020B0604020202020204" pitchFamily="34" charset="0"/>
-              <a:buChar char="•"/>
-            </a:pPr>
-            <a:r>
-              <a:rPr lang="en-US" dirty="0" smtClean="0"/>
-              <a:t>Post trade</a:t>
-            </a:r>
-          </a:p>
-          <a:p>
-            <a:pPr marL="285750" indent="-285750">
-              <a:buFont typeface="Arial" panose="020B0604020202020204" pitchFamily="34" charset="0"/>
-              <a:buChar char="•"/>
-            </a:pPr>
-            <a:r>
-              <a:rPr lang="en-US" dirty="0" smtClean="0"/>
-              <a:t>Customer support</a:t>
-            </a:r>
-          </a:p>
-          <a:p>
-            <a:pPr marL="285750" indent="-285750">
-              <a:buFont typeface="Arial" panose="020B0604020202020204" pitchFamily="34" charset="0"/>
-              <a:buChar char="•"/>
-            </a:pPr>
-            <a:r>
-              <a:rPr lang="en-US" dirty="0" smtClean="0"/>
-              <a:t>Marketing</a:t>
-            </a:r>
-            <a:endParaRPr lang="en-US" dirty="0"/>
-          </a:p>
-        </p:txBody>
-      </p:sp>
-    </p:spTree>
-    <p:extLst>
-      <p:ext uri="{BB962C8B-B14F-4D97-AF65-F5344CB8AC3E}">
-        <p14:creationId xmlns:p14="http://schemas.microsoft.com/office/powerpoint/2010/main" val="2218907284"/>
-      </p:ext>
-    </p:extLst>
-  </p:cSld>
-  <p:clrMapOvr>
-    <a:masterClrMapping/>
-  </p:clrMapOvr>
-</p:sld>
-</file>
-
-<file path=ppt/slides/slide13.xml><?xml version="1.0" encoding="utf-8"?>
-<p:sld xmlns:a="http://schemas.openxmlformats.org/drawingml/2006/main" xmlns:r="http://schemas.openxmlformats.org/officeDocument/2006/relationships" xmlns:p="http://schemas.openxmlformats.org/presentationml/2006/main">
-  <p:cSld>
-    <p:spTree>
-      <p:nvGrpSpPr>
-        <p:cNvPr id="1" name=""/>
-        <p:cNvGrpSpPr/>
-        <p:nvPr/>
-      </p:nvGrpSpPr>
-      <p:grpSpPr>
-        <a:xfrm>
-          <a:off x="0" y="0"/>
-          <a:ext cx="0" cy="0"/>
-          <a:chOff x="0" y="0"/>
-          <a:chExt cx="0" cy="0"/>
-        </a:xfrm>
-      </p:grpSpPr>
-      <p:sp>
-        <p:nvSpPr>
-          <p:cNvPr id="4" name="TextBox 3"/>
-          <p:cNvSpPr txBox="1"/>
-          <p:nvPr/>
-        </p:nvSpPr>
-        <p:spPr>
-          <a:xfrm>
-            <a:off x="1524000" y="990600"/>
-            <a:ext cx="5340244" cy="369332"/>
-          </a:xfrm>
-          <a:prstGeom prst="rect">
-            <a:avLst/>
-          </a:prstGeom>
-          <a:noFill/>
-        </p:spPr>
-        <p:txBody>
-          <a:bodyPr wrap="none" rtlCol="0">
-            <a:spAutoFit/>
-          </a:bodyPr>
-          <a:lstStyle/>
-          <a:p>
-            <a:r>
-              <a:rPr lang="en-US" dirty="0" smtClean="0"/>
-              <a:t>Financials - Overview/Highlights (Revenue 3Yr, PL 3 </a:t>
-            </a:r>
-            <a:r>
-              <a:rPr lang="en-US" dirty="0" err="1" smtClean="0"/>
-              <a:t>Yrs</a:t>
-            </a:r>
-            <a:r>
-              <a:rPr lang="en-US" dirty="0" smtClean="0"/>
-              <a:t>)</a:t>
-            </a:r>
-            <a:endParaRPr lang="en-US" dirty="0"/>
-          </a:p>
-        </p:txBody>
-      </p:sp>
-      <p:sp>
-        <p:nvSpPr>
-          <p:cNvPr id="3" name="TextBox 2"/>
-          <p:cNvSpPr txBox="1"/>
-          <p:nvPr/>
-        </p:nvSpPr>
-        <p:spPr>
-          <a:xfrm>
-            <a:off x="762000" y="2514600"/>
-            <a:ext cx="663964" cy="369332"/>
-          </a:xfrm>
-          <a:prstGeom prst="rect">
-            <a:avLst/>
-          </a:prstGeom>
-          <a:noFill/>
-        </p:spPr>
-        <p:txBody>
-          <a:bodyPr wrap="none" rtlCol="0">
-            <a:spAutoFit/>
-          </a:bodyPr>
-          <a:lstStyle/>
-          <a:p>
-            <a:r>
-              <a:rPr lang="en-US" dirty="0" smtClean="0"/>
-              <a:t>P &amp; L</a:t>
-            </a:r>
-            <a:endParaRPr lang="en-US" dirty="0"/>
-          </a:p>
-        </p:txBody>
-      </p:sp>
-    </p:spTree>
-    <p:extLst>
-      <p:ext uri="{BB962C8B-B14F-4D97-AF65-F5344CB8AC3E}">
-        <p14:creationId xmlns:p14="http://schemas.microsoft.com/office/powerpoint/2010/main" val="2218907284"/>
-      </p:ext>
-    </p:extLst>
-  </p:cSld>
-  <p:clrMapOvr>
-    <a:masterClrMapping/>
-  </p:clrMapOvr>
-</p:sld>
-</file>
-
-<file path=ppt/slides/slide14.xml><?xml version="1.0" encoding="utf-8"?>
-<p:sld xmlns:a="http://schemas.openxmlformats.org/drawingml/2006/main" xmlns:r="http://schemas.openxmlformats.org/officeDocument/2006/relationships" xmlns:p="http://schemas.openxmlformats.org/presentationml/2006/main">
-  <p:cSld>
-    <p:spTree>
-      <p:nvGrpSpPr>
-        <p:cNvPr id="1" name=""/>
-        <p:cNvGrpSpPr/>
-        <p:nvPr/>
-      </p:nvGrpSpPr>
-      <p:grpSpPr>
-        <a:xfrm>
-          <a:off x="0" y="0"/>
-          <a:ext cx="0" cy="0"/>
-          <a:chOff x="0" y="0"/>
-          <a:chExt cx="0" cy="0"/>
-        </a:xfrm>
-      </p:grpSpPr>
-      <p:sp>
-        <p:nvSpPr>
-          <p:cNvPr id="4" name="TextBox 3"/>
-          <p:cNvSpPr txBox="1"/>
-          <p:nvPr/>
-        </p:nvSpPr>
-        <p:spPr>
-          <a:xfrm>
-            <a:off x="1524000" y="990600"/>
-            <a:ext cx="5791200" cy="646331"/>
-          </a:xfrm>
-          <a:prstGeom prst="rect">
-            <a:avLst/>
-          </a:prstGeom>
-          <a:noFill/>
-        </p:spPr>
-        <p:txBody>
-          <a:bodyPr wrap="square" rtlCol="0">
-            <a:spAutoFit/>
-          </a:bodyPr>
-          <a:lstStyle/>
-          <a:p>
-            <a:r>
-              <a:rPr lang="en-US" dirty="0" smtClean="0"/>
-              <a:t>This is what we need from you (money, expertise), this is what we will be willing to give you</a:t>
-            </a:r>
-            <a:endParaRPr lang="en-US" dirty="0"/>
-          </a:p>
-        </p:txBody>
-      </p:sp>
-      <p:sp>
-        <p:nvSpPr>
-          <p:cNvPr id="2" name="TextBox 1"/>
-          <p:cNvSpPr txBox="1"/>
-          <p:nvPr/>
-        </p:nvSpPr>
-        <p:spPr>
-          <a:xfrm>
-            <a:off x="609600" y="2667000"/>
-            <a:ext cx="7845738" cy="369332"/>
-          </a:xfrm>
-          <a:prstGeom prst="rect">
-            <a:avLst/>
-          </a:prstGeom>
-          <a:noFill/>
-        </p:spPr>
-        <p:txBody>
-          <a:bodyPr wrap="none" rtlCol="0">
-            <a:spAutoFit/>
-          </a:bodyPr>
-          <a:lstStyle/>
-          <a:p>
-            <a:r>
-              <a:rPr lang="en-US" dirty="0" smtClean="0"/>
-              <a:t>Need startup money to build exchange software, setup office and </a:t>
-            </a:r>
-            <a:r>
-              <a:rPr lang="en-US" dirty="0" err="1" smtClean="0"/>
-              <a:t>aquire</a:t>
-            </a:r>
-            <a:r>
-              <a:rPr lang="en-US" dirty="0" smtClean="0"/>
-              <a:t> </a:t>
-            </a:r>
-            <a:r>
-              <a:rPr lang="en-US" dirty="0" err="1" smtClean="0"/>
-              <a:t>licencing</a:t>
-            </a:r>
-            <a:endParaRPr lang="en-US" dirty="0"/>
-          </a:p>
-        </p:txBody>
-      </p:sp>
-      <p:sp>
-        <p:nvSpPr>
-          <p:cNvPr id="3" name="TextBox 2"/>
-          <p:cNvSpPr txBox="1"/>
-          <p:nvPr/>
-        </p:nvSpPr>
-        <p:spPr>
-          <a:xfrm>
-            <a:off x="838200" y="4267200"/>
-            <a:ext cx="3352456" cy="369332"/>
-          </a:xfrm>
-          <a:prstGeom prst="rect">
-            <a:avLst/>
-          </a:prstGeom>
-          <a:noFill/>
-        </p:spPr>
-        <p:txBody>
-          <a:bodyPr wrap="none" rtlCol="0">
-            <a:spAutoFit/>
-          </a:bodyPr>
-          <a:lstStyle/>
-          <a:p>
-            <a:r>
-              <a:rPr lang="en-US" dirty="0" smtClean="0"/>
-              <a:t>Will give owner ship of company</a:t>
-            </a:r>
-            <a:endParaRPr lang="en-US" dirty="0"/>
-          </a:p>
-        </p:txBody>
-      </p:sp>
-    </p:spTree>
-    <p:extLst>
-      <p:ext uri="{BB962C8B-B14F-4D97-AF65-F5344CB8AC3E}">
-        <p14:creationId xmlns:p14="http://schemas.microsoft.com/office/powerpoint/2010/main" val="2218907284"/>
-      </p:ext>
-    </p:extLst>
-  </p:cSld>
-  <p:clrMapOvr>
-    <a:masterClrMapping/>
-  </p:clrMapOvr>
-</p:sld>
-</file>
-
-<file path=ppt/slides/slide15.xml><?xml version="1.0" encoding="utf-8"?>
-<p:sld xmlns:a="http://schemas.openxmlformats.org/drawingml/2006/main" xmlns:r="http://schemas.openxmlformats.org/officeDocument/2006/relationships" xmlns:p="http://schemas.openxmlformats.org/presentationml/2006/main">
-  <p:cSld>
-    <p:spTree>
-      <p:nvGrpSpPr>
-        <p:cNvPr id="1" name=""/>
-        <p:cNvGrpSpPr/>
-        <p:nvPr/>
-      </p:nvGrpSpPr>
-      <p:grpSpPr>
-        <a:xfrm>
-          <a:off x="0" y="0"/>
-          <a:ext cx="0" cy="0"/>
-          <a:chOff x="0" y="0"/>
-          <a:chExt cx="0" cy="0"/>
-        </a:xfrm>
-      </p:grpSpPr>
-      <p:sp>
-        <p:nvSpPr>
-          <p:cNvPr id="4" name="TextBox 3"/>
-          <p:cNvSpPr txBox="1"/>
-          <p:nvPr/>
-        </p:nvSpPr>
-        <p:spPr>
-          <a:xfrm>
-            <a:off x="1524000" y="990600"/>
-            <a:ext cx="5791200" cy="646331"/>
-          </a:xfrm>
-          <a:prstGeom prst="rect">
-            <a:avLst/>
-          </a:prstGeom>
-          <a:noFill/>
-        </p:spPr>
-        <p:txBody>
-          <a:bodyPr wrap="square" rtlCol="0">
-            <a:spAutoFit/>
-          </a:bodyPr>
-          <a:lstStyle/>
-          <a:p>
-            <a:r>
-              <a:rPr lang="en-US" dirty="0" smtClean="0"/>
-              <a:t>Exit Plan (IPO, Divest) Maybe or maybe not since it may be included in the previous point?</a:t>
-            </a:r>
-            <a:endParaRPr lang="en-US" dirty="0"/>
-          </a:p>
-        </p:txBody>
-      </p:sp>
-      <p:sp>
-        <p:nvSpPr>
-          <p:cNvPr id="2" name="TextBox 1"/>
-          <p:cNvSpPr txBox="1"/>
-          <p:nvPr/>
-        </p:nvSpPr>
-        <p:spPr>
-          <a:xfrm>
-            <a:off x="2438400" y="4191000"/>
-            <a:ext cx="5107809" cy="2031325"/>
-          </a:xfrm>
-          <a:prstGeom prst="rect">
-            <a:avLst/>
-          </a:prstGeom>
-          <a:noFill/>
-        </p:spPr>
-        <p:txBody>
-          <a:bodyPr wrap="none" rtlCol="0">
-            <a:spAutoFit/>
-          </a:bodyPr>
-          <a:lstStyle/>
-          <a:p>
-            <a:r>
-              <a:rPr lang="en-US" dirty="0" smtClean="0"/>
-              <a:t>Sell of three key assets;</a:t>
-            </a:r>
-          </a:p>
-          <a:p>
-            <a:endParaRPr lang="en-US" dirty="0"/>
-          </a:p>
-          <a:p>
-            <a:r>
-              <a:rPr lang="en-US" dirty="0" smtClean="0"/>
-              <a:t>Customers</a:t>
-            </a:r>
-          </a:p>
-          <a:p>
-            <a:endParaRPr lang="en-US" dirty="0"/>
-          </a:p>
-          <a:p>
-            <a:r>
-              <a:rPr lang="en-US" dirty="0" smtClean="0"/>
-              <a:t>Exchange software</a:t>
-            </a:r>
-          </a:p>
-          <a:p>
-            <a:endParaRPr lang="en-US" dirty="0"/>
-          </a:p>
-          <a:p>
-            <a:r>
-              <a:rPr lang="en-US" dirty="0" err="1" smtClean="0"/>
-              <a:t>Licences</a:t>
-            </a:r>
-            <a:r>
-              <a:rPr lang="en-US" dirty="0" smtClean="0"/>
-              <a:t> (as much as 100,000 in legal / account fees)</a:t>
-            </a:r>
-            <a:endParaRPr lang="en-US" dirty="0"/>
-          </a:p>
-        </p:txBody>
-      </p:sp>
-      <p:sp>
-        <p:nvSpPr>
-          <p:cNvPr id="3" name="TextBox 2"/>
-          <p:cNvSpPr txBox="1"/>
-          <p:nvPr/>
-        </p:nvSpPr>
-        <p:spPr>
-          <a:xfrm>
-            <a:off x="838201" y="2514600"/>
-            <a:ext cx="6477000" cy="646331"/>
-          </a:xfrm>
-          <a:prstGeom prst="rect">
-            <a:avLst/>
-          </a:prstGeom>
-          <a:noFill/>
-        </p:spPr>
-        <p:txBody>
-          <a:bodyPr wrap="square" rtlCol="0">
-            <a:spAutoFit/>
-          </a:bodyPr>
-          <a:lstStyle/>
-          <a:p>
-            <a:r>
-              <a:rPr lang="en-US" dirty="0" smtClean="0"/>
-              <a:t>No plan to leave exchange, maintain ownership, slowly lessen daily activities involving exchange</a:t>
-            </a:r>
-            <a:endParaRPr lang="en-US" dirty="0"/>
-          </a:p>
-        </p:txBody>
-      </p:sp>
-    </p:spTree>
-    <p:extLst>
-      <p:ext uri="{BB962C8B-B14F-4D97-AF65-F5344CB8AC3E}">
-        <p14:creationId xmlns:p14="http://schemas.microsoft.com/office/powerpoint/2010/main" val="3243935372"/>
-      </p:ext>
-    </p:extLst>
-  </p:cSld>
-  <p:clrMapOvr>
-    <a:masterClrMapping/>
-  </p:clrMapOvr>
-</p:sld>
-</file>
-
-<file path=ppt/slides/slide2.xml><?xml version="1.0" encoding="utf-8"?>
-<p:sld xmlns:a="http://schemas.openxmlformats.org/drawingml/2006/main" xmlns:r="http://schemas.openxmlformats.org/officeDocument/2006/relationships" xmlns:p="http://schemas.openxmlformats.org/presentationml/2006/main">
-  <p:cSld>
-    <p:spTree>
-      <p:nvGrpSpPr>
-        <p:cNvPr id="1" name=""/>
-        <p:cNvGrpSpPr/>
-        <p:nvPr/>
-      </p:nvGrpSpPr>
-      <p:grpSpPr>
-        <a:xfrm>
-          <a:off x="0" y="0"/>
-          <a:ext cx="0" cy="0"/>
-          <a:chOff x="0" y="0"/>
-          <a:chExt cx="0" cy="0"/>
-        </a:xfrm>
-      </p:grpSpPr>
-      <p:sp>
-        <p:nvSpPr>
-          <p:cNvPr id="5" name="TextBox 4"/>
-          <p:cNvSpPr txBox="1"/>
-          <p:nvPr/>
-        </p:nvSpPr>
-        <p:spPr>
-          <a:xfrm>
-            <a:off x="691719" y="381000"/>
-            <a:ext cx="1213281" cy="369332"/>
-          </a:xfrm>
-          <a:prstGeom prst="rect">
-            <a:avLst/>
-          </a:prstGeom>
-          <a:noFill/>
-        </p:spPr>
-        <p:txBody>
-          <a:bodyPr wrap="none" rtlCol="0">
-            <a:spAutoFit/>
-          </a:bodyPr>
-          <a:lstStyle/>
-          <a:p>
-            <a:r>
-              <a:rPr lang="en-US" dirty="0" smtClean="0"/>
-              <a:t>5 Year Plan</a:t>
-            </a:r>
-            <a:endParaRPr lang="en-US" dirty="0"/>
-          </a:p>
-        </p:txBody>
-      </p:sp>
-      <p:sp>
-        <p:nvSpPr>
-          <p:cNvPr id="6" name="TextBox 5"/>
-          <p:cNvSpPr txBox="1"/>
-          <p:nvPr/>
-        </p:nvSpPr>
-        <p:spPr>
-          <a:xfrm>
-            <a:off x="1483090" y="1797648"/>
-            <a:ext cx="6689139" cy="2308324"/>
-          </a:xfrm>
-          <a:prstGeom prst="rect">
-            <a:avLst/>
-          </a:prstGeom>
-          <a:noFill/>
-        </p:spPr>
-        <p:txBody>
-          <a:bodyPr wrap="none" rtlCol="0">
-            <a:spAutoFit/>
-          </a:bodyPr>
-          <a:lstStyle/>
-          <a:p>
-            <a:r>
-              <a:rPr lang="en-US" dirty="0" smtClean="0"/>
-              <a:t>By the end of 5 years we will have;</a:t>
-            </a:r>
-          </a:p>
-          <a:p>
-            <a:endParaRPr lang="en-US" dirty="0" smtClean="0"/>
-          </a:p>
-          <a:p>
-            <a:r>
-              <a:rPr lang="en-US" dirty="0" smtClean="0"/>
-              <a:t>Designed the software to operate the exchange</a:t>
-            </a:r>
-          </a:p>
-          <a:p>
-            <a:r>
-              <a:rPr lang="en-US" dirty="0" smtClean="0"/>
-              <a:t>Obtained 1 million users</a:t>
-            </a:r>
-          </a:p>
-          <a:p>
-            <a:r>
-              <a:rPr lang="en-US" dirty="0" smtClean="0"/>
-              <a:t>Created web portal customers can use to interact with the exchanged</a:t>
-            </a:r>
-          </a:p>
-          <a:p>
-            <a:r>
-              <a:rPr lang="en-US" dirty="0" smtClean="0"/>
-              <a:t>Launched the exchange and account for over 5% total trading volume</a:t>
-            </a:r>
-            <a:endParaRPr lang="en-US" dirty="0"/>
-          </a:p>
-          <a:p>
-            <a:r>
-              <a:rPr lang="en-US" dirty="0" smtClean="0"/>
-              <a:t>Developed and released a smart phone wallet app</a:t>
-            </a:r>
-          </a:p>
-          <a:p>
-            <a:r>
-              <a:rPr lang="en-US" dirty="0" smtClean="0"/>
-              <a:t>Release a software merchants can use to except Bitcoin payments</a:t>
-            </a:r>
-            <a:endParaRPr lang="en-US" dirty="0" smtClean="0"/>
-          </a:p>
-        </p:txBody>
-      </p:sp>
-    </p:spTree>
-    <p:extLst>
-      <p:ext uri="{BB962C8B-B14F-4D97-AF65-F5344CB8AC3E}">
-        <p14:creationId xmlns:p14="http://schemas.microsoft.com/office/powerpoint/2010/main" val="2218907284"/>
-      </p:ext>
-    </p:extLst>
-  </p:cSld>
-  <p:clrMapOvr>
-    <a:masterClrMapping/>
-  </p:clrMapOvr>
-</p:sld>
-</file>
-
-<file path=ppt/slides/slide3.xml><?xml version="1.0" encoding="utf-8"?>
-<p:sld xmlns:a="http://schemas.openxmlformats.org/drawingml/2006/main" xmlns:r="http://schemas.openxmlformats.org/officeDocument/2006/relationships" xmlns:p="http://schemas.openxmlformats.org/presentationml/2006/main">
-  <p:cSld>
-    <p:spTree>
-      <p:nvGrpSpPr>
-        <p:cNvPr id="1" name=""/>
-        <p:cNvGrpSpPr/>
-        <p:nvPr/>
-      </p:nvGrpSpPr>
-      <p:grpSpPr>
-        <a:xfrm>
-          <a:off x="0" y="0"/>
-          <a:ext cx="0" cy="0"/>
-          <a:chOff x="0" y="0"/>
-          <a:chExt cx="0" cy="0"/>
-        </a:xfrm>
-      </p:grpSpPr>
-      <p:sp>
-        <p:nvSpPr>
-          <p:cNvPr id="3" name="TextBox 2"/>
-          <p:cNvSpPr txBox="1"/>
-          <p:nvPr/>
-        </p:nvSpPr>
-        <p:spPr>
-          <a:xfrm>
-            <a:off x="381000" y="304800"/>
-            <a:ext cx="1886799" cy="369332"/>
-          </a:xfrm>
-          <a:prstGeom prst="rect">
-            <a:avLst/>
-          </a:prstGeom>
-          <a:noFill/>
-        </p:spPr>
-        <p:txBody>
-          <a:bodyPr wrap="none" rtlCol="0">
-            <a:spAutoFit/>
-          </a:bodyPr>
-          <a:lstStyle/>
-          <a:p>
-            <a:r>
-              <a:rPr lang="en-US" dirty="0" smtClean="0"/>
-              <a:t>Industry summary</a:t>
-            </a:r>
-            <a:endParaRPr lang="en-US" dirty="0"/>
-          </a:p>
-        </p:txBody>
-      </p:sp>
-      <p:pic>
-        <p:nvPicPr>
-          <p:cNvPr id="1026" name="Picture 2" descr="H:\apps\xp\desktop\HOME\SCHOOL\Business\TODO\bitcoin price.PNG"/>
-          <p:cNvPicPr>
-            <a:picLocks noChangeAspect="1" noChangeArrowheads="1"/>
-          </p:cNvPicPr>
-          <p:nvPr/>
-        </p:nvPicPr>
-        <p:blipFill>
-          <a:blip r:embed="rId2">
-            <a:extLst>
-              <a:ext uri="{28A0092B-C50C-407E-A947-70E740481C1C}">
-                <a14:useLocalDpi xmlns:a14="http://schemas.microsoft.com/office/drawing/2010/main" val="0"/>
-              </a:ext>
-            </a:extLst>
-          </a:blip>
-          <a:srcRect/>
-          <a:stretch>
-            <a:fillRect/>
-          </a:stretch>
-        </p:blipFill>
-        <p:spPr bwMode="auto">
-          <a:xfrm>
-            <a:off x="3250474" y="403585"/>
-            <a:ext cx="5586413" cy="2628900"/>
-          </a:xfrm>
-          <a:prstGeom prst="rect">
-            <a:avLst/>
-          </a:prstGeom>
-          <a:noFill/>
-          <a:extLst>
-            <a:ext uri="{909E8E84-426E-40DD-AFC4-6F175D3DCCD1}">
-              <a14:hiddenFill xmlns:a14="http://schemas.microsoft.com/office/drawing/2010/main">
-                <a:solidFill>
-                  <a:srgbClr val="FFFFFF"/>
-                </a:solidFill>
-              </a14:hiddenFill>
-            </a:ext>
-          </a:extLst>
-        </p:spPr>
-      </p:pic>
-      <p:pic>
-        <p:nvPicPr>
-          <p:cNvPr id="1027" name="Picture 3" descr="H:\apps\xp\desktop\HOME\SCHOOL\Business\TODO\transaction_Growth.PNG"/>
-          <p:cNvPicPr>
-            <a:picLocks noChangeAspect="1" noChangeArrowheads="1"/>
-          </p:cNvPicPr>
-          <p:nvPr/>
-        </p:nvPicPr>
-        <p:blipFill>
-          <a:blip r:embed="rId3">
-            <a:extLst>
-              <a:ext uri="{28A0092B-C50C-407E-A947-70E740481C1C}">
-                <a14:useLocalDpi xmlns:a14="http://schemas.microsoft.com/office/drawing/2010/main" val="0"/>
-              </a:ext>
-            </a:extLst>
-          </a:blip>
-          <a:srcRect/>
-          <a:stretch>
-            <a:fillRect/>
-          </a:stretch>
-        </p:blipFill>
-        <p:spPr bwMode="auto">
-          <a:xfrm>
-            <a:off x="383381" y="3705854"/>
-            <a:ext cx="5484019" cy="2696988"/>
-          </a:xfrm>
-          <a:prstGeom prst="rect">
-            <a:avLst/>
-          </a:prstGeom>
-          <a:noFill/>
-          <a:extLst>
-            <a:ext uri="{909E8E84-426E-40DD-AFC4-6F175D3DCCD1}">
-              <a14:hiddenFill xmlns:a14="http://schemas.microsoft.com/office/drawing/2010/main">
-                <a:solidFill>
-                  <a:srgbClr val="FFFFFF"/>
-                </a:solidFill>
-              </a14:hiddenFill>
-            </a:ext>
-          </a:extLst>
-        </p:spPr>
-      </p:pic>
-    </p:spTree>
-    <p:extLst>
-      <p:ext uri="{BB962C8B-B14F-4D97-AF65-F5344CB8AC3E}">
-        <p14:creationId xmlns:p14="http://schemas.microsoft.com/office/powerpoint/2010/main" val="2218907284"/>
-      </p:ext>
-    </p:extLst>
-  </p:cSld>
-  <p:clrMapOvr>
-    <a:masterClrMapping/>
-  </p:clrMapOvr>
-</p:sld>
-</file>
-
-<file path=ppt/slides/slide4.xml><?xml version="1.0" encoding="utf-8"?>
-<p:sld xmlns:a="http://schemas.openxmlformats.org/drawingml/2006/main" xmlns:r="http://schemas.openxmlformats.org/officeDocument/2006/relationships" xmlns:p="http://schemas.openxmlformats.org/presentationml/2006/main">
-  <p:cSld>
-    <p:spTree>
-      <p:nvGrpSpPr>
-        <p:cNvPr id="1" name=""/>
-        <p:cNvGrpSpPr/>
-        <p:nvPr/>
-      </p:nvGrpSpPr>
-      <p:grpSpPr>
-        <a:xfrm>
-          <a:off x="0" y="0"/>
-          <a:ext cx="0" cy="0"/>
-          <a:chOff x="0" y="0"/>
-          <a:chExt cx="0" cy="0"/>
-        </a:xfrm>
-      </p:grpSpPr>
-      <p:sp>
-        <p:nvSpPr>
-          <p:cNvPr id="4" name="TextBox 3"/>
-          <p:cNvSpPr txBox="1"/>
-          <p:nvPr/>
-        </p:nvSpPr>
-        <p:spPr>
-          <a:xfrm>
-            <a:off x="609600" y="304800"/>
-            <a:ext cx="631904" cy="369332"/>
-          </a:xfrm>
-          <a:prstGeom prst="rect">
-            <a:avLst/>
-          </a:prstGeom>
-          <a:noFill/>
-        </p:spPr>
-        <p:txBody>
-          <a:bodyPr wrap="none" rtlCol="0">
-            <a:spAutoFit/>
-          </a:bodyPr>
-          <a:lstStyle/>
-          <a:p>
-            <a:r>
-              <a:rPr lang="en-US" dirty="0" smtClean="0"/>
-              <a:t>STEP</a:t>
-            </a:r>
-            <a:endParaRPr lang="en-US" dirty="0"/>
-          </a:p>
-        </p:txBody>
-      </p:sp>
-      <p:sp>
-        <p:nvSpPr>
-          <p:cNvPr id="2" name="TextBox 1"/>
-          <p:cNvSpPr txBox="1"/>
-          <p:nvPr/>
-        </p:nvSpPr>
-        <p:spPr>
-          <a:xfrm>
-            <a:off x="609600" y="914400"/>
-            <a:ext cx="6662465" cy="923330"/>
-          </a:xfrm>
-          <a:prstGeom prst="rect">
-            <a:avLst/>
-          </a:prstGeom>
-          <a:noFill/>
-        </p:spPr>
-        <p:txBody>
-          <a:bodyPr wrap="none" rtlCol="0">
-            <a:spAutoFit/>
-          </a:bodyPr>
-          <a:lstStyle/>
-          <a:p>
-            <a:r>
-              <a:rPr lang="en-US" dirty="0" smtClean="0"/>
-              <a:t>Social</a:t>
-            </a:r>
-          </a:p>
-          <a:p>
-            <a:r>
-              <a:rPr lang="en-US" dirty="0"/>
-              <a:t>O</a:t>
-            </a:r>
-            <a:r>
-              <a:rPr lang="en-US" dirty="0" smtClean="0"/>
-              <a:t>pportunity: Distrust of banking industry creating need to alternative</a:t>
-            </a:r>
-          </a:p>
-          <a:p>
-            <a:r>
-              <a:rPr lang="en-US" dirty="0" smtClean="0"/>
-              <a:t>Threat: Mistrust and connection to blank market tarnish image</a:t>
-            </a:r>
-            <a:endParaRPr lang="en-US" dirty="0"/>
-          </a:p>
-        </p:txBody>
-      </p:sp>
-      <p:sp>
-        <p:nvSpPr>
-          <p:cNvPr id="5" name="TextBox 4"/>
-          <p:cNvSpPr txBox="1"/>
-          <p:nvPr/>
-        </p:nvSpPr>
-        <p:spPr>
-          <a:xfrm>
-            <a:off x="457200" y="2133600"/>
-            <a:ext cx="7315200" cy="1477328"/>
-          </a:xfrm>
-          <a:prstGeom prst="rect">
-            <a:avLst/>
-          </a:prstGeom>
-          <a:noFill/>
-        </p:spPr>
-        <p:txBody>
-          <a:bodyPr wrap="square" rtlCol="0">
-            <a:spAutoFit/>
-          </a:bodyPr>
-          <a:lstStyle/>
-          <a:p>
-            <a:r>
-              <a:rPr lang="en-US" dirty="0" smtClean="0"/>
-              <a:t>Technology</a:t>
-            </a:r>
-          </a:p>
-          <a:p>
-            <a:r>
-              <a:rPr lang="en-US" dirty="0"/>
-              <a:t>O</a:t>
-            </a:r>
-            <a:r>
-              <a:rPr lang="en-US" dirty="0" smtClean="0"/>
-              <a:t>pportunity: Block chain technology make </a:t>
-            </a:r>
-            <a:r>
-              <a:rPr lang="en-US" dirty="0" err="1" smtClean="0"/>
-              <a:t>transfering</a:t>
-            </a:r>
-            <a:r>
-              <a:rPr lang="en-US" dirty="0" smtClean="0"/>
-              <a:t> money </a:t>
-            </a:r>
-            <a:r>
-              <a:rPr lang="en-US" dirty="0" err="1" smtClean="0"/>
-              <a:t>quicker,safer</a:t>
-            </a:r>
-            <a:r>
-              <a:rPr lang="en-US" dirty="0" smtClean="0"/>
-              <a:t> and less expensive</a:t>
-            </a:r>
-          </a:p>
-          <a:p>
-            <a:r>
-              <a:rPr lang="en-US" dirty="0" smtClean="0"/>
-              <a:t>Threat: Vulnerable to hacking and theft. relies on the unbreakable nature of current encryption systems</a:t>
-            </a:r>
-            <a:endParaRPr lang="en-US" dirty="0"/>
-          </a:p>
-        </p:txBody>
-      </p:sp>
-      <p:sp>
-        <p:nvSpPr>
-          <p:cNvPr id="3" name="TextBox 2"/>
-          <p:cNvSpPr txBox="1"/>
-          <p:nvPr/>
-        </p:nvSpPr>
-        <p:spPr>
-          <a:xfrm>
-            <a:off x="609600" y="4114800"/>
-            <a:ext cx="7859652" cy="923330"/>
-          </a:xfrm>
-          <a:prstGeom prst="rect">
-            <a:avLst/>
-          </a:prstGeom>
-          <a:noFill/>
-        </p:spPr>
-        <p:txBody>
-          <a:bodyPr wrap="none" rtlCol="0">
-            <a:spAutoFit/>
-          </a:bodyPr>
-          <a:lstStyle/>
-          <a:p>
-            <a:r>
-              <a:rPr lang="en-US" dirty="0" smtClean="0"/>
-              <a:t>Economic trends</a:t>
-            </a:r>
-          </a:p>
-          <a:p>
-            <a:r>
-              <a:rPr lang="en-US" dirty="0" smtClean="0"/>
-              <a:t>Opportunity:  Online sales grow, crypto currency very good for online transactions</a:t>
-            </a:r>
-          </a:p>
-          <a:p>
-            <a:r>
-              <a:rPr lang="en-US" dirty="0" smtClean="0"/>
-              <a:t>Threat:  Poor economy could limit online sales</a:t>
-            </a:r>
-            <a:endParaRPr lang="en-US" dirty="0"/>
-          </a:p>
-        </p:txBody>
-      </p:sp>
-      <p:sp>
-        <p:nvSpPr>
-          <p:cNvPr id="6" name="TextBox 5"/>
-          <p:cNvSpPr txBox="1"/>
-          <p:nvPr/>
-        </p:nvSpPr>
-        <p:spPr>
-          <a:xfrm>
-            <a:off x="604736" y="5410200"/>
-            <a:ext cx="7864516" cy="1200329"/>
-          </a:xfrm>
-          <a:prstGeom prst="rect">
-            <a:avLst/>
-          </a:prstGeom>
-          <a:noFill/>
-        </p:spPr>
-        <p:txBody>
-          <a:bodyPr wrap="square" rtlCol="0">
-            <a:spAutoFit/>
-          </a:bodyPr>
-          <a:lstStyle/>
-          <a:p>
-            <a:r>
-              <a:rPr lang="en-US" dirty="0" smtClean="0"/>
-              <a:t>Political and Regulatory Factors</a:t>
-            </a:r>
-          </a:p>
-          <a:p>
-            <a:r>
-              <a:rPr lang="en-US" dirty="0" smtClean="0"/>
-              <a:t>Opportunity:  New </a:t>
-            </a:r>
-            <a:r>
-              <a:rPr lang="en-US" dirty="0"/>
-              <a:t>Y</a:t>
-            </a:r>
-            <a:r>
-              <a:rPr lang="en-US" dirty="0" smtClean="0"/>
-              <a:t>ork state established the BitLicense, first of its kind</a:t>
-            </a:r>
-          </a:p>
-          <a:p>
-            <a:r>
-              <a:rPr lang="en-US" dirty="0" smtClean="0"/>
-              <a:t>Threat:  Governments through out the world still developing regulatory systems for crypto currencies</a:t>
-            </a:r>
-            <a:endParaRPr lang="en-US" dirty="0"/>
-          </a:p>
-        </p:txBody>
-      </p:sp>
-    </p:spTree>
-    <p:extLst>
-      <p:ext uri="{BB962C8B-B14F-4D97-AF65-F5344CB8AC3E}">
-        <p14:creationId xmlns:p14="http://schemas.microsoft.com/office/powerpoint/2010/main" val="2218907284"/>
-      </p:ext>
-    </p:extLst>
-  </p:cSld>
-  <p:clrMapOvr>
-    <a:masterClrMapping/>
-  </p:clrMapOvr>
-</p:sld>
-</file>
-
-<file path=ppt/slides/slide5.xml><?xml version="1.0" encoding="utf-8"?>
-<p:sld xmlns:a="http://schemas.openxmlformats.org/drawingml/2006/main" xmlns:r="http://schemas.openxmlformats.org/officeDocument/2006/relationships" xmlns:p="http://schemas.openxmlformats.org/presentationml/2006/main">
-  <p:cSld>
-    <p:spTree>
-      <p:nvGrpSpPr>
-        <p:cNvPr id="1" name=""/>
-        <p:cNvGrpSpPr/>
-        <p:nvPr/>
-      </p:nvGrpSpPr>
-      <p:grpSpPr>
-        <a:xfrm>
-          <a:off x="0" y="0"/>
-          <a:ext cx="0" cy="0"/>
-          <a:chOff x="0" y="0"/>
-          <a:chExt cx="0" cy="0"/>
-        </a:xfrm>
-      </p:grpSpPr>
-      <p:sp>
-        <p:nvSpPr>
-          <p:cNvPr id="4" name="TextBox 3"/>
-          <p:cNvSpPr txBox="1"/>
-          <p:nvPr/>
-        </p:nvSpPr>
-        <p:spPr>
-          <a:xfrm>
-            <a:off x="838200" y="344269"/>
-            <a:ext cx="6019800" cy="646331"/>
-          </a:xfrm>
-          <a:prstGeom prst="rect">
-            <a:avLst/>
-          </a:prstGeom>
-          <a:noFill/>
-        </p:spPr>
-        <p:txBody>
-          <a:bodyPr wrap="square" rtlCol="0">
-            <a:spAutoFit/>
-          </a:bodyPr>
-          <a:lstStyle/>
-          <a:p>
-            <a:r>
-              <a:rPr lang="en-US" dirty="0" smtClean="0"/>
-              <a:t>Competitor Analysis, Key Players, Critical Success Factors, Competitors most vulnerable to you</a:t>
-            </a:r>
-            <a:endParaRPr lang="en-US" dirty="0"/>
-          </a:p>
-        </p:txBody>
-      </p:sp>
-      <p:sp>
-        <p:nvSpPr>
-          <p:cNvPr id="2" name="TextBox 1"/>
-          <p:cNvSpPr txBox="1"/>
-          <p:nvPr/>
-        </p:nvSpPr>
-        <p:spPr>
-          <a:xfrm>
-            <a:off x="533400" y="4800600"/>
-            <a:ext cx="8001000" cy="369332"/>
-          </a:xfrm>
-          <a:prstGeom prst="rect">
-            <a:avLst/>
-          </a:prstGeom>
-          <a:noFill/>
-        </p:spPr>
-        <p:txBody>
-          <a:bodyPr wrap="square" rtlCol="0">
-            <a:spAutoFit/>
-          </a:bodyPr>
-          <a:lstStyle/>
-          <a:p>
-            <a:r>
-              <a:rPr lang="en-US" dirty="0" smtClean="0"/>
-              <a:t>Critical </a:t>
-            </a:r>
-            <a:r>
-              <a:rPr lang="en-US" dirty="0" err="1" smtClean="0"/>
-              <a:t>suscess</a:t>
-            </a:r>
-            <a:r>
-              <a:rPr lang="en-US" dirty="0" smtClean="0"/>
-              <a:t>:  Price, Customer service, Available products, Security</a:t>
-            </a:r>
-          </a:p>
-        </p:txBody>
-      </p:sp>
-      <p:sp>
-        <p:nvSpPr>
-          <p:cNvPr id="3" name="TextBox 2"/>
-          <p:cNvSpPr txBox="1"/>
-          <p:nvPr/>
-        </p:nvSpPr>
-        <p:spPr>
-          <a:xfrm>
-            <a:off x="1429142" y="3991104"/>
-            <a:ext cx="5428858" cy="369332"/>
-          </a:xfrm>
-          <a:prstGeom prst="rect">
-            <a:avLst/>
-          </a:prstGeom>
-          <a:noFill/>
-        </p:spPr>
-        <p:txBody>
-          <a:bodyPr wrap="none" rtlCol="0">
-            <a:spAutoFit/>
-          </a:bodyPr>
-          <a:lstStyle/>
-          <a:p>
-            <a:r>
-              <a:rPr lang="en-US" dirty="0"/>
-              <a:t>http://coinmarketcap.com/currencies/volume/24-hour/</a:t>
-            </a:r>
-          </a:p>
-        </p:txBody>
-      </p:sp>
-      <p:pic>
-        <p:nvPicPr>
-          <p:cNvPr id="1026" name="Picture 2" descr="H:\apps\xp\desktop\HOME\SCHOOL\Business\TODO\2-Monday\marketshare.PNG"/>
-          <p:cNvPicPr>
-            <a:picLocks noChangeAspect="1" noChangeArrowheads="1"/>
-          </p:cNvPicPr>
-          <p:nvPr/>
-        </p:nvPicPr>
-        <p:blipFill>
-          <a:blip r:embed="rId2">
-            <a:extLst>
-              <a:ext uri="{28A0092B-C50C-407E-A947-70E740481C1C}">
-                <a14:useLocalDpi xmlns:a14="http://schemas.microsoft.com/office/drawing/2010/main" val="0"/>
-              </a:ext>
-            </a:extLst>
-          </a:blip>
-          <a:srcRect/>
-          <a:stretch>
-            <a:fillRect/>
-          </a:stretch>
-        </p:blipFill>
-        <p:spPr bwMode="auto">
-          <a:xfrm>
-            <a:off x="1143000" y="1371600"/>
-            <a:ext cx="4892675" cy="2307078"/>
-          </a:xfrm>
-          <a:prstGeom prst="rect">
-            <a:avLst/>
-          </a:prstGeom>
-          <a:noFill/>
-          <a:extLst>
-            <a:ext uri="{909E8E84-426E-40DD-AFC4-6F175D3DCCD1}">
-              <a14:hiddenFill xmlns:a14="http://schemas.microsoft.com/office/drawing/2010/main">
-                <a:solidFill>
-                  <a:srgbClr val="FFFFFF"/>
-                </a:solidFill>
-              </a14:hiddenFill>
-            </a:ext>
-          </a:extLst>
-        </p:spPr>
-      </p:pic>
-    </p:spTree>
-    <p:extLst>
-      <p:ext uri="{BB962C8B-B14F-4D97-AF65-F5344CB8AC3E}">
-        <p14:creationId xmlns:p14="http://schemas.microsoft.com/office/powerpoint/2010/main" val="2218907284"/>
-      </p:ext>
-    </p:extLst>
-  </p:cSld>
-  <p:clrMapOvr>
-    <a:masterClrMapping/>
-  </p:clrMapOvr>
-</p:sld>
-</file>
-
-<file path=ppt/slides/slide6.xml><?xml version="1.0" encoding="utf-8"?>
-<p:sld xmlns:a="http://schemas.openxmlformats.org/drawingml/2006/main" xmlns:r="http://schemas.openxmlformats.org/officeDocument/2006/relationships" xmlns:p="http://schemas.openxmlformats.org/presentationml/2006/main">
-  <p:cSld>
-    <p:spTree>
-      <p:nvGrpSpPr>
-        <p:cNvPr id="1" name=""/>
-        <p:cNvGrpSpPr/>
-        <p:nvPr/>
-      </p:nvGrpSpPr>
-      <p:grpSpPr>
-        <a:xfrm>
-          <a:off x="0" y="0"/>
-          <a:ext cx="0" cy="0"/>
-          <a:chOff x="0" y="0"/>
-          <a:chExt cx="0" cy="0"/>
-        </a:xfrm>
-      </p:grpSpPr>
-      <p:sp>
-        <p:nvSpPr>
-          <p:cNvPr id="4" name="TextBox 3"/>
-          <p:cNvSpPr txBox="1"/>
-          <p:nvPr/>
-        </p:nvSpPr>
-        <p:spPr>
-          <a:xfrm>
-            <a:off x="838200" y="457200"/>
-            <a:ext cx="6096000" cy="646331"/>
-          </a:xfrm>
-          <a:prstGeom prst="rect">
-            <a:avLst/>
-          </a:prstGeom>
-          <a:noFill/>
-        </p:spPr>
-        <p:txBody>
-          <a:bodyPr wrap="square" rtlCol="0">
-            <a:spAutoFit/>
-          </a:bodyPr>
-          <a:lstStyle/>
-          <a:p>
-            <a:r>
-              <a:rPr lang="en-US" dirty="0" smtClean="0"/>
-              <a:t>How are you going to create the company (your background) and put team together? Org Charts</a:t>
-            </a:r>
-            <a:endParaRPr lang="en-US" dirty="0"/>
-          </a:p>
-        </p:txBody>
-      </p:sp>
-      <p:sp>
-        <p:nvSpPr>
-          <p:cNvPr id="2" name="TextBox 1"/>
-          <p:cNvSpPr txBox="1"/>
-          <p:nvPr/>
-        </p:nvSpPr>
-        <p:spPr>
-          <a:xfrm>
-            <a:off x="1695594" y="1447800"/>
-            <a:ext cx="4750147" cy="923330"/>
-          </a:xfrm>
-          <a:prstGeom prst="rect">
-            <a:avLst/>
-          </a:prstGeom>
-          <a:noFill/>
-        </p:spPr>
-        <p:txBody>
-          <a:bodyPr wrap="none" rtlCol="0">
-            <a:spAutoFit/>
-          </a:bodyPr>
-          <a:lstStyle/>
-          <a:p>
-            <a:r>
-              <a:rPr lang="en-US" dirty="0" smtClean="0"/>
-              <a:t>Been in the computer industry for 30 plus years. </a:t>
-            </a:r>
-          </a:p>
-          <a:p>
-            <a:r>
-              <a:rPr lang="en-US" dirty="0" smtClean="0"/>
-              <a:t>Watching crypto currency for years</a:t>
-            </a:r>
-          </a:p>
-          <a:p>
-            <a:r>
-              <a:rPr lang="en-US" dirty="0" smtClean="0"/>
-              <a:t>Active day trader on several exchanges</a:t>
-            </a:r>
-            <a:endParaRPr lang="en-US" dirty="0"/>
-          </a:p>
-        </p:txBody>
-      </p:sp>
-      <p:pic>
-        <p:nvPicPr>
-          <p:cNvPr id="2050" name="Picture 2"/>
-          <p:cNvPicPr>
-            <a:picLocks noChangeAspect="1" noChangeArrowheads="1"/>
-          </p:cNvPicPr>
-          <p:nvPr/>
-        </p:nvPicPr>
-        <p:blipFill>
-          <a:blip r:embed="rId2">
-            <a:extLst>
-              <a:ext uri="{28A0092B-C50C-407E-A947-70E740481C1C}">
-                <a14:useLocalDpi xmlns:a14="http://schemas.microsoft.com/office/drawing/2010/main" val="0"/>
-              </a:ext>
-            </a:extLst>
-          </a:blip>
-          <a:srcRect/>
-          <a:stretch>
-            <a:fillRect/>
-          </a:stretch>
-        </p:blipFill>
-        <p:spPr bwMode="auto">
-          <a:xfrm>
-            <a:off x="1666411" y="3124200"/>
-            <a:ext cx="5330825" cy="3002063"/>
-          </a:xfrm>
-          <a:prstGeom prst="rect">
-            <a:avLst/>
-          </a:prstGeom>
-          <a:noFill/>
-          <a:ln>
-            <a:noFill/>
-          </a:ln>
-          <a:effectLst/>
-          <a:extLst>
-            <a:ext uri="{909E8E84-426E-40DD-AFC4-6F175D3DCCD1}">
-              <a14:hiddenFill xmlns:a14="http://schemas.microsoft.com/office/drawing/2010/main">
-                <a:solidFill>
-                  <a:schemeClr val="accent1"/>
-                </a:solidFill>
-              </a14:hiddenFill>
-            </a:ext>
-            <a:ext uri="{91240B29-F687-4F45-9708-019B960494DF}">
-              <a14:hiddenLine xmlns:a14="http://schemas.microsoft.com/office/drawing/2010/main" w="9525">
-                <a:solidFill>
-                  <a:schemeClr val="tx1"/>
-                </a:solidFill>
-                <a:miter lim="800000"/>
-                <a:headEnd/>
-                <a:tailEnd/>
-              </a14:hiddenLine>
-            </a:ext>
-            <a:ext uri="{AF507438-7753-43E0-B8FC-AC1667EBCBE1}">
-              <a14:hiddenEffects xmlns:a14="http://schemas.microsoft.com/office/drawing/2010/main">
-                <a:effectLst>
-                  <a:outerShdw dist="35921" dir="2700000" algn="ctr" rotWithShape="0">
-                    <a:schemeClr val="bg2"/>
-                  </a:outerShdw>
-                </a:effectLst>
-              </a14:hiddenEffects>
-            </a:ext>
-          </a:extLst>
-        </p:spPr>
-      </p:pic>
+              <a:rPr lang="en-US" sz="2000" dirty="0" smtClean="0"/>
+              <a:t>Active trader over 3 years</a:t>
+            </a:r>
+            <a:endParaRPr lang="en-US" sz="2000" dirty="0"/>
+          </a:p>
+        </p:txBody>
+      </p:sp>
     </p:spTree>
     <p:extLst>
       <p:ext uri="{BB962C8B-B14F-4D97-AF65-F5344CB8AC3E}">
@@ -5117,8 +5651,8 @@
         </p:nvSpPr>
         <p:spPr>
           <a:xfrm>
-            <a:off x="1524001" y="990600"/>
-            <a:ext cx="6553200" cy="646331"/>
+            <a:off x="0" y="457200"/>
+            <a:ext cx="9144000" cy="707886"/>
           </a:xfrm>
           <a:prstGeom prst="rect">
             <a:avLst/>
@@ -5131,11 +5665,12 @@
           </a:bodyPr>
           <a:lstStyle/>
           <a:p>
-            <a:r>
-              <a:rPr lang="en-US" dirty="0" smtClean="0"/>
-              <a:t>Segmentation - Go through key segments - Challenges? Mold below for key segments:</a:t>
-            </a:r>
-            <a:endParaRPr lang="en-US" dirty="0"/>
+            <a:pPr algn="ctr"/>
+            <a:r>
+              <a:rPr lang="en-US" sz="4000" dirty="0" smtClean="0"/>
+              <a:t>Segmentation</a:t>
+            </a:r>
+            <a:endParaRPr lang="en-US" sz="4000" dirty="0"/>
           </a:p>
         </p:txBody>
       </p:sp>
@@ -5147,8 +5682,8 @@
         </p:nvSpPr>
         <p:spPr>
           <a:xfrm>
-            <a:off x="762000" y="2667000"/>
-            <a:ext cx="2905347" cy="369332"/>
+            <a:off x="1066800" y="1752600"/>
+            <a:ext cx="4407553" cy="830997"/>
           </a:xfrm>
           <a:prstGeom prst="rect">
             <a:avLst/>
@@ -5162,10 +5697,20 @@
           <a:lstStyle/>
           <a:p>
             <a:r>
-              <a:rPr lang="en-US" dirty="0" smtClean="0"/>
-              <a:t>People who want buy bitcoin</a:t>
-            </a:r>
-            <a:endParaRPr lang="en-US" dirty="0"/>
+              <a:rPr lang="en-US" sz="2800" dirty="0" smtClean="0"/>
+              <a:t>People who want buy </a:t>
+            </a:r>
+            <a:r>
+              <a:rPr lang="en-US" sz="2800" dirty="0" smtClean="0"/>
+              <a:t>bitcoin</a:t>
+            </a:r>
+          </a:p>
+          <a:p>
+            <a:r>
+              <a:rPr lang="en-US" sz="2000" dirty="0" smtClean="0"/>
+              <a:t>	Shoppers, Donations</a:t>
+            </a:r>
+            <a:endParaRPr lang="en-US" sz="2000" dirty="0"/>
           </a:p>
         </p:txBody>
       </p:sp>
@@ -5177,8 +5722,8 @@
         </p:nvSpPr>
         <p:spPr>
           <a:xfrm>
-            <a:off x="914400" y="3657600"/>
-            <a:ext cx="3117905" cy="369332"/>
+            <a:off x="1434749" y="2895600"/>
+            <a:ext cx="5524718" cy="954107"/>
           </a:xfrm>
           <a:prstGeom prst="rect">
             <a:avLst/>
@@ -5192,10 +5737,24 @@
           <a:lstStyle/>
           <a:p>
             <a:r>
-              <a:rPr lang="en-US" dirty="0" smtClean="0"/>
-              <a:t>People who want to sell bitcoin</a:t>
-            </a:r>
-            <a:endParaRPr lang="en-US" dirty="0"/>
+              <a:rPr lang="en-US" sz="2800" dirty="0" smtClean="0"/>
+              <a:t>People who want to sell </a:t>
+            </a:r>
+            <a:r>
+              <a:rPr lang="en-US" sz="2800" dirty="0" smtClean="0"/>
+              <a:t>bitcoin</a:t>
+            </a:r>
+          </a:p>
+          <a:p>
+            <a:r>
+              <a:rPr lang="en-US" sz="2800" dirty="0"/>
+              <a:t>	</a:t>
+            </a:r>
+            <a:r>
+              <a:rPr lang="en-US" sz="2000" dirty="0" smtClean="0"/>
+              <a:t>Miners, Merchants, International transfers</a:t>
+            </a:r>
+            <a:endParaRPr lang="en-US" sz="2800" dirty="0"/>
           </a:p>
         </p:txBody>
       </p:sp>
@@ -5207,8 +5766,8 @@
         </p:nvSpPr>
         <p:spPr>
           <a:xfrm>
-            <a:off x="1524001" y="4800600"/>
-            <a:ext cx="2888163" cy="369332"/>
+            <a:off x="2081812" y="4267200"/>
+            <a:ext cx="3785588" cy="523220"/>
           </a:xfrm>
           <a:prstGeom prst="rect">
             <a:avLst/>
@@ -5222,10 +5781,18 @@
           <a:lstStyle/>
           <a:p>
             <a:r>
-              <a:rPr lang="en-US" dirty="0" smtClean="0"/>
-              <a:t>Day traders looking for profit</a:t>
-            </a:r>
-            <a:endParaRPr lang="en-US" dirty="0"/>
+              <a:rPr lang="en-US" sz="2800" dirty="0"/>
+              <a:t>T</a:t>
+            </a:r>
+            <a:r>
+              <a:rPr lang="en-US" sz="2800" dirty="0" smtClean="0"/>
+              <a:t>raders </a:t>
+            </a:r>
+            <a:r>
+              <a:rPr lang="en-US" sz="2800" dirty="0" smtClean="0"/>
+              <a:t>looking for profit</a:t>
+            </a:r>
+            <a:endParaRPr lang="en-US" sz="2800" dirty="0"/>
           </a:p>
         </p:txBody>
       </p:sp>
@@ -5237,8 +5804,8 @@
         </p:nvSpPr>
         <p:spPr>
           <a:xfrm>
-            <a:off x="1295400" y="5943600"/>
-            <a:ext cx="4265014" cy="369332"/>
+            <a:off x="1447800" y="5638800"/>
+            <a:ext cx="5712589" cy="461665"/>
           </a:xfrm>
           <a:prstGeom prst="rect">
             <a:avLst/>
@@ -5252,18 +5819,30 @@
           <a:lstStyle/>
           <a:p>
             <a:r>
-              <a:rPr lang="en-US" dirty="0" smtClean="0"/>
-              <a:t>Challenge:  </a:t>
-            </a:r>
-            <a:r>
-              <a:rPr lang="en-US" dirty="0" err="1" smtClean="0"/>
-              <a:t>Atract</a:t>
-            </a:r>
-            <a:r>
-              <a:rPr lang="en-US" dirty="0" smtClean="0"/>
-              <a:t> users and trading volume</a:t>
-            </a:r>
-            <a:endParaRPr lang="en-US" dirty="0"/>
+              <a:rPr lang="en-US" sz="2400" i="1" dirty="0" smtClean="0"/>
+              <a:t>Challenge:</a:t>
+            </a:r>
+            <a:r>
+              <a:rPr lang="en-US" sz="2400" dirty="0" smtClean="0"/>
+              <a:t>  </a:t>
+            </a:r>
+            <a:r>
+              <a:rPr lang="en-US" sz="2400" dirty="0" smtClean="0"/>
+              <a:t>Attract </a:t>
+            </a:r>
+            <a:r>
+              <a:rPr lang="en-US" sz="2400" b="1" dirty="0" smtClean="0"/>
+              <a:t>users</a:t>
+            </a:r>
+            <a:r>
+              <a:rPr lang="en-US" sz="2400" dirty="0" smtClean="0"/>
+              <a:t> and trading </a:t>
+            </a:r>
+            <a:r>
+              <a:rPr lang="en-US" sz="2400" b="1" dirty="0" smtClean="0"/>
+              <a:t>volume</a:t>
+            </a:r>
+            <a:endParaRPr lang="en-US" sz="2400" b="1" dirty="0"/>
           </a:p>
         </p:txBody>
       </p:sp>
@@ -5305,8 +5884,8 @@
         </p:nvSpPr>
         <p:spPr>
           <a:xfrm>
-            <a:off x="1524000" y="990600"/>
-            <a:ext cx="919932" cy="369332"/>
+            <a:off x="0" y="381000"/>
+            <a:ext cx="9144000" cy="707886"/>
           </a:xfrm>
           <a:prstGeom prst="rect">
             <a:avLst/>
@@ -5314,16 +5893,17 @@
           <a:noFill/>
         </p:spPr>
         <p:txBody>
-          <a:bodyPr wrap="none" rtlCol="0">
+          <a:bodyPr wrap="square" rtlCol="0">
             <a:spAutoFit/>
           </a:bodyPr>
           <a:lstStyle/>
           <a:p>
-            <a:r>
-              <a:rPr lang="en-US" dirty="0" smtClean="0"/>
+            <a:pPr algn="ctr"/>
+            <a:r>
+              <a:rPr lang="en-US" sz="4000" dirty="0" smtClean="0"/>
               <a:t>Product</a:t>
             </a:r>
-            <a:endParaRPr lang="en-US" dirty="0"/>
+            <a:endParaRPr lang="en-US" sz="4000" dirty="0"/>
           </a:p>
         </p:txBody>
       </p:sp>
@@ -5335,8 +5915,8 @@
         </p:nvSpPr>
         <p:spPr>
           <a:xfrm>
-            <a:off x="838200" y="2209800"/>
-            <a:ext cx="8124340" cy="3139321"/>
+            <a:off x="1143000" y="1600200"/>
+            <a:ext cx="7239000" cy="3970318"/>
           </a:xfrm>
           <a:prstGeom prst="rect">
             <a:avLst/>
@@ -5344,82 +5924,136 @@
           <a:noFill/>
         </p:spPr>
         <p:txBody>
-          <a:bodyPr wrap="none" rtlCol="0">
+          <a:bodyPr wrap="square" rtlCol="0">
             <a:spAutoFit/>
           </a:bodyPr>
           <a:lstStyle/>
           <a:p>
-            <a:pPr lvl="0"/>
-            <a:r>
-              <a:rPr lang="en-US" dirty="0"/>
-              <a:t>Deposit and withdraw USD</a:t>
-            </a:r>
-          </a:p>
-          <a:p>
-            <a:pPr lvl="0"/>
-            <a:r>
-              <a:rPr lang="en-US" dirty="0"/>
-              <a:t>Deposit and withdraw BTC, LTC</a:t>
-            </a:r>
-          </a:p>
-          <a:p>
-            <a:pPr lvl="0"/>
-            <a:r>
-              <a:rPr lang="en-US" dirty="0"/>
-              <a:t>Trading pair BTC/USD, LTC/USD</a:t>
-            </a:r>
-          </a:p>
-          <a:p>
-            <a:pPr lvl="0"/>
-            <a:r>
-              <a:rPr lang="en-US" dirty="0"/>
-              <a:t>Full API</a:t>
-            </a:r>
-          </a:p>
-          <a:p>
-            <a:pPr lvl="0"/>
-            <a:r>
-              <a:rPr lang="en-US" dirty="0"/>
-              <a:t>Secure cold wallet storage to hold crypto-currencies</a:t>
-            </a:r>
-          </a:p>
-          <a:p>
-            <a:pPr lvl="0"/>
-            <a:r>
-              <a:rPr lang="en-US" dirty="0"/>
-              <a:t>Two-factor authentication</a:t>
-            </a:r>
-          </a:p>
-          <a:p>
-            <a:pPr lvl="0"/>
-            <a:r>
-              <a:rPr lang="en-US" dirty="0"/>
-              <a:t>Smart phone wallet app</a:t>
-            </a:r>
-          </a:p>
-          <a:p>
-            <a:pPr lvl="0"/>
-            <a:r>
-              <a:rPr lang="en-US" dirty="0"/>
-              <a:t>Encrypted hot wallet protection</a:t>
-            </a:r>
-          </a:p>
-          <a:p>
-            <a:pPr lvl="0"/>
-            <a:r>
-              <a:rPr lang="en-US" dirty="0"/>
-              <a:t>Multiple deposit / withdraw options; Cash, Linked debit/credit account, wire transfer</a:t>
-            </a:r>
-          </a:p>
-          <a:p>
-            <a:pPr lvl="0"/>
-            <a:r>
-              <a:rPr lang="en-US" dirty="0"/>
-              <a:t>Merchant wallet / payment application</a:t>
-            </a:r>
-          </a:p>
-          <a:p>
-            <a:endParaRPr lang="en-US" dirty="0"/>
+            <a:pPr marL="285750" lvl="0" indent="-285750">
+              <a:lnSpc>
+                <a:spcPct val="150000"/>
+              </a:lnSpc>
+              <a:buFont typeface="Arial" panose="020B0604020202020204" pitchFamily="34" charset="0"/>
+              <a:buChar char="•"/>
+            </a:pPr>
+            <a:r>
+              <a:rPr lang="en-US" sz="2400" dirty="0" smtClean="0"/>
+              <a:t>Fund deposits and withdraws</a:t>
+            </a:r>
+            <a:endParaRPr lang="en-US" sz="2400" dirty="0"/>
+          </a:p>
+          <a:p>
+            <a:pPr marL="285750" lvl="0" indent="-285750">
+              <a:lnSpc>
+                <a:spcPct val="150000"/>
+              </a:lnSpc>
+              <a:buFont typeface="Arial" panose="020B0604020202020204" pitchFamily="34" charset="0"/>
+              <a:buChar char="•"/>
+            </a:pPr>
+            <a:r>
+              <a:rPr lang="en-US" sz="2400" dirty="0"/>
+              <a:t>Trading pair </a:t>
+            </a:r>
+            <a:r>
+              <a:rPr lang="en-US" sz="2400" dirty="0" smtClean="0"/>
+              <a:t>BTC/USD</a:t>
+            </a:r>
+          </a:p>
+          <a:p>
+            <a:pPr marL="285750" indent="-285750">
+              <a:lnSpc>
+                <a:spcPct val="150000"/>
+              </a:lnSpc>
+              <a:buFont typeface="Arial" panose="020B0604020202020204" pitchFamily="34" charset="0"/>
+              <a:buChar char="•"/>
+            </a:pPr>
+            <a:r>
+              <a:rPr lang="en-US" sz="2400" dirty="0" smtClean="0"/>
+              <a:t>Smart </a:t>
+            </a:r>
+            <a:r>
+              <a:rPr lang="en-US" sz="2400" dirty="0"/>
+              <a:t>phone wallet </a:t>
+            </a:r>
+            <a:r>
+              <a:rPr lang="en-US" sz="2400" dirty="0" smtClean="0"/>
+              <a:t>app</a:t>
+            </a:r>
+            <a:endParaRPr lang="en-US" sz="2400" dirty="0"/>
+          </a:p>
+          <a:p>
+            <a:pPr marL="285750" lvl="0" indent="-285750">
+              <a:lnSpc>
+                <a:spcPct val="150000"/>
+              </a:lnSpc>
+              <a:buFont typeface="Arial" panose="020B0604020202020204" pitchFamily="34" charset="0"/>
+              <a:buChar char="•"/>
+            </a:pPr>
+            <a:r>
+              <a:rPr lang="en-US" sz="2400" dirty="0" smtClean="0"/>
+              <a:t>Merchant </a:t>
+            </a:r>
+            <a:r>
+              <a:rPr lang="en-US" sz="2400" dirty="0"/>
+              <a:t>wallet / payment </a:t>
+            </a:r>
+            <a:r>
+              <a:rPr lang="en-US" sz="2400" dirty="0" smtClean="0"/>
+              <a:t>application</a:t>
+            </a:r>
+          </a:p>
+          <a:p>
+            <a:pPr marL="285750" indent="-285750">
+              <a:lnSpc>
+                <a:spcPct val="150000"/>
+              </a:lnSpc>
+              <a:buFont typeface="Arial" panose="020B0604020202020204" pitchFamily="34" charset="0"/>
+              <a:buChar char="•"/>
+            </a:pPr>
+            <a:r>
+              <a:rPr lang="en-US" sz="2400" dirty="0"/>
+              <a:t>Full </a:t>
+            </a:r>
+            <a:r>
+              <a:rPr lang="en-US" sz="2400" dirty="0" smtClean="0"/>
+              <a:t>API</a:t>
+            </a:r>
+            <a:endParaRPr lang="en-US" sz="2400" dirty="0" smtClean="0"/>
+          </a:p>
+          <a:p>
+            <a:pPr marL="285750" indent="-285750">
+              <a:lnSpc>
+                <a:spcPct val="150000"/>
+              </a:lnSpc>
+              <a:buFont typeface="Arial" panose="020B0604020202020204" pitchFamily="34" charset="0"/>
+              <a:buChar char="•"/>
+            </a:pPr>
+            <a:r>
+              <a:rPr lang="en-US" sz="2400" dirty="0"/>
+              <a:t>Secure cold </a:t>
+            </a:r>
+            <a:r>
+              <a:rPr lang="en-US" sz="2400" dirty="0" smtClean="0"/>
+              <a:t>storage</a:t>
+            </a:r>
+          </a:p>
+          <a:p>
+            <a:pPr marL="285750" lvl="0" indent="-285750">
+              <a:lnSpc>
+                <a:spcPct val="150000"/>
+              </a:lnSpc>
+              <a:buFont typeface="Arial" panose="020B0604020202020204" pitchFamily="34" charset="0"/>
+              <a:buChar char="•"/>
+            </a:pPr>
+            <a:r>
+              <a:rPr lang="en-US" sz="2400" dirty="0"/>
+              <a:t>Two-factor </a:t>
+            </a:r>
+            <a:r>
+              <a:rPr lang="en-US" sz="2400" dirty="0" smtClean="0"/>
+              <a:t>authentication</a:t>
+            </a:r>
+            <a:endParaRPr lang="en-US" sz="2400" dirty="0"/>
           </a:p>
         </p:txBody>
       </p:sp>
@@ -5461,8 +6095,8 @@
         </p:nvSpPr>
         <p:spPr>
           <a:xfrm>
-            <a:off x="1524000" y="990600"/>
-            <a:ext cx="679994" cy="369332"/>
+            <a:off x="0" y="304800"/>
+            <a:ext cx="9144000" cy="707886"/>
           </a:xfrm>
           <a:prstGeom prst="rect">
             <a:avLst/>
@@ -5470,29 +6104,30 @@
           <a:noFill/>
         </p:spPr>
         <p:txBody>
-          <a:bodyPr wrap="none" rtlCol="0">
+          <a:bodyPr wrap="square" rtlCol="0">
             <a:spAutoFit/>
           </a:bodyPr>
           <a:lstStyle/>
           <a:p>
-            <a:r>
-              <a:rPr lang="en-US" dirty="0" smtClean="0"/>
+            <a:pPr algn="ctr"/>
+            <a:r>
+              <a:rPr lang="en-US" sz="4000" dirty="0" smtClean="0"/>
               <a:t>Place</a:t>
             </a:r>
-            <a:endParaRPr lang="en-US" dirty="0"/>
-          </a:p>
-        </p:txBody>
-      </p:sp>
-      <p:sp>
-        <p:nvSpPr>
-          <p:cNvPr id="2" name="TextBox 1"/>
+            <a:endParaRPr lang="en-US" sz="4000" dirty="0"/>
+          </a:p>
+        </p:txBody>
+      </p:sp>
+      <p:sp>
+        <p:nvSpPr>
+          <p:cNvPr id="3" name="TextBox 2"/>
           <p:cNvSpPr txBox="1"/>
           <p:nvPr/>
         </p:nvSpPr>
         <p:spPr>
           <a:xfrm>
-            <a:off x="1219200" y="2133600"/>
-            <a:ext cx="2587953" cy="369332"/>
+            <a:off x="5257800" y="1752600"/>
+            <a:ext cx="3045064" cy="2862322"/>
           </a:xfrm>
           <a:prstGeom prst="rect">
             <a:avLst/>
@@ -5505,31 +6140,97 @@
           </a:bodyPr>
           <a:lstStyle/>
           <a:p>
-            <a:r>
-              <a:rPr lang="en-US" dirty="0" smtClean="0"/>
-              <a:t>Operate in </a:t>
-            </a:r>
-            <a:r>
-              <a:rPr lang="en-US" dirty="0" err="1" smtClean="0"/>
-              <a:t>Manhatten</a:t>
-            </a:r>
-            <a:r>
-              <a:rPr lang="en-US" dirty="0" smtClean="0"/>
-              <a:t> NY</a:t>
-            </a:r>
-          </a:p>
-        </p:txBody>
-      </p:sp>
-      <p:sp>
-        <p:nvSpPr>
-          <p:cNvPr id="3" name="TextBox 2"/>
+            <a:pPr>
+              <a:lnSpc>
+                <a:spcPct val="150000"/>
+              </a:lnSpc>
+            </a:pPr>
+            <a:r>
+              <a:rPr lang="en-US" sz="2400" b="1" dirty="0" smtClean="0"/>
+              <a:t>Direct </a:t>
+            </a:r>
+            <a:r>
+              <a:rPr lang="en-US" sz="2400" b="1" dirty="0" smtClean="0"/>
+              <a:t>Channel </a:t>
+            </a:r>
+            <a:r>
+              <a:rPr lang="en-US" sz="2400" b="1" dirty="0"/>
+              <a:t>S</a:t>
+            </a:r>
+            <a:r>
+              <a:rPr lang="en-US" sz="2400" b="1" dirty="0" smtClean="0"/>
+              <a:t>ystem</a:t>
+            </a:r>
+          </a:p>
+          <a:p>
+            <a:pPr marL="285750" indent="-285750">
+              <a:lnSpc>
+                <a:spcPct val="150000"/>
+              </a:lnSpc>
+              <a:buFont typeface="Arial" panose="020B0604020202020204" pitchFamily="34" charset="0"/>
+              <a:buChar char="•"/>
+            </a:pPr>
+            <a:r>
+              <a:rPr lang="en-US" sz="2400" dirty="0" smtClean="0"/>
+              <a:t>Web portal</a:t>
+            </a:r>
+          </a:p>
+          <a:p>
+            <a:pPr marL="285750" indent="-285750">
+              <a:lnSpc>
+                <a:spcPct val="150000"/>
+              </a:lnSpc>
+              <a:buFont typeface="Arial" panose="020B0604020202020204" pitchFamily="34" charset="0"/>
+              <a:buChar char="•"/>
+            </a:pPr>
+            <a:r>
+              <a:rPr lang="en-US" sz="2400" dirty="0" smtClean="0"/>
+              <a:t>Mobile app</a:t>
+            </a:r>
+          </a:p>
+          <a:p>
+            <a:pPr marL="285750" indent="-285750">
+              <a:lnSpc>
+                <a:spcPct val="150000"/>
+              </a:lnSpc>
+              <a:buFont typeface="Arial" panose="020B0604020202020204" pitchFamily="34" charset="0"/>
+              <a:buChar char="•"/>
+            </a:pPr>
+            <a:r>
+              <a:rPr lang="en-US" sz="2400" dirty="0"/>
+              <a:t>W</a:t>
+            </a:r>
+            <a:r>
+              <a:rPr lang="en-US" sz="2400" dirty="0" smtClean="0"/>
+              <a:t>eb API</a:t>
+            </a:r>
+          </a:p>
+          <a:p>
+            <a:pPr marL="285750" indent="-285750">
+              <a:lnSpc>
+                <a:spcPct val="150000"/>
+              </a:lnSpc>
+              <a:buFont typeface="Arial" panose="020B0604020202020204" pitchFamily="34" charset="0"/>
+              <a:buChar char="•"/>
+            </a:pPr>
+            <a:r>
+              <a:rPr lang="en-US" sz="2400" dirty="0" smtClean="0"/>
+              <a:t>In person</a:t>
+            </a:r>
+            <a:endParaRPr lang="en-US" sz="2400" dirty="0"/>
+          </a:p>
+        </p:txBody>
+      </p:sp>
+      <p:sp>
+        <p:nvSpPr>
+          <p:cNvPr id="5" name="TextBox 4"/>
           <p:cNvSpPr txBox="1"/>
           <p:nvPr/>
         </p:nvSpPr>
         <p:spPr>
           <a:xfrm>
-            <a:off x="1219200" y="3657600"/>
-            <a:ext cx="6325001" cy="369332"/>
+            <a:off x="4267200" y="5562600"/>
+            <a:ext cx="2724400" cy="523220"/>
           </a:xfrm>
           <a:prstGeom prst="rect">
             <a:avLst/>
@@ -5543,35 +6244,31 @@
           <a:lstStyle/>
           <a:p>
             <a:r>
-              <a:rPr lang="en-US" dirty="0" smtClean="0"/>
-              <a:t>Direct channel system, Web portal, </a:t>
-            </a:r>
-            <a:r>
-              <a:rPr lang="en-US" dirty="0" err="1" smtClean="0"/>
-              <a:t>mobil</a:t>
-            </a:r>
-            <a:r>
-              <a:rPr lang="en-US" dirty="0" smtClean="0"/>
-              <a:t> apps, in person, web </a:t>
-            </a:r>
-            <a:r>
-              <a:rPr lang="en-US" dirty="0" err="1" smtClean="0"/>
-              <a:t>api</a:t>
-            </a:r>
-            <a:endParaRPr lang="en-US" dirty="0"/>
-          </a:p>
-        </p:txBody>
-      </p:sp>
-      <p:sp>
-        <p:nvSpPr>
-          <p:cNvPr id="5" name="TextBox 4"/>
+              <a:rPr lang="en-US" sz="2800" dirty="0" smtClean="0"/>
+              <a:t>Customer </a:t>
+            </a:r>
+            <a:r>
+              <a:rPr lang="en-US" sz="2800" dirty="0"/>
+              <a:t>S</a:t>
+            </a:r>
+            <a:r>
+              <a:rPr lang="en-US" sz="2800" dirty="0" smtClean="0"/>
+              <a:t>ervice</a:t>
+            </a:r>
+            <a:endParaRPr lang="en-US" sz="2800" dirty="0"/>
+          </a:p>
+        </p:txBody>
+      </p:sp>
+      <p:sp>
+        <p:nvSpPr>
+          <p:cNvPr id="6" name="TextBox 5"/>
           <p:cNvSpPr txBox="1"/>
           <p:nvPr/>
         </p:nvSpPr>
         <p:spPr>
           <a:xfrm>
-            <a:off x="1447800" y="5181600"/>
-            <a:ext cx="2386872" cy="369332"/>
+            <a:off x="838200" y="1447800"/>
+            <a:ext cx="2144690" cy="3970318"/>
           </a:xfrm>
           <a:prstGeom prst="rect">
             <a:avLst/>
@@ -5584,11 +6281,86 @@
           </a:bodyPr>
           <a:lstStyle/>
           <a:p>
-            <a:r>
-              <a:rPr lang="en-US" dirty="0" smtClean="0"/>
-              <a:t>Customer service is Key</a:t>
-            </a:r>
-            <a:endParaRPr lang="en-US" dirty="0"/>
+            <a:pPr>
+              <a:lnSpc>
+                <a:spcPct val="150000"/>
+              </a:lnSpc>
+            </a:pPr>
+            <a:r>
+              <a:rPr lang="en-US" sz="2400" b="1" dirty="0" smtClean="0"/>
+              <a:t>Main Office</a:t>
+            </a:r>
+          </a:p>
+          <a:p>
+            <a:pPr marL="285750" indent="-285750">
+              <a:lnSpc>
+                <a:spcPct val="150000"/>
+              </a:lnSpc>
+              <a:buFont typeface="Arial" panose="020B0604020202020204" pitchFamily="34" charset="0"/>
+              <a:buChar char="•"/>
+            </a:pPr>
+            <a:r>
+              <a:rPr lang="en-US" sz="2400" dirty="0" smtClean="0"/>
+              <a:t>New York, NY</a:t>
+            </a:r>
+          </a:p>
+          <a:p>
+            <a:pPr>
+              <a:lnSpc>
+                <a:spcPct val="150000"/>
+              </a:lnSpc>
+            </a:pPr>
+            <a:endParaRPr lang="en-US" sz="2400" b="1" dirty="0" smtClean="0"/>
+          </a:p>
+          <a:p>
+            <a:pPr>
+              <a:lnSpc>
+                <a:spcPct val="150000"/>
+              </a:lnSpc>
+            </a:pPr>
+            <a:r>
+              <a:rPr lang="en-US" sz="2400" b="1" dirty="0" smtClean="0"/>
+              <a:t>Data Centers</a:t>
+            </a:r>
+          </a:p>
+          <a:p>
+            <a:pPr marL="285750" indent="-285750">
+              <a:lnSpc>
+                <a:spcPct val="150000"/>
+              </a:lnSpc>
+              <a:buFont typeface="Arial" panose="020B0604020202020204" pitchFamily="34" charset="0"/>
+              <a:buChar char="•"/>
+            </a:pPr>
+            <a:r>
+              <a:rPr lang="en-US" sz="2400" dirty="0" smtClean="0"/>
+              <a:t>New York</a:t>
+            </a:r>
+          </a:p>
+          <a:p>
+            <a:pPr marL="285750" indent="-285750">
+              <a:lnSpc>
+                <a:spcPct val="150000"/>
+              </a:lnSpc>
+              <a:buFont typeface="Arial" panose="020B0604020202020204" pitchFamily="34" charset="0"/>
+              <a:buChar char="•"/>
+            </a:pPr>
+            <a:r>
+              <a:rPr lang="en-US" sz="2400" dirty="0" smtClean="0"/>
+              <a:t>Virginia</a:t>
+            </a:r>
+          </a:p>
+          <a:p>
+            <a:pPr marL="285750" indent="-285750">
+              <a:lnSpc>
+                <a:spcPct val="150000"/>
+              </a:lnSpc>
+              <a:buFont typeface="Arial" panose="020B0604020202020204" pitchFamily="34" charset="0"/>
+              <a:buChar char="•"/>
+            </a:pPr>
+            <a:r>
+              <a:rPr lang="en-US" sz="2400" dirty="0" smtClean="0"/>
+              <a:t>Utah</a:t>
+            </a:r>
           </a:p>
         </p:txBody>
       </p:sp>

--- a/TODO/2-Monday/Presentation1.pptx
+++ b/TODO/2-Monday/Presentation1.pptx
@@ -3213,7 +3213,6 @@
               <a:rPr lang="en-US" sz="2000" dirty="0" smtClean="0"/>
               <a:t>Use of Bitcoin is growing</a:t>
             </a:r>
-            <a:endParaRPr lang="en-US" sz="2000" dirty="0" smtClean="0"/>
           </a:p>
           <a:p>
             <a:pPr marL="285750" indent="-285750">
@@ -3235,7 +3234,6 @@
               <a:rPr lang="en-US" sz="2000" dirty="0" smtClean="0"/>
               <a:t>xchange</a:t>
             </a:r>
-            <a:endParaRPr lang="en-US" sz="2000" dirty="0" smtClean="0"/>
           </a:p>
           <a:p>
             <a:pPr marL="285750" indent="-285750">
@@ -3247,13 +3245,8 @@
             </a:pPr>
             <a:r>
               <a:rPr lang="en-US" sz="2000" dirty="0" smtClean="0"/>
-              <a:t>Exchange US Dollars for </a:t>
-            </a:r>
-            <a:r>
-              <a:rPr lang="en-US" sz="2000" dirty="0" smtClean="0"/>
-              <a:t>Bitcoin</a:t>
-            </a:r>
-            <a:endParaRPr lang="en-US" sz="2000" dirty="0" smtClean="0"/>
+              <a:t>Exchange US Dollars for Bitcoin</a:t>
+            </a:r>
           </a:p>
         </p:txBody>
       </p:sp>
@@ -3381,11 +3374,7 @@
             </a:pPr>
             <a:r>
               <a:rPr lang="en-US" sz="2400" b="1" dirty="0" smtClean="0"/>
-              <a:t>Social </a:t>
-            </a:r>
-            <a:r>
-              <a:rPr lang="en-US" sz="2400" b="1" dirty="0" smtClean="0"/>
-              <a:t>Media</a:t>
+              <a:t>Social Media</a:t>
             </a:r>
           </a:p>
           <a:p>
@@ -3502,11 +3491,7 @@
             </a:pPr>
             <a:r>
               <a:rPr lang="en-US" sz="2400" b="1" dirty="0" smtClean="0"/>
-              <a:t>Print </a:t>
-            </a:r>
-            <a:r>
-              <a:rPr lang="en-US" sz="2400" b="1" dirty="0" smtClean="0"/>
-              <a:t>campaigns</a:t>
+              <a:t>Print campaigns</a:t>
             </a:r>
           </a:p>
           <a:p>
@@ -4078,21 +4063,82 @@
           </a:p>
         </p:txBody>
       </p:sp>
-      <p:sp>
-        <p:nvSpPr>
-          <p:cNvPr id="3" name="TextBox 2"/>
-          <p:cNvSpPr txBox="1"/>
+      <p:pic>
+        <p:nvPicPr>
+          <p:cNvPr id="1027" name="Picture 3"/>
+          <p:cNvPicPr>
+            <a:picLocks noChangeAspect="1" noChangeArrowheads="1"/>
+          </p:cNvPicPr>
           <p:nvPr/>
-        </p:nvSpPr>
-        <p:spPr>
-          <a:xfrm>
-            <a:off x="762000" y="2514600"/>
-            <a:ext cx="663964" cy="369332"/>
+        </p:nvPicPr>
+        <p:blipFill>
+          <a:blip r:embed="rId2">
+            <a:extLst>
+              <a:ext uri="{28A0092B-C50C-407E-A947-70E740481C1C}">
+                <a14:useLocalDpi xmlns:a14="http://schemas.microsoft.com/office/drawing/2010/main" val="0"/>
+              </a:ext>
+            </a:extLst>
+          </a:blip>
+          <a:srcRect/>
+          <a:stretch>
+            <a:fillRect/>
+          </a:stretch>
+        </p:blipFill>
+        <p:spPr bwMode="auto">
+          <a:xfrm>
+            <a:off x="990600" y="1866900"/>
+            <a:ext cx="3048000" cy="4165600"/>
           </a:xfrm>
           <a:prstGeom prst="rect">
             <a:avLst/>
           </a:prstGeom>
           <a:noFill/>
+          <a:ln>
+            <a:noFill/>
+          </a:ln>
+          <a:effectLst>
+            <a:outerShdw blurRad="50800" dist="38100" dir="2700000" algn="tl" rotWithShape="0">
+              <a:prstClr val="black">
+                <a:alpha val="40000"/>
+              </a:prstClr>
+            </a:outerShdw>
+          </a:effectLst>
+          <a:extLst>
+            <a:ext uri="{909E8E84-426E-40DD-AFC4-6F175D3DCCD1}">
+              <a14:hiddenFill xmlns:a14="http://schemas.microsoft.com/office/drawing/2010/main">
+                <a:solidFill>
+                  <a:schemeClr val="accent1"/>
+                </a:solidFill>
+              </a14:hiddenFill>
+            </a:ext>
+            <a:ext uri="{91240B29-F687-4F45-9708-019B960494DF}">
+              <a14:hiddenLine xmlns:a14="http://schemas.microsoft.com/office/drawing/2010/main" w="9525">
+                <a:solidFill>
+                  <a:schemeClr val="tx1"/>
+                </a:solidFill>
+                <a:miter lim="800000"/>
+                <a:headEnd/>
+                <a:tailEnd/>
+              </a14:hiddenLine>
+            </a:ext>
+          </a:extLst>
+        </p:spPr>
+      </p:pic>
+      <p:sp>
+        <p:nvSpPr>
+          <p:cNvPr id="2" name="TextBox 1"/>
+          <p:cNvSpPr txBox="1"/>
+          <p:nvPr/>
+        </p:nvSpPr>
+        <p:spPr>
+          <a:xfrm>
+            <a:off x="6096000" y="2209800"/>
+            <a:ext cx="1446230" cy="1477328"/>
+          </a:xfrm>
+          <a:prstGeom prst="rect">
+            <a:avLst/>
+          </a:prstGeom>
+          <a:noFill/>
         </p:spPr>
         <p:txBody>
           <a:bodyPr wrap="none" rtlCol="0">
@@ -4100,11 +4146,88 @@
           </a:bodyPr>
           <a:lstStyle/>
           <a:p>
-            <a:r>
-              <a:rPr lang="en-US" dirty="0" smtClean="0"/>
-              <a:t>P &amp; L</a:t>
-            </a:r>
-            <a:endParaRPr lang="en-US" dirty="0"/>
+            <a:pPr>
+              <a:lnSpc>
+                <a:spcPct val="150000"/>
+              </a:lnSpc>
+            </a:pPr>
+            <a:r>
+              <a:rPr lang="en-US" sz="2000" b="1" dirty="0" smtClean="0"/>
+              <a:t>Loan</a:t>
+            </a:r>
+          </a:p>
+          <a:p>
+            <a:pPr marL="285750" indent="-285750">
+              <a:lnSpc>
+                <a:spcPct val="150000"/>
+              </a:lnSpc>
+              <a:buFont typeface="Arial" panose="020B0604020202020204" pitchFamily="34" charset="0"/>
+              <a:buChar char="•"/>
+            </a:pPr>
+            <a:r>
+              <a:rPr lang="en-US" sz="2000" dirty="0" smtClean="0"/>
+              <a:t>$500,000</a:t>
+            </a:r>
+          </a:p>
+          <a:p>
+            <a:pPr marL="285750" indent="-285750">
+              <a:lnSpc>
+                <a:spcPct val="150000"/>
+              </a:lnSpc>
+              <a:buFont typeface="Arial" panose="020B0604020202020204" pitchFamily="34" charset="0"/>
+              <a:buChar char="•"/>
+            </a:pPr>
+            <a:r>
+              <a:rPr lang="en-US" sz="2000" dirty="0" smtClean="0"/>
+              <a:t>10 year</a:t>
+            </a:r>
+          </a:p>
+        </p:txBody>
+      </p:sp>
+      <p:sp>
+        <p:nvSpPr>
+          <p:cNvPr id="7" name="TextBox 6"/>
+          <p:cNvSpPr txBox="1"/>
+          <p:nvPr/>
+        </p:nvSpPr>
+        <p:spPr>
+          <a:xfrm>
+            <a:off x="6786336" y="4572000"/>
+            <a:ext cx="1075872" cy="1015663"/>
+          </a:xfrm>
+          <a:prstGeom prst="rect">
+            <a:avLst/>
+          </a:prstGeom>
+          <a:noFill/>
+        </p:spPr>
+        <p:txBody>
+          <a:bodyPr wrap="none" rtlCol="0">
+            <a:spAutoFit/>
+          </a:bodyPr>
+          <a:lstStyle/>
+          <a:p>
+            <a:pPr>
+              <a:lnSpc>
+                <a:spcPct val="150000"/>
+              </a:lnSpc>
+            </a:pPr>
+            <a:r>
+              <a:rPr lang="en-US" sz="2000" b="1" dirty="0" smtClean="0"/>
+              <a:t>Tax Rate</a:t>
+            </a:r>
+          </a:p>
+          <a:p>
+            <a:pPr marL="285750" indent="-285750">
+              <a:lnSpc>
+                <a:spcPct val="150000"/>
+              </a:lnSpc>
+              <a:buFont typeface="Arial" panose="020B0604020202020204" pitchFamily="34" charset="0"/>
+              <a:buChar char="•"/>
+            </a:pPr>
+            <a:r>
+              <a:rPr lang="en-US" sz="2000" dirty="0" smtClean="0"/>
+              <a:t>34%</a:t>
+            </a:r>
           </a:p>
         </p:txBody>
       </p:sp>
@@ -4146,8 +4269,8 @@
         </p:nvSpPr>
         <p:spPr>
           <a:xfrm>
-            <a:off x="928548" y="762000"/>
-            <a:ext cx="5791200" cy="1143070"/>
+            <a:off x="838200" y="1619071"/>
+            <a:ext cx="3429000" cy="1200329"/>
           </a:xfrm>
           <a:prstGeom prst="rect">
             <a:avLst/>
@@ -4171,15 +4294,7 @@
             </a:r>
             <a:r>
               <a:rPr lang="en-US" sz="2400" dirty="0" smtClean="0"/>
-              <a:t>hat </a:t>
-            </a:r>
-            <a:r>
-              <a:rPr lang="en-US" sz="2400" dirty="0" smtClean="0"/>
-              <a:t>we </a:t>
-            </a:r>
-            <a:r>
-              <a:rPr lang="en-US" sz="2400" dirty="0" smtClean="0"/>
-              <a:t>need</a:t>
+              <a:t>hat we need</a:t>
             </a:r>
           </a:p>
           <a:p>
@@ -4206,7 +4321,7 @@
         </p:nvSpPr>
         <p:spPr>
           <a:xfrm>
-            <a:off x="904485" y="4876800"/>
+            <a:off x="980685" y="4724330"/>
             <a:ext cx="3362715" cy="1143070"/>
           </a:xfrm>
           <a:prstGeom prst="rect">
@@ -4227,11 +4342,7 @@
             </a:pPr>
             <a:r>
               <a:rPr lang="en-US" sz="2400" dirty="0" smtClean="0"/>
-              <a:t>Will </a:t>
-            </a:r>
-            <a:r>
-              <a:rPr lang="en-US" sz="2400" dirty="0" smtClean="0"/>
-              <a:t>we offer</a:t>
+              <a:t>Will we offer</a:t>
             </a:r>
           </a:p>
           <a:p>
@@ -4244,15 +4355,7 @@
             </a:pPr>
             <a:r>
               <a:rPr lang="en-US" sz="2400" dirty="0" smtClean="0"/>
-              <a:t>O</a:t>
-            </a:r>
-            <a:r>
-              <a:rPr lang="en-US" sz="2400" dirty="0" smtClean="0"/>
-              <a:t>wnership </a:t>
-            </a:r>
-            <a:r>
-              <a:rPr lang="en-US" sz="2400" dirty="0" smtClean="0"/>
-              <a:t>of company</a:t>
+              <a:t>Ownership of company</a:t>
             </a:r>
             <a:endParaRPr lang="en-US" sz="2400" dirty="0"/>
           </a:p>
@@ -4266,7 +4369,7 @@
         </p:nvSpPr>
         <p:spPr>
           <a:xfrm>
-            <a:off x="4876800" y="1828870"/>
+            <a:off x="4948137" y="2263676"/>
             <a:ext cx="3510063" cy="2308324"/>
           </a:xfrm>
           <a:prstGeom prst="rect">
@@ -4336,6 +4439,37 @@
               <a:rPr lang="en-US" sz="2400" dirty="0" smtClean="0"/>
               <a:t>acquire BitLincense</a:t>
             </a:r>
+          </a:p>
+        </p:txBody>
+      </p:sp>
+      <p:sp>
+        <p:nvSpPr>
+          <p:cNvPr id="6" name="TextBox 5"/>
+          <p:cNvSpPr txBox="1"/>
+          <p:nvPr/>
+        </p:nvSpPr>
+        <p:spPr>
+          <a:xfrm>
+            <a:off x="0" y="609600"/>
+            <a:ext cx="9144000" cy="707886"/>
+          </a:xfrm>
+          <a:prstGeom prst="rect">
+            <a:avLst/>
+          </a:prstGeom>
+          <a:noFill/>
+        </p:spPr>
+        <p:txBody>
+          <a:bodyPr wrap="square" rtlCol="0">
+            <a:spAutoFit/>
+          </a:bodyPr>
+          <a:lstStyle/>
+          <a:p>
+            <a:pPr algn="ctr"/>
+            <a:r>
+              <a:rPr lang="en-US" sz="4000" dirty="0" smtClean="0"/>
+              <a:t>Help</a:t>
+            </a:r>
+            <a:endParaRPr lang="en-US" sz="4000" dirty="0"/>
           </a:p>
         </p:txBody>
       </p:sp>
@@ -4394,11 +4528,7 @@
             <a:pPr algn="ctr"/>
             <a:r>
               <a:rPr lang="en-US" sz="4000" dirty="0" smtClean="0"/>
-              <a:t>Exit </a:t>
-            </a:r>
-            <a:r>
-              <a:rPr lang="en-US" sz="4000" dirty="0" smtClean="0"/>
-              <a:t>Plan</a:t>
+              <a:t>Exit Plan</a:t>
             </a:r>
             <a:endParaRPr lang="en-US" sz="4000" dirty="0"/>
           </a:p>
@@ -4412,8 +4542,8 @@
         </p:nvSpPr>
         <p:spPr>
           <a:xfrm>
-            <a:off x="2438400" y="4191000"/>
-            <a:ext cx="5107809" cy="2031325"/>
+            <a:off x="2736657" y="3483408"/>
+            <a:ext cx="3670685" cy="2308324"/>
           </a:xfrm>
           <a:prstGeom prst="rect">
             <a:avLst/>
@@ -4426,42 +4556,65 @@
           </a:bodyPr>
           <a:lstStyle/>
           <a:p>
-            <a:r>
-              <a:rPr lang="en-US" dirty="0" smtClean="0"/>
-              <a:t>Sell of three key assets;</a:t>
-            </a:r>
-          </a:p>
-          <a:p>
-            <a:endParaRPr lang="en-US" dirty="0"/>
-          </a:p>
-          <a:p>
-            <a:r>
-              <a:rPr lang="en-US" dirty="0" smtClean="0"/>
+            <a:pPr>
+              <a:lnSpc>
+                <a:spcPct val="150000"/>
+              </a:lnSpc>
+            </a:pPr>
+            <a:r>
+              <a:rPr lang="en-US" sz="2400" dirty="0"/>
+              <a:t>K</a:t>
+            </a:r>
+            <a:r>
+              <a:rPr lang="en-US" sz="2400" dirty="0" smtClean="0"/>
+              <a:t>ey assets the could be sold</a:t>
+            </a:r>
+            <a:endParaRPr lang="en-US" sz="2400" dirty="0" smtClean="0"/>
+          </a:p>
+          <a:p>
+            <a:pPr marL="285750" indent="-285750">
+              <a:lnSpc>
+                <a:spcPct val="150000"/>
+              </a:lnSpc>
+              <a:buFont typeface="Arial" panose="020B0604020202020204" pitchFamily="34" charset="0"/>
+              <a:buChar char="•"/>
+            </a:pPr>
+            <a:r>
+              <a:rPr lang="en-US" sz="2400" dirty="0" smtClean="0"/>
               <a:t>Customers</a:t>
             </a:r>
-          </a:p>
-          <a:p>
-            <a:endParaRPr lang="en-US" dirty="0"/>
-          </a:p>
-          <a:p>
-            <a:r>
-              <a:rPr lang="en-US" dirty="0" smtClean="0"/>
-              <a:t>Exchange software</a:t>
-            </a:r>
-          </a:p>
-          <a:p>
-            <a:endParaRPr lang="en-US" dirty="0"/>
-          </a:p>
-          <a:p>
-            <a:r>
-              <a:rPr lang="en-US" dirty="0" err="1" smtClean="0"/>
-              <a:t>Licences</a:t>
-            </a:r>
-            <a:r>
-              <a:rPr lang="en-US" dirty="0" smtClean="0"/>
-              <a:t> (as much as 100,000 in legal / account fees)</a:t>
-            </a:r>
-            <a:endParaRPr lang="en-US" dirty="0"/>
+            <a:endParaRPr lang="en-US" sz="2400" dirty="0" smtClean="0"/>
+          </a:p>
+          <a:p>
+            <a:pPr marL="285750" indent="-285750">
+              <a:lnSpc>
+                <a:spcPct val="150000"/>
+              </a:lnSpc>
+              <a:buFont typeface="Arial" panose="020B0604020202020204" pitchFamily="34" charset="0"/>
+              <a:buChar char="•"/>
+            </a:pPr>
+            <a:r>
+              <a:rPr lang="en-US" sz="2400" dirty="0" smtClean="0"/>
+              <a:t>Exchange </a:t>
+            </a:r>
+            <a:r>
+              <a:rPr lang="en-US" sz="2400" dirty="0" smtClean="0"/>
+              <a:t>software</a:t>
+            </a:r>
+          </a:p>
+          <a:p>
+            <a:pPr marL="285750" indent="-285750">
+              <a:lnSpc>
+                <a:spcPct val="150000"/>
+              </a:lnSpc>
+              <a:buFont typeface="Arial" panose="020B0604020202020204" pitchFamily="34" charset="0"/>
+              <a:buChar char="•"/>
+            </a:pPr>
+            <a:r>
+              <a:rPr lang="en-US" sz="2400" dirty="0" smtClean="0"/>
+              <a:t>BitLincense</a:t>
+            </a:r>
+            <a:endParaRPr lang="en-US" sz="2400" dirty="0"/>
           </a:p>
         </p:txBody>
       </p:sp>
@@ -4473,8 +4626,8 @@
         </p:nvSpPr>
         <p:spPr>
           <a:xfrm>
-            <a:off x="838201" y="2514600"/>
-            <a:ext cx="6477000" cy="646331"/>
+            <a:off x="609600" y="2209800"/>
+            <a:ext cx="6477000" cy="461665"/>
           </a:xfrm>
           <a:prstGeom prst="rect">
             <a:avLst/>
@@ -4488,10 +4641,14 @@
           <a:lstStyle/>
           <a:p>
             <a:r>
-              <a:rPr lang="en-US" dirty="0" smtClean="0"/>
-              <a:t>No plan to leave exchange, maintain ownership, slowly lessen daily activities involving exchange</a:t>
-            </a:r>
-            <a:endParaRPr lang="en-US" dirty="0"/>
+              <a:rPr lang="en-US" sz="2400" dirty="0" smtClean="0"/>
+              <a:t>No plan to leave </a:t>
+            </a:r>
+            <a:r>
+              <a:rPr lang="en-US" sz="2400" dirty="0" smtClean="0"/>
+              <a:t>exchange or give up ownership</a:t>
+            </a:r>
+            <a:endParaRPr lang="en-US" sz="2400" dirty="0"/>
           </a:p>
         </p:txBody>
       </p:sp>
@@ -4580,13 +4737,8 @@
           <a:p>
             <a:r>
               <a:rPr lang="en-US" sz="2000" dirty="0" smtClean="0"/>
-              <a:t>By the end of 5 years we will </a:t>
-            </a:r>
-            <a:r>
-              <a:rPr lang="en-US" sz="2000" dirty="0" smtClean="0"/>
-              <a:t>have</a:t>
-            </a:r>
-            <a:endParaRPr lang="en-US" sz="2000" dirty="0" smtClean="0"/>
+              <a:t>By the end of 5 years we will have</a:t>
+            </a:r>
           </a:p>
           <a:p>
             <a:endParaRPr lang="en-US" sz="2000" dirty="0" smtClean="0"/>
@@ -4640,13 +4792,8 @@
             </a:pPr>
             <a:r>
               <a:rPr lang="en-US" sz="2000" dirty="0" smtClean="0"/>
-              <a:t>Open </a:t>
-            </a:r>
-            <a:r>
-              <a:rPr lang="en-US" sz="2000" dirty="0" smtClean="0"/>
-              <a:t>the exchange </a:t>
-            </a:r>
-            <a:endParaRPr lang="en-US" sz="2000" dirty="0" smtClean="0"/>
+              <a:t>Open the exchange </a:t>
+            </a:r>
           </a:p>
           <a:p>
             <a:pPr marL="342900" indent="-342900">
@@ -4658,15 +4805,7 @@
             </a:pPr>
             <a:r>
               <a:rPr lang="en-US" sz="2000" dirty="0" smtClean="0"/>
-              <a:t>Maintain  at least </a:t>
-            </a:r>
-            <a:r>
-              <a:rPr lang="en-US" sz="2000" dirty="0" smtClean="0"/>
-              <a:t>5</a:t>
-            </a:r>
-            <a:r>
-              <a:rPr lang="en-US" sz="2000" dirty="0" smtClean="0"/>
-              <a:t>% total trading volume</a:t>
+              <a:t>Maintain  at least 5% total trading volume</a:t>
             </a:r>
             <a:endParaRPr lang="en-US" sz="2000" dirty="0"/>
           </a:p>
@@ -4955,13 +5094,8 @@
             </a:r>
             <a:r>
               <a:rPr lang="en-US" dirty="0" smtClean="0"/>
-              <a:t>pportunity: </a:t>
-            </a:r>
-            <a:r>
-              <a:rPr lang="en-US" dirty="0" smtClean="0"/>
-              <a:t>To Big to Fail</a:t>
-            </a:r>
-            <a:endParaRPr lang="en-US" dirty="0" smtClean="0"/>
+              <a:t>pportunity: To Big to Fail</a:t>
+            </a:r>
           </a:p>
           <a:p>
             <a:pPr marL="285750" indent="-285750">
@@ -4973,11 +5107,7 @@
             </a:pPr>
             <a:r>
               <a:rPr lang="en-US" dirty="0" smtClean="0"/>
-              <a:t>Threat: </a:t>
-            </a:r>
-            <a:r>
-              <a:rPr lang="en-US" dirty="0" smtClean="0"/>
-              <a:t>Silk Road</a:t>
+              <a:t>Threat: Silk Road</a:t>
             </a:r>
             <a:endParaRPr lang="en-US" dirty="0"/>
           </a:p>
@@ -5033,11 +5163,7 @@
             </a:r>
             <a:r>
               <a:rPr lang="en-US" dirty="0" smtClean="0"/>
-              <a:t>: Block </a:t>
-            </a:r>
-            <a:r>
-              <a:rPr lang="en-US" dirty="0" smtClean="0"/>
-              <a:t>chain</a:t>
+              <a:t>: Block chain</a:t>
             </a:r>
           </a:p>
           <a:p>
@@ -5054,11 +5180,7 @@
             </a:r>
             <a:r>
               <a:rPr lang="en-US" dirty="0" smtClean="0"/>
-              <a:t>: </a:t>
-            </a:r>
-            <a:r>
-              <a:rPr lang="en-US" dirty="0" smtClean="0"/>
-              <a:t>Hackers</a:t>
+              <a:t>: Hackers</a:t>
             </a:r>
             <a:endParaRPr lang="en-US" dirty="0"/>
           </a:p>
@@ -5110,13 +5232,8 @@
             </a:r>
             <a:r>
               <a:rPr lang="en-US" dirty="0" smtClean="0"/>
-              <a:t>:  </a:t>
-            </a:r>
-            <a:r>
-              <a:rPr lang="en-US" dirty="0" smtClean="0"/>
-              <a:t>Growth of online sales</a:t>
-            </a:r>
-            <a:endParaRPr lang="en-US" dirty="0" smtClean="0"/>
+              <a:t>:  Growth of online sales</a:t>
+            </a:r>
           </a:p>
           <a:p>
             <a:pPr marL="285750" indent="-285750">
@@ -5132,11 +5249,7 @@
             </a:r>
             <a:r>
               <a:rPr lang="en-US" dirty="0" smtClean="0"/>
-              <a:t>:  Poor </a:t>
-            </a:r>
-            <a:r>
-              <a:rPr lang="en-US" dirty="0" smtClean="0"/>
-              <a:t>economy</a:t>
+              <a:t>:  Poor economy</a:t>
             </a:r>
             <a:endParaRPr lang="en-US" dirty="0"/>
           </a:p>
@@ -5188,11 +5301,7 @@
             </a:r>
             <a:r>
               <a:rPr lang="en-US" dirty="0" smtClean="0"/>
-              <a:t>:  </a:t>
-            </a:r>
-            <a:r>
-              <a:rPr lang="en-US" dirty="0" smtClean="0"/>
-              <a:t>NYS BitLicense</a:t>
+              <a:t>:  NYS BitLicense</a:t>
             </a:r>
           </a:p>
           <a:p>
@@ -5209,11 +5318,7 @@
             </a:r>
             <a:r>
               <a:rPr lang="en-US" dirty="0" smtClean="0"/>
-              <a:t>:  </a:t>
-            </a:r>
-            <a:r>
-              <a:rPr lang="en-US" dirty="0" smtClean="0"/>
-              <a:t>Governments regulation</a:t>
+              <a:t>:  Governments regulation</a:t>
             </a:r>
             <a:endParaRPr lang="en-US" dirty="0"/>
           </a:p>
@@ -5698,11 +5803,7 @@
           <a:p>
             <a:r>
               <a:rPr lang="en-US" sz="2800" dirty="0" smtClean="0"/>
-              <a:t>People who want buy </a:t>
-            </a:r>
-            <a:r>
-              <a:rPr lang="en-US" sz="2800" dirty="0" smtClean="0"/>
-              <a:t>bitcoin</a:t>
+              <a:t>People who want buy bitcoin</a:t>
             </a:r>
           </a:p>
           <a:p>
@@ -5738,11 +5839,7 @@
           <a:p>
             <a:r>
               <a:rPr lang="en-US" sz="2800" dirty="0" smtClean="0"/>
-              <a:t>People who want to sell </a:t>
-            </a:r>
-            <a:r>
-              <a:rPr lang="en-US" sz="2800" dirty="0" smtClean="0"/>
-              <a:t>bitcoin</a:t>
+              <a:t>People who want to sell bitcoin</a:t>
             </a:r>
           </a:p>
           <a:p>
@@ -5786,11 +5883,7 @@
             </a:r>
             <a:r>
               <a:rPr lang="en-US" sz="2800" dirty="0" smtClean="0"/>
-              <a:t>raders </a:t>
-            </a:r>
-            <a:r>
-              <a:rPr lang="en-US" sz="2800" dirty="0" smtClean="0"/>
-              <a:t>looking for profit</a:t>
+              <a:t>raders looking for profit</a:t>
             </a:r>
             <a:endParaRPr lang="en-US" sz="2800" dirty="0"/>
           </a:p>
@@ -5824,11 +5917,7 @@
             </a:r>
             <a:r>
               <a:rPr lang="en-US" sz="2400" dirty="0" smtClean="0"/>
-              <a:t>  </a:t>
-            </a:r>
-            <a:r>
-              <a:rPr lang="en-US" sz="2400" dirty="0" smtClean="0"/>
-              <a:t>Attract </a:t>
+              <a:t>  Attract </a:t>
             </a:r>
             <a:r>
               <a:rPr lang="en-US" sz="2400" b="1" dirty="0" smtClean="0"/>
@@ -6018,7 +6107,6 @@
               <a:rPr lang="en-US" sz="2400" dirty="0" smtClean="0"/>
               <a:t>API</a:t>
             </a:r>
-            <a:endParaRPr lang="en-US" sz="2400" dirty="0" smtClean="0"/>
           </a:p>
           <a:p>
             <a:pPr marL="285750" indent="-285750">
@@ -6147,11 +6235,7 @@
             </a:pPr>
             <a:r>
               <a:rPr lang="en-US" sz="2400" b="1" dirty="0" smtClean="0"/>
-              <a:t>Direct </a:t>
-            </a:r>
-            <a:r>
-              <a:rPr lang="en-US" sz="2400" b="1" dirty="0" smtClean="0"/>
-              <a:t>Channel </a:t>
+              <a:t>Direct Channel </a:t>
             </a:r>
             <a:r>
               <a:rPr lang="en-US" sz="2400" b="1" dirty="0"/>

--- a/TODO/2-Monday/Presentation1.pptx
+++ b/TODO/2-Monday/Presentation1.pptx
@@ -6,20 +6,22 @@
   </p:sldMasterIdLst>
   <p:sldIdLst>
     <p:sldId id="256" r:id="rId2"/>
-    <p:sldId id="257" r:id="rId3"/>
-    <p:sldId id="258" r:id="rId4"/>
-    <p:sldId id="259" r:id="rId5"/>
-    <p:sldId id="261" r:id="rId6"/>
-    <p:sldId id="262" r:id="rId7"/>
-    <p:sldId id="263" r:id="rId8"/>
-    <p:sldId id="264" r:id="rId9"/>
-    <p:sldId id="265" r:id="rId10"/>
-    <p:sldId id="266" r:id="rId11"/>
-    <p:sldId id="267" r:id="rId12"/>
-    <p:sldId id="268" r:id="rId13"/>
-    <p:sldId id="269" r:id="rId14"/>
-    <p:sldId id="270" r:id="rId15"/>
-    <p:sldId id="271" r:id="rId16"/>
+    <p:sldId id="272" r:id="rId3"/>
+    <p:sldId id="257" r:id="rId4"/>
+    <p:sldId id="258" r:id="rId5"/>
+    <p:sldId id="259" r:id="rId6"/>
+    <p:sldId id="261" r:id="rId7"/>
+    <p:sldId id="262" r:id="rId8"/>
+    <p:sldId id="263" r:id="rId9"/>
+    <p:sldId id="264" r:id="rId10"/>
+    <p:sldId id="265" r:id="rId11"/>
+    <p:sldId id="266" r:id="rId12"/>
+    <p:sldId id="267" r:id="rId13"/>
+    <p:sldId id="268" r:id="rId14"/>
+    <p:sldId id="269" r:id="rId15"/>
+    <p:sldId id="270" r:id="rId16"/>
+    <p:sldId id="271" r:id="rId17"/>
+    <p:sldId id="273" r:id="rId18"/>
   </p:sldIdLst>
   <p:sldSz cx="9144000" cy="6858000" type="screen4x3"/>
   <p:notesSz cx="6858000" cy="9144000"/>
@@ -3140,7 +3142,7 @@
         </p:nvSpPr>
         <p:spPr>
           <a:xfrm>
-            <a:off x="0" y="457200"/>
+            <a:off x="0" y="816114"/>
             <a:ext cx="9144000" cy="707886"/>
           </a:xfrm>
           <a:prstGeom prst="rect">
@@ -3157,133 +3159,108 @@
             <a:pPr algn="ctr"/>
             <a:r>
               <a:rPr lang="en-US" sz="4000" dirty="0" smtClean="0"/>
-              <a:t>The Business</a:t>
+              <a:t>Currency Exchange</a:t>
             </a:r>
             <a:endParaRPr lang="en-US" sz="4000" dirty="0"/>
           </a:p>
         </p:txBody>
       </p:sp>
-      <p:sp>
-        <p:nvSpPr>
-          <p:cNvPr id="2" name="TextBox 1"/>
-          <p:cNvSpPr txBox="1"/>
+      <p:pic>
+        <p:nvPicPr>
+          <p:cNvPr id="1026" name="Picture 2" descr="H:\apps\xp\desktop\dollar.jpg"/>
+          <p:cNvPicPr>
+            <a:picLocks noChangeAspect="1" noChangeArrowheads="1"/>
+          </p:cNvPicPr>
           <p:nvPr/>
-        </p:nvSpPr>
-        <p:spPr>
-          <a:xfrm>
-            <a:off x="1299713" y="1676400"/>
-            <a:ext cx="5468869" cy="2554545"/>
+        </p:nvPicPr>
+        <p:blipFill>
+          <a:blip r:embed="rId2">
+            <a:extLst>
+              <a:ext uri="{28A0092B-C50C-407E-A947-70E740481C1C}">
+                <a14:useLocalDpi xmlns:a14="http://schemas.microsoft.com/office/drawing/2010/main" val="0"/>
+              </a:ext>
+            </a:extLst>
+          </a:blip>
+          <a:srcRect/>
+          <a:stretch>
+            <a:fillRect/>
+          </a:stretch>
+        </p:blipFill>
+        <p:spPr bwMode="auto">
+          <a:xfrm rot="21308579">
+            <a:off x="1420099" y="2362199"/>
+            <a:ext cx="1893887" cy="3025865"/>
           </a:xfrm>
           <a:prstGeom prst="rect">
             <a:avLst/>
           </a:prstGeom>
           <a:noFill/>
-        </p:spPr>
-        <p:txBody>
-          <a:bodyPr wrap="none" rtlCol="0">
-            <a:spAutoFit/>
-          </a:bodyPr>
-          <a:lstStyle/>
-          <a:p>
-            <a:pPr marL="285750" indent="-285750">
-              <a:lnSpc>
-                <a:spcPct val="200000"/>
-              </a:lnSpc>
-              <a:buFont typeface="Arial" panose="020B0604020202020204" pitchFamily="34" charset="0"/>
-              <a:buChar char="•"/>
-            </a:pPr>
-            <a:r>
-              <a:rPr lang="en-US" sz="2000" dirty="0"/>
-              <a:t>Wake of financial </a:t>
-            </a:r>
-            <a:r>
-              <a:rPr lang="en-US" sz="2000" dirty="0" smtClean="0"/>
-              <a:t>meltdown Bitcoin was created</a:t>
-            </a:r>
-          </a:p>
-          <a:p>
-            <a:pPr marL="285750" indent="-285750">
-              <a:lnSpc>
-                <a:spcPct val="200000"/>
-              </a:lnSpc>
-              <a:buFont typeface="Arial" panose="020B0604020202020204" pitchFamily="34" charset="0"/>
-              <a:buChar char="•"/>
-            </a:pPr>
-            <a:r>
-              <a:rPr lang="en-US" sz="2000" dirty="0" smtClean="0"/>
-              <a:t>Use of Bitcoin is growing</a:t>
-            </a:r>
-          </a:p>
-          <a:p>
-            <a:pPr marL="285750" indent="-285750">
-              <a:lnSpc>
-                <a:spcPct val="200000"/>
-              </a:lnSpc>
-              <a:buFont typeface="Arial" panose="020B0604020202020204" pitchFamily="34" charset="0"/>
-              <a:buChar char="•"/>
-            </a:pPr>
-            <a:r>
-              <a:rPr lang="en-US" sz="2000" dirty="0" smtClean="0"/>
-              <a:t>Our business is to operate a currency </a:t>
-            </a:r>
-            <a:r>
-              <a:rPr lang="en-US" sz="2000" dirty="0"/>
-              <a:t>e</a:t>
-            </a:r>
-            <a:r>
-              <a:rPr lang="en-US" sz="2000" dirty="0" smtClean="0"/>
-              <a:t>xchange</a:t>
-            </a:r>
-          </a:p>
-          <a:p>
-            <a:pPr marL="285750" indent="-285750">
-              <a:lnSpc>
-                <a:spcPct val="200000"/>
-              </a:lnSpc>
-              <a:buFont typeface="Arial" panose="020B0604020202020204" pitchFamily="34" charset="0"/>
-              <a:buChar char="•"/>
-            </a:pPr>
-            <a:r>
-              <a:rPr lang="en-US" sz="2000" dirty="0" smtClean="0"/>
-              <a:t>Exchange US Dollars for Bitcoin</a:t>
-            </a:r>
-          </a:p>
-        </p:txBody>
-      </p:sp>
-      <p:sp>
-        <p:nvSpPr>
-          <p:cNvPr id="5" name="TextBox 4"/>
-          <p:cNvSpPr txBox="1"/>
+          <a:effectLst>
+            <a:outerShdw blurRad="50800" dist="38100" dir="2700000" algn="tl" rotWithShape="0">
+              <a:prstClr val="black">
+                <a:alpha val="40000"/>
+              </a:prstClr>
+            </a:outerShdw>
+          </a:effectLst>
+          <a:extLst>
+            <a:ext uri="{909E8E84-426E-40DD-AFC4-6F175D3DCCD1}">
+              <a14:hiddenFill xmlns:a14="http://schemas.microsoft.com/office/drawing/2010/main">
+                <a:solidFill>
+                  <a:srgbClr val="FFFFFF"/>
+                </a:solidFill>
+              </a14:hiddenFill>
+            </a:ext>
+          </a:extLst>
+        </p:spPr>
+      </p:pic>
+      <p:pic>
+        <p:nvPicPr>
+          <p:cNvPr id="1027" name="Picture 3" descr="H:\apps\xp\desktop\bitcoin.jpg"/>
+          <p:cNvPicPr>
+            <a:picLocks noChangeAspect="1" noChangeArrowheads="1"/>
+          </p:cNvPicPr>
           <p:nvPr/>
-        </p:nvSpPr>
-        <p:spPr>
-          <a:xfrm>
-            <a:off x="685800" y="5029200"/>
-            <a:ext cx="8083452" cy="830997"/>
+        </p:nvPicPr>
+        <p:blipFill>
+          <a:blip r:embed="rId3">
+            <a:extLst>
+              <a:ext uri="{28A0092B-C50C-407E-A947-70E740481C1C}">
+                <a14:useLocalDpi xmlns:a14="http://schemas.microsoft.com/office/drawing/2010/main" val="0"/>
+              </a:ext>
+            </a:extLst>
+          </a:blip>
+          <a:srcRect/>
+          <a:stretch>
+            <a:fillRect/>
+          </a:stretch>
+        </p:blipFill>
+        <p:spPr bwMode="auto">
+          <a:xfrm rot="285377">
+            <a:off x="5139560" y="2709475"/>
+            <a:ext cx="2978150" cy="2785597"/>
           </a:xfrm>
           <a:prstGeom prst="rect">
             <a:avLst/>
           </a:prstGeom>
           <a:noFill/>
-        </p:spPr>
-        <p:txBody>
-          <a:bodyPr wrap="square" rtlCol="0">
-            <a:spAutoFit/>
-          </a:bodyPr>
-          <a:lstStyle/>
-          <a:p>
-            <a:r>
-              <a:rPr lang="en-US" sz="2400" dirty="0"/>
-              <a:t>Our mission is to provide a safe and reliable place for customers to exchange </a:t>
-            </a:r>
-            <a:r>
-              <a:rPr lang="en-US" sz="2400" dirty="0" smtClean="0"/>
-              <a:t>currency</a:t>
-            </a:r>
-            <a:endParaRPr lang="en-US" sz="2400" dirty="0"/>
-          </a:p>
-        </p:txBody>
-      </p:sp>
+          <a:effectLst>
+            <a:outerShdw blurRad="50800" dist="38100" dir="2700000" algn="tl" rotWithShape="0">
+              <a:prstClr val="black">
+                <a:alpha val="40000"/>
+              </a:prstClr>
+            </a:outerShdw>
+          </a:effectLst>
+          <a:extLst>
+            <a:ext uri="{909E8E84-426E-40DD-AFC4-6F175D3DCCD1}">
+              <a14:hiddenFill xmlns:a14="http://schemas.microsoft.com/office/drawing/2010/main">
+                <a:solidFill>
+                  <a:srgbClr val="FFFFFF"/>
+                </a:solidFill>
+              </a14:hiddenFill>
+            </a:ext>
+          </a:extLst>
+        </p:spPr>
+      </p:pic>
     </p:spTree>
     <p:extLst>
       <p:ext uri="{BB962C8B-B14F-4D97-AF65-F5344CB8AC3E}">
@@ -3322,7 +3299,7 @@
         </p:nvSpPr>
         <p:spPr>
           <a:xfrm>
-            <a:off x="0" y="381000"/>
+            <a:off x="0" y="304800"/>
             <a:ext cx="9144000" cy="707886"/>
           </a:xfrm>
           <a:prstGeom prst="rect">
@@ -3339,7 +3316,7 @@
             <a:pPr algn="ctr"/>
             <a:r>
               <a:rPr lang="en-US" sz="4000" dirty="0" smtClean="0"/>
-              <a:t>Promotion</a:t>
+              <a:t>Place</a:t>
             </a:r>
             <a:endParaRPr lang="en-US" sz="4000" dirty="0"/>
           </a:p>
@@ -3347,14 +3324,14 @@
       </p:sp>
       <p:sp>
         <p:nvSpPr>
-          <p:cNvPr id="2" name="TextBox 1"/>
+          <p:cNvPr id="3" name="TextBox 2"/>
           <p:cNvSpPr txBox="1"/>
           <p:nvPr/>
         </p:nvSpPr>
         <p:spPr>
           <a:xfrm>
-            <a:off x="929883" y="1600200"/>
-            <a:ext cx="1813317" cy="2862322"/>
+            <a:off x="5257800" y="1752600"/>
+            <a:ext cx="3045064" cy="2862322"/>
           </a:xfrm>
           <a:prstGeom prst="rect">
             <a:avLst/>
@@ -3374,7 +3351,15 @@
             </a:pPr>
             <a:r>
               <a:rPr lang="en-US" sz="2400" b="1" dirty="0" smtClean="0"/>
-              <a:t>Social Media</a:t>
+              <a:t>Direct Channel </a:t>
+            </a:r>
+            <a:r>
+              <a:rPr lang="en-US" sz="2400" b="1" dirty="0"/>
+              <a:t>S</a:t>
+            </a:r>
+            <a:r>
+              <a:rPr lang="en-US" sz="2400" b="1" dirty="0" smtClean="0"/>
+              <a:t>ystem</a:t>
             </a:r>
           </a:p>
           <a:p>
@@ -3387,7 +3372,7 @@
             </a:pPr>
             <a:r>
               <a:rPr lang="en-US" sz="2400" dirty="0" smtClean="0"/>
-              <a:t>Facebook</a:t>
+              <a:t>Web portal</a:t>
             </a:r>
           </a:p>
           <a:p>
@@ -3400,7 +3385,7 @@
             </a:pPr>
             <a:r>
               <a:rPr lang="en-US" sz="2400" dirty="0" smtClean="0"/>
-              <a:t>Twitter</a:t>
+              <a:t>Mobile app</a:t>
             </a:r>
           </a:p>
           <a:p>
@@ -3412,8 +3397,12 @@
               <a:buChar char="•"/>
             </a:pPr>
             <a:r>
+              <a:rPr lang="en-US" sz="2400" dirty="0"/>
+              <a:t>W</a:t>
+            </a:r>
+            <a:r>
               <a:rPr lang="en-US" sz="2400" dirty="0" smtClean="0"/>
-              <a:t>Reddit</a:t>
+              <a:t>eb API</a:t>
             </a:r>
           </a:p>
           <a:p>
@@ -3426,7 +3415,7 @@
             </a:pPr>
             <a:r>
               <a:rPr lang="en-US" sz="2400" dirty="0" smtClean="0"/>
-              <a:t>LinkedIn</a:t>
+              <a:t>In person</a:t>
             </a:r>
             <a:endParaRPr lang="en-US" sz="2400" dirty="0"/>
           </a:p>
@@ -3440,8 +3429,8 @@
         </p:nvSpPr>
         <p:spPr>
           <a:xfrm>
-            <a:off x="5610726" y="1985664"/>
-            <a:ext cx="2674258" cy="461665"/>
+            <a:off x="4267200" y="5562600"/>
+            <a:ext cx="2724400" cy="523220"/>
           </a:xfrm>
           <a:prstGeom prst="rect">
             <a:avLst/>
@@ -3455,10 +3444,18 @@
           <a:lstStyle/>
           <a:p>
             <a:r>
-              <a:rPr lang="en-US" sz="2400" b="1" dirty="0" smtClean="0"/>
-              <a:t>Bitcoin conferences</a:t>
-            </a:r>
-            <a:endParaRPr lang="en-US" sz="2400" b="1" dirty="0"/>
+              <a:rPr lang="en-US" sz="2800" dirty="0" smtClean="0"/>
+              <a:t>Customer </a:t>
+            </a:r>
+            <a:r>
+              <a:rPr lang="en-US" sz="2800" dirty="0"/>
+              <a:t>S</a:t>
+            </a:r>
+            <a:r>
+              <a:rPr lang="en-US" sz="2800" dirty="0" smtClean="0"/>
+              <a:t>ervice</a:t>
+            </a:r>
+            <a:endParaRPr lang="en-US" sz="2800" dirty="0"/>
           </a:p>
         </p:txBody>
       </p:sp>
@@ -3470,8 +3467,8 @@
         </p:nvSpPr>
         <p:spPr>
           <a:xfrm>
-            <a:off x="5638800" y="3657600"/>
-            <a:ext cx="2227020" cy="1754326"/>
+            <a:off x="838200" y="1447800"/>
+            <a:ext cx="2144690" cy="3970318"/>
           </a:xfrm>
           <a:prstGeom prst="rect">
             <a:avLst/>
@@ -3491,11 +3488,11 @@
             </a:pPr>
             <a:r>
               <a:rPr lang="en-US" sz="2400" b="1" dirty="0" smtClean="0"/>
-              <a:t>Print campaigns</a:t>
-            </a:r>
-          </a:p>
-          <a:p>
-            <a:pPr marL="342900" indent="-342900">
+              <a:t>Main Office</a:t>
+            </a:r>
+          </a:p>
+          <a:p>
+            <a:pPr marL="285750" indent="-285750">
               <a:lnSpc>
                 <a:spcPct val="150000"/>
               </a:lnSpc>
@@ -3504,11 +3501,30 @@
             </a:pPr>
             <a:r>
               <a:rPr lang="en-US" sz="2400" dirty="0" smtClean="0"/>
-              <a:t>Magazine</a:t>
-            </a:r>
-          </a:p>
-          <a:p>
-            <a:pPr marL="342900" indent="-342900">
+              <a:t>New York, NY</a:t>
+            </a:r>
+          </a:p>
+          <a:p>
+            <a:pPr>
+              <a:lnSpc>
+                <a:spcPct val="150000"/>
+              </a:lnSpc>
+            </a:pPr>
+            <a:endParaRPr lang="en-US" sz="2400" b="1" dirty="0" smtClean="0"/>
+          </a:p>
+          <a:p>
+            <a:pPr>
+              <a:lnSpc>
+                <a:spcPct val="150000"/>
+              </a:lnSpc>
+            </a:pPr>
+            <a:r>
+              <a:rPr lang="en-US" sz="2400" b="1" dirty="0" smtClean="0"/>
+              <a:t>Data Centers</a:t>
+            </a:r>
+          </a:p>
+          <a:p>
+            <a:pPr marL="285750" indent="-285750">
               <a:lnSpc>
                 <a:spcPct val="150000"/>
               </a:lnSpc>
@@ -3517,9 +3533,34 @@
             </a:pPr>
             <a:r>
               <a:rPr lang="en-US" sz="2400" dirty="0" smtClean="0"/>
-              <a:t>Newspaper</a:t>
-            </a:r>
-            <a:endParaRPr lang="en-US" sz="2400" dirty="0"/>
+              <a:t>New York</a:t>
+            </a:r>
+          </a:p>
+          <a:p>
+            <a:pPr marL="285750" indent="-285750">
+              <a:lnSpc>
+                <a:spcPct val="150000"/>
+              </a:lnSpc>
+              <a:buFont typeface="Arial" panose="020B0604020202020204" pitchFamily="34" charset="0"/>
+              <a:buChar char="•"/>
+            </a:pPr>
+            <a:r>
+              <a:rPr lang="en-US" sz="2400" dirty="0" smtClean="0"/>
+              <a:t>Virginia</a:t>
+            </a:r>
+          </a:p>
+          <a:p>
+            <a:pPr marL="285750" indent="-285750">
+              <a:lnSpc>
+                <a:spcPct val="150000"/>
+              </a:lnSpc>
+              <a:buFont typeface="Arial" panose="020B0604020202020204" pitchFamily="34" charset="0"/>
+              <a:buChar char="•"/>
+            </a:pPr>
+            <a:r>
+              <a:rPr lang="en-US" sz="2400" dirty="0" smtClean="0"/>
+              <a:t>Utah</a:t>
+            </a:r>
           </a:p>
         </p:txBody>
       </p:sp>
@@ -3561,7 +3602,7 @@
         </p:nvSpPr>
         <p:spPr>
           <a:xfrm>
-            <a:off x="1" y="381000"/>
+            <a:off x="0" y="381000"/>
             <a:ext cx="9144000" cy="707886"/>
           </a:xfrm>
           <a:prstGeom prst="rect">
@@ -3578,7 +3619,7 @@
             <a:pPr algn="ctr"/>
             <a:r>
               <a:rPr lang="en-US" sz="4000" dirty="0" smtClean="0"/>
-              <a:t>Price</a:t>
+              <a:t>Promotion</a:t>
             </a:r>
             <a:endParaRPr lang="en-US" sz="4000" dirty="0"/>
           </a:p>
@@ -3592,8 +3633,8 @@
         </p:nvSpPr>
         <p:spPr>
           <a:xfrm>
-            <a:off x="5486400" y="3046274"/>
-            <a:ext cx="3322961" cy="1754326"/>
+            <a:off x="929883" y="1600200"/>
+            <a:ext cx="1813317" cy="2862322"/>
           </a:xfrm>
           <a:prstGeom prst="rect">
             <a:avLst/>
@@ -3606,6 +3647,17 @@
           </a:bodyPr>
           <a:lstStyle/>
           <a:p>
+            <a:pPr>
+              <a:lnSpc>
+                <a:spcPct val="150000"/>
+              </a:lnSpc>
+            </a:pPr>
+            <a:r>
+              <a:rPr lang="en-US" sz="2400" b="1" dirty="0" smtClean="0"/>
+              <a:t>Social Media</a:t>
+            </a:r>
+          </a:p>
+          <a:p>
             <a:pPr marL="285750" indent="-285750">
               <a:lnSpc>
                 <a:spcPct val="150000"/>
@@ -3615,8 +3667,237 @@
             </a:pPr>
             <a:r>
               <a:rPr lang="en-US" sz="2400" dirty="0" smtClean="0"/>
-              <a:t>Taker only fees</a:t>
-            </a:r>
+              <a:t>Facebook</a:t>
+            </a:r>
+          </a:p>
+          <a:p>
+            <a:pPr marL="285750" indent="-285750">
+              <a:lnSpc>
+                <a:spcPct val="150000"/>
+              </a:lnSpc>
+              <a:buFont typeface="Arial" panose="020B0604020202020204" pitchFamily="34" charset="0"/>
+              <a:buChar char="•"/>
+            </a:pPr>
+            <a:r>
+              <a:rPr lang="en-US" sz="2400" dirty="0" smtClean="0"/>
+              <a:t>Twitter</a:t>
+            </a:r>
+          </a:p>
+          <a:p>
+            <a:pPr marL="285750" indent="-285750">
+              <a:lnSpc>
+                <a:spcPct val="150000"/>
+              </a:lnSpc>
+              <a:buFont typeface="Arial" panose="020B0604020202020204" pitchFamily="34" charset="0"/>
+              <a:buChar char="•"/>
+            </a:pPr>
+            <a:r>
+              <a:rPr lang="en-US" sz="2400" dirty="0" smtClean="0"/>
+              <a:t>Reddit</a:t>
+            </a:r>
+          </a:p>
+          <a:p>
+            <a:pPr marL="285750" indent="-285750">
+              <a:lnSpc>
+                <a:spcPct val="150000"/>
+              </a:lnSpc>
+              <a:buFont typeface="Arial" panose="020B0604020202020204" pitchFamily="34" charset="0"/>
+              <a:buChar char="•"/>
+            </a:pPr>
+            <a:r>
+              <a:rPr lang="en-US" sz="2400" dirty="0" smtClean="0"/>
+              <a:t>LinkedIn</a:t>
+            </a:r>
+            <a:endParaRPr lang="en-US" sz="2400" dirty="0"/>
+          </a:p>
+        </p:txBody>
+      </p:sp>
+      <p:sp>
+        <p:nvSpPr>
+          <p:cNvPr id="5" name="TextBox 4"/>
+          <p:cNvSpPr txBox="1"/>
+          <p:nvPr/>
+        </p:nvSpPr>
+        <p:spPr>
+          <a:xfrm>
+            <a:off x="5610726" y="1985664"/>
+            <a:ext cx="2674258" cy="461665"/>
+          </a:xfrm>
+          <a:prstGeom prst="rect">
+            <a:avLst/>
+          </a:prstGeom>
+          <a:noFill/>
+        </p:spPr>
+        <p:txBody>
+          <a:bodyPr wrap="none" rtlCol="0">
+            <a:spAutoFit/>
+          </a:bodyPr>
+          <a:lstStyle/>
+          <a:p>
+            <a:r>
+              <a:rPr lang="en-US" sz="2400" b="1" dirty="0" smtClean="0"/>
+              <a:t>Bitcoin conferences</a:t>
+            </a:r>
+            <a:endParaRPr lang="en-US" sz="2400" b="1" dirty="0"/>
+          </a:p>
+        </p:txBody>
+      </p:sp>
+      <p:sp>
+        <p:nvSpPr>
+          <p:cNvPr id="6" name="TextBox 5"/>
+          <p:cNvSpPr txBox="1"/>
+          <p:nvPr/>
+        </p:nvSpPr>
+        <p:spPr>
+          <a:xfrm>
+            <a:off x="5638800" y="3657600"/>
+            <a:ext cx="2227020" cy="1754326"/>
+          </a:xfrm>
+          <a:prstGeom prst="rect">
+            <a:avLst/>
+          </a:prstGeom>
+          <a:noFill/>
+        </p:spPr>
+        <p:txBody>
+          <a:bodyPr wrap="none" rtlCol="0">
+            <a:spAutoFit/>
+          </a:bodyPr>
+          <a:lstStyle/>
+          <a:p>
+            <a:pPr>
+              <a:lnSpc>
+                <a:spcPct val="150000"/>
+              </a:lnSpc>
+            </a:pPr>
+            <a:r>
+              <a:rPr lang="en-US" sz="2400" b="1" dirty="0" smtClean="0"/>
+              <a:t>Print campaigns</a:t>
+            </a:r>
+          </a:p>
+          <a:p>
+            <a:pPr marL="342900" indent="-342900">
+              <a:lnSpc>
+                <a:spcPct val="150000"/>
+              </a:lnSpc>
+              <a:buFont typeface="Arial" panose="020B0604020202020204" pitchFamily="34" charset="0"/>
+              <a:buChar char="•"/>
+            </a:pPr>
+            <a:r>
+              <a:rPr lang="en-US" sz="2400" dirty="0" smtClean="0"/>
+              <a:t>Magazine</a:t>
+            </a:r>
+          </a:p>
+          <a:p>
+            <a:pPr marL="342900" indent="-342900">
+              <a:lnSpc>
+                <a:spcPct val="150000"/>
+              </a:lnSpc>
+              <a:buFont typeface="Arial" panose="020B0604020202020204" pitchFamily="34" charset="0"/>
+              <a:buChar char="•"/>
+            </a:pPr>
+            <a:r>
+              <a:rPr lang="en-US" sz="2400" dirty="0" smtClean="0"/>
+              <a:t>Newspaper</a:t>
+            </a:r>
+            <a:endParaRPr lang="en-US" sz="2400" dirty="0"/>
+          </a:p>
+        </p:txBody>
+      </p:sp>
+    </p:spTree>
+    <p:extLst>
+      <p:ext uri="{BB962C8B-B14F-4D97-AF65-F5344CB8AC3E}">
+        <p14:creationId xmlns:p14="http://schemas.microsoft.com/office/powerpoint/2010/main" val="2218907284"/>
+      </p:ext>
+    </p:extLst>
+  </p:cSld>
+  <p:clrMapOvr>
+    <a:masterClrMapping/>
+  </p:clrMapOvr>
+</p:sld>
+</file>
+
+<file path=ppt/slides/slide12.xml><?xml version="1.0" encoding="utf-8"?>
+<p:sld xmlns:a="http://schemas.openxmlformats.org/drawingml/2006/main" xmlns:r="http://schemas.openxmlformats.org/officeDocument/2006/relationships" xmlns:p="http://schemas.openxmlformats.org/presentationml/2006/main">
+  <p:cSld>
+    <p:spTree>
+      <p:nvGrpSpPr>
+        <p:cNvPr id="1" name=""/>
+        <p:cNvGrpSpPr/>
+        <p:nvPr/>
+      </p:nvGrpSpPr>
+      <p:grpSpPr>
+        <a:xfrm>
+          <a:off x="0" y="0"/>
+          <a:ext cx="0" cy="0"/>
+          <a:chOff x="0" y="0"/>
+          <a:chExt cx="0" cy="0"/>
+        </a:xfrm>
+      </p:grpSpPr>
+      <p:sp>
+        <p:nvSpPr>
+          <p:cNvPr id="4" name="TextBox 3"/>
+          <p:cNvSpPr txBox="1"/>
+          <p:nvPr/>
+        </p:nvSpPr>
+        <p:spPr>
+          <a:xfrm>
+            <a:off x="1" y="381000"/>
+            <a:ext cx="9144000" cy="707886"/>
+          </a:xfrm>
+          <a:prstGeom prst="rect">
+            <a:avLst/>
+          </a:prstGeom>
+          <a:noFill/>
+        </p:spPr>
+        <p:txBody>
+          <a:bodyPr wrap="square" rtlCol="0">
+            <a:spAutoFit/>
+          </a:bodyPr>
+          <a:lstStyle/>
+          <a:p>
+            <a:pPr algn="ctr"/>
+            <a:r>
+              <a:rPr lang="en-US" sz="4000" dirty="0" smtClean="0"/>
+              <a:t>Price</a:t>
+            </a:r>
+            <a:endParaRPr lang="en-US" sz="4000" dirty="0"/>
+          </a:p>
+        </p:txBody>
+      </p:sp>
+      <p:sp>
+        <p:nvSpPr>
+          <p:cNvPr id="2" name="TextBox 1"/>
+          <p:cNvSpPr txBox="1"/>
+          <p:nvPr/>
+        </p:nvSpPr>
+        <p:spPr>
+          <a:xfrm>
+            <a:off x="5486400" y="3046274"/>
+            <a:ext cx="3322961" cy="1754326"/>
+          </a:xfrm>
+          <a:prstGeom prst="rect">
+            <a:avLst/>
+          </a:prstGeom>
+          <a:noFill/>
+        </p:spPr>
+        <p:txBody>
+          <a:bodyPr wrap="none" rtlCol="0">
+            <a:spAutoFit/>
+          </a:bodyPr>
+          <a:lstStyle/>
+          <a:p>
+            <a:pPr marL="285750" indent="-285750">
+              <a:lnSpc>
+                <a:spcPct val="150000"/>
+              </a:lnSpc>
+              <a:buFont typeface="Arial" panose="020B0604020202020204" pitchFamily="34" charset="0"/>
+              <a:buChar char="•"/>
+            </a:pPr>
+            <a:r>
+              <a:rPr lang="en-US" sz="2400" dirty="0" smtClean="0"/>
+              <a:t>No maker fees</a:t>
+            </a:r>
+            <a:endParaRPr lang="en-US" sz="2400" dirty="0" smtClean="0"/>
           </a:p>
           <a:p>
             <a:pPr marL="285750" indent="-285750">
@@ -3733,7 +4014,7 @@
 </p:sld>
 </file>
 
-<file path=ppt/slides/slide12.xml><?xml version="1.0" encoding="utf-8"?>
+<file path=ppt/slides/slide13.xml><?xml version="1.0" encoding="utf-8"?>
 <p:sld xmlns:a="http://schemas.openxmlformats.org/drawingml/2006/main" xmlns:r="http://schemas.openxmlformats.org/officeDocument/2006/relationships" xmlns:p="http://schemas.openxmlformats.org/presentationml/2006/main">
   <p:cSld>
     <p:spTree>
@@ -3789,7 +4070,7 @@
         </p:nvSpPr>
         <p:spPr>
           <a:xfrm>
-            <a:off x="533400" y="1600200"/>
+            <a:off x="533400" y="1524000"/>
             <a:ext cx="2346283" cy="1754326"/>
           </a:xfrm>
           <a:prstGeom prst="rect">
@@ -3936,7 +4217,7 @@
         </p:nvSpPr>
         <p:spPr>
           <a:xfrm>
-            <a:off x="5943600" y="1524000"/>
+            <a:off x="5956629" y="1577876"/>
             <a:ext cx="2730171" cy="2308324"/>
           </a:xfrm>
           <a:prstGeom prst="rect">
@@ -4015,7 +4296,7 @@
 </p:sld>
 </file>
 
-<file path=ppt/slides/slide13.xml><?xml version="1.0" encoding="utf-8"?>
+<file path=ppt/slides/slide14.xml><?xml version="1.0" encoding="utf-8"?>
 <p:sld xmlns:a="http://schemas.openxmlformats.org/drawingml/2006/main" xmlns:r="http://schemas.openxmlformats.org/officeDocument/2006/relationships" xmlns:p="http://schemas.openxmlformats.org/presentationml/2006/main">
   <p:cSld>
     <p:spTree>
@@ -4244,248 +4525,6 @@
 </p:sld>
 </file>
 
-<file path=ppt/slides/slide14.xml><?xml version="1.0" encoding="utf-8"?>
-<p:sld xmlns:a="http://schemas.openxmlformats.org/drawingml/2006/main" xmlns:r="http://schemas.openxmlformats.org/officeDocument/2006/relationships" xmlns:p="http://schemas.openxmlformats.org/presentationml/2006/main">
-  <p:cSld>
-    <p:spTree>
-      <p:nvGrpSpPr>
-        <p:cNvPr id="1" name=""/>
-        <p:cNvGrpSpPr/>
-        <p:nvPr/>
-      </p:nvGrpSpPr>
-      <p:grpSpPr>
-        <a:xfrm>
-          <a:off x="0" y="0"/>
-          <a:ext cx="0" cy="0"/>
-          <a:chOff x="0" y="0"/>
-          <a:chExt cx="0" cy="0"/>
-        </a:xfrm>
-      </p:grpSpPr>
-      <p:sp>
-        <p:nvSpPr>
-          <p:cNvPr id="4" name="TextBox 3"/>
-          <p:cNvSpPr txBox="1"/>
-          <p:nvPr/>
-        </p:nvSpPr>
-        <p:spPr>
-          <a:xfrm>
-            <a:off x="838200" y="1619071"/>
-            <a:ext cx="3429000" cy="1200329"/>
-          </a:xfrm>
-          <a:prstGeom prst="rect">
-            <a:avLst/>
-          </a:prstGeom>
-          <a:noFill/>
-        </p:spPr>
-        <p:txBody>
-          <a:bodyPr wrap="square" rtlCol="0">
-            <a:spAutoFit/>
-          </a:bodyPr>
-          <a:lstStyle/>
-          <a:p>
-            <a:pPr>
-              <a:lnSpc>
-                <a:spcPct val="150000"/>
-              </a:lnSpc>
-            </a:pPr>
-            <a:r>
-              <a:rPr lang="en-US" sz="2400" dirty="0"/>
-              <a:t>W</a:t>
-            </a:r>
-            <a:r>
-              <a:rPr lang="en-US" sz="2400" dirty="0" smtClean="0"/>
-              <a:t>hat we need</a:t>
-            </a:r>
-          </a:p>
-          <a:p>
-            <a:pPr marL="285750" indent="-285750">
-              <a:lnSpc>
-                <a:spcPct val="150000"/>
-              </a:lnSpc>
-              <a:buFont typeface="Arial" panose="020B0604020202020204" pitchFamily="34" charset="0"/>
-              <a:buChar char="•"/>
-            </a:pPr>
-            <a:r>
-              <a:rPr lang="en-US" sz="2400" dirty="0" smtClean="0"/>
-              <a:t>Money</a:t>
-            </a:r>
-            <a:endParaRPr lang="en-US" sz="2400" dirty="0"/>
-          </a:p>
-        </p:txBody>
-      </p:sp>
-      <p:sp>
-        <p:nvSpPr>
-          <p:cNvPr id="3" name="TextBox 2"/>
-          <p:cNvSpPr txBox="1"/>
-          <p:nvPr/>
-        </p:nvSpPr>
-        <p:spPr>
-          <a:xfrm>
-            <a:off x="980685" y="4724330"/>
-            <a:ext cx="3362715" cy="1143070"/>
-          </a:xfrm>
-          <a:prstGeom prst="rect">
-            <a:avLst/>
-          </a:prstGeom>
-          <a:noFill/>
-        </p:spPr>
-        <p:txBody>
-          <a:bodyPr wrap="none" rtlCol="0">
-            <a:spAutoFit/>
-          </a:bodyPr>
-          <a:lstStyle/>
-          <a:p>
-            <a:pPr>
-              <a:lnSpc>
-                <a:spcPct val="150000"/>
-              </a:lnSpc>
-            </a:pPr>
-            <a:r>
-              <a:rPr lang="en-US" sz="2400" dirty="0" smtClean="0"/>
-              <a:t>Will we offer</a:t>
-            </a:r>
-          </a:p>
-          <a:p>
-            <a:pPr marL="285750" indent="-285750">
-              <a:lnSpc>
-                <a:spcPct val="150000"/>
-              </a:lnSpc>
-              <a:buFont typeface="Arial" panose="020B0604020202020204" pitchFamily="34" charset="0"/>
-              <a:buChar char="•"/>
-            </a:pPr>
-            <a:r>
-              <a:rPr lang="en-US" sz="2400" dirty="0" smtClean="0"/>
-              <a:t>Ownership of company</a:t>
-            </a:r>
-            <a:endParaRPr lang="en-US" sz="2400" dirty="0"/>
-          </a:p>
-        </p:txBody>
-      </p:sp>
-      <p:sp>
-        <p:nvSpPr>
-          <p:cNvPr id="5" name="TextBox 4"/>
-          <p:cNvSpPr txBox="1"/>
-          <p:nvPr/>
-        </p:nvSpPr>
-        <p:spPr>
-          <a:xfrm>
-            <a:off x="4948137" y="2263676"/>
-            <a:ext cx="3510063" cy="2308324"/>
-          </a:xfrm>
-          <a:prstGeom prst="rect">
-            <a:avLst/>
-          </a:prstGeom>
-          <a:noFill/>
-        </p:spPr>
-        <p:txBody>
-          <a:bodyPr wrap="none" rtlCol="0">
-            <a:spAutoFit/>
-          </a:bodyPr>
-          <a:lstStyle/>
-          <a:p>
-            <a:pPr>
-              <a:lnSpc>
-                <a:spcPct val="150000"/>
-              </a:lnSpc>
-            </a:pPr>
-            <a:r>
-              <a:rPr lang="en-US" sz="2400" dirty="0" smtClean="0"/>
-              <a:t>Why we need it</a:t>
-            </a:r>
-          </a:p>
-          <a:p>
-            <a:pPr marL="285750" indent="-285750">
-              <a:lnSpc>
-                <a:spcPct val="150000"/>
-              </a:lnSpc>
-              <a:buFont typeface="Arial" panose="020B0604020202020204" pitchFamily="34" charset="0"/>
-              <a:buChar char="•"/>
-            </a:pPr>
-            <a:r>
-              <a:rPr lang="en-US" sz="2400" dirty="0"/>
-              <a:t>build exchange </a:t>
-            </a:r>
-            <a:r>
-              <a:rPr lang="en-US" sz="2400" dirty="0" smtClean="0"/>
-              <a:t>software</a:t>
-            </a:r>
-          </a:p>
-          <a:p>
-            <a:pPr marL="285750" indent="-285750">
-              <a:lnSpc>
-                <a:spcPct val="150000"/>
-              </a:lnSpc>
-              <a:buFont typeface="Arial" panose="020B0604020202020204" pitchFamily="34" charset="0"/>
-              <a:buChar char="•"/>
-            </a:pPr>
-            <a:r>
-              <a:rPr lang="en-US" sz="2400" dirty="0"/>
-              <a:t>setup </a:t>
-            </a:r>
-            <a:r>
-              <a:rPr lang="en-US" sz="2400" dirty="0" smtClean="0"/>
-              <a:t>office</a:t>
-            </a:r>
-          </a:p>
-          <a:p>
-            <a:pPr marL="285750" indent="-285750">
-              <a:lnSpc>
-                <a:spcPct val="150000"/>
-              </a:lnSpc>
-              <a:buFont typeface="Arial" panose="020B0604020202020204" pitchFamily="34" charset="0"/>
-              <a:buChar char="•"/>
-            </a:pPr>
-            <a:r>
-              <a:rPr lang="en-US" sz="2400" dirty="0" smtClean="0"/>
-              <a:t>acquire BitLincense</a:t>
-            </a:r>
-          </a:p>
-        </p:txBody>
-      </p:sp>
-      <p:sp>
-        <p:nvSpPr>
-          <p:cNvPr id="6" name="TextBox 5"/>
-          <p:cNvSpPr txBox="1"/>
-          <p:nvPr/>
-        </p:nvSpPr>
-        <p:spPr>
-          <a:xfrm>
-            <a:off x="0" y="609600"/>
-            <a:ext cx="9144000" cy="707886"/>
-          </a:xfrm>
-          <a:prstGeom prst="rect">
-            <a:avLst/>
-          </a:prstGeom>
-          <a:noFill/>
-        </p:spPr>
-        <p:txBody>
-          <a:bodyPr wrap="square" rtlCol="0">
-            <a:spAutoFit/>
-          </a:bodyPr>
-          <a:lstStyle/>
-          <a:p>
-            <a:pPr algn="ctr"/>
-            <a:r>
-              <a:rPr lang="en-US" sz="4000" dirty="0" smtClean="0"/>
-              <a:t>Help</a:t>
-            </a:r>
-            <a:endParaRPr lang="en-US" sz="4000" dirty="0"/>
-          </a:p>
-        </p:txBody>
-      </p:sp>
-    </p:spTree>
-    <p:extLst>
-      <p:ext uri="{BB962C8B-B14F-4D97-AF65-F5344CB8AC3E}">
-        <p14:creationId xmlns:p14="http://schemas.microsoft.com/office/powerpoint/2010/main" val="2218907284"/>
-      </p:ext>
-    </p:extLst>
-  </p:cSld>
-  <p:clrMapOvr>
-    <a:masterClrMapping/>
-  </p:clrMapOvr>
-</p:sld>
-</file>
-
 <file path=ppt/slides/slide15.xml><?xml version="1.0" encoding="utf-8"?>
 <p:sld xmlns:a="http://schemas.openxmlformats.org/drawingml/2006/main" xmlns:r="http://schemas.openxmlformats.org/officeDocument/2006/relationships" xmlns:p="http://schemas.openxmlformats.org/presentationml/2006/main">
   <p:cSld>
@@ -4511,8 +4550,8 @@
         </p:nvSpPr>
         <p:spPr>
           <a:xfrm>
-            <a:off x="0" y="609600"/>
-            <a:ext cx="9144000" cy="707886"/>
+            <a:off x="838200" y="1619071"/>
+            <a:ext cx="3429000" cy="1200329"/>
           </a:xfrm>
           <a:prstGeom prst="rect">
             <a:avLst/>
@@ -4525,25 +4564,46 @@
           </a:bodyPr>
           <a:lstStyle/>
           <a:p>
-            <a:pPr algn="ctr"/>
-            <a:r>
-              <a:rPr lang="en-US" sz="4000" dirty="0" smtClean="0"/>
-              <a:t>Exit Plan</a:t>
-            </a:r>
-            <a:endParaRPr lang="en-US" sz="4000" dirty="0"/>
-          </a:p>
-        </p:txBody>
-      </p:sp>
-      <p:sp>
-        <p:nvSpPr>
-          <p:cNvPr id="2" name="TextBox 1"/>
+            <a:pPr>
+              <a:lnSpc>
+                <a:spcPct val="150000"/>
+              </a:lnSpc>
+            </a:pPr>
+            <a:r>
+              <a:rPr lang="en-US" sz="2400" dirty="0"/>
+              <a:t>W</a:t>
+            </a:r>
+            <a:r>
+              <a:rPr lang="en-US" sz="2400" dirty="0" smtClean="0"/>
+              <a:t>hat we need</a:t>
+            </a:r>
+          </a:p>
+          <a:p>
+            <a:pPr marL="285750" indent="-285750">
+              <a:lnSpc>
+                <a:spcPct val="150000"/>
+              </a:lnSpc>
+              <a:buFont typeface="Arial" panose="020B0604020202020204" pitchFamily="34" charset="0"/>
+              <a:buChar char="•"/>
+            </a:pPr>
+            <a:r>
+              <a:rPr lang="en-US" sz="2400" dirty="0" smtClean="0"/>
+              <a:t>Money</a:t>
+            </a:r>
+            <a:endParaRPr lang="en-US" sz="2400" dirty="0"/>
+          </a:p>
+        </p:txBody>
+      </p:sp>
+      <p:sp>
+        <p:nvSpPr>
+          <p:cNvPr id="3" name="TextBox 2"/>
           <p:cNvSpPr txBox="1"/>
           <p:nvPr/>
         </p:nvSpPr>
         <p:spPr>
           <a:xfrm>
-            <a:off x="2736657" y="3483408"/>
-            <a:ext cx="3670685" cy="2308324"/>
+            <a:off x="980685" y="4724330"/>
+            <a:ext cx="4186852" cy="1200329"/>
           </a:xfrm>
           <a:prstGeom prst="rect">
             <a:avLst/>
@@ -4562,14 +4622,9 @@
               </a:lnSpc>
             </a:pPr>
             <a:r>
-              <a:rPr lang="en-US" sz="2400" dirty="0"/>
-              <a:t>K</a:t>
-            </a:r>
-            <a:r>
               <a:rPr lang="en-US" sz="2400" dirty="0" smtClean="0"/>
-              <a:t>ey assets the could be sold</a:t>
-            </a:r>
-            <a:endParaRPr lang="en-US" sz="2400" dirty="0" smtClean="0"/>
+              <a:t>Will we offer</a:t>
+            </a:r>
           </a:p>
           <a:p>
             <a:pPr marL="285750" indent="-285750">
@@ -4581,38 +4636,11 @@
             </a:pPr>
             <a:r>
               <a:rPr lang="en-US" sz="2400" dirty="0" smtClean="0"/>
-              <a:t>Customers</a:t>
-            </a:r>
-            <a:endParaRPr lang="en-US" sz="2400" dirty="0" smtClean="0"/>
-          </a:p>
-          <a:p>
-            <a:pPr marL="285750" indent="-285750">
-              <a:lnSpc>
-                <a:spcPct val="150000"/>
-              </a:lnSpc>
-              <a:buFont typeface="Arial" panose="020B0604020202020204" pitchFamily="34" charset="0"/>
-              <a:buChar char="•"/>
-            </a:pPr>
+              <a:t>Partial ownership </a:t>
+            </a:r>
             <a:r>
               <a:rPr lang="en-US" sz="2400" dirty="0" smtClean="0"/>
-              <a:t>Exchange </a:t>
-            </a:r>
-            <a:r>
-              <a:rPr lang="en-US" sz="2400" dirty="0" smtClean="0"/>
-              <a:t>software</a:t>
-            </a:r>
-          </a:p>
-          <a:p>
-            <a:pPr marL="285750" indent="-285750">
-              <a:lnSpc>
-                <a:spcPct val="150000"/>
-              </a:lnSpc>
-              <a:buFont typeface="Arial" panose="020B0604020202020204" pitchFamily="34" charset="0"/>
-              <a:buChar char="•"/>
-            </a:pPr>
-            <a:r>
-              <a:rPr lang="en-US" sz="2400" dirty="0" smtClean="0"/>
-              <a:t>BitLincense</a:t>
+              <a:t>of company</a:t>
             </a:r>
             <a:endParaRPr lang="en-US" sz="2400" dirty="0"/>
           </a:p>
@@ -4620,14 +4648,14 @@
       </p:sp>
       <p:sp>
         <p:nvSpPr>
-          <p:cNvPr id="3" name="TextBox 2"/>
+          <p:cNvPr id="5" name="TextBox 4"/>
           <p:cNvSpPr txBox="1"/>
           <p:nvPr/>
         </p:nvSpPr>
         <p:spPr>
           <a:xfrm>
-            <a:off x="609600" y="2209800"/>
-            <a:ext cx="6477000" cy="461665"/>
+            <a:off x="4948137" y="2263676"/>
+            <a:ext cx="3514873" cy="2308324"/>
           </a:xfrm>
           <a:prstGeom prst="rect">
             <a:avLst/>
@@ -4635,18 +4663,293 @@
           <a:noFill/>
         </p:spPr>
         <p:txBody>
+          <a:bodyPr wrap="none" rtlCol="0">
+            <a:spAutoFit/>
+          </a:bodyPr>
+          <a:lstStyle/>
+          <a:p>
+            <a:pPr>
+              <a:lnSpc>
+                <a:spcPct val="150000"/>
+              </a:lnSpc>
+            </a:pPr>
+            <a:r>
+              <a:rPr lang="en-US" sz="2400" dirty="0" smtClean="0"/>
+              <a:t>Why we need it</a:t>
+            </a:r>
+          </a:p>
+          <a:p>
+            <a:pPr marL="285750" indent="-285750">
+              <a:lnSpc>
+                <a:spcPct val="150000"/>
+              </a:lnSpc>
+              <a:buFont typeface="Arial" panose="020B0604020202020204" pitchFamily="34" charset="0"/>
+              <a:buChar char="•"/>
+            </a:pPr>
+            <a:r>
+              <a:rPr lang="en-US" sz="2400" dirty="0"/>
+              <a:t>B</a:t>
+            </a:r>
+            <a:r>
+              <a:rPr lang="en-US" sz="2400" dirty="0" smtClean="0"/>
+              <a:t>uild </a:t>
+            </a:r>
+            <a:r>
+              <a:rPr lang="en-US" sz="2400" dirty="0"/>
+              <a:t>exchange </a:t>
+            </a:r>
+            <a:r>
+              <a:rPr lang="en-US" sz="2400" dirty="0" smtClean="0"/>
+              <a:t>software</a:t>
+            </a:r>
+          </a:p>
+          <a:p>
+            <a:pPr marL="285750" indent="-285750">
+              <a:lnSpc>
+                <a:spcPct val="150000"/>
+              </a:lnSpc>
+              <a:buFont typeface="Arial" panose="020B0604020202020204" pitchFamily="34" charset="0"/>
+              <a:buChar char="•"/>
+            </a:pPr>
+            <a:r>
+              <a:rPr lang="en-US" sz="2400" dirty="0"/>
+              <a:t>S</a:t>
+            </a:r>
+            <a:r>
+              <a:rPr lang="en-US" sz="2400" dirty="0" smtClean="0"/>
+              <a:t>etup </a:t>
+            </a:r>
+            <a:r>
+              <a:rPr lang="en-US" sz="2400" dirty="0" smtClean="0"/>
+              <a:t>office</a:t>
+            </a:r>
+          </a:p>
+          <a:p>
+            <a:pPr marL="285750" indent="-285750">
+              <a:lnSpc>
+                <a:spcPct val="150000"/>
+              </a:lnSpc>
+              <a:buFont typeface="Arial" panose="020B0604020202020204" pitchFamily="34" charset="0"/>
+              <a:buChar char="•"/>
+            </a:pPr>
+            <a:r>
+              <a:rPr lang="en-US" sz="2400" dirty="0"/>
+              <a:t>A</a:t>
+            </a:r>
+            <a:r>
+              <a:rPr lang="en-US" sz="2400" dirty="0" smtClean="0"/>
+              <a:t>cquire </a:t>
+            </a:r>
+            <a:r>
+              <a:rPr lang="en-US" sz="2400" dirty="0" smtClean="0"/>
+              <a:t>BitLincense</a:t>
+            </a:r>
+          </a:p>
+        </p:txBody>
+      </p:sp>
+      <p:sp>
+        <p:nvSpPr>
+          <p:cNvPr id="6" name="TextBox 5"/>
+          <p:cNvSpPr txBox="1"/>
+          <p:nvPr/>
+        </p:nvSpPr>
+        <p:spPr>
+          <a:xfrm>
+            <a:off x="0" y="609600"/>
+            <a:ext cx="9144000" cy="707886"/>
+          </a:xfrm>
+          <a:prstGeom prst="rect">
+            <a:avLst/>
+          </a:prstGeom>
+          <a:noFill/>
+        </p:spPr>
+        <p:txBody>
           <a:bodyPr wrap="square" rtlCol="0">
             <a:spAutoFit/>
           </a:bodyPr>
           <a:lstStyle/>
           <a:p>
+            <a:pPr algn="ctr"/>
+            <a:r>
+              <a:rPr lang="en-US" sz="4000" dirty="0" smtClean="0"/>
+              <a:t>Help</a:t>
+            </a:r>
+            <a:endParaRPr lang="en-US" sz="4000" dirty="0"/>
+          </a:p>
+        </p:txBody>
+      </p:sp>
+    </p:spTree>
+    <p:extLst>
+      <p:ext uri="{BB962C8B-B14F-4D97-AF65-F5344CB8AC3E}">
+        <p14:creationId xmlns:p14="http://schemas.microsoft.com/office/powerpoint/2010/main" val="2218907284"/>
+      </p:ext>
+    </p:extLst>
+  </p:cSld>
+  <p:clrMapOvr>
+    <a:masterClrMapping/>
+  </p:clrMapOvr>
+</p:sld>
+</file>
+
+<file path=ppt/slides/slide16.xml><?xml version="1.0" encoding="utf-8"?>
+<p:sld xmlns:a="http://schemas.openxmlformats.org/drawingml/2006/main" xmlns:r="http://schemas.openxmlformats.org/officeDocument/2006/relationships" xmlns:p="http://schemas.openxmlformats.org/presentationml/2006/main">
+  <p:cSld>
+    <p:spTree>
+      <p:nvGrpSpPr>
+        <p:cNvPr id="1" name=""/>
+        <p:cNvGrpSpPr/>
+        <p:nvPr/>
+      </p:nvGrpSpPr>
+      <p:grpSpPr>
+        <a:xfrm>
+          <a:off x="0" y="0"/>
+          <a:ext cx="0" cy="0"/>
+          <a:chOff x="0" y="0"/>
+          <a:chExt cx="0" cy="0"/>
+        </a:xfrm>
+      </p:grpSpPr>
+      <p:sp>
+        <p:nvSpPr>
+          <p:cNvPr id="4" name="TextBox 3"/>
+          <p:cNvSpPr txBox="1"/>
+          <p:nvPr/>
+        </p:nvSpPr>
+        <p:spPr>
+          <a:xfrm>
+            <a:off x="0" y="609600"/>
+            <a:ext cx="9144000" cy="707886"/>
+          </a:xfrm>
+          <a:prstGeom prst="rect">
+            <a:avLst/>
+          </a:prstGeom>
+          <a:noFill/>
+        </p:spPr>
+        <p:txBody>
+          <a:bodyPr wrap="square" rtlCol="0">
+            <a:spAutoFit/>
+          </a:bodyPr>
+          <a:lstStyle/>
+          <a:p>
+            <a:pPr algn="ctr"/>
+            <a:r>
+              <a:rPr lang="en-US" sz="4000" dirty="0" smtClean="0"/>
+              <a:t>Exit Plan</a:t>
+            </a:r>
+            <a:endParaRPr lang="en-US" sz="4000" dirty="0"/>
+          </a:p>
+        </p:txBody>
+      </p:sp>
+      <p:sp>
+        <p:nvSpPr>
+          <p:cNvPr id="2" name="TextBox 1"/>
+          <p:cNvSpPr txBox="1"/>
+          <p:nvPr/>
+        </p:nvSpPr>
+        <p:spPr>
+          <a:xfrm>
+            <a:off x="2546157" y="3200400"/>
+            <a:ext cx="3763979" cy="2308324"/>
+          </a:xfrm>
+          <a:prstGeom prst="rect">
+            <a:avLst/>
+          </a:prstGeom>
+          <a:noFill/>
+        </p:spPr>
+        <p:txBody>
+          <a:bodyPr wrap="none" rtlCol="0">
+            <a:spAutoFit/>
+          </a:bodyPr>
+          <a:lstStyle/>
+          <a:p>
+            <a:pPr>
+              <a:lnSpc>
+                <a:spcPct val="150000"/>
+              </a:lnSpc>
+            </a:pPr>
+            <a:r>
+              <a:rPr lang="en-US" sz="2400" dirty="0"/>
+              <a:t>K</a:t>
+            </a:r>
             <a:r>
               <a:rPr lang="en-US" sz="2400" dirty="0" smtClean="0"/>
-              <a:t>No plan to leave </a:t>
+              <a:t>ey assets </a:t>
             </a:r>
             <a:r>
               <a:rPr lang="en-US" sz="2400" dirty="0" smtClean="0"/>
-              <a:t>exchange or give up ownership</a:t>
+              <a:t>that </a:t>
+            </a:r>
+            <a:r>
+              <a:rPr lang="en-US" sz="2400" dirty="0" smtClean="0"/>
+              <a:t>could be sold</a:t>
+            </a:r>
+          </a:p>
+          <a:p>
+            <a:pPr marL="285750" indent="-285750">
+              <a:lnSpc>
+                <a:spcPct val="150000"/>
+              </a:lnSpc>
+              <a:buFont typeface="Arial" panose="020B0604020202020204" pitchFamily="34" charset="0"/>
+              <a:buChar char="•"/>
+            </a:pPr>
+            <a:r>
+              <a:rPr lang="en-US" sz="2400" dirty="0" smtClean="0"/>
+              <a:t>Customers</a:t>
+            </a:r>
+          </a:p>
+          <a:p>
+            <a:pPr marL="285750" indent="-285750">
+              <a:lnSpc>
+                <a:spcPct val="150000"/>
+              </a:lnSpc>
+              <a:buFont typeface="Arial" panose="020B0604020202020204" pitchFamily="34" charset="0"/>
+              <a:buChar char="•"/>
+            </a:pPr>
+            <a:r>
+              <a:rPr lang="en-US" sz="2400" dirty="0" smtClean="0"/>
+              <a:t>Exchange software</a:t>
+            </a:r>
+          </a:p>
+          <a:p>
+            <a:pPr marL="285750" indent="-285750">
+              <a:lnSpc>
+                <a:spcPct val="150000"/>
+              </a:lnSpc>
+              <a:buFont typeface="Arial" panose="020B0604020202020204" pitchFamily="34" charset="0"/>
+              <a:buChar char="•"/>
+            </a:pPr>
+            <a:r>
+              <a:rPr lang="en-US" sz="2400" dirty="0" smtClean="0"/>
+              <a:t>BitLincense</a:t>
+            </a:r>
+            <a:endParaRPr lang="en-US" sz="2400" dirty="0"/>
+          </a:p>
+        </p:txBody>
+      </p:sp>
+      <p:sp>
+        <p:nvSpPr>
+          <p:cNvPr id="3" name="TextBox 2"/>
+          <p:cNvSpPr txBox="1"/>
+          <p:nvPr/>
+        </p:nvSpPr>
+        <p:spPr>
+          <a:xfrm>
+            <a:off x="1143000" y="1978098"/>
+            <a:ext cx="6477000" cy="461665"/>
+          </a:xfrm>
+          <a:prstGeom prst="rect">
+            <a:avLst/>
+          </a:prstGeom>
+          <a:noFill/>
+        </p:spPr>
+        <p:txBody>
+          <a:bodyPr wrap="square" rtlCol="0">
+            <a:spAutoFit/>
+          </a:bodyPr>
+          <a:lstStyle/>
+          <a:p>
+            <a:r>
+              <a:rPr lang="en-US" sz="2400" dirty="0" smtClean="0"/>
+              <a:t>No plan to leave exchange or give up ownership</a:t>
             </a:r>
             <a:endParaRPr lang="en-US" sz="2400" dirty="0"/>
           </a:p>
@@ -4656,6 +4959,115 @@
     <p:extLst>
       <p:ext uri="{BB962C8B-B14F-4D97-AF65-F5344CB8AC3E}">
         <p14:creationId xmlns:p14="http://schemas.microsoft.com/office/powerpoint/2010/main" val="3243935372"/>
+      </p:ext>
+    </p:extLst>
+  </p:cSld>
+  <p:clrMapOvr>
+    <a:masterClrMapping/>
+  </p:clrMapOvr>
+</p:sld>
+</file>
+
+<file path=ppt/slides/slide17.xml><?xml version="1.0" encoding="utf-8"?>
+<p:sld xmlns:a="http://schemas.openxmlformats.org/drawingml/2006/main" xmlns:r="http://schemas.openxmlformats.org/officeDocument/2006/relationships" xmlns:p="http://schemas.openxmlformats.org/presentationml/2006/main">
+  <p:cSld>
+    <p:spTree>
+      <p:nvGrpSpPr>
+        <p:cNvPr id="1" name=""/>
+        <p:cNvGrpSpPr/>
+        <p:nvPr/>
+      </p:nvGrpSpPr>
+      <p:grpSpPr>
+        <a:xfrm>
+          <a:off x="0" y="0"/>
+          <a:ext cx="0" cy="0"/>
+          <a:chOff x="0" y="0"/>
+          <a:chExt cx="0" cy="0"/>
+        </a:xfrm>
+      </p:grpSpPr>
+      <p:sp>
+        <p:nvSpPr>
+          <p:cNvPr id="4" name="TextBox 3"/>
+          <p:cNvSpPr txBox="1"/>
+          <p:nvPr/>
+        </p:nvSpPr>
+        <p:spPr>
+          <a:xfrm>
+            <a:off x="0" y="609600"/>
+            <a:ext cx="9144000" cy="707886"/>
+          </a:xfrm>
+          <a:prstGeom prst="rect">
+            <a:avLst/>
+          </a:prstGeom>
+          <a:noFill/>
+        </p:spPr>
+        <p:txBody>
+          <a:bodyPr wrap="square" rtlCol="0">
+            <a:spAutoFit/>
+          </a:bodyPr>
+          <a:lstStyle/>
+          <a:p>
+            <a:pPr algn="ctr"/>
+            <a:r>
+              <a:rPr lang="en-US" sz="4000" dirty="0" smtClean="0"/>
+              <a:t>Questions</a:t>
+            </a:r>
+            <a:endParaRPr lang="en-US" sz="4000" dirty="0"/>
+          </a:p>
+        </p:txBody>
+      </p:sp>
+      <p:pic>
+        <p:nvPicPr>
+          <p:cNvPr id="2050" name="Picture 2" descr="H:\apps\xp\desktop\question.jpg"/>
+          <p:cNvPicPr>
+            <a:picLocks noChangeAspect="1" noChangeArrowheads="1"/>
+          </p:cNvPicPr>
+          <p:nvPr/>
+        </p:nvPicPr>
+        <p:blipFill>
+          <a:blip r:embed="rId2">
+            <a:extLst>
+              <a:ext uri="{28A0092B-C50C-407E-A947-70E740481C1C}">
+                <a14:useLocalDpi xmlns:a14="http://schemas.microsoft.com/office/drawing/2010/main" val="0"/>
+              </a:ext>
+            </a:extLst>
+          </a:blip>
+          <a:srcRect/>
+          <a:stretch>
+            <a:fillRect/>
+          </a:stretch>
+        </p:blipFill>
+        <p:spPr bwMode="auto">
+          <a:xfrm rot="352704">
+            <a:off x="3762374" y="2133599"/>
+            <a:ext cx="1952625" cy="3411351"/>
+          </a:xfrm>
+          <a:prstGeom prst="rect">
+            <a:avLst/>
+          </a:prstGeom>
+          <a:noFill/>
+          <a:effectLst>
+            <a:outerShdw blurRad="50800" dist="38100" dir="2700000" algn="tl" rotWithShape="0">
+              <a:prstClr val="black">
+                <a:alpha val="40000"/>
+              </a:prstClr>
+            </a:outerShdw>
+          </a:effectLst>
+          <a:extLst>
+            <a:ext uri="{909E8E84-426E-40DD-AFC4-6F175D3DCCD1}">
+              <a14:hiddenFill xmlns:a14="http://schemas.microsoft.com/office/drawing/2010/main">
+                <a:solidFill>
+                  <a:srgbClr val="FFFFFF"/>
+                </a:solidFill>
+              </a14:hiddenFill>
+            </a:ext>
+          </a:extLst>
+        </p:spPr>
+      </p:pic>
+    </p:spTree>
+    <p:extLst>
+      <p:ext uri="{BB962C8B-B14F-4D97-AF65-F5344CB8AC3E}">
+        <p14:creationId xmlns:p14="http://schemas.microsoft.com/office/powerpoint/2010/main" val="955906580"/>
       </p:ext>
     </p:extLst>
   </p:cSld>
@@ -4684,13 +5096,13 @@
       </p:grpSpPr>
       <p:sp>
         <p:nvSpPr>
-          <p:cNvPr id="5" name="TextBox 4"/>
+          <p:cNvPr id="4" name="TextBox 3"/>
           <p:cNvSpPr txBox="1"/>
           <p:nvPr/>
         </p:nvSpPr>
         <p:spPr>
           <a:xfrm>
-            <a:off x="1" y="381000"/>
+            <a:off x="0" y="457200"/>
             <a:ext cx="9144000" cy="707886"/>
           </a:xfrm>
           <a:prstGeom prst="rect">
@@ -4707,7 +5119,7 @@
             <a:pPr algn="ctr"/>
             <a:r>
               <a:rPr lang="en-US" sz="4000" dirty="0" smtClean="0"/>
-              <a:t>5 Year Plan</a:t>
+              <a:t>The Business</a:t>
             </a:r>
             <a:endParaRPr lang="en-US" sz="4000" dirty="0"/>
           </a:p>
@@ -4715,14 +5127,14 @@
       </p:sp>
       <p:sp>
         <p:nvSpPr>
-          <p:cNvPr id="6" name="TextBox 5"/>
+          <p:cNvPr id="2" name="TextBox 1"/>
           <p:cNvSpPr txBox="1"/>
           <p:nvPr/>
         </p:nvSpPr>
         <p:spPr>
           <a:xfrm>
-            <a:off x="838200" y="1905000"/>
-            <a:ext cx="7696200" cy="3891835"/>
+            <a:off x="1299713" y="1676400"/>
+            <a:ext cx="5468869" cy="2554545"/>
           </a:xfrm>
           <a:prstGeom prst="rect">
             <a:avLst/>
@@ -4730,117 +5142,114 @@
           <a:noFill/>
         </p:spPr>
         <p:txBody>
+          <a:bodyPr wrap="none" rtlCol="0">
+            <a:spAutoFit/>
+          </a:bodyPr>
+          <a:lstStyle/>
+          <a:p>
+            <a:pPr marL="285750" indent="-285750">
+              <a:lnSpc>
+                <a:spcPct val="200000"/>
+              </a:lnSpc>
+              <a:buFont typeface="Arial" panose="020B0604020202020204" pitchFamily="34" charset="0"/>
+              <a:buChar char="•"/>
+            </a:pPr>
+            <a:r>
+              <a:rPr lang="en-US" sz="2000" dirty="0"/>
+              <a:t>Wake of financial </a:t>
+            </a:r>
+            <a:r>
+              <a:rPr lang="en-US" sz="2000" dirty="0" smtClean="0"/>
+              <a:t>meltdown Bitcoin was created</a:t>
+            </a:r>
+          </a:p>
+          <a:p>
+            <a:pPr marL="285750" indent="-285750">
+              <a:lnSpc>
+                <a:spcPct val="200000"/>
+              </a:lnSpc>
+              <a:buFont typeface="Arial" panose="020B0604020202020204" pitchFamily="34" charset="0"/>
+              <a:buChar char="•"/>
+            </a:pPr>
+            <a:r>
+              <a:rPr lang="en-US" sz="2000" dirty="0" smtClean="0"/>
+              <a:t>Use of Bitcoin is growing</a:t>
+            </a:r>
+          </a:p>
+          <a:p>
+            <a:pPr marL="285750" indent="-285750">
+              <a:lnSpc>
+                <a:spcPct val="200000"/>
+              </a:lnSpc>
+              <a:buFont typeface="Arial" panose="020B0604020202020204" pitchFamily="34" charset="0"/>
+              <a:buChar char="•"/>
+            </a:pPr>
+            <a:r>
+              <a:rPr lang="en-US" sz="2000" dirty="0" smtClean="0"/>
+              <a:t>Our business is to operate a currency </a:t>
+            </a:r>
+            <a:r>
+              <a:rPr lang="en-US" sz="2000" dirty="0"/>
+              <a:t>e</a:t>
+            </a:r>
+            <a:r>
+              <a:rPr lang="en-US" sz="2000" dirty="0" smtClean="0"/>
+              <a:t>xchange</a:t>
+            </a:r>
+          </a:p>
+          <a:p>
+            <a:pPr marL="285750" indent="-285750">
+              <a:lnSpc>
+                <a:spcPct val="200000"/>
+              </a:lnSpc>
+              <a:buFont typeface="Arial" panose="020B0604020202020204" pitchFamily="34" charset="0"/>
+              <a:buChar char="•"/>
+            </a:pPr>
+            <a:r>
+              <a:rPr lang="en-US" sz="2000" dirty="0" smtClean="0"/>
+              <a:t>Exchange US Dollars for Bitcoin</a:t>
+            </a:r>
+          </a:p>
+        </p:txBody>
+      </p:sp>
+      <p:sp>
+        <p:nvSpPr>
+          <p:cNvPr id="5" name="TextBox 4"/>
+          <p:cNvSpPr txBox="1"/>
+          <p:nvPr/>
+        </p:nvSpPr>
+        <p:spPr>
+          <a:xfrm>
+            <a:off x="685800" y="5029200"/>
+            <a:ext cx="8083452" cy="830997"/>
+          </a:xfrm>
+          <a:prstGeom prst="rect">
+            <a:avLst/>
+          </a:prstGeom>
+          <a:noFill/>
+        </p:spPr>
+        <p:txBody>
           <a:bodyPr wrap="square" rtlCol="0">
             <a:spAutoFit/>
           </a:bodyPr>
           <a:lstStyle/>
           <a:p>
             <a:r>
-              <a:rPr lang="en-US" sz="2000" dirty="0" smtClean="0"/>
-              <a:t>By the end of 5 years we will have</a:t>
-            </a:r>
-          </a:p>
-          <a:p>
-            <a:endParaRPr lang="en-US" sz="2000" dirty="0" smtClean="0"/>
-          </a:p>
-          <a:p>
-            <a:pPr marL="342900" indent="-342900">
-              <a:lnSpc>
-                <a:spcPct val="150000"/>
-              </a:lnSpc>
-              <a:buFont typeface="Arial" panose="020B0604020202020204" pitchFamily="34" charset="0"/>
-              <a:buChar char="•"/>
-            </a:pPr>
-            <a:r>
-              <a:rPr lang="en-US" sz="2000" dirty="0" smtClean="0"/>
-              <a:t>Designed the software to operate the exchange</a:t>
-            </a:r>
-          </a:p>
-          <a:p>
-            <a:pPr marL="342900" indent="-342900">
-              <a:lnSpc>
-                <a:spcPct val="150000"/>
-              </a:lnSpc>
-              <a:buFont typeface="Arial" panose="020B0604020202020204" pitchFamily="34" charset="0"/>
-              <a:buChar char="•"/>
-            </a:pPr>
-            <a:r>
-              <a:rPr lang="en-US" sz="2000" dirty="0" smtClean="0"/>
-              <a:t>Obtained 1 million users</a:t>
-            </a:r>
-          </a:p>
-          <a:p>
-            <a:pPr marL="342900" indent="-342900">
-              <a:lnSpc>
-                <a:spcPct val="150000"/>
-              </a:lnSpc>
-              <a:buFont typeface="Arial" panose="020B0604020202020204" pitchFamily="34" charset="0"/>
-              <a:buChar char="•"/>
-            </a:pPr>
-            <a:r>
-              <a:rPr lang="en-US" sz="2000" dirty="0" smtClean="0"/>
-              <a:t>Created web portal customers can use to interact with the exchanged</a:t>
-            </a:r>
-          </a:p>
-          <a:p>
-            <a:pPr marL="342900" indent="-342900">
-              <a:lnSpc>
-                <a:spcPct val="150000"/>
-              </a:lnSpc>
-              <a:buFont typeface="Arial" panose="020B0604020202020204" pitchFamily="34" charset="0"/>
-              <a:buChar char="•"/>
-            </a:pPr>
-            <a:r>
-              <a:rPr lang="en-US" sz="2000" dirty="0" smtClean="0"/>
-              <a:t>Open the exchange </a:t>
-            </a:r>
-          </a:p>
-          <a:p>
-            <a:pPr marL="342900" indent="-342900">
-              <a:lnSpc>
-                <a:spcPct val="150000"/>
-              </a:lnSpc>
-              <a:buFont typeface="Arial" panose="020B0604020202020204" pitchFamily="34" charset="0"/>
-              <a:buChar char="•"/>
-            </a:pPr>
-            <a:r>
-              <a:rPr lang="en-US" sz="2000" dirty="0" smtClean="0"/>
-              <a:t>Maintain  at least 5% total trading volume</a:t>
-            </a:r>
-            <a:endParaRPr lang="en-US" sz="2000" dirty="0"/>
-          </a:p>
-          <a:p>
-            <a:pPr marL="342900" indent="-342900">
-              <a:lnSpc>
-                <a:spcPct val="150000"/>
-              </a:lnSpc>
-              <a:buFont typeface="Arial" panose="020B0604020202020204" pitchFamily="34" charset="0"/>
-              <a:buChar char="•"/>
-            </a:pPr>
-            <a:r>
-              <a:rPr lang="en-US" sz="2000" dirty="0" smtClean="0"/>
-              <a:t>Developed and released a smart phone wallet app</a:t>
-            </a:r>
-          </a:p>
-          <a:p>
-            <a:pPr marL="342900" indent="-342900">
-              <a:lnSpc>
-                <a:spcPct val="150000"/>
-              </a:lnSpc>
-              <a:buFont typeface="Arial" panose="020B0604020202020204" pitchFamily="34" charset="0"/>
-              <a:buChar char="•"/>
-            </a:pPr>
-            <a:r>
-              <a:rPr lang="en-US" sz="2000" dirty="0" smtClean="0"/>
-              <a:t>Release a software merchants can use to except Bitcoin payments</a:t>
-            </a:r>
+              <a:rPr lang="en-US" sz="2400" dirty="0"/>
+              <a:t>Our mission is to provide a safe and reliable place for customers to exchange </a:t>
+            </a:r>
+            <a:r>
+              <a:rPr lang="en-US" sz="2400" dirty="0" smtClean="0"/>
+              <a:t>currency</a:t>
+            </a:r>
+            <a:endParaRPr lang="en-US" sz="2400" dirty="0"/>
           </a:p>
         </p:txBody>
       </p:sp>
     </p:spTree>
     <p:extLst>
       <p:ext uri="{BB962C8B-B14F-4D97-AF65-F5344CB8AC3E}">
-        <p14:creationId xmlns:p14="http://schemas.microsoft.com/office/powerpoint/2010/main" val="2218907284"/>
+        <p14:creationId xmlns:p14="http://schemas.microsoft.com/office/powerpoint/2010/main" val="680927279"/>
       </p:ext>
     </p:extLst>
   </p:cSld>
@@ -4869,14 +5278,14 @@
       </p:grpSpPr>
       <p:sp>
         <p:nvSpPr>
-          <p:cNvPr id="3" name="TextBox 2"/>
+          <p:cNvPr id="5" name="TextBox 4"/>
           <p:cNvSpPr txBox="1"/>
           <p:nvPr/>
         </p:nvSpPr>
         <p:spPr>
           <a:xfrm>
-            <a:off x="399196" y="381000"/>
-            <a:ext cx="2170081" cy="1323439"/>
+            <a:off x="1" y="381000"/>
+            <a:ext cx="9144000" cy="707886"/>
           </a:xfrm>
           <a:prstGeom prst="rect">
             <a:avLst/>
@@ -4884,7 +5293,7 @@
           <a:noFill/>
         </p:spPr>
         <p:txBody>
-          <a:bodyPr wrap="none" rtlCol="0">
+          <a:bodyPr wrap="square" rtlCol="0">
             <a:spAutoFit/>
           </a:bodyPr>
           <a:lstStyle/>
@@ -4892,101 +5301,167 @@
             <a:pPr algn="ctr"/>
             <a:r>
               <a:rPr lang="en-US" sz="4000" dirty="0" smtClean="0"/>
-              <a:t>Industry</a:t>
-            </a:r>
-          </a:p>
-          <a:p>
-            <a:pPr algn="ctr"/>
-            <a:r>
-              <a:rPr lang="en-US" sz="4000" dirty="0" smtClean="0"/>
-              <a:t>Summary</a:t>
+              <a:t>5 Year Plan</a:t>
             </a:r>
             <a:endParaRPr lang="en-US" sz="4000" dirty="0"/>
           </a:p>
         </p:txBody>
       </p:sp>
-      <p:pic>
-        <p:nvPicPr>
-          <p:cNvPr id="1026" name="Picture 2" descr="H:\apps\xp\desktop\HOME\SCHOOL\Business\TODO\bitcoin price.PNG"/>
-          <p:cNvPicPr>
-            <a:picLocks noChangeAspect="1" noChangeArrowheads="1"/>
-          </p:cNvPicPr>
+      <p:sp>
+        <p:nvSpPr>
+          <p:cNvPr id="6" name="TextBox 5"/>
+          <p:cNvSpPr txBox="1"/>
           <p:nvPr/>
-        </p:nvPicPr>
-        <p:blipFill>
-          <a:blip r:embed="rId2">
-            <a:extLst>
-              <a:ext uri="{28A0092B-C50C-407E-A947-70E740481C1C}">
-                <a14:useLocalDpi xmlns:a14="http://schemas.microsoft.com/office/drawing/2010/main" val="0"/>
-              </a:ext>
-            </a:extLst>
-          </a:blip>
-          <a:srcRect/>
-          <a:stretch>
-            <a:fillRect/>
-          </a:stretch>
-        </p:blipFill>
-        <p:spPr bwMode="auto">
-          <a:xfrm>
-            <a:off x="3429000" y="914400"/>
-            <a:ext cx="5586413" cy="2628900"/>
+        </p:nvSpPr>
+        <p:spPr>
+          <a:xfrm>
+            <a:off x="838200" y="1905000"/>
+            <a:ext cx="7696200" cy="3631763"/>
           </a:xfrm>
           <a:prstGeom prst="rect">
             <a:avLst/>
           </a:prstGeom>
           <a:noFill/>
-          <a:extLst>
-            <a:ext uri="{909E8E84-426E-40DD-AFC4-6F175D3DCCD1}">
-              <a14:hiddenFill xmlns:a14="http://schemas.microsoft.com/office/drawing/2010/main">
-                <a:solidFill>
-                  <a:srgbClr val="FFFFFF"/>
-                </a:solidFill>
-              </a14:hiddenFill>
-            </a:ext>
-          </a:extLst>
-        </p:spPr>
-      </p:pic>
-      <p:pic>
-        <p:nvPicPr>
-          <p:cNvPr id="1027" name="Picture 3" descr="H:\apps\xp\desktop\HOME\SCHOOL\Business\TODO\transaction_Growth.PNG"/>
-          <p:cNvPicPr>
-            <a:picLocks noChangeAspect="1" noChangeArrowheads="1"/>
-          </p:cNvPicPr>
-          <p:nvPr/>
-        </p:nvPicPr>
-        <p:blipFill>
-          <a:blip r:embed="rId3">
-            <a:extLst>
-              <a:ext uri="{28A0092B-C50C-407E-A947-70E740481C1C}">
-                <a14:useLocalDpi xmlns:a14="http://schemas.microsoft.com/office/drawing/2010/main" val="0"/>
-              </a:ext>
-            </a:extLst>
-          </a:blip>
-          <a:srcRect/>
-          <a:stretch>
-            <a:fillRect/>
-          </a:stretch>
-        </p:blipFill>
-        <p:spPr bwMode="auto">
-          <a:xfrm>
-            <a:off x="399196" y="3886200"/>
-            <a:ext cx="5484019" cy="2696988"/>
-          </a:xfrm>
-          <a:prstGeom prst="rect">
-            <a:avLst/>
-          </a:prstGeom>
-          <a:noFill/>
-          <a:extLst>
-            <a:ext uri="{909E8E84-426E-40DD-AFC4-6F175D3DCCD1}">
-              <a14:hiddenFill xmlns:a14="http://schemas.microsoft.com/office/drawing/2010/main">
-                <a:solidFill>
-                  <a:srgbClr val="FFFFFF"/>
-                </a:solidFill>
-              </a14:hiddenFill>
-            </a:ext>
-          </a:extLst>
-        </p:spPr>
-      </p:pic>
+        </p:spPr>
+        <p:txBody>
+          <a:bodyPr wrap="square" rtlCol="0">
+            <a:spAutoFit/>
+          </a:bodyPr>
+          <a:lstStyle/>
+          <a:p>
+            <a:r>
+              <a:rPr lang="en-US" sz="2000" dirty="0" smtClean="0"/>
+              <a:t>By the end of 5 years we </a:t>
+            </a:r>
+            <a:r>
+              <a:rPr lang="en-US" sz="2000" dirty="0" smtClean="0"/>
+              <a:t>will</a:t>
+            </a:r>
+            <a:endParaRPr lang="en-US" sz="2000" dirty="0" smtClean="0"/>
+          </a:p>
+          <a:p>
+            <a:pPr marL="342900" indent="-342900">
+              <a:lnSpc>
+                <a:spcPct val="150000"/>
+              </a:lnSpc>
+              <a:buFont typeface="Arial" panose="020B0604020202020204" pitchFamily="34" charset="0"/>
+              <a:buChar char="•"/>
+            </a:pPr>
+            <a:r>
+              <a:rPr lang="en-US" sz="2000" dirty="0" smtClean="0"/>
+              <a:t>Designed the software to operate the exchange</a:t>
+            </a:r>
+          </a:p>
+          <a:p>
+            <a:pPr marL="342900" indent="-342900">
+              <a:lnSpc>
+                <a:spcPct val="150000"/>
+              </a:lnSpc>
+              <a:buFont typeface="Arial" panose="020B0604020202020204" pitchFamily="34" charset="0"/>
+              <a:buChar char="•"/>
+            </a:pPr>
+            <a:r>
+              <a:rPr lang="en-US" sz="2000" dirty="0" smtClean="0"/>
+              <a:t>Obtained 1 million users</a:t>
+            </a:r>
+          </a:p>
+          <a:p>
+            <a:pPr marL="342900" indent="-342900">
+              <a:lnSpc>
+                <a:spcPct val="150000"/>
+              </a:lnSpc>
+              <a:buFont typeface="Arial" panose="020B0604020202020204" pitchFamily="34" charset="0"/>
+              <a:buChar char="•"/>
+            </a:pPr>
+            <a:r>
+              <a:rPr lang="en-US" sz="2000" dirty="0" smtClean="0"/>
+              <a:t>Created web portal customers can use to interact with the </a:t>
+            </a:r>
+            <a:r>
+              <a:rPr lang="en-US" sz="2000" dirty="0" smtClean="0"/>
+              <a:t>exchange</a:t>
+            </a:r>
+            <a:endParaRPr lang="en-US" sz="2000" dirty="0" smtClean="0"/>
+          </a:p>
+          <a:p>
+            <a:pPr marL="342900" indent="-342900">
+              <a:lnSpc>
+                <a:spcPct val="150000"/>
+              </a:lnSpc>
+              <a:buFont typeface="Arial" panose="020B0604020202020204" pitchFamily="34" charset="0"/>
+              <a:buChar char="•"/>
+            </a:pPr>
+            <a:r>
+              <a:rPr lang="en-US" sz="2000" dirty="0" smtClean="0"/>
+              <a:t>Open the exchange </a:t>
+            </a:r>
+          </a:p>
+          <a:p>
+            <a:pPr marL="342900" indent="-342900">
+              <a:lnSpc>
+                <a:spcPct val="150000"/>
+              </a:lnSpc>
+              <a:buFont typeface="Arial" panose="020B0604020202020204" pitchFamily="34" charset="0"/>
+              <a:buChar char="•"/>
+            </a:pPr>
+            <a:r>
+              <a:rPr lang="en-US" sz="2000" dirty="0" smtClean="0"/>
+              <a:t>Maintain </a:t>
+            </a:r>
+            <a:r>
+              <a:rPr lang="en-US" sz="2000" dirty="0" smtClean="0"/>
+              <a:t>at least 5% total trading volume</a:t>
+            </a:r>
+            <a:endParaRPr lang="en-US" sz="2000" dirty="0"/>
+          </a:p>
+          <a:p>
+            <a:pPr marL="342900" indent="-342900">
+              <a:lnSpc>
+                <a:spcPct val="150000"/>
+              </a:lnSpc>
+              <a:buFont typeface="Arial" panose="020B0604020202020204" pitchFamily="34" charset="0"/>
+              <a:buChar char="•"/>
+            </a:pPr>
+            <a:r>
+              <a:rPr lang="en-US" sz="2000" dirty="0" smtClean="0"/>
+              <a:t>Develop </a:t>
+            </a:r>
+            <a:r>
+              <a:rPr lang="en-US" sz="2000" dirty="0" smtClean="0"/>
+              <a:t>and </a:t>
+            </a:r>
+            <a:r>
+              <a:rPr lang="en-US" sz="2000" dirty="0" smtClean="0"/>
+              <a:t>release </a:t>
+            </a:r>
+            <a:r>
+              <a:rPr lang="en-US" sz="2000" dirty="0" smtClean="0"/>
+              <a:t>a smart phone wallet app</a:t>
+            </a:r>
+          </a:p>
+          <a:p>
+            <a:pPr marL="342900" indent="-342900">
+              <a:lnSpc>
+                <a:spcPct val="150000"/>
+              </a:lnSpc>
+              <a:buFont typeface="Arial" panose="020B0604020202020204" pitchFamily="34" charset="0"/>
+              <a:buChar char="•"/>
+            </a:pPr>
+            <a:r>
+              <a:rPr lang="en-US" sz="2000" dirty="0" smtClean="0"/>
+              <a:t>Release </a:t>
+            </a:r>
+            <a:r>
+              <a:rPr lang="en-US" sz="2000" dirty="0" smtClean="0"/>
+              <a:t>software </a:t>
+            </a:r>
+            <a:r>
+              <a:rPr lang="en-US" sz="2000" dirty="0" smtClean="0"/>
+              <a:t>merchants can use to except Bitcoin payments</a:t>
+            </a:r>
+          </a:p>
+        </p:txBody>
+      </p:sp>
     </p:spTree>
     <p:extLst>
       <p:ext uri="{BB962C8B-B14F-4D97-AF65-F5344CB8AC3E}">
@@ -5019,14 +5494,14 @@
       </p:grpSpPr>
       <p:sp>
         <p:nvSpPr>
-          <p:cNvPr id="4" name="TextBox 3"/>
+          <p:cNvPr id="3" name="TextBox 2"/>
           <p:cNvSpPr txBox="1"/>
           <p:nvPr/>
         </p:nvSpPr>
         <p:spPr>
           <a:xfrm>
-            <a:off x="0" y="304800"/>
-            <a:ext cx="9144000" cy="707886"/>
+            <a:off x="399196" y="381000"/>
+            <a:ext cx="2170081" cy="1323439"/>
           </a:xfrm>
           <a:prstGeom prst="rect">
             <a:avLst/>
@@ -5034,7 +5509,7 @@
           <a:noFill/>
         </p:spPr>
         <p:txBody>
-          <a:bodyPr wrap="square" rtlCol="0">
+          <a:bodyPr wrap="none" rtlCol="0">
             <a:spAutoFit/>
           </a:bodyPr>
           <a:lstStyle/>
@@ -5042,288 +5517,101 @@
             <a:pPr algn="ctr"/>
             <a:r>
               <a:rPr lang="en-US" sz="4000" dirty="0" smtClean="0"/>
-              <a:t>STEP</a:t>
+              <a:t>Industry</a:t>
+            </a:r>
+          </a:p>
+          <a:p>
+            <a:pPr algn="ctr"/>
+            <a:r>
+              <a:rPr lang="en-US" sz="4000" dirty="0" smtClean="0"/>
+              <a:t>Summary</a:t>
             </a:r>
             <a:endParaRPr lang="en-US" sz="4000" dirty="0"/>
           </a:p>
         </p:txBody>
       </p:sp>
-      <p:sp>
-        <p:nvSpPr>
-          <p:cNvPr id="2" name="TextBox 1"/>
-          <p:cNvSpPr txBox="1"/>
+      <p:pic>
+        <p:nvPicPr>
+          <p:cNvPr id="1026" name="Picture 2" descr="H:\apps\xp\desktop\HOME\SCHOOL\Business\TODO\bitcoin price.PNG"/>
+          <p:cNvPicPr>
+            <a:picLocks noChangeAspect="1" noChangeArrowheads="1"/>
+          </p:cNvPicPr>
           <p:nvPr/>
-        </p:nvSpPr>
-        <p:spPr>
-          <a:xfrm>
-            <a:off x="685800" y="1828821"/>
-            <a:ext cx="2912849" cy="1338828"/>
+        </p:nvPicPr>
+        <p:blipFill>
+          <a:blip r:embed="rId2">
+            <a:extLst>
+              <a:ext uri="{28A0092B-C50C-407E-A947-70E740481C1C}">
+                <a14:useLocalDpi xmlns:a14="http://schemas.microsoft.com/office/drawing/2010/main" val="0"/>
+              </a:ext>
+            </a:extLst>
+          </a:blip>
+          <a:srcRect/>
+          <a:stretch>
+            <a:fillRect/>
+          </a:stretch>
+        </p:blipFill>
+        <p:spPr bwMode="auto">
+          <a:xfrm>
+            <a:off x="3429000" y="914400"/>
+            <a:ext cx="5586413" cy="2628900"/>
           </a:xfrm>
           <a:prstGeom prst="rect">
             <a:avLst/>
           </a:prstGeom>
           <a:noFill/>
-        </p:spPr>
-        <p:txBody>
-          <a:bodyPr wrap="none" rtlCol="0">
-            <a:spAutoFit/>
-          </a:bodyPr>
-          <a:lstStyle/>
-          <a:p>
-            <a:pPr>
-              <a:lnSpc>
-                <a:spcPct val="150000"/>
-              </a:lnSpc>
-            </a:pPr>
-            <a:r>
-              <a:rPr lang="en-US" b="1" dirty="0" smtClean="0"/>
-              <a:t>Social</a:t>
-            </a:r>
-          </a:p>
-          <a:p>
-            <a:pPr marL="285750" indent="-285750">
-              <a:lnSpc>
-                <a:spcPct val="150000"/>
-              </a:lnSpc>
-              <a:buFont typeface="Arial" panose="020B0604020202020204" pitchFamily="34" charset="0"/>
-              <a:buChar char="•"/>
-            </a:pPr>
-            <a:r>
-              <a:rPr lang="en-US" dirty="0"/>
-              <a:t>O</a:t>
-            </a:r>
-            <a:r>
-              <a:rPr lang="en-US" dirty="0" smtClean="0"/>
-              <a:t>pportunity: To Big to Fail</a:t>
-            </a:r>
-          </a:p>
-          <a:p>
-            <a:pPr marL="285750" indent="-285750">
-              <a:lnSpc>
-                <a:spcPct val="150000"/>
-              </a:lnSpc>
-              <a:buFont typeface="Arial" panose="020B0604020202020204" pitchFamily="34" charset="0"/>
-              <a:buChar char="•"/>
-            </a:pPr>
-            <a:r>
-              <a:rPr lang="en-US" dirty="0" smtClean="0"/>
-              <a:t>Threat: Silk Road</a:t>
-            </a:r>
-            <a:endParaRPr lang="en-US" dirty="0"/>
-          </a:p>
-        </p:txBody>
-      </p:sp>
-      <p:sp>
-        <p:nvSpPr>
-          <p:cNvPr id="5" name="TextBox 4"/>
-          <p:cNvSpPr txBox="1"/>
+          <a:extLst>
+            <a:ext uri="{909E8E84-426E-40DD-AFC4-6F175D3DCCD1}">
+              <a14:hiddenFill xmlns:a14="http://schemas.microsoft.com/office/drawing/2010/main">
+                <a:solidFill>
+                  <a:srgbClr val="FFFFFF"/>
+                </a:solidFill>
+              </a14:hiddenFill>
+            </a:ext>
+          </a:extLst>
+        </p:spPr>
+      </p:pic>
+      <p:pic>
+        <p:nvPicPr>
+          <p:cNvPr id="1027" name="Picture 3" descr="H:\apps\xp\desktop\HOME\SCHOOL\Business\TODO\transaction_Growth.PNG"/>
+          <p:cNvPicPr>
+            <a:picLocks noChangeAspect="1" noChangeArrowheads="1"/>
+          </p:cNvPicPr>
           <p:nvPr/>
-        </p:nvSpPr>
-        <p:spPr>
-          <a:xfrm>
-            <a:off x="596660" y="4321920"/>
-            <a:ext cx="3581400" cy="1338828"/>
+        </p:nvPicPr>
+        <p:blipFill>
+          <a:blip r:embed="rId3">
+            <a:extLst>
+              <a:ext uri="{28A0092B-C50C-407E-A947-70E740481C1C}">
+                <a14:useLocalDpi xmlns:a14="http://schemas.microsoft.com/office/drawing/2010/main" val="0"/>
+              </a:ext>
+            </a:extLst>
+          </a:blip>
+          <a:srcRect/>
+          <a:stretch>
+            <a:fillRect/>
+          </a:stretch>
+        </p:blipFill>
+        <p:spPr bwMode="auto">
+          <a:xfrm>
+            <a:off x="399196" y="3886200"/>
+            <a:ext cx="5484019" cy="2696988"/>
           </a:xfrm>
           <a:prstGeom prst="rect">
             <a:avLst/>
           </a:prstGeom>
           <a:noFill/>
-        </p:spPr>
-        <p:txBody>
-          <a:bodyPr wrap="square" rtlCol="0">
-            <a:spAutoFit/>
-          </a:bodyPr>
-          <a:lstStyle/>
-          <a:p>
-            <a:pPr>
-              <a:lnSpc>
-                <a:spcPct val="150000"/>
-              </a:lnSpc>
-            </a:pPr>
-            <a:r>
-              <a:rPr lang="en-US" b="1" dirty="0" smtClean="0"/>
-              <a:t>Technology</a:t>
-            </a:r>
-          </a:p>
-          <a:p>
-            <a:pPr marL="285750" indent="-285750">
-              <a:lnSpc>
-                <a:spcPct val="150000"/>
-              </a:lnSpc>
-              <a:buFont typeface="Arial" panose="020B0604020202020204" pitchFamily="34" charset="0"/>
-              <a:buChar char="•"/>
-            </a:pPr>
-            <a:r>
-              <a:rPr lang="en-US" i="1" dirty="0"/>
-              <a:t>O</a:t>
-            </a:r>
-            <a:r>
-              <a:rPr lang="en-US" i="1" dirty="0" smtClean="0"/>
-              <a:t>pportunity</a:t>
-            </a:r>
-            <a:r>
-              <a:rPr lang="en-US" dirty="0" smtClean="0"/>
-              <a:t>: Block chain</a:t>
-            </a:r>
-          </a:p>
-          <a:p>
-            <a:pPr marL="285750" indent="-285750">
-              <a:lnSpc>
-                <a:spcPct val="150000"/>
-              </a:lnSpc>
-              <a:buFont typeface="Arial" panose="020B0604020202020204" pitchFamily="34" charset="0"/>
-              <a:buChar char="•"/>
-            </a:pPr>
-            <a:r>
-              <a:rPr lang="en-US" i="1" dirty="0" smtClean="0"/>
-              <a:t>Threat</a:t>
-            </a:r>
-            <a:r>
-              <a:rPr lang="en-US" dirty="0" smtClean="0"/>
-              <a:t>: Hackers</a:t>
-            </a:r>
-            <a:endParaRPr lang="en-US" dirty="0"/>
-          </a:p>
-        </p:txBody>
-      </p:sp>
-      <p:sp>
-        <p:nvSpPr>
-          <p:cNvPr id="3" name="TextBox 2"/>
-          <p:cNvSpPr txBox="1"/>
-          <p:nvPr/>
-        </p:nvSpPr>
-        <p:spPr>
-          <a:xfrm>
-            <a:off x="4600755" y="1850091"/>
-            <a:ext cx="3877023" cy="1338828"/>
-          </a:xfrm>
-          <a:prstGeom prst="rect">
-            <a:avLst/>
-          </a:prstGeom>
-          <a:noFill/>
-        </p:spPr>
-        <p:txBody>
-          <a:bodyPr wrap="none" rtlCol="0">
-            <a:spAutoFit/>
-          </a:bodyPr>
-          <a:lstStyle/>
-          <a:p>
-            <a:pPr>
-              <a:lnSpc>
-                <a:spcPct val="150000"/>
-              </a:lnSpc>
-            </a:pPr>
-            <a:r>
-              <a:rPr lang="en-US" b="1" dirty="0" smtClean="0"/>
-              <a:t>Economic trends</a:t>
-            </a:r>
-          </a:p>
-          <a:p>
-            <a:pPr marL="285750" indent="-285750">
-              <a:lnSpc>
-                <a:spcPct val="150000"/>
-              </a:lnSpc>
-              <a:buFont typeface="Arial" panose="020B0604020202020204" pitchFamily="34" charset="0"/>
-              <a:buChar char="•"/>
-            </a:pPr>
-            <a:r>
-              <a:rPr lang="en-US" i="1" dirty="0" smtClean="0"/>
-              <a:t>Opportunity</a:t>
-            </a:r>
-            <a:r>
-              <a:rPr lang="en-US" dirty="0" smtClean="0"/>
-              <a:t>:  Growth of online sales</a:t>
-            </a:r>
-          </a:p>
-          <a:p>
-            <a:pPr marL="285750" indent="-285750">
-              <a:lnSpc>
-                <a:spcPct val="150000"/>
-              </a:lnSpc>
-              <a:buFont typeface="Arial" panose="020B0604020202020204" pitchFamily="34" charset="0"/>
-              <a:buChar char="•"/>
-            </a:pPr>
-            <a:r>
-              <a:rPr lang="en-US" i="1" dirty="0" smtClean="0"/>
-              <a:t>Threat</a:t>
-            </a:r>
-            <a:r>
-              <a:rPr lang="en-US" dirty="0" smtClean="0"/>
-              <a:t>:  Poor economy</a:t>
-            </a:r>
-            <a:endParaRPr lang="en-US" dirty="0"/>
-          </a:p>
-        </p:txBody>
-      </p:sp>
-      <p:sp>
-        <p:nvSpPr>
-          <p:cNvPr id="6" name="TextBox 5"/>
-          <p:cNvSpPr txBox="1"/>
-          <p:nvPr/>
-        </p:nvSpPr>
-        <p:spPr>
-          <a:xfrm>
-            <a:off x="4724400" y="4343400"/>
-            <a:ext cx="4653064" cy="1295868"/>
-          </a:xfrm>
-          <a:prstGeom prst="rect">
-            <a:avLst/>
-          </a:prstGeom>
-          <a:noFill/>
-        </p:spPr>
-        <p:txBody>
-          <a:bodyPr wrap="square" rtlCol="0">
-            <a:spAutoFit/>
-          </a:bodyPr>
-          <a:lstStyle/>
-          <a:p>
-            <a:pPr>
-              <a:lnSpc>
-                <a:spcPct val="150000"/>
-              </a:lnSpc>
-            </a:pPr>
-            <a:r>
-              <a:rPr lang="en-US" b="1" dirty="0" smtClean="0"/>
-              <a:t>Political and Regulatory Factors</a:t>
-            </a:r>
-          </a:p>
-          <a:p>
-            <a:pPr marL="285750" indent="-285750">
-              <a:lnSpc>
-                <a:spcPct val="150000"/>
-              </a:lnSpc>
-              <a:buFont typeface="Arial" panose="020B0604020202020204" pitchFamily="34" charset="0"/>
-              <a:buChar char="•"/>
-            </a:pPr>
-            <a:r>
-              <a:rPr lang="en-US" i="1" dirty="0" smtClean="0"/>
-              <a:t>Opportunity</a:t>
-            </a:r>
-            <a:r>
-              <a:rPr lang="en-US" dirty="0" smtClean="0"/>
-              <a:t>:  NYS BitLicense</a:t>
-            </a:r>
-          </a:p>
-          <a:p>
-            <a:pPr marL="285750" indent="-285750">
-              <a:lnSpc>
-                <a:spcPct val="150000"/>
-              </a:lnSpc>
-              <a:buFont typeface="Arial" panose="020B0604020202020204" pitchFamily="34" charset="0"/>
-              <a:buChar char="•"/>
-            </a:pPr>
-            <a:r>
-              <a:rPr lang="en-US" i="1" dirty="0" smtClean="0"/>
-              <a:t>Threat</a:t>
-            </a:r>
-            <a:r>
-              <a:rPr lang="en-US" dirty="0" smtClean="0"/>
-              <a:t>:  Governments regulation</a:t>
-            </a:r>
-            <a:endParaRPr lang="en-US" dirty="0"/>
-          </a:p>
-        </p:txBody>
-      </p:sp>
+          <a:extLst>
+            <a:ext uri="{909E8E84-426E-40DD-AFC4-6F175D3DCCD1}">
+              <a14:hiddenFill xmlns:a14="http://schemas.microsoft.com/office/drawing/2010/main">
+                <a:solidFill>
+                  <a:srgbClr val="FFFFFF"/>
+                </a:solidFill>
+              </a14:hiddenFill>
+            </a:ext>
+          </a:extLst>
+        </p:spPr>
+      </p:pic>
     </p:spTree>
     <p:extLst>
       <p:ext uri="{BB962C8B-B14F-4D97-AF65-F5344CB8AC3E}">
@@ -5362,7 +5650,7 @@
         </p:nvSpPr>
         <p:spPr>
           <a:xfrm>
-            <a:off x="0" y="344269"/>
+            <a:off x="0" y="304800"/>
             <a:ext cx="9144000" cy="707886"/>
           </a:xfrm>
           <a:prstGeom prst="rect">
@@ -5379,7 +5667,7 @@
             <a:pPr algn="ctr"/>
             <a:r>
               <a:rPr lang="en-US" sz="4000" dirty="0" smtClean="0"/>
-              <a:t>The Competition</a:t>
+              <a:t>STEP</a:t>
             </a:r>
             <a:endParaRPr lang="en-US" sz="4000" dirty="0"/>
           </a:p>
@@ -5393,8 +5681,8 @@
         </p:nvSpPr>
         <p:spPr>
           <a:xfrm>
-            <a:off x="457200" y="5868491"/>
-            <a:ext cx="8001000" cy="369332"/>
+            <a:off x="457200" y="1600200"/>
+            <a:ext cx="3856953" cy="1754326"/>
           </a:xfrm>
           <a:prstGeom prst="rect">
             <a:avLst/>
@@ -5402,27 +5690,136 @@
           <a:noFill/>
         </p:spPr>
         <p:txBody>
+          <a:bodyPr wrap="none" rtlCol="0">
+            <a:spAutoFit/>
+          </a:bodyPr>
+          <a:lstStyle/>
+          <a:p>
+            <a:pPr>
+              <a:lnSpc>
+                <a:spcPct val="150000"/>
+              </a:lnSpc>
+            </a:pPr>
+            <a:r>
+              <a:rPr lang="en-US" sz="2400" b="1" dirty="0" smtClean="0"/>
+              <a:t>Social</a:t>
+            </a:r>
+          </a:p>
+          <a:p>
+            <a:pPr marL="285750" indent="-285750">
+              <a:lnSpc>
+                <a:spcPct val="150000"/>
+              </a:lnSpc>
+              <a:buFont typeface="Arial" panose="020B0604020202020204" pitchFamily="34" charset="0"/>
+              <a:buChar char="•"/>
+            </a:pPr>
+            <a:r>
+              <a:rPr lang="en-US" sz="2400" i="1" dirty="0"/>
+              <a:t>O</a:t>
+            </a:r>
+            <a:r>
+              <a:rPr lang="en-US" sz="2400" i="1" dirty="0" smtClean="0"/>
+              <a:t>pportunity: </a:t>
+            </a:r>
+            <a:r>
+              <a:rPr lang="en-US" sz="2400" dirty="0" smtClean="0"/>
+              <a:t>Too </a:t>
+            </a:r>
+            <a:r>
+              <a:rPr lang="en-US" sz="2400" dirty="0" smtClean="0"/>
+              <a:t>Big to Fail</a:t>
+            </a:r>
+          </a:p>
+          <a:p>
+            <a:pPr marL="285750" indent="-285750">
+              <a:lnSpc>
+                <a:spcPct val="150000"/>
+              </a:lnSpc>
+              <a:buFont typeface="Arial" panose="020B0604020202020204" pitchFamily="34" charset="0"/>
+              <a:buChar char="•"/>
+            </a:pPr>
+            <a:r>
+              <a:rPr lang="en-US" sz="2400" i="1" dirty="0" smtClean="0"/>
+              <a:t>Threat: </a:t>
+            </a:r>
+            <a:r>
+              <a:rPr lang="en-US" sz="2400" dirty="0" smtClean="0"/>
+              <a:t>Silk Road</a:t>
+            </a:r>
+            <a:endParaRPr lang="en-US" sz="2400" dirty="0"/>
+          </a:p>
+        </p:txBody>
+      </p:sp>
+      <p:sp>
+        <p:nvSpPr>
+          <p:cNvPr id="5" name="TextBox 4"/>
+          <p:cNvSpPr txBox="1"/>
+          <p:nvPr/>
+        </p:nvSpPr>
+        <p:spPr>
+          <a:xfrm>
+            <a:off x="304800" y="3960674"/>
+            <a:ext cx="3581400" cy="1754326"/>
+          </a:xfrm>
+          <a:prstGeom prst="rect">
+            <a:avLst/>
+          </a:prstGeom>
+          <a:noFill/>
+        </p:spPr>
+        <p:txBody>
           <a:bodyPr wrap="square" rtlCol="0">
             <a:spAutoFit/>
           </a:bodyPr>
           <a:lstStyle/>
           <a:p>
-            <a:r>
-              <a:rPr lang="en-US" i="1" dirty="0" smtClean="0"/>
-              <a:t>Critical </a:t>
-            </a:r>
-            <a:r>
-              <a:rPr lang="en-US" i="1" dirty="0"/>
-              <a:t>S</a:t>
-            </a:r>
-            <a:r>
-              <a:rPr lang="en-US" i="1" dirty="0" smtClean="0"/>
-              <a:t>uccess Factors:  </a:t>
-            </a:r>
-            <a:r>
-              <a:rPr lang="en-US" dirty="0" smtClean="0"/>
-              <a:t>Price, Customer service, Available products, Security</a:t>
-            </a:r>
+            <a:pPr>
+              <a:lnSpc>
+                <a:spcPct val="150000"/>
+              </a:lnSpc>
+            </a:pPr>
+            <a:r>
+              <a:rPr lang="en-US" sz="2400" b="1" dirty="0" smtClean="0"/>
+              <a:t>Technology</a:t>
+            </a:r>
+          </a:p>
+          <a:p>
+            <a:pPr marL="285750" indent="-285750">
+              <a:lnSpc>
+                <a:spcPct val="150000"/>
+              </a:lnSpc>
+              <a:buFont typeface="Arial" panose="020B0604020202020204" pitchFamily="34" charset="0"/>
+              <a:buChar char="•"/>
+            </a:pPr>
+            <a:r>
+              <a:rPr lang="en-US" sz="2400" i="1" dirty="0"/>
+              <a:t>O</a:t>
+            </a:r>
+            <a:r>
+              <a:rPr lang="en-US" sz="2400" i="1" dirty="0" smtClean="0"/>
+              <a:t>pportunity</a:t>
+            </a:r>
+            <a:r>
+              <a:rPr lang="en-US" sz="2400" dirty="0" smtClean="0"/>
+              <a:t>: Block chain</a:t>
+            </a:r>
+          </a:p>
+          <a:p>
+            <a:pPr marL="285750" indent="-285750">
+              <a:lnSpc>
+                <a:spcPct val="150000"/>
+              </a:lnSpc>
+              <a:buFont typeface="Arial" panose="020B0604020202020204" pitchFamily="34" charset="0"/>
+              <a:buChar char="•"/>
+            </a:pPr>
+            <a:r>
+              <a:rPr lang="en-US" sz="2400" i="1" dirty="0" smtClean="0"/>
+              <a:t>Threat</a:t>
+            </a:r>
+            <a:r>
+              <a:rPr lang="en-US" sz="2400" dirty="0" smtClean="0"/>
+              <a:t>: Hackers</a:t>
+            </a:r>
+            <a:endParaRPr lang="en-US" sz="2400" dirty="0"/>
           </a:p>
         </p:txBody>
       </p:sp>
@@ -5434,7 +5831,255 @@
         </p:nvSpPr>
         <p:spPr>
           <a:xfrm>
-            <a:off x="2819400" y="5057001"/>
+            <a:off x="4753155" y="1600200"/>
+            <a:ext cx="4238445" cy="2308324"/>
+          </a:xfrm>
+          <a:prstGeom prst="rect">
+            <a:avLst/>
+          </a:prstGeom>
+          <a:noFill/>
+        </p:spPr>
+        <p:txBody>
+          <a:bodyPr wrap="square" rtlCol="0">
+            <a:spAutoFit/>
+          </a:bodyPr>
+          <a:lstStyle/>
+          <a:p>
+            <a:pPr>
+              <a:lnSpc>
+                <a:spcPct val="150000"/>
+              </a:lnSpc>
+            </a:pPr>
+            <a:r>
+              <a:rPr lang="en-US" sz="2400" b="1" dirty="0" smtClean="0"/>
+              <a:t>Economic trends</a:t>
+            </a:r>
+          </a:p>
+          <a:p>
+            <a:pPr marL="285750" indent="-285750">
+              <a:lnSpc>
+                <a:spcPct val="150000"/>
+              </a:lnSpc>
+              <a:buFont typeface="Arial" panose="020B0604020202020204" pitchFamily="34" charset="0"/>
+              <a:buChar char="•"/>
+            </a:pPr>
+            <a:r>
+              <a:rPr lang="en-US" sz="2400" i="1" dirty="0" smtClean="0"/>
+              <a:t>Opportunity</a:t>
+            </a:r>
+            <a:r>
+              <a:rPr lang="en-US" sz="2400" dirty="0" smtClean="0"/>
+              <a:t>:  Growth of online sales</a:t>
+            </a:r>
+          </a:p>
+          <a:p>
+            <a:pPr marL="285750" indent="-285750">
+              <a:lnSpc>
+                <a:spcPct val="150000"/>
+              </a:lnSpc>
+              <a:buFont typeface="Arial" panose="020B0604020202020204" pitchFamily="34" charset="0"/>
+              <a:buChar char="•"/>
+            </a:pPr>
+            <a:r>
+              <a:rPr lang="en-US" sz="2400" i="1" dirty="0" smtClean="0"/>
+              <a:t>Threat</a:t>
+            </a:r>
+            <a:r>
+              <a:rPr lang="en-US" sz="2400" dirty="0" smtClean="0"/>
+              <a:t>:  Poor economy</a:t>
+            </a:r>
+            <a:endParaRPr lang="en-US" sz="2400" dirty="0"/>
+          </a:p>
+        </p:txBody>
+      </p:sp>
+      <p:sp>
+        <p:nvSpPr>
+          <p:cNvPr id="6" name="TextBox 5"/>
+          <p:cNvSpPr txBox="1"/>
+          <p:nvPr/>
+        </p:nvSpPr>
+        <p:spPr>
+          <a:xfrm>
+            <a:off x="4343400" y="4343400"/>
+            <a:ext cx="4653064" cy="1754326"/>
+          </a:xfrm>
+          <a:prstGeom prst="rect">
+            <a:avLst/>
+          </a:prstGeom>
+          <a:noFill/>
+        </p:spPr>
+        <p:txBody>
+          <a:bodyPr wrap="square" rtlCol="0">
+            <a:spAutoFit/>
+          </a:bodyPr>
+          <a:lstStyle/>
+          <a:p>
+            <a:pPr>
+              <a:lnSpc>
+                <a:spcPct val="150000"/>
+              </a:lnSpc>
+            </a:pPr>
+            <a:r>
+              <a:rPr lang="en-US" sz="2400" b="1" dirty="0" smtClean="0"/>
+              <a:t>Political and Regulatory Factors</a:t>
+            </a:r>
+          </a:p>
+          <a:p>
+            <a:pPr marL="285750" indent="-285750">
+              <a:lnSpc>
+                <a:spcPct val="150000"/>
+              </a:lnSpc>
+              <a:buFont typeface="Arial" panose="020B0604020202020204" pitchFamily="34" charset="0"/>
+              <a:buChar char="•"/>
+            </a:pPr>
+            <a:r>
+              <a:rPr lang="en-US" sz="2400" i="1" dirty="0" smtClean="0"/>
+              <a:t>Opportunity</a:t>
+            </a:r>
+            <a:r>
+              <a:rPr lang="en-US" sz="2400" dirty="0" smtClean="0"/>
+              <a:t>:  NYS BitLicense</a:t>
+            </a:r>
+          </a:p>
+          <a:p>
+            <a:pPr marL="285750" indent="-285750">
+              <a:lnSpc>
+                <a:spcPct val="150000"/>
+              </a:lnSpc>
+              <a:buFont typeface="Arial" panose="020B0604020202020204" pitchFamily="34" charset="0"/>
+              <a:buChar char="•"/>
+            </a:pPr>
+            <a:r>
+              <a:rPr lang="en-US" sz="2400" i="1" dirty="0" smtClean="0"/>
+              <a:t>Threat</a:t>
+            </a:r>
+            <a:r>
+              <a:rPr lang="en-US" sz="2400" dirty="0" smtClean="0"/>
+              <a:t>:  </a:t>
+            </a:r>
+            <a:r>
+              <a:rPr lang="en-US" sz="2400" dirty="0" smtClean="0"/>
+              <a:t>Government </a:t>
+            </a:r>
+            <a:r>
+              <a:rPr lang="en-US" sz="2400" dirty="0" smtClean="0"/>
+              <a:t>regulation</a:t>
+            </a:r>
+            <a:endParaRPr lang="en-US" sz="2400" dirty="0"/>
+          </a:p>
+        </p:txBody>
+      </p:sp>
+    </p:spTree>
+    <p:extLst>
+      <p:ext uri="{BB962C8B-B14F-4D97-AF65-F5344CB8AC3E}">
+        <p14:creationId xmlns:p14="http://schemas.microsoft.com/office/powerpoint/2010/main" val="2218907284"/>
+      </p:ext>
+    </p:extLst>
+  </p:cSld>
+  <p:clrMapOvr>
+    <a:masterClrMapping/>
+  </p:clrMapOvr>
+</p:sld>
+</file>
+
+<file path=ppt/slides/slide6.xml><?xml version="1.0" encoding="utf-8"?>
+<p:sld xmlns:a="http://schemas.openxmlformats.org/drawingml/2006/main" xmlns:r="http://schemas.openxmlformats.org/officeDocument/2006/relationships" xmlns:p="http://schemas.openxmlformats.org/presentationml/2006/main">
+  <p:cSld>
+    <p:spTree>
+      <p:nvGrpSpPr>
+        <p:cNvPr id="1" name=""/>
+        <p:cNvGrpSpPr/>
+        <p:nvPr/>
+      </p:nvGrpSpPr>
+      <p:grpSpPr>
+        <a:xfrm>
+          <a:off x="0" y="0"/>
+          <a:ext cx="0" cy="0"/>
+          <a:chOff x="0" y="0"/>
+          <a:chExt cx="0" cy="0"/>
+        </a:xfrm>
+      </p:grpSpPr>
+      <p:sp>
+        <p:nvSpPr>
+          <p:cNvPr id="4" name="TextBox 3"/>
+          <p:cNvSpPr txBox="1"/>
+          <p:nvPr/>
+        </p:nvSpPr>
+        <p:spPr>
+          <a:xfrm>
+            <a:off x="0" y="344269"/>
+            <a:ext cx="9144000" cy="707886"/>
+          </a:xfrm>
+          <a:prstGeom prst="rect">
+            <a:avLst/>
+          </a:prstGeom>
+          <a:noFill/>
+        </p:spPr>
+        <p:txBody>
+          <a:bodyPr wrap="square" rtlCol="0">
+            <a:spAutoFit/>
+          </a:bodyPr>
+          <a:lstStyle/>
+          <a:p>
+            <a:pPr algn="ctr"/>
+            <a:r>
+              <a:rPr lang="en-US" sz="4000" dirty="0" smtClean="0"/>
+              <a:t>The Competition</a:t>
+            </a:r>
+            <a:endParaRPr lang="en-US" sz="4000" dirty="0"/>
+          </a:p>
+        </p:txBody>
+      </p:sp>
+      <p:sp>
+        <p:nvSpPr>
+          <p:cNvPr id="2" name="TextBox 1"/>
+          <p:cNvSpPr txBox="1"/>
+          <p:nvPr/>
+        </p:nvSpPr>
+        <p:spPr>
+          <a:xfrm>
+            <a:off x="194510" y="5892703"/>
+            <a:ext cx="8534400" cy="400110"/>
+          </a:xfrm>
+          <a:prstGeom prst="rect">
+            <a:avLst/>
+          </a:prstGeom>
+          <a:noFill/>
+        </p:spPr>
+        <p:txBody>
+          <a:bodyPr wrap="square" rtlCol="0">
+            <a:spAutoFit/>
+          </a:bodyPr>
+          <a:lstStyle/>
+          <a:p>
+            <a:r>
+              <a:rPr lang="en-US" sz="2000" i="1" dirty="0" smtClean="0"/>
+              <a:t>Critical </a:t>
+            </a:r>
+            <a:r>
+              <a:rPr lang="en-US" sz="2000" i="1" dirty="0"/>
+              <a:t>S</a:t>
+            </a:r>
+            <a:r>
+              <a:rPr lang="en-US" sz="2000" i="1" dirty="0" smtClean="0"/>
+              <a:t>uccess Factors:  </a:t>
+            </a:r>
+            <a:r>
+              <a:rPr lang="en-US" sz="2000" dirty="0" smtClean="0"/>
+              <a:t>Price, Customer service, Available products, Security</a:t>
+            </a:r>
+          </a:p>
+        </p:txBody>
+      </p:sp>
+      <p:sp>
+        <p:nvSpPr>
+          <p:cNvPr id="3" name="TextBox 2"/>
+          <p:cNvSpPr txBox="1"/>
+          <p:nvPr/>
+        </p:nvSpPr>
+        <p:spPr>
+          <a:xfrm>
+            <a:off x="2586036" y="5151384"/>
             <a:ext cx="3751348" cy="276999"/>
           </a:xfrm>
           <a:prstGeom prst="rect">
@@ -5494,8 +6139,8 @@
         </p:blipFill>
         <p:spPr bwMode="auto">
           <a:xfrm>
-            <a:off x="2165179" y="1600200"/>
-            <a:ext cx="4585041" cy="3276600"/>
+            <a:off x="1752600" y="1219199"/>
+            <a:ext cx="5334000" cy="3811827"/>
           </a:xfrm>
           <a:prstGeom prst="rect">
             <a:avLst/>
@@ -5545,7 +6190,7 @@
 </p:sld>
 </file>
 
-<file path=ppt/slides/slide6.xml><?xml version="1.0" encoding="utf-8"?>
+<file path=ppt/slides/slide7.xml><?xml version="1.0" encoding="utf-8"?>
 <p:sld xmlns:a="http://schemas.openxmlformats.org/drawingml/2006/main" xmlns:r="http://schemas.openxmlformats.org/officeDocument/2006/relationships" xmlns:p="http://schemas.openxmlformats.org/presentationml/2006/main">
   <p:cSld>
     <p:spTree>
@@ -5616,7 +6261,7 @@
         </p:blipFill>
         <p:spPr bwMode="auto">
           <a:xfrm>
-            <a:off x="838200" y="1281008"/>
+            <a:off x="838200" y="1219200"/>
             <a:ext cx="7467600" cy="4205392"/>
           </a:xfrm>
           <a:prstGeom prst="rect">
@@ -5731,223 +6376,6 @@
 </p:sld>
 </file>
 
-<file path=ppt/slides/slide7.xml><?xml version="1.0" encoding="utf-8"?>
-<p:sld xmlns:a="http://schemas.openxmlformats.org/drawingml/2006/main" xmlns:r="http://schemas.openxmlformats.org/officeDocument/2006/relationships" xmlns:p="http://schemas.openxmlformats.org/presentationml/2006/main">
-  <p:cSld>
-    <p:spTree>
-      <p:nvGrpSpPr>
-        <p:cNvPr id="1" name=""/>
-        <p:cNvGrpSpPr/>
-        <p:nvPr/>
-      </p:nvGrpSpPr>
-      <p:grpSpPr>
-        <a:xfrm>
-          <a:off x="0" y="0"/>
-          <a:ext cx="0" cy="0"/>
-          <a:chOff x="0" y="0"/>
-          <a:chExt cx="0" cy="0"/>
-        </a:xfrm>
-      </p:grpSpPr>
-      <p:sp>
-        <p:nvSpPr>
-          <p:cNvPr id="4" name="TextBox 3"/>
-          <p:cNvSpPr txBox="1"/>
-          <p:nvPr/>
-        </p:nvSpPr>
-        <p:spPr>
-          <a:xfrm>
-            <a:off x="0" y="457200"/>
-            <a:ext cx="9144000" cy="707886"/>
-          </a:xfrm>
-          <a:prstGeom prst="rect">
-            <a:avLst/>
-          </a:prstGeom>
-          <a:noFill/>
-        </p:spPr>
-        <p:txBody>
-          <a:bodyPr wrap="square" rtlCol="0">
-            <a:spAutoFit/>
-          </a:bodyPr>
-          <a:lstStyle/>
-          <a:p>
-            <a:pPr algn="ctr"/>
-            <a:r>
-              <a:rPr lang="en-US" sz="4000" dirty="0" smtClean="0"/>
-              <a:t>Segmentation</a:t>
-            </a:r>
-            <a:endParaRPr lang="en-US" sz="4000" dirty="0"/>
-          </a:p>
-        </p:txBody>
-      </p:sp>
-      <p:sp>
-        <p:nvSpPr>
-          <p:cNvPr id="2" name="TextBox 1"/>
-          <p:cNvSpPr txBox="1"/>
-          <p:nvPr/>
-        </p:nvSpPr>
-        <p:spPr>
-          <a:xfrm>
-            <a:off x="1066800" y="1752600"/>
-            <a:ext cx="4407553" cy="830997"/>
-          </a:xfrm>
-          <a:prstGeom prst="rect">
-            <a:avLst/>
-          </a:prstGeom>
-          <a:noFill/>
-        </p:spPr>
-        <p:txBody>
-          <a:bodyPr wrap="none" rtlCol="0">
-            <a:spAutoFit/>
-          </a:bodyPr>
-          <a:lstStyle/>
-          <a:p>
-            <a:r>
-              <a:rPr lang="en-US" sz="2800" dirty="0" smtClean="0"/>
-              <a:t>People who want buy bitcoin</a:t>
-            </a:r>
-          </a:p>
-          <a:p>
-            <a:r>
-              <a:rPr lang="en-US" sz="2000" dirty="0" smtClean="0"/>
-              <a:t>	Shoppers, Donations</a:t>
-            </a:r>
-            <a:endParaRPr lang="en-US" sz="2000" dirty="0"/>
-          </a:p>
-        </p:txBody>
-      </p:sp>
-      <p:sp>
-        <p:nvSpPr>
-          <p:cNvPr id="5" name="TextBox 4"/>
-          <p:cNvSpPr txBox="1"/>
-          <p:nvPr/>
-        </p:nvSpPr>
-        <p:spPr>
-          <a:xfrm>
-            <a:off x="1434749" y="2895600"/>
-            <a:ext cx="5524718" cy="954107"/>
-          </a:xfrm>
-          <a:prstGeom prst="rect">
-            <a:avLst/>
-          </a:prstGeom>
-          <a:noFill/>
-        </p:spPr>
-        <p:txBody>
-          <a:bodyPr wrap="none" rtlCol="0">
-            <a:spAutoFit/>
-          </a:bodyPr>
-          <a:lstStyle/>
-          <a:p>
-            <a:r>
-              <a:rPr lang="en-US" sz="2800" dirty="0" smtClean="0"/>
-              <a:t>People who want to sell bitcoin</a:t>
-            </a:r>
-          </a:p>
-          <a:p>
-            <a:r>
-              <a:rPr lang="en-US" sz="2800" dirty="0"/>
-              <a:t>	</a:t>
-            </a:r>
-            <a:r>
-              <a:rPr lang="en-US" sz="2000" dirty="0" smtClean="0"/>
-              <a:t>Miners, Merchants, International transfers</a:t>
-            </a:r>
-            <a:endParaRPr lang="en-US" sz="2800" dirty="0"/>
-          </a:p>
-        </p:txBody>
-      </p:sp>
-      <p:sp>
-        <p:nvSpPr>
-          <p:cNvPr id="6" name="TextBox 5"/>
-          <p:cNvSpPr txBox="1"/>
-          <p:nvPr/>
-        </p:nvSpPr>
-        <p:spPr>
-          <a:xfrm>
-            <a:off x="2081812" y="4267200"/>
-            <a:ext cx="3785588" cy="523220"/>
-          </a:xfrm>
-          <a:prstGeom prst="rect">
-            <a:avLst/>
-          </a:prstGeom>
-          <a:noFill/>
-        </p:spPr>
-        <p:txBody>
-          <a:bodyPr wrap="none" rtlCol="0">
-            <a:spAutoFit/>
-          </a:bodyPr>
-          <a:lstStyle/>
-          <a:p>
-            <a:r>
-              <a:rPr lang="en-US" sz="2800" dirty="0"/>
-              <a:t>T</a:t>
-            </a:r>
-            <a:r>
-              <a:rPr lang="en-US" sz="2800" dirty="0" smtClean="0"/>
-              <a:t>raders looking for profit</a:t>
-            </a:r>
-            <a:endParaRPr lang="en-US" sz="2800" dirty="0"/>
-          </a:p>
-        </p:txBody>
-      </p:sp>
-      <p:sp>
-        <p:nvSpPr>
-          <p:cNvPr id="7" name="TextBox 6"/>
-          <p:cNvSpPr txBox="1"/>
-          <p:nvPr/>
-        </p:nvSpPr>
-        <p:spPr>
-          <a:xfrm>
-            <a:off x="1447800" y="5638800"/>
-            <a:ext cx="5712589" cy="461665"/>
-          </a:xfrm>
-          <a:prstGeom prst="rect">
-            <a:avLst/>
-          </a:prstGeom>
-          <a:noFill/>
-        </p:spPr>
-        <p:txBody>
-          <a:bodyPr wrap="none" rtlCol="0">
-            <a:spAutoFit/>
-          </a:bodyPr>
-          <a:lstStyle/>
-          <a:p>
-            <a:r>
-              <a:rPr lang="en-US" sz="2400" i="1" dirty="0" smtClean="0"/>
-              <a:t>Challenge:</a:t>
-            </a:r>
-            <a:r>
-              <a:rPr lang="en-US" sz="2400" dirty="0" smtClean="0"/>
-              <a:t>  Attract </a:t>
-            </a:r>
-            <a:r>
-              <a:rPr lang="en-US" sz="2400" b="1" dirty="0" smtClean="0"/>
-              <a:t>users</a:t>
-            </a:r>
-            <a:r>
-              <a:rPr lang="en-US" sz="2400" dirty="0" smtClean="0"/>
-              <a:t> and trading </a:t>
-            </a:r>
-            <a:r>
-              <a:rPr lang="en-US" sz="2400" b="1" dirty="0" smtClean="0"/>
-              <a:t>volume</a:t>
-            </a:r>
-            <a:endParaRPr lang="en-US" sz="2400" b="1" dirty="0"/>
-          </a:p>
-        </p:txBody>
-      </p:sp>
-    </p:spTree>
-    <p:extLst>
-      <p:ext uri="{BB962C8B-B14F-4D97-AF65-F5344CB8AC3E}">
-        <p14:creationId xmlns:p14="http://schemas.microsoft.com/office/powerpoint/2010/main" val="2218907284"/>
-      </p:ext>
-    </p:extLst>
-  </p:cSld>
-  <p:clrMapOvr>
-    <a:masterClrMapping/>
-  </p:clrMapOvr>
-</p:sld>
-</file>
-
 <file path=ppt/slides/slide8.xml><?xml version="1.0" encoding="utf-8"?>
 <p:sld xmlns:a="http://schemas.openxmlformats.org/drawingml/2006/main" xmlns:r="http://schemas.openxmlformats.org/officeDocument/2006/relationships" xmlns:p="http://schemas.openxmlformats.org/presentationml/2006/main">
   <p:cSld>
@@ -5973,7 +6401,7 @@
         </p:nvSpPr>
         <p:spPr>
           <a:xfrm>
-            <a:off x="0" y="381000"/>
+            <a:off x="0" y="457200"/>
             <a:ext cx="9144000" cy="707886"/>
           </a:xfrm>
           <a:prstGeom prst="rect">
@@ -5990,7 +6418,7 @@
             <a:pPr algn="ctr"/>
             <a:r>
               <a:rPr lang="en-US" sz="4000" dirty="0" smtClean="0"/>
-              <a:t>Product</a:t>
+              <a:t>Segmentation</a:t>
             </a:r>
             <a:endParaRPr lang="en-US" sz="4000" dirty="0"/>
           </a:p>
@@ -6004,8 +6432,8 @@
         </p:nvSpPr>
         <p:spPr>
           <a:xfrm>
-            <a:off x="1143000" y="1600200"/>
-            <a:ext cx="7239000" cy="3970318"/>
+            <a:off x="1066800" y="1752600"/>
+            <a:ext cx="4407553" cy="830997"/>
           </a:xfrm>
           <a:prstGeom prst="rect">
             <a:avLst/>
@@ -6013,135 +6441,142 @@
           <a:noFill/>
         </p:spPr>
         <p:txBody>
-          <a:bodyPr wrap="square" rtlCol="0">
+          <a:bodyPr wrap="none" rtlCol="0">
             <a:spAutoFit/>
           </a:bodyPr>
           <a:lstStyle/>
           <a:p>
-            <a:pPr marL="285750" lvl="0" indent="-285750">
-              <a:lnSpc>
-                <a:spcPct val="150000"/>
-              </a:lnSpc>
-              <a:buFont typeface="Arial" panose="020B0604020202020204" pitchFamily="34" charset="0"/>
-              <a:buChar char="•"/>
-            </a:pPr>
+            <a:r>
+              <a:rPr lang="en-US" sz="2800" dirty="0" smtClean="0"/>
+              <a:t>People who want buy bitcoin</a:t>
+            </a:r>
+          </a:p>
+          <a:p>
+            <a:r>
+              <a:rPr lang="en-US" sz="2000" dirty="0" smtClean="0"/>
+              <a:t>	Shoppers, Donations</a:t>
+            </a:r>
+            <a:endParaRPr lang="en-US" sz="2000" dirty="0"/>
+          </a:p>
+        </p:txBody>
+      </p:sp>
+      <p:sp>
+        <p:nvSpPr>
+          <p:cNvPr id="5" name="TextBox 4"/>
+          <p:cNvSpPr txBox="1"/>
+          <p:nvPr/>
+        </p:nvSpPr>
+        <p:spPr>
+          <a:xfrm>
+            <a:off x="1434749" y="2895600"/>
+            <a:ext cx="5524718" cy="954107"/>
+          </a:xfrm>
+          <a:prstGeom prst="rect">
+            <a:avLst/>
+          </a:prstGeom>
+          <a:noFill/>
+        </p:spPr>
+        <p:txBody>
+          <a:bodyPr wrap="none" rtlCol="0">
+            <a:spAutoFit/>
+          </a:bodyPr>
+          <a:lstStyle/>
+          <a:p>
+            <a:r>
+              <a:rPr lang="en-US" sz="2800" dirty="0" smtClean="0"/>
+              <a:t>People who want to sell bitcoin</a:t>
+            </a:r>
+          </a:p>
+          <a:p>
+            <a:r>
+              <a:rPr lang="en-US" sz="2800" dirty="0"/>
+              <a:t>	</a:t>
+            </a:r>
+            <a:r>
+              <a:rPr lang="en-US" sz="2000" dirty="0" smtClean="0"/>
+              <a:t>Miners, Merchants, International transfers</a:t>
+            </a:r>
+            <a:endParaRPr lang="en-US" sz="2800" dirty="0"/>
+          </a:p>
+        </p:txBody>
+      </p:sp>
+      <p:sp>
+        <p:nvSpPr>
+          <p:cNvPr id="6" name="TextBox 5"/>
+          <p:cNvSpPr txBox="1"/>
+          <p:nvPr/>
+        </p:nvSpPr>
+        <p:spPr>
+          <a:xfrm>
+            <a:off x="2081812" y="4267200"/>
+            <a:ext cx="3785588" cy="523220"/>
+          </a:xfrm>
+          <a:prstGeom prst="rect">
+            <a:avLst/>
+          </a:prstGeom>
+          <a:noFill/>
+        </p:spPr>
+        <p:txBody>
+          <a:bodyPr wrap="none" rtlCol="0">
+            <a:spAutoFit/>
+          </a:bodyPr>
+          <a:lstStyle/>
+          <a:p>
+            <a:r>
+              <a:rPr lang="en-US" sz="2800" dirty="0"/>
+              <a:t>T</a:t>
+            </a:r>
+            <a:r>
+              <a:rPr lang="en-US" sz="2800" dirty="0" smtClean="0"/>
+              <a:t>raders looking for profit</a:t>
+            </a:r>
+            <a:endParaRPr lang="en-US" sz="2800" dirty="0"/>
+          </a:p>
+        </p:txBody>
+      </p:sp>
+      <p:sp>
+        <p:nvSpPr>
+          <p:cNvPr id="7" name="TextBox 6"/>
+          <p:cNvSpPr txBox="1"/>
+          <p:nvPr/>
+        </p:nvSpPr>
+        <p:spPr>
+          <a:xfrm>
+            <a:off x="1447800" y="5638800"/>
+            <a:ext cx="5712589" cy="461665"/>
+          </a:xfrm>
+          <a:prstGeom prst="rect">
+            <a:avLst/>
+          </a:prstGeom>
+          <a:noFill/>
+        </p:spPr>
+        <p:txBody>
+          <a:bodyPr wrap="none" rtlCol="0">
+            <a:spAutoFit/>
+          </a:bodyPr>
+          <a:lstStyle/>
+          <a:p>
+            <a:r>
+              <a:rPr lang="en-US" sz="2400" i="1" dirty="0" smtClean="0"/>
+              <a:t>Challenge:</a:t>
+            </a:r>
             <a:r>
               <a:rPr lang="en-US" sz="2400" dirty="0" smtClean="0"/>
-              <a:t>Fund deposits and withdraws</a:t>
-            </a:r>
-            <a:endParaRPr lang="en-US" sz="2400" dirty="0"/>
-          </a:p>
-          <a:p>
-            <a:pPr marL="285750" lvl="0" indent="-285750">
-              <a:lnSpc>
-                <a:spcPct val="150000"/>
-              </a:lnSpc>
-              <a:buFont typeface="Arial" panose="020B0604020202020204" pitchFamily="34" charset="0"/>
-              <a:buChar char="•"/>
-            </a:pPr>
-            <a:r>
-              <a:rPr lang="en-US" sz="2400" dirty="0"/>
-              <a:t>Trading pair </a:t>
+              <a:t>  Attract </a:t>
+            </a:r>
+            <a:r>
+              <a:rPr lang="en-US" sz="2400" b="1" dirty="0" smtClean="0"/>
+              <a:t>users</a:t>
             </a:r>
             <a:r>
               <a:rPr lang="en-US" sz="2400" dirty="0" smtClean="0"/>
-              <a:t>BTC/USD</a:t>
-            </a:r>
-          </a:p>
-          <a:p>
-            <a:pPr marL="285750" indent="-285750">
-              <a:lnSpc>
-                <a:spcPct val="150000"/>
-              </a:lnSpc>
-              <a:buFont typeface="Arial" panose="020B0604020202020204" pitchFamily="34" charset="0"/>
-              <a:buChar char="•"/>
-            </a:pPr>
-            <a:r>
-              <a:rPr lang="en-US" sz="2400" dirty="0" smtClean="0"/>
-              <a:t>Smart </a:t>
-            </a:r>
-            <a:r>
-              <a:rPr lang="en-US" sz="2400" dirty="0"/>
-              <a:t>phone wallet </a:t>
-            </a:r>
-            <a:r>
-              <a:rPr lang="en-US" sz="2400" dirty="0" smtClean="0"/>
-              <a:t>app</a:t>
-            </a:r>
-            <a:endParaRPr lang="en-US" sz="2400" dirty="0"/>
-          </a:p>
-          <a:p>
-            <a:pPr marL="285750" lvl="0" indent="-285750">
-              <a:lnSpc>
-                <a:spcPct val="150000"/>
-              </a:lnSpc>
-              <a:buFont typeface="Arial" panose="020B0604020202020204" pitchFamily="34" charset="0"/>
-              <a:buChar char="•"/>
-            </a:pPr>
-            <a:r>
-              <a:rPr lang="en-US" sz="2400" dirty="0" smtClean="0"/>
-              <a:t>Merchant </a:t>
-            </a:r>
-            <a:r>
-              <a:rPr lang="en-US" sz="2400" dirty="0"/>
-              <a:t>wallet / payment </a:t>
-            </a:r>
-            <a:r>
-              <a:rPr lang="en-US" sz="2400" dirty="0" smtClean="0"/>
-              <a:t>application</a:t>
-            </a:r>
-          </a:p>
-          <a:p>
-            <a:pPr marL="285750" indent="-285750">
-              <a:lnSpc>
-                <a:spcPct val="150000"/>
-              </a:lnSpc>
-              <a:buFont typeface="Arial" panose="020B0604020202020204" pitchFamily="34" charset="0"/>
-              <a:buChar char="•"/>
-            </a:pPr>
-            <a:r>
-              <a:rPr lang="en-US" sz="2400" dirty="0"/>
-              <a:t>Full </a:t>
-            </a:r>
-            <a:r>
-              <a:rPr lang="en-US" sz="2400" dirty="0" smtClean="0"/>
-              <a:t>API</a:t>
-            </a:r>
-          </a:p>
-          <a:p>
-            <a:pPr marL="285750" indent="-285750">
-              <a:lnSpc>
-                <a:spcPct val="150000"/>
-              </a:lnSpc>
-              <a:buFont typeface="Arial" panose="020B0604020202020204" pitchFamily="34" charset="0"/>
-              <a:buChar char="•"/>
-            </a:pPr>
-            <a:r>
-              <a:rPr lang="en-US" sz="2400" dirty="0"/>
-              <a:t>Secure cold </a:t>
-            </a:r>
-            <a:r>
-              <a:rPr lang="en-US" sz="2400" dirty="0" smtClean="0"/>
-              <a:t>storage</a:t>
-            </a:r>
-          </a:p>
-          <a:p>
-            <a:pPr marL="285750" lvl="0" indent="-285750">
-              <a:lnSpc>
-                <a:spcPct val="150000"/>
-              </a:lnSpc>
-              <a:buFont typeface="Arial" panose="020B0604020202020204" pitchFamily="34" charset="0"/>
-              <a:buChar char="•"/>
-            </a:pPr>
-            <a:r>
-              <a:rPr lang="en-US" sz="2400" dirty="0"/>
-              <a:t>Two-factor </a:t>
-            </a:r>
-            <a:r>
-              <a:rPr lang="en-US" sz="2400" dirty="0" smtClean="0"/>
-              <a:t>authentication</a:t>
-            </a:r>
-            <a:endParaRPr lang="en-US" sz="2400" dirty="0"/>
+              <a:t> and trading </a:t>
+            </a:r>
+            <a:r>
+              <a:rPr lang="en-US" sz="2400" b="1" dirty="0" smtClean="0"/>
+              <a:t>volume</a:t>
+            </a:r>
+            <a:endParaRPr lang="en-US" sz="2400" b="1" dirty="0"/>
           </a:p>
         </p:txBody>
       </p:sp>
@@ -6183,7 +6618,7 @@
         </p:nvSpPr>
         <p:spPr>
           <a:xfrm>
-            <a:off x="0" y="304800"/>
+            <a:off x="0" y="381000"/>
             <a:ext cx="9144000" cy="707886"/>
           </a:xfrm>
           <a:prstGeom prst="rect">
@@ -6200,7 +6635,7 @@
             <a:pPr algn="ctr"/>
             <a:r>
               <a:rPr lang="en-US" sz="4000" dirty="0" smtClean="0"/>
-              <a:t>Place</a:t>
+              <a:t>Product</a:t>
             </a:r>
             <a:endParaRPr lang="en-US" sz="4000" dirty="0"/>
           </a:p>
@@ -6208,14 +6643,14 @@
       </p:sp>
       <p:sp>
         <p:nvSpPr>
-          <p:cNvPr id="3" name="TextBox 2"/>
+          <p:cNvPr id="2" name="TextBox 1"/>
           <p:cNvSpPr txBox="1"/>
           <p:nvPr/>
         </p:nvSpPr>
         <p:spPr>
           <a:xfrm>
-            <a:off x="5257800" y="1752600"/>
-            <a:ext cx="3045064" cy="2862322"/>
+            <a:off x="1143000" y="1600200"/>
+            <a:ext cx="7239000" cy="3970318"/>
           </a:xfrm>
           <a:prstGeom prst="rect">
             <a:avLst/>
@@ -6223,31 +6658,12 @@
           <a:noFill/>
         </p:spPr>
         <p:txBody>
-          <a:bodyPr wrap="none" rtlCol="0">
+          <a:bodyPr wrap="square" rtlCol="0">
             <a:spAutoFit/>
           </a:bodyPr>
           <a:lstStyle/>
           <a:p>
-            <a:pPr>
-              <a:lnSpc>
-                <a:spcPct val="150000"/>
-              </a:lnSpc>
-            </a:pPr>
-            <a:r>
-              <a:rPr lang="en-US" sz="2400" b="1" dirty="0" smtClean="0"/>
-              <a:t>Direct Channel </a:t>
-            </a:r>
-            <a:r>
-              <a:rPr lang="en-US" sz="2400" b="1" dirty="0"/>
-              <a:t>S</a:t>
-            </a:r>
-            <a:r>
-              <a:rPr lang="en-US" sz="2400" b="1" dirty="0" smtClean="0"/>
-              <a:t>ystem</a:t>
-            </a:r>
-          </a:p>
-          <a:p>
-            <a:pPr marL="285750" indent="-285750">
+            <a:pPr marL="285750" lvl="0" indent="-285750">
               <a:lnSpc>
                 <a:spcPct val="150000"/>
               </a:lnSpc>
@@ -6256,11 +6672,12 @@
             </a:pPr>
             <a:r>
               <a:rPr lang="en-US" sz="2400" dirty="0" smtClean="0"/>
-              <a:t>Web portal</a:t>
-            </a:r>
-          </a:p>
-          <a:p>
-            <a:pPr marL="285750" indent="-285750">
+              <a:t>Fund deposits and withdraws</a:t>
+            </a:r>
+            <a:endParaRPr lang="en-US" sz="2400" dirty="0"/>
+          </a:p>
+          <a:p>
+            <a:pPr marL="285750" lvl="0" indent="-285750">
               <a:lnSpc>
                 <a:spcPct val="150000"/>
               </a:lnSpc>
@@ -6268,8 +6685,12 @@
               <a:buChar char="•"/>
             </a:pPr>
             <a:r>
+              <a:rPr lang="en-US" sz="2400" dirty="0"/>
+              <a:t>Trading pair </a:t>
+            </a:r>
+            <a:r>
               <a:rPr lang="en-US" sz="2400" dirty="0" smtClean="0"/>
-              <a:t>Mobile app</a:t>
+              <a:t>BTC/USD</a:t>
             </a:r>
           </a:p>
           <a:p>
@@ -6281,16 +6702,21 @@
               <a:buChar char="•"/>
             </a:pPr>
             <a:r>
+              <a:rPr lang="en-US" sz="2400" dirty="0" smtClean="0"/>
+              <a:t>Smart </a:t>
+            </a:r>
+            <a:r>
               <a:rPr lang="en-US" sz="2400" dirty="0"/>
-              <a:t>W</a:t>
+              <a:t>phone wallet </a:t>
             </a:r>
             <a:r>
               <a:rPr lang="en-US" sz="2400" dirty="0" smtClean="0"/>
-              <a:t>eb API</a:t>
-            </a:r>
-          </a:p>
-          <a:p>
-            <a:pPr marL="285750" indent="-285750">
+              <a:t>app</a:t>
+            </a:r>
+            <a:endParaRPr lang="en-US" sz="2400" dirty="0"/>
+          </a:p>
+          <a:p>
+            <a:pPr marL="285750" lvl="0" indent="-285750">
               <a:lnSpc>
                 <a:spcPct val="150000"/>
               </a:lnSpc>
@@ -6299,80 +6725,15 @@
             </a:pPr>
             <a:r>
               <a:rPr lang="en-US" sz="2400" dirty="0" smtClean="0"/>
-              <a:t>In person</a:t>
-            </a:r>
-            <a:endParaRPr lang="en-US" sz="2400" dirty="0"/>
-          </a:p>
-        </p:txBody>
-      </p:sp>
-      <p:sp>
-        <p:nvSpPr>
-          <p:cNvPr id="5" name="TextBox 4"/>
-          <p:cNvSpPr txBox="1"/>
-          <p:nvPr/>
-        </p:nvSpPr>
-        <p:spPr>
-          <a:xfrm>
-            <a:off x="4267200" y="5562600"/>
-            <a:ext cx="2724400" cy="523220"/>
-          </a:xfrm>
-          <a:prstGeom prst="rect">
-            <a:avLst/>
-          </a:prstGeom>
-          <a:noFill/>
-        </p:spPr>
-        <p:txBody>
-          <a:bodyPr wrap="none" rtlCol="0">
-            <a:spAutoFit/>
-          </a:bodyPr>
-          <a:lstStyle/>
-          <a:p>
-            <a:r>
-              <a:rPr lang="en-US" sz="2800" dirty="0" smtClean="0"/>
-              <a:t>Customer </a:t>
-            </a:r>
-            <a:r>
-              <a:rPr lang="en-US" sz="2800" dirty="0"/>
-              <a:t>S</a:t>
-            </a:r>
-            <a:r>
-              <a:rPr lang="en-US" sz="2800" dirty="0" smtClean="0"/>
-              <a:t>ervice</a:t>
-            </a:r>
-            <a:endParaRPr lang="en-US" sz="2800" dirty="0"/>
-          </a:p>
-        </p:txBody>
-      </p:sp>
-      <p:sp>
-        <p:nvSpPr>
-          <p:cNvPr id="6" name="TextBox 5"/>
-          <p:cNvSpPr txBox="1"/>
-          <p:nvPr/>
-        </p:nvSpPr>
-        <p:spPr>
-          <a:xfrm>
-            <a:off x="838200" y="1447800"/>
-            <a:ext cx="2144690" cy="3970318"/>
-          </a:xfrm>
-          <a:prstGeom prst="rect">
-            <a:avLst/>
-          </a:prstGeom>
-          <a:noFill/>
-        </p:spPr>
-        <p:txBody>
-          <a:bodyPr wrap="none" rtlCol="0">
-            <a:spAutoFit/>
-          </a:bodyPr>
-          <a:lstStyle/>
-          <a:p>
-            <a:pPr>
-              <a:lnSpc>
-                <a:spcPct val="150000"/>
-              </a:lnSpc>
-            </a:pPr>
-            <a:r>
-              <a:rPr lang="en-US" sz="2400" b="1" dirty="0" smtClean="0"/>
-              <a:t>Main Office</a:t>
+              <a:t>Merchant </a:t>
+            </a:r>
+            <a:r>
+              <a:rPr lang="en-US" sz="2400" dirty="0"/>
+              <a:t>wallet / payment </a:t>
+            </a:r>
+            <a:r>
+              <a:rPr lang="en-US" sz="2400" dirty="0" smtClean="0"/>
+              <a:t>application</a:t>
             </a:r>
           </a:p>
           <a:p>
@@ -6384,27 +6745,12 @@
               <a:buChar char="•"/>
             </a:pPr>
             <a:r>
+              <a:rPr lang="en-US" sz="2400" dirty="0"/>
+              <a:t>Full </a:t>
+            </a:r>
+            <a:r>
               <a:rPr lang="en-US" sz="2400" dirty="0" smtClean="0"/>
-              <a:t>New York, NY</a:t>
-            </a:r>
-          </a:p>
-          <a:p>
-            <a:pPr>
-              <a:lnSpc>
-                <a:spcPct val="150000"/>
-              </a:lnSpc>
-            </a:pPr>
-            <a:endParaRPr lang="en-US" sz="2400" b="1" dirty="0" smtClean="0"/>
-          </a:p>
-          <a:p>
-            <a:pPr>
-              <a:lnSpc>
-                <a:spcPct val="150000"/>
-              </a:lnSpc>
-            </a:pPr>
-            <a:r>
-              <a:rPr lang="en-US" sz="2400" b="1" dirty="0" smtClean="0"/>
-              <a:t>Data Centers</a:t>
+              <a:t>API</a:t>
             </a:r>
           </a:p>
           <a:p>
@@ -6416,12 +6762,16 @@
               <a:buChar char="•"/>
             </a:pPr>
             <a:r>
+              <a:rPr lang="en-US" sz="2400" dirty="0"/>
+              <a:t>Secure cold </a:t>
+            </a:r>
+            <a:r>
               <a:rPr lang="en-US" sz="2400" dirty="0" smtClean="0"/>
-              <a:t>New York</a:t>
-            </a:r>
-          </a:p>
-          <a:p>
-            <a:pPr marL="285750" indent="-285750">
+              <a:t>storage</a:t>
+            </a:r>
+          </a:p>
+          <a:p>
+            <a:pPr marL="285750" lvl="0" indent="-285750">
               <a:lnSpc>
                 <a:spcPct val="150000"/>
               </a:lnSpc>
@@ -6429,22 +6779,14 @@
               <a:buChar char="•"/>
             </a:pPr>
             <a:r>
+              <a:rPr lang="en-US" sz="2400" dirty="0"/>
+              <a:t>Two-factor </a:t>
+            </a:r>
+            <a:r>
               <a:rPr lang="en-US" sz="2400" dirty="0" smtClean="0"/>
-              <a:t>Virginia</a:t>
-            </a:r>
-          </a:p>
-          <a:p>
-            <a:pPr marL="285750" indent="-285750">
-              <a:lnSpc>
-                <a:spcPct val="150000"/>
-              </a:lnSpc>
-              <a:buFont typeface="Arial" panose="020B0604020202020204" pitchFamily="34" charset="0"/>
-              <a:buChar char="•"/>
-            </a:pPr>
-            <a:r>
-              <a:rPr lang="en-US" sz="2400" dirty="0" smtClean="0"/>
-              <a:t>Utah</a:t>
-            </a:r>
+              <a:t>authentication</a:t>
+            </a:r>
+            <a:endParaRPr lang="en-US" sz="2400" dirty="0"/>
           </a:p>
         </p:txBody>
       </p:sp>

--- a/TODO/2-Monday/Presentation1.pptx
+++ b/TODO/2-Monday/Presentation1.pptx
@@ -3897,7 +3897,6 @@
               <a:rPr lang="en-US" sz="2400" dirty="0" smtClean="0"/>
               <a:t>No maker fees</a:t>
             </a:r>
-            <a:endParaRPr lang="en-US" sz="2400" dirty="0" smtClean="0"/>
           </a:p>
           <a:p>
             <a:pPr marL="285750" indent="-285750">
@@ -4570,11 +4569,11 @@
               </a:lnSpc>
             </a:pPr>
             <a:r>
-              <a:rPr lang="en-US" sz="2400" dirty="0"/>
+              <a:rPr lang="en-US" sz="2400" b="1" dirty="0"/>
               <a:t>W</a:t>
             </a:r>
             <a:r>
-              <a:rPr lang="en-US" sz="2400" dirty="0" smtClean="0"/>
+              <a:rPr lang="en-US" sz="2400" b="1" dirty="0" smtClean="0"/>
               <a:t>hat we need</a:t>
             </a:r>
           </a:p>
@@ -4622,7 +4621,7 @@
               </a:lnSpc>
             </a:pPr>
             <a:r>
-              <a:rPr lang="en-US" sz="2400" dirty="0" smtClean="0"/>
+              <a:rPr lang="en-US" sz="2400" b="1" dirty="0" smtClean="0"/>
               <a:t>Will we offer</a:t>
             </a:r>
           </a:p>
@@ -4636,11 +4635,7 @@
             </a:pPr>
             <a:r>
               <a:rPr lang="en-US" sz="2400" dirty="0" smtClean="0"/>
-              <a:t>Partial ownership </a:t>
-            </a:r>
-            <a:r>
-              <a:rPr lang="en-US" sz="2400" dirty="0" smtClean="0"/>
-              <a:t>of company</a:t>
+              <a:t>Partial ownership of company</a:t>
             </a:r>
             <a:endParaRPr lang="en-US" sz="2400" dirty="0"/>
           </a:p>
@@ -4674,7 +4669,7 @@
               </a:lnSpc>
             </a:pPr>
             <a:r>
-              <a:rPr lang="en-US" sz="2400" dirty="0" smtClean="0"/>
+              <a:rPr lang="en-US" sz="2400" b="1" dirty="0" smtClean="0"/>
               <a:t>Why we need it</a:t>
             </a:r>
           </a:p>
@@ -4717,11 +4712,7 @@
             </a:r>
             <a:r>
               <a:rPr lang="en-US" sz="2400" dirty="0" smtClean="0"/>
-              <a:t>etup </a:t>
-            </a:r>
-            <a:r>
-              <a:rPr lang="en-US" sz="2400" dirty="0" smtClean="0"/>
-              <a:t>office</a:t>
+              <a:t>etup office</a:t>
             </a:r>
           </a:p>
           <a:p>
@@ -4738,11 +4729,7 @@
             </a:r>
             <a:r>
               <a:rPr lang="en-US" sz="2400" dirty="0" smtClean="0"/>
-              <a:t>cquire </a:t>
-            </a:r>
-            <a:r>
-              <a:rPr lang="en-US" sz="2400" dirty="0" smtClean="0"/>
-              <a:t>BitLincense</a:t>
+              <a:t>cquire BitLincense</a:t>
             </a:r>
           </a:p>
         </p:txBody>
@@ -4872,15 +4859,7 @@
             </a:r>
             <a:r>
               <a:rPr lang="en-US" sz="2400" dirty="0" smtClean="0"/>
-              <a:t>ey assets </a:t>
-            </a:r>
-            <a:r>
-              <a:rPr lang="en-US" sz="2400" dirty="0" smtClean="0"/>
-              <a:t>that </a:t>
-            </a:r>
-            <a:r>
-              <a:rPr lang="en-US" sz="2400" dirty="0" smtClean="0"/>
-              <a:t>could be sold</a:t>
+              <a:t>ey assets that could be sold</a:t>
             </a:r>
           </a:p>
           <a:p>
@@ -5331,13 +5310,8 @@
           <a:p>
             <a:r>
               <a:rPr lang="en-US" sz="2000" dirty="0" smtClean="0"/>
-              <a:t>By the end of 5 years we </a:t>
-            </a:r>
-            <a:r>
-              <a:rPr lang="en-US" sz="2000" dirty="0" smtClean="0"/>
-              <a:t>will</a:t>
-            </a:r>
-            <a:endParaRPr lang="en-US" sz="2000" dirty="0" smtClean="0"/>
+              <a:t>By the end of 5 years we will</a:t>
+            </a:r>
           </a:p>
           <a:p>
             <a:pPr marL="342900" indent="-342900">
@@ -5375,13 +5349,8 @@
             </a:pPr>
             <a:r>
               <a:rPr lang="en-US" sz="2000" dirty="0" smtClean="0"/>
-              <a:t>Created web portal customers can use to interact with the </a:t>
-            </a:r>
-            <a:r>
-              <a:rPr lang="en-US" sz="2000" dirty="0" smtClean="0"/>
-              <a:t>exchange</a:t>
-            </a:r>
-            <a:endParaRPr lang="en-US" sz="2000" dirty="0" smtClean="0"/>
+              <a:t>Created web portal customers can use to interact with the exchange</a:t>
+            </a:r>
           </a:p>
           <a:p>
             <a:pPr marL="342900" indent="-342900">
@@ -5406,11 +5375,7 @@
             </a:pPr>
             <a:r>
               <a:rPr lang="en-US" sz="2000" dirty="0" smtClean="0"/>
-              <a:t>Maintain </a:t>
-            </a:r>
-            <a:r>
-              <a:rPr lang="en-US" sz="2000" dirty="0" smtClean="0"/>
-              <a:t>at least 5% total trading volume</a:t>
+              <a:t>Maintain at least 5% total trading volume</a:t>
             </a:r>
             <a:endParaRPr lang="en-US" sz="2000" dirty="0"/>
           </a:p>
@@ -5424,19 +5389,7 @@
             </a:pPr>
             <a:r>
               <a:rPr lang="en-US" sz="2000" dirty="0" smtClean="0"/>
-              <a:t>Develop </a:t>
-            </a:r>
-            <a:r>
-              <a:rPr lang="en-US" sz="2000" dirty="0" smtClean="0"/>
-              <a:t>and </a:t>
-            </a:r>
-            <a:r>
-              <a:rPr lang="en-US" sz="2000" dirty="0" smtClean="0"/>
-              <a:t>release </a:t>
-            </a:r>
-            <a:r>
-              <a:rPr lang="en-US" sz="2000" dirty="0" smtClean="0"/>
-              <a:t>a smart phone wallet app</a:t>
+              <a:t>Develop and release a smart phone wallet app</a:t>
             </a:r>
           </a:p>
           <a:p>
@@ -5449,15 +5402,7 @@
             </a:pPr>
             <a:r>
               <a:rPr lang="en-US" sz="2000" dirty="0" smtClean="0"/>
-              <a:t>Release </a:t>
-            </a:r>
-            <a:r>
-              <a:rPr lang="en-US" sz="2000" dirty="0" smtClean="0"/>
-              <a:t>software </a:t>
-            </a:r>
-            <a:r>
-              <a:rPr lang="en-US" sz="2000" dirty="0" smtClean="0"/>
-              <a:t>merchants can use to except Bitcoin payments</a:t>
+              <a:t>Release software merchants can use to except Bitcoin payments</a:t>
             </a:r>
           </a:p>
         </p:txBody>
@@ -5723,11 +5668,7 @@
             </a:r>
             <a:r>
               <a:rPr lang="en-US" sz="2400" dirty="0" smtClean="0"/>
-              <a:t>Too </a:t>
-            </a:r>
-            <a:r>
-              <a:rPr lang="en-US" sz="2400" dirty="0" smtClean="0"/>
-              <a:t>Big to Fail</a:t>
+              <a:t>Too Big to Fail</a:t>
             </a:r>
           </a:p>
           <a:p>
@@ -5955,15 +5896,7 @@
             </a:r>
             <a:r>
               <a:rPr lang="en-US" sz="2400" dirty="0" smtClean="0"/>
-              <a:t>:  </a:t>
-            </a:r>
-            <a:r>
-              <a:rPr lang="en-US" sz="2400" dirty="0" smtClean="0"/>
-              <a:t>Government </a:t>
-            </a:r>
-            <a:r>
-              <a:rPr lang="en-US" sz="2400" dirty="0" smtClean="0"/>
-              <a:t>regulation</a:t>
+              <a:t>:  Government regulation</a:t>
             </a:r>
             <a:endParaRPr lang="en-US" sz="2400" dirty="0"/>
           </a:p>

--- a/TODO/2-Monday/Presentation1.pptx
+++ b/TODO/2-Monday/Presentation1.pptx
@@ -304,7 +304,7 @@
           <a:p>
             <a:fld id="{E45C0E48-ADC3-442F-80D2-9ED6B14A236C}" type="datetimeFigureOut">
               <a:rPr lang="en-US" smtClean="0"/>
-              <a:t>12/8/2015</a:t>
+              <a:t>12/10/2015</a:t>
             </a:fld>
             <a:endParaRPr lang="en-US"/>
           </a:p>
@@ -474,7 +474,7 @@
           <a:p>
             <a:fld id="{E45C0E48-ADC3-442F-80D2-9ED6B14A236C}" type="datetimeFigureOut">
               <a:rPr lang="en-US" smtClean="0"/>
-              <a:t>12/8/2015</a:t>
+              <a:t>12/10/2015</a:t>
             </a:fld>
             <a:endParaRPr lang="en-US"/>
           </a:p>
@@ -654,7 +654,7 @@
           <a:p>
             <a:fld id="{E45C0E48-ADC3-442F-80D2-9ED6B14A236C}" type="datetimeFigureOut">
               <a:rPr lang="en-US" smtClean="0"/>
-              <a:t>12/8/2015</a:t>
+              <a:t>12/10/2015</a:t>
             </a:fld>
             <a:endParaRPr lang="en-US"/>
           </a:p>
@@ -824,7 +824,7 @@
           <a:p>
             <a:fld id="{E45C0E48-ADC3-442F-80D2-9ED6B14A236C}" type="datetimeFigureOut">
               <a:rPr lang="en-US" smtClean="0"/>
-              <a:t>12/8/2015</a:t>
+              <a:t>12/10/2015</a:t>
             </a:fld>
             <a:endParaRPr lang="en-US"/>
           </a:p>
@@ -1070,7 +1070,7 @@
           <a:p>
             <a:fld id="{E45C0E48-ADC3-442F-80D2-9ED6B14A236C}" type="datetimeFigureOut">
               <a:rPr lang="en-US" smtClean="0"/>
-              <a:t>12/8/2015</a:t>
+              <a:t>12/10/2015</a:t>
             </a:fld>
             <a:endParaRPr lang="en-US"/>
           </a:p>
@@ -1358,7 +1358,7 @@
           <a:p>
             <a:fld id="{E45C0E48-ADC3-442F-80D2-9ED6B14A236C}" type="datetimeFigureOut">
               <a:rPr lang="en-US" smtClean="0"/>
-              <a:t>12/8/2015</a:t>
+              <a:t>12/10/2015</a:t>
             </a:fld>
             <a:endParaRPr lang="en-US"/>
           </a:p>
@@ -1780,7 +1780,7 @@
           <a:p>
             <a:fld id="{E45C0E48-ADC3-442F-80D2-9ED6B14A236C}" type="datetimeFigureOut">
               <a:rPr lang="en-US" smtClean="0"/>
-              <a:t>12/8/2015</a:t>
+              <a:t>12/10/2015</a:t>
             </a:fld>
             <a:endParaRPr lang="en-US"/>
           </a:p>
@@ -1898,7 +1898,7 @@
           <a:p>
             <a:fld id="{E45C0E48-ADC3-442F-80D2-9ED6B14A236C}" type="datetimeFigureOut">
               <a:rPr lang="en-US" smtClean="0"/>
-              <a:t>12/8/2015</a:t>
+              <a:t>12/10/2015</a:t>
             </a:fld>
             <a:endParaRPr lang="en-US"/>
           </a:p>
@@ -1993,7 +1993,7 @@
           <a:p>
             <a:fld id="{E45C0E48-ADC3-442F-80D2-9ED6B14A236C}" type="datetimeFigureOut">
               <a:rPr lang="en-US" smtClean="0"/>
-              <a:t>12/8/2015</a:t>
+              <a:t>12/10/2015</a:t>
             </a:fld>
             <a:endParaRPr lang="en-US"/>
           </a:p>
@@ -2270,7 +2270,7 @@
           <a:p>
             <a:fld id="{E45C0E48-ADC3-442F-80D2-9ED6B14A236C}" type="datetimeFigureOut">
               <a:rPr lang="en-US" smtClean="0"/>
-              <a:t>12/8/2015</a:t>
+              <a:t>12/10/2015</a:t>
             </a:fld>
             <a:endParaRPr lang="en-US"/>
           </a:p>
@@ -2523,7 +2523,7 @@
           <a:p>
             <a:fld id="{E45C0E48-ADC3-442F-80D2-9ED6B14A236C}" type="datetimeFigureOut">
               <a:rPr lang="en-US" smtClean="0"/>
-              <a:t>12/8/2015</a:t>
+              <a:t>12/10/2015</a:t>
             </a:fld>
             <a:endParaRPr lang="en-US"/>
           </a:p>
@@ -2759,7 +2759,7 @@
           <a:p>
             <a:fld id="{E45C0E48-ADC3-442F-80D2-9ED6B14A236C}" type="datetimeFigureOut">
               <a:rPr lang="en-US" smtClean="0"/>
-              <a:t>12/8/2015</a:t>
+              <a:t>12/10/2015</a:t>
             </a:fld>
             <a:endParaRPr lang="en-US"/>
           </a:p>
@@ -4343,9 +4343,89 @@
           </a:p>
         </p:txBody>
       </p:sp>
+      <p:sp>
+        <p:nvSpPr>
+          <p:cNvPr id="2" name="TextBox 1"/>
+          <p:cNvSpPr txBox="1"/>
+          <p:nvPr/>
+        </p:nvSpPr>
+        <p:spPr>
+          <a:xfrm>
+            <a:off x="6400800" y="838200"/>
+            <a:ext cx="2278188" cy="1938992"/>
+          </a:xfrm>
+          <a:prstGeom prst="rect">
+            <a:avLst/>
+          </a:prstGeom>
+          <a:noFill/>
+        </p:spPr>
+        <p:txBody>
+          <a:bodyPr wrap="none" rtlCol="0">
+            <a:spAutoFit/>
+          </a:bodyPr>
+          <a:lstStyle/>
+          <a:p>
+            <a:pPr>
+              <a:lnSpc>
+                <a:spcPct val="150000"/>
+              </a:lnSpc>
+            </a:pPr>
+            <a:r>
+              <a:rPr lang="en-US" sz="2000" b="1" smtClean="0"/>
+              <a:t>Start-up Funding</a:t>
+            </a:r>
+            <a:endParaRPr lang="en-US" sz="2000" b="1" dirty="0" smtClean="0"/>
+          </a:p>
+          <a:p>
+            <a:pPr marL="285750" indent="-285750">
+              <a:lnSpc>
+                <a:spcPct val="150000"/>
+              </a:lnSpc>
+              <a:buFont typeface="Arial" panose="020B0604020202020204" pitchFamily="34" charset="0"/>
+              <a:buChar char="•"/>
+            </a:pPr>
+            <a:r>
+              <a:rPr lang="en-US" sz="2000" smtClean="0"/>
+              <a:t>$</a:t>
+            </a:r>
+            <a:r>
+              <a:rPr lang="en-US" sz="2000" smtClean="0"/>
+              <a:t>1,000,000 Total</a:t>
+            </a:r>
+            <a:endParaRPr lang="en-US" sz="2000" dirty="0" smtClean="0"/>
+          </a:p>
+          <a:p>
+            <a:pPr marL="285750" indent="-285750">
+              <a:lnSpc>
+                <a:spcPct val="150000"/>
+              </a:lnSpc>
+              <a:buFont typeface="Arial" panose="020B0604020202020204" pitchFamily="34" charset="0"/>
+              <a:buChar char="•"/>
+            </a:pPr>
+            <a:r>
+              <a:rPr lang="en-US" sz="2000" smtClean="0"/>
+              <a:t>$500,000 debt</a:t>
+            </a:r>
+          </a:p>
+          <a:p>
+            <a:pPr marL="285750" indent="-285750">
+              <a:lnSpc>
+                <a:spcPct val="150000"/>
+              </a:lnSpc>
+              <a:buFont typeface="Arial" panose="020B0604020202020204" pitchFamily="34" charset="0"/>
+              <a:buChar char="•"/>
+            </a:pPr>
+            <a:r>
+              <a:rPr lang="en-US" sz="2000" smtClean="0"/>
+              <a:t>$500,000 equity</a:t>
+            </a:r>
+            <a:endParaRPr lang="en-US" sz="2000" dirty="0" smtClean="0"/>
+          </a:p>
+        </p:txBody>
+      </p:sp>
       <p:pic>
         <p:nvPicPr>
-          <p:cNvPr id="1027" name="Picture 3"/>
+          <p:cNvPr id="1026" name="Picture 2"/>
           <p:cNvPicPr>
             <a:picLocks noChangeAspect="1" noChangeArrowheads="1"/>
           </p:cNvPicPr>
@@ -4366,8 +4446,8 @@
         </p:blipFill>
         <p:spPr bwMode="auto">
           <a:xfrm>
-            <a:off x="990600" y="1866900"/>
-            <a:ext cx="3048000" cy="4165600"/>
+            <a:off x="304800" y="1295400"/>
+            <a:ext cx="2324100" cy="3467100"/>
           </a:xfrm>
           <a:prstGeom prst="rect">
             <a:avLst/>
@@ -4404,113 +4484,128 @@
           </a:extLst>
         </p:spPr>
       </p:pic>
-      <p:sp>
-        <p:nvSpPr>
-          <p:cNvPr id="2" name="TextBox 1"/>
-          <p:cNvSpPr txBox="1"/>
+      <p:pic>
+        <p:nvPicPr>
+          <p:cNvPr id="3" name="Picture 3"/>
+          <p:cNvPicPr>
+            <a:picLocks noChangeAspect="1" noChangeArrowheads="1"/>
+          </p:cNvPicPr>
           <p:nvPr/>
-        </p:nvSpPr>
-        <p:spPr>
-          <a:xfrm>
-            <a:off x="6096000" y="2209800"/>
-            <a:ext cx="1446230" cy="1477328"/>
+        </p:nvPicPr>
+        <p:blipFill>
+          <a:blip r:embed="rId3">
+            <a:extLst>
+              <a:ext uri="{28A0092B-C50C-407E-A947-70E740481C1C}">
+                <a14:useLocalDpi xmlns:a14="http://schemas.microsoft.com/office/drawing/2010/main" val="0"/>
+              </a:ext>
+            </a:extLst>
+          </a:blip>
+          <a:srcRect/>
+          <a:stretch>
+            <a:fillRect/>
+          </a:stretch>
+        </p:blipFill>
+        <p:spPr bwMode="auto">
+          <a:xfrm>
+            <a:off x="3086100" y="2247900"/>
+            <a:ext cx="2324100" cy="3467100"/>
           </a:xfrm>
           <a:prstGeom prst="rect">
             <a:avLst/>
           </a:prstGeom>
           <a:noFill/>
-        </p:spPr>
-        <p:txBody>
-          <a:bodyPr wrap="none" rtlCol="0">
-            <a:spAutoFit/>
-          </a:bodyPr>
-          <a:lstStyle/>
-          <a:p>
-            <a:pPr>
-              <a:lnSpc>
-                <a:spcPct val="150000"/>
-              </a:lnSpc>
-            </a:pPr>
-            <a:r>
-              <a:rPr lang="en-US" sz="2000" b="1" dirty="0" smtClean="0"/>
-              <a:t>Loan</a:t>
-            </a:r>
-          </a:p>
-          <a:p>
-            <a:pPr marL="285750" indent="-285750">
-              <a:lnSpc>
-                <a:spcPct val="150000"/>
-              </a:lnSpc>
-              <a:buFont typeface="Arial" panose="020B0604020202020204" pitchFamily="34" charset="0"/>
-              <a:buChar char="•"/>
-            </a:pPr>
-            <a:r>
-              <a:rPr lang="en-US" sz="2000" dirty="0" smtClean="0"/>
-              <a:t>$500,000</a:t>
-            </a:r>
-          </a:p>
-          <a:p>
-            <a:pPr marL="285750" indent="-285750">
-              <a:lnSpc>
-                <a:spcPct val="150000"/>
-              </a:lnSpc>
-              <a:buFont typeface="Arial" panose="020B0604020202020204" pitchFamily="34" charset="0"/>
-              <a:buChar char="•"/>
-            </a:pPr>
-            <a:r>
-              <a:rPr lang="en-US" sz="2000" dirty="0" smtClean="0"/>
-              <a:t>10 year</a:t>
-            </a:r>
-          </a:p>
-        </p:txBody>
-      </p:sp>
-      <p:sp>
-        <p:nvSpPr>
-          <p:cNvPr id="7" name="TextBox 6"/>
-          <p:cNvSpPr txBox="1"/>
+          <a:ln>
+            <a:noFill/>
+          </a:ln>
+          <a:effectLst>
+            <a:outerShdw blurRad="50800" dist="38100" dir="2700000" algn="tl" rotWithShape="0">
+              <a:prstClr val="black">
+                <a:alpha val="40000"/>
+              </a:prstClr>
+            </a:outerShdw>
+          </a:effectLst>
+          <a:extLst>
+            <a:ext uri="{909E8E84-426E-40DD-AFC4-6F175D3DCCD1}">
+              <a14:hiddenFill xmlns:a14="http://schemas.microsoft.com/office/drawing/2010/main">
+                <a:solidFill>
+                  <a:schemeClr val="accent1"/>
+                </a:solidFill>
+              </a14:hiddenFill>
+            </a:ext>
+            <a:ext uri="{91240B29-F687-4F45-9708-019B960494DF}">
+              <a14:hiddenLine xmlns:a14="http://schemas.microsoft.com/office/drawing/2010/main" w="9525">
+                <a:solidFill>
+                  <a:schemeClr val="tx1"/>
+                </a:solidFill>
+                <a:miter lim="800000"/>
+                <a:headEnd/>
+                <a:tailEnd/>
+              </a14:hiddenLine>
+            </a:ext>
+          </a:extLst>
+        </p:spPr>
+      </p:pic>
+      <p:pic>
+        <p:nvPicPr>
+          <p:cNvPr id="1028" name="Picture 4"/>
+          <p:cNvPicPr>
+            <a:picLocks noChangeAspect="1" noChangeArrowheads="1"/>
+          </p:cNvPicPr>
           <p:nvPr/>
-        </p:nvSpPr>
-        <p:spPr>
-          <a:xfrm>
-            <a:off x="6786336" y="4572000"/>
-            <a:ext cx="1075872" cy="1015663"/>
+        </p:nvPicPr>
+        <p:blipFill>
+          <a:blip r:embed="rId4">
+            <a:extLst>
+              <a:ext uri="{28A0092B-C50C-407E-A947-70E740481C1C}">
+                <a14:useLocalDpi xmlns:a14="http://schemas.microsoft.com/office/drawing/2010/main" val="0"/>
+              </a:ext>
+            </a:extLst>
+          </a:blip>
+          <a:srcRect/>
+          <a:stretch>
+            <a:fillRect/>
+          </a:stretch>
+        </p:blipFill>
+        <p:spPr bwMode="auto">
+          <a:xfrm>
+            <a:off x="6096000" y="3191496"/>
+            <a:ext cx="2324100" cy="3467100"/>
           </a:xfrm>
           <a:prstGeom prst="rect">
             <a:avLst/>
           </a:prstGeom>
           <a:noFill/>
-        </p:spPr>
-        <p:txBody>
-          <a:bodyPr wrap="none" rtlCol="0">
-            <a:spAutoFit/>
-          </a:bodyPr>
-          <a:lstStyle/>
-          <a:p>
-            <a:pPr>
-              <a:lnSpc>
-                <a:spcPct val="150000"/>
-              </a:lnSpc>
-            </a:pPr>
-            <a:r>
-              <a:rPr lang="en-US" sz="2000" b="1" dirty="0" smtClean="0"/>
-              <a:t>Tax Rate</a:t>
-            </a:r>
-          </a:p>
-          <a:p>
-            <a:pPr marL="285750" indent="-285750">
-              <a:lnSpc>
-                <a:spcPct val="150000"/>
-              </a:lnSpc>
-              <a:buFont typeface="Arial" panose="020B0604020202020204" pitchFamily="34" charset="0"/>
-              <a:buChar char="•"/>
-            </a:pPr>
-            <a:r>
-              <a:rPr lang="en-US" sz="2000" dirty="0" smtClean="0"/>
-              <a:t>34%</a:t>
-            </a:r>
-          </a:p>
-        </p:txBody>
-      </p:sp>
+          <a:ln>
+            <a:noFill/>
+          </a:ln>
+          <a:effectLst>
+            <a:outerShdw blurRad="50800" dist="38100" dir="2700000" algn="tl" rotWithShape="0">
+              <a:prstClr val="black">
+                <a:alpha val="40000"/>
+              </a:prstClr>
+            </a:outerShdw>
+          </a:effectLst>
+          <a:extLst>
+            <a:ext uri="{909E8E84-426E-40DD-AFC4-6F175D3DCCD1}">
+              <a14:hiddenFill xmlns:a14="http://schemas.microsoft.com/office/drawing/2010/main">
+                <a:solidFill>
+                  <a:schemeClr val="accent1"/>
+                </a:solidFill>
+              </a14:hiddenFill>
+            </a:ext>
+            <a:ext uri="{91240B29-F687-4F45-9708-019B960494DF}">
+              <a14:hiddenLine xmlns:a14="http://schemas.microsoft.com/office/drawing/2010/main" w="9525">
+                <a:solidFill>
+                  <a:schemeClr val="tx1"/>
+                </a:solidFill>
+                <a:miter lim="800000"/>
+                <a:headEnd/>
+                <a:tailEnd/>
+              </a14:hiddenLine>
+            </a:ext>
+          </a:extLst>
+        </p:spPr>
+      </p:pic>
     </p:spTree>
     <p:extLst>
       <p:ext uri="{BB962C8B-B14F-4D97-AF65-F5344CB8AC3E}">
